--- a/分布式计算/课件/06. 基本图算法（II）（初步版本）.pptx
+++ b/分布式计算/课件/06. 基本图算法（II）（初步版本）.pptx
@@ -283,7 +283,7 @@
               <a:pPr>
                 <a:defRPr/>
               </a:pPr>
-              <a:t>2019/3/31</a:t>
+              <a:t>2019/4/2</a:t>
             </a:fld>
             <a:endParaRPr lang="zh-CN" altLang="en-US"/>
           </a:p>
@@ -501,7 +501,7 @@
               <a:pPr>
                 <a:defRPr/>
               </a:pPr>
-              <a:t>2019/3/31</a:t>
+              <a:t>2019/4/2</a:t>
             </a:fld>
             <a:endParaRPr lang="zh-CN" altLang="en-US"/>
           </a:p>
@@ -861,7 +861,7 @@
           </a:ln>
           <a:extLst>
             <a:ext uri="{909E8E84-426E-40dd-AFC4-6F175D3DCCD1}">
-              <a14:hiddenFill xmlns="" xmlns:a14="http://schemas.microsoft.com/office/drawing/2010/main">
+              <a14:hiddenFill xmlns:a14="http://schemas.microsoft.com/office/drawing/2010/main" xmlns="">
                 <a:solidFill>
                   <a:srgbClr val="FFFFFF"/>
                 </a:solidFill>
@@ -884,14 +884,14 @@
           <a:noFill/>
           <a:extLst>
             <a:ext uri="{909E8E84-426E-40dd-AFC4-6F175D3DCCD1}">
-              <a14:hiddenFill xmlns="" xmlns:a14="http://schemas.microsoft.com/office/drawing/2010/main">
+              <a14:hiddenFill xmlns:a14="http://schemas.microsoft.com/office/drawing/2010/main" xmlns="">
                 <a:solidFill>
                   <a:srgbClr val="FFFFFF"/>
                 </a:solidFill>
               </a14:hiddenFill>
             </a:ext>
             <a:ext uri="{91240B29-F687-4f45-9708-019B960494DF}">
-              <a14:hiddenLine xmlns="" xmlns:a14="http://schemas.microsoft.com/office/drawing/2010/main" w="9525">
+              <a14:hiddenLine xmlns:a14="http://schemas.microsoft.com/office/drawing/2010/main" xmlns="" w="9525">
                 <a:solidFill>
                   <a:srgbClr val="000000"/>
                 </a:solidFill>
@@ -1107,7 +1107,7 @@
           </a:ln>
           <a:extLst>
             <a:ext uri="{909E8E84-426E-40dd-AFC4-6F175D3DCCD1}">
-              <a14:hiddenFill xmlns:a14="http://schemas.microsoft.com/office/drawing/2010/main" xmlns="">
+              <a14:hiddenFill xmlns="" xmlns:a14="http://schemas.microsoft.com/office/drawing/2010/main">
                 <a:solidFill>
                   <a:srgbClr val="FFFFFF"/>
                 </a:solidFill>
@@ -1130,14 +1130,14 @@
           <a:noFill/>
           <a:extLst>
             <a:ext uri="{909E8E84-426E-40dd-AFC4-6F175D3DCCD1}">
-              <a14:hiddenFill xmlns:a14="http://schemas.microsoft.com/office/drawing/2010/main" xmlns="">
+              <a14:hiddenFill xmlns="" xmlns:a14="http://schemas.microsoft.com/office/drawing/2010/main">
                 <a:solidFill>
                   <a:srgbClr val="FFFFFF"/>
                 </a:solidFill>
               </a14:hiddenFill>
             </a:ext>
             <a:ext uri="{91240B29-F687-4f45-9708-019B960494DF}">
-              <a14:hiddenLine xmlns:a14="http://schemas.microsoft.com/office/drawing/2010/main" xmlns="" w="9525">
+              <a14:hiddenLine xmlns="" xmlns:a14="http://schemas.microsoft.com/office/drawing/2010/main" w="9525">
                 <a:solidFill>
                   <a:srgbClr val="000000"/>
                 </a:solidFill>
@@ -1376,7 +1376,7 @@
           </a:ln>
           <a:extLst>
             <a:ext uri="{909E8E84-426E-40dd-AFC4-6F175D3DCCD1}">
-              <a14:hiddenFill xmlns:a14="http://schemas.microsoft.com/office/drawing/2010/main" xmlns="">
+              <a14:hiddenFill xmlns="" xmlns:a14="http://schemas.microsoft.com/office/drawing/2010/main">
                 <a:solidFill>
                   <a:srgbClr val="FFFFFF"/>
                 </a:solidFill>
@@ -1399,14 +1399,14 @@
           <a:noFill/>
           <a:extLst>
             <a:ext uri="{909E8E84-426E-40dd-AFC4-6F175D3DCCD1}">
-              <a14:hiddenFill xmlns:a14="http://schemas.microsoft.com/office/drawing/2010/main" xmlns="">
+              <a14:hiddenFill xmlns="" xmlns:a14="http://schemas.microsoft.com/office/drawing/2010/main">
                 <a:solidFill>
                   <a:srgbClr val="FFFFFF"/>
                 </a:solidFill>
               </a14:hiddenFill>
             </a:ext>
             <a:ext uri="{91240B29-F687-4f45-9708-019B960494DF}">
-              <a14:hiddenLine xmlns:a14="http://schemas.microsoft.com/office/drawing/2010/main" xmlns="" w="9525">
+              <a14:hiddenLine xmlns="" xmlns:a14="http://schemas.microsoft.com/office/drawing/2010/main" w="9525">
                 <a:solidFill>
                   <a:srgbClr val="000000"/>
                 </a:solidFill>
@@ -1622,7 +1622,7 @@
           </a:ln>
           <a:extLst>
             <a:ext uri="{909E8E84-426E-40dd-AFC4-6F175D3DCCD1}">
-              <a14:hiddenFill xmlns="" xmlns:a14="http://schemas.microsoft.com/office/drawing/2010/main">
+              <a14:hiddenFill xmlns:a14="http://schemas.microsoft.com/office/drawing/2010/main" xmlns="">
                 <a:solidFill>
                   <a:srgbClr val="FFFFFF"/>
                 </a:solidFill>
@@ -1645,14 +1645,14 @@
           <a:noFill/>
           <a:extLst>
             <a:ext uri="{909E8E84-426E-40dd-AFC4-6F175D3DCCD1}">
-              <a14:hiddenFill xmlns="" xmlns:a14="http://schemas.microsoft.com/office/drawing/2010/main">
+              <a14:hiddenFill xmlns:a14="http://schemas.microsoft.com/office/drawing/2010/main" xmlns="">
                 <a:solidFill>
                   <a:srgbClr val="FFFFFF"/>
                 </a:solidFill>
               </a14:hiddenFill>
             </a:ext>
             <a:ext uri="{91240B29-F687-4f45-9708-019B960494DF}">
-              <a14:hiddenLine xmlns="" xmlns:a14="http://schemas.microsoft.com/office/drawing/2010/main" w="9525">
+              <a14:hiddenLine xmlns:a14="http://schemas.microsoft.com/office/drawing/2010/main" xmlns="" w="9525">
                 <a:solidFill>
                   <a:srgbClr val="000000"/>
                 </a:solidFill>
@@ -1868,7 +1868,7 @@
           </a:ln>
           <a:extLst>
             <a:ext uri="{909E8E84-426E-40dd-AFC4-6F175D3DCCD1}">
-              <a14:hiddenFill xmlns:a14="http://schemas.microsoft.com/office/drawing/2010/main" xmlns="">
+              <a14:hiddenFill xmlns="" xmlns:a14="http://schemas.microsoft.com/office/drawing/2010/main">
                 <a:solidFill>
                   <a:srgbClr val="FFFFFF"/>
                 </a:solidFill>
@@ -1891,14 +1891,14 @@
           <a:noFill/>
           <a:extLst>
             <a:ext uri="{909E8E84-426E-40dd-AFC4-6F175D3DCCD1}">
-              <a14:hiddenFill xmlns:a14="http://schemas.microsoft.com/office/drawing/2010/main" xmlns="">
+              <a14:hiddenFill xmlns="" xmlns:a14="http://schemas.microsoft.com/office/drawing/2010/main">
                 <a:solidFill>
                   <a:srgbClr val="FFFFFF"/>
                 </a:solidFill>
               </a14:hiddenFill>
             </a:ext>
             <a:ext uri="{91240B29-F687-4f45-9708-019B960494DF}">
-              <a14:hiddenLine xmlns:a14="http://schemas.microsoft.com/office/drawing/2010/main" xmlns="" w="9525">
+              <a14:hiddenLine xmlns="" xmlns:a14="http://schemas.microsoft.com/office/drawing/2010/main" w="9525">
                 <a:solidFill>
                   <a:srgbClr val="000000"/>
                 </a:solidFill>
@@ -1917,7 +1917,34 @@
           </a:bodyPr>
           <a:lstStyle/>
           <a:p>
-            <a:endParaRPr lang="zh-CN" altLang="en-US" dirty="0"/>
+            <a:r>
+              <a:rPr lang="zh-CN" altLang="en-US" dirty="0"/>
+              <a:t>代码行</a:t>
+            </a:r>
+            <a:r>
+              <a:rPr lang="en-US" altLang="zh-CN" dirty="0"/>
+              <a:t>1b</a:t>
+            </a:r>
+            <a:r>
+              <a:rPr lang="zh-CN" altLang="en-US" dirty="0"/>
+              <a:t>：要成为根节点，自己给自己发送</a:t>
+            </a:r>
+            <a:r>
+              <a:rPr lang="en-US" altLang="zh-CN" dirty="0"/>
+              <a:t>query</a:t>
+            </a:r>
+            <a:r>
+              <a:rPr lang="zh-CN" altLang="en-US" dirty="0"/>
+              <a:t>消息！为使后续</a:t>
+            </a:r>
+            <a:r>
+              <a:rPr lang="en-US" altLang="zh-CN" dirty="0"/>
+              <a:t>query</a:t>
+            </a:r>
+            <a:r>
+              <a:rPr lang="zh-CN" altLang="en-US" dirty="0"/>
+              <a:t>操作方便，不用单独考虑根节点</a:t>
+            </a:r>
           </a:p>
         </p:txBody>
       </p:sp>
@@ -2114,7 +2141,7 @@
           </a:ln>
           <a:extLst>
             <a:ext uri="{909E8E84-426E-40dd-AFC4-6F175D3DCCD1}">
-              <a14:hiddenFill xmlns:a14="http://schemas.microsoft.com/office/drawing/2010/main" xmlns="">
+              <a14:hiddenFill xmlns="" xmlns:a14="http://schemas.microsoft.com/office/drawing/2010/main">
                 <a:solidFill>
                   <a:srgbClr val="FFFFFF"/>
                 </a:solidFill>
@@ -2137,14 +2164,14 @@
           <a:noFill/>
           <a:extLst>
             <a:ext uri="{909E8E84-426E-40dd-AFC4-6F175D3DCCD1}">
-              <a14:hiddenFill xmlns:a14="http://schemas.microsoft.com/office/drawing/2010/main" xmlns="">
+              <a14:hiddenFill xmlns="" xmlns:a14="http://schemas.microsoft.com/office/drawing/2010/main">
                 <a:solidFill>
                   <a:srgbClr val="FFFFFF"/>
                 </a:solidFill>
               </a14:hiddenFill>
             </a:ext>
             <a:ext uri="{91240B29-F687-4f45-9708-019B960494DF}">
-              <a14:hiddenLine xmlns:a14="http://schemas.microsoft.com/office/drawing/2010/main" xmlns="" w="9525">
+              <a14:hiddenLine xmlns="" xmlns:a14="http://schemas.microsoft.com/office/drawing/2010/main" w="9525">
                 <a:solidFill>
                   <a:srgbClr val="000000"/>
                 </a:solidFill>
@@ -2162,6 +2189,37 @@
             </a:prstTxWarp>
           </a:bodyPr>
           <a:lstStyle/>
+          <a:p>
+            <a:r>
+              <a:rPr lang="zh-CN" altLang="en-US" dirty="0"/>
+              <a:t>代码行</a:t>
+            </a:r>
+            <a:r>
+              <a:rPr lang="en-US" altLang="zh-CN" dirty="0"/>
+              <a:t>2e</a:t>
+            </a:r>
+            <a:r>
+              <a:rPr lang="zh-CN" altLang="en-US" dirty="0"/>
+              <a:t>：只选择</a:t>
+            </a:r>
+            <a:r>
+              <a:rPr lang="en-US" altLang="zh-CN" dirty="0"/>
+              <a:t>unknown</a:t>
+            </a:r>
+            <a:r>
+              <a:rPr lang="zh-CN" altLang="en-US" dirty="0"/>
+              <a:t>中的某个节点发送</a:t>
+            </a:r>
+            <a:r>
+              <a:rPr lang="en-US" altLang="zh-CN" dirty="0"/>
+              <a:t>query</a:t>
+            </a:r>
+            <a:r>
+              <a:rPr lang="zh-CN" altLang="en-US" dirty="0"/>
+              <a:t>消息，因为这是深度优先搜索；</a:t>
+            </a:r>
+            <a:endParaRPr lang="en-US" altLang="zh-CN" dirty="0"/>
+          </a:p>
           <a:p>
             <a:endParaRPr lang="zh-CN" altLang="en-US" dirty="0"/>
           </a:p>
@@ -2360,7 +2418,7 @@
           </a:ln>
           <a:extLst>
             <a:ext uri="{909E8E84-426E-40dd-AFC4-6F175D3DCCD1}">
-              <a14:hiddenFill xmlns:a14="http://schemas.microsoft.com/office/drawing/2010/main" xmlns="">
+              <a14:hiddenFill xmlns="" xmlns:a14="http://schemas.microsoft.com/office/drawing/2010/main">
                 <a:solidFill>
                   <a:srgbClr val="FFFFFF"/>
                 </a:solidFill>
@@ -2383,14 +2441,14 @@
           <a:noFill/>
           <a:extLst>
             <a:ext uri="{909E8E84-426E-40dd-AFC4-6F175D3DCCD1}">
-              <a14:hiddenFill xmlns:a14="http://schemas.microsoft.com/office/drawing/2010/main" xmlns="">
+              <a14:hiddenFill xmlns="" xmlns:a14="http://schemas.microsoft.com/office/drawing/2010/main">
                 <a:solidFill>
                   <a:srgbClr val="FFFFFF"/>
                 </a:solidFill>
               </a14:hiddenFill>
             </a:ext>
             <a:ext uri="{91240B29-F687-4f45-9708-019B960494DF}">
-              <a14:hiddenLine xmlns:a14="http://schemas.microsoft.com/office/drawing/2010/main" xmlns="" w="9525">
+              <a14:hiddenLine xmlns="" xmlns:a14="http://schemas.microsoft.com/office/drawing/2010/main" w="9525">
                 <a:solidFill>
                   <a:srgbClr val="000000"/>
                 </a:solidFill>
@@ -2606,7 +2664,7 @@
           </a:ln>
           <a:extLst>
             <a:ext uri="{909E8E84-426E-40dd-AFC4-6F175D3DCCD1}">
-              <a14:hiddenFill xmlns:a14="http://schemas.microsoft.com/office/drawing/2010/main" xmlns="">
+              <a14:hiddenFill xmlns="" xmlns:a14="http://schemas.microsoft.com/office/drawing/2010/main">
                 <a:solidFill>
                   <a:srgbClr val="FFFFFF"/>
                 </a:solidFill>
@@ -2629,14 +2687,14 @@
           <a:noFill/>
           <a:extLst>
             <a:ext uri="{909E8E84-426E-40dd-AFC4-6F175D3DCCD1}">
-              <a14:hiddenFill xmlns:a14="http://schemas.microsoft.com/office/drawing/2010/main" xmlns="">
+              <a14:hiddenFill xmlns="" xmlns:a14="http://schemas.microsoft.com/office/drawing/2010/main">
                 <a:solidFill>
                   <a:srgbClr val="FFFFFF"/>
                 </a:solidFill>
               </a14:hiddenFill>
             </a:ext>
             <a:ext uri="{91240B29-F687-4f45-9708-019B960494DF}">
-              <a14:hiddenLine xmlns:a14="http://schemas.microsoft.com/office/drawing/2010/main" xmlns="" w="9525">
+              <a14:hiddenLine xmlns="" xmlns:a14="http://schemas.microsoft.com/office/drawing/2010/main" w="9525">
                 <a:solidFill>
                   <a:srgbClr val="000000"/>
                 </a:solidFill>
@@ -2655,7 +2713,17 @@
           </a:bodyPr>
           <a:lstStyle/>
           <a:p>
-            <a:endParaRPr lang="zh-CN" altLang="en-US" dirty="0"/>
+            <a:r>
+              <a:rPr lang="zh-CN" altLang="en-US" dirty="0"/>
+              <a:t>单源最短路和最小生成树是一个互逆的过程。</a:t>
+            </a:r>
+            <a:endParaRPr lang="en-US" altLang="zh-CN" dirty="0"/>
+          </a:p>
+          <a:p>
+            <a:r>
+              <a:rPr lang="zh-CN" altLang="en-US" dirty="0"/>
+              <a:t>同步：所有的进程都在执行上述代码，同步要求任意两个进程执行代码的进度一样，这是理想情况，不太可能实现；</a:t>
+            </a:r>
           </a:p>
         </p:txBody>
       </p:sp>
@@ -2852,7 +2920,7 @@
           </a:ln>
           <a:extLst>
             <a:ext uri="{909E8E84-426E-40dd-AFC4-6F175D3DCCD1}">
-              <a14:hiddenFill xmlns:a14="http://schemas.microsoft.com/office/drawing/2010/main" xmlns="">
+              <a14:hiddenFill xmlns="" xmlns:a14="http://schemas.microsoft.com/office/drawing/2010/main">
                 <a:solidFill>
                   <a:srgbClr val="FFFFFF"/>
                 </a:solidFill>
@@ -2875,14 +2943,14 @@
           <a:noFill/>
           <a:extLst>
             <a:ext uri="{909E8E84-426E-40dd-AFC4-6F175D3DCCD1}">
-              <a14:hiddenFill xmlns:a14="http://schemas.microsoft.com/office/drawing/2010/main" xmlns="">
+              <a14:hiddenFill xmlns="" xmlns:a14="http://schemas.microsoft.com/office/drawing/2010/main">
                 <a:solidFill>
                   <a:srgbClr val="FFFFFF"/>
                 </a:solidFill>
               </a14:hiddenFill>
             </a:ext>
             <a:ext uri="{91240B29-F687-4f45-9708-019B960494DF}">
-              <a14:hiddenLine xmlns:a14="http://schemas.microsoft.com/office/drawing/2010/main" xmlns="" w="9525">
+              <a14:hiddenLine xmlns="" xmlns:a14="http://schemas.microsoft.com/office/drawing/2010/main" w="9525">
                 <a:solidFill>
                   <a:srgbClr val="000000"/>
                 </a:solidFill>
@@ -3098,7 +3166,7 @@
           </a:ln>
           <a:extLst>
             <a:ext uri="{909E8E84-426E-40dd-AFC4-6F175D3DCCD1}">
-              <a14:hiddenFill xmlns:a14="http://schemas.microsoft.com/office/drawing/2010/main" xmlns="">
+              <a14:hiddenFill xmlns="" xmlns:a14="http://schemas.microsoft.com/office/drawing/2010/main">
                 <a:solidFill>
                   <a:srgbClr val="FFFFFF"/>
                 </a:solidFill>
@@ -3121,14 +3189,14 @@
           <a:noFill/>
           <a:extLst>
             <a:ext uri="{909E8E84-426E-40dd-AFC4-6F175D3DCCD1}">
-              <a14:hiddenFill xmlns:a14="http://schemas.microsoft.com/office/drawing/2010/main" xmlns="">
+              <a14:hiddenFill xmlns="" xmlns:a14="http://schemas.microsoft.com/office/drawing/2010/main">
                 <a:solidFill>
                   <a:srgbClr val="FFFFFF"/>
                 </a:solidFill>
               </a14:hiddenFill>
             </a:ext>
             <a:ext uri="{91240B29-F687-4f45-9708-019B960494DF}">
-              <a14:hiddenLine xmlns:a14="http://schemas.microsoft.com/office/drawing/2010/main" xmlns="" w="9525">
+              <a14:hiddenLine xmlns="" xmlns:a14="http://schemas.microsoft.com/office/drawing/2010/main" w="9525">
                 <a:solidFill>
                   <a:srgbClr val="000000"/>
                 </a:solidFill>
@@ -3344,7 +3412,7 @@
           </a:ln>
           <a:extLst>
             <a:ext uri="{909E8E84-426E-40dd-AFC4-6F175D3DCCD1}">
-              <a14:hiddenFill xmlns:a14="http://schemas.microsoft.com/office/drawing/2010/main" xmlns="">
+              <a14:hiddenFill xmlns="" xmlns:a14="http://schemas.microsoft.com/office/drawing/2010/main">
                 <a:solidFill>
                   <a:srgbClr val="FFFFFF"/>
                 </a:solidFill>
@@ -3367,14 +3435,14 @@
           <a:noFill/>
           <a:extLst>
             <a:ext uri="{909E8E84-426E-40dd-AFC4-6F175D3DCCD1}">
-              <a14:hiddenFill xmlns:a14="http://schemas.microsoft.com/office/drawing/2010/main" xmlns="">
+              <a14:hiddenFill xmlns="" xmlns:a14="http://schemas.microsoft.com/office/drawing/2010/main">
                 <a:solidFill>
                   <a:srgbClr val="FFFFFF"/>
                 </a:solidFill>
               </a14:hiddenFill>
             </a:ext>
             <a:ext uri="{91240B29-F687-4f45-9708-019B960494DF}">
-              <a14:hiddenLine xmlns:a14="http://schemas.microsoft.com/office/drawing/2010/main" xmlns="" w="9525">
+              <a14:hiddenLine xmlns="" xmlns:a14="http://schemas.microsoft.com/office/drawing/2010/main" w="9525">
                 <a:solidFill>
                   <a:srgbClr val="000000"/>
                 </a:solidFill>
@@ -3590,7 +3658,7 @@
           </a:ln>
           <a:extLst>
             <a:ext uri="{909E8E84-426E-40dd-AFC4-6F175D3DCCD1}">
-              <a14:hiddenFill xmlns:a14="http://schemas.microsoft.com/office/drawing/2010/main" xmlns="">
+              <a14:hiddenFill xmlns="" xmlns:a14="http://schemas.microsoft.com/office/drawing/2010/main">
                 <a:solidFill>
                   <a:srgbClr val="FFFFFF"/>
                 </a:solidFill>
@@ -3613,14 +3681,14 @@
           <a:noFill/>
           <a:extLst>
             <a:ext uri="{909E8E84-426E-40dd-AFC4-6F175D3DCCD1}">
-              <a14:hiddenFill xmlns:a14="http://schemas.microsoft.com/office/drawing/2010/main" xmlns="">
+              <a14:hiddenFill xmlns="" xmlns:a14="http://schemas.microsoft.com/office/drawing/2010/main">
                 <a:solidFill>
                   <a:srgbClr val="FFFFFF"/>
                 </a:solidFill>
               </a14:hiddenFill>
             </a:ext>
             <a:ext uri="{91240B29-F687-4f45-9708-019B960494DF}">
-              <a14:hiddenLine xmlns:a14="http://schemas.microsoft.com/office/drawing/2010/main" xmlns="" w="9525">
+              <a14:hiddenLine xmlns="" xmlns:a14="http://schemas.microsoft.com/office/drawing/2010/main" w="9525">
                 <a:solidFill>
                   <a:srgbClr val="000000"/>
                 </a:solidFill>
@@ -6582,14 +6650,14 @@
           </a:ln>
           <a:extLst>
             <a:ext uri="{909E8E84-426E-40dd-AFC4-6F175D3DCCD1}">
-              <a14:hiddenFill xmlns="" xmlns:a14="http://schemas.microsoft.com/office/drawing/2010/main">
+              <a14:hiddenFill xmlns:a14="http://schemas.microsoft.com/office/drawing/2010/main" xmlns="">
                 <a:solidFill>
                   <a:srgbClr val="FFFFFF"/>
                 </a:solidFill>
               </a14:hiddenFill>
             </a:ext>
             <a:ext uri="{91240B29-F687-4f45-9708-019B960494DF}">
-              <a14:hiddenLine xmlns="" xmlns:a14="http://schemas.microsoft.com/office/drawing/2010/main" w="9525">
+              <a14:hiddenLine xmlns:a14="http://schemas.microsoft.com/office/drawing/2010/main" xmlns="" w="9525">
                 <a:solidFill>
                   <a:srgbClr val="000000"/>
                 </a:solidFill>
@@ -6640,14 +6708,14 @@
           </a:ln>
           <a:extLst>
             <a:ext uri="{909E8E84-426E-40dd-AFC4-6F175D3DCCD1}">
-              <a14:hiddenFill xmlns="" xmlns:a14="http://schemas.microsoft.com/office/drawing/2010/main">
+              <a14:hiddenFill xmlns:a14="http://schemas.microsoft.com/office/drawing/2010/main" xmlns="">
                 <a:solidFill>
                   <a:srgbClr val="FFFFFF"/>
                 </a:solidFill>
               </a14:hiddenFill>
             </a:ext>
             <a:ext uri="{91240B29-F687-4f45-9708-019B960494DF}">
-              <a14:hiddenLine xmlns="" xmlns:a14="http://schemas.microsoft.com/office/drawing/2010/main" w="9525">
+              <a14:hiddenLine xmlns:a14="http://schemas.microsoft.com/office/drawing/2010/main" xmlns="" w="9525">
                 <a:solidFill>
                   <a:srgbClr val="000000"/>
                 </a:solidFill>
@@ -7295,14 +7363,14 @@
           </a:ln>
           <a:extLst>
             <a:ext uri="{909E8E84-426E-40dd-AFC4-6F175D3DCCD1}">
-              <a14:hiddenFill xmlns="" xmlns:a14="http://schemas.microsoft.com/office/drawing/2010/main">
+              <a14:hiddenFill xmlns:a14="http://schemas.microsoft.com/office/drawing/2010/main" xmlns="">
                 <a:solidFill>
                   <a:srgbClr val="FFFFFF"/>
                 </a:solidFill>
               </a14:hiddenFill>
             </a:ext>
             <a:ext uri="{91240B29-F687-4f45-9708-019B960494DF}">
-              <a14:hiddenLine xmlns="" xmlns:a14="http://schemas.microsoft.com/office/drawing/2010/main" w="9525">
+              <a14:hiddenLine xmlns:a14="http://schemas.microsoft.com/office/drawing/2010/main" xmlns="" w="9525">
                 <a:solidFill>
                   <a:srgbClr val="000000"/>
                 </a:solidFill>
@@ -7466,14 +7534,14 @@
           </a:ln>
           <a:extLst>
             <a:ext uri="{909E8E84-426E-40dd-AFC4-6F175D3DCCD1}">
-              <a14:hiddenFill xmlns="" xmlns:a14="http://schemas.microsoft.com/office/drawing/2010/main">
+              <a14:hiddenFill xmlns:a14="http://schemas.microsoft.com/office/drawing/2010/main" xmlns="">
                 <a:solidFill>
                   <a:srgbClr val="FFFFFF"/>
                 </a:solidFill>
               </a14:hiddenFill>
             </a:ext>
             <a:ext uri="{91240B29-F687-4f45-9708-019B960494DF}">
-              <a14:hiddenLine xmlns="" xmlns:a14="http://schemas.microsoft.com/office/drawing/2010/main" w="9525">
+              <a14:hiddenLine xmlns:a14="http://schemas.microsoft.com/office/drawing/2010/main" xmlns="" w="9525">
                 <a:solidFill>
                   <a:srgbClr val="000000"/>
                 </a:solidFill>
@@ -7659,14 +7727,14 @@
           </a:ln>
           <a:extLst>
             <a:ext uri="{909E8E84-426E-40dd-AFC4-6F175D3DCCD1}">
-              <a14:hiddenFill xmlns="" xmlns:a14="http://schemas.microsoft.com/office/drawing/2010/main">
+              <a14:hiddenFill xmlns:a14="http://schemas.microsoft.com/office/drawing/2010/main" xmlns="">
                 <a:solidFill>
                   <a:srgbClr val="FFFFFF"/>
                 </a:solidFill>
               </a14:hiddenFill>
             </a:ext>
             <a:ext uri="{91240B29-F687-4f45-9708-019B960494DF}">
-              <a14:hiddenLine xmlns="" xmlns:a14="http://schemas.microsoft.com/office/drawing/2010/main" w="9525">
+              <a14:hiddenLine xmlns:a14="http://schemas.microsoft.com/office/drawing/2010/main" xmlns="" w="9525">
                 <a:solidFill>
                   <a:srgbClr val="000000"/>
                 </a:solidFill>
@@ -7713,14 +7781,14 @@
           </a:ln>
           <a:extLst>
             <a:ext uri="{909E8E84-426E-40dd-AFC4-6F175D3DCCD1}">
-              <a14:hiddenFill xmlns="" xmlns:a14="http://schemas.microsoft.com/office/drawing/2010/main">
+              <a14:hiddenFill xmlns:a14="http://schemas.microsoft.com/office/drawing/2010/main" xmlns="">
                 <a:solidFill>
                   <a:srgbClr val="FFFFFF"/>
                 </a:solidFill>
               </a14:hiddenFill>
             </a:ext>
             <a:ext uri="{91240B29-F687-4f45-9708-019B960494DF}">
-              <a14:hiddenLine xmlns="" xmlns:a14="http://schemas.microsoft.com/office/drawing/2010/main" w="9525">
+              <a14:hiddenLine xmlns:a14="http://schemas.microsoft.com/office/drawing/2010/main" xmlns="" w="9525">
                 <a:solidFill>
                   <a:srgbClr val="000000"/>
                 </a:solidFill>
@@ -7862,14 +7930,14 @@
           </a:ln>
           <a:extLst>
             <a:ext uri="{909E8E84-426E-40dd-AFC4-6F175D3DCCD1}">
-              <a14:hiddenFill xmlns:a14="http://schemas.microsoft.com/office/drawing/2010/main" xmlns="">
+              <a14:hiddenFill xmlns="" xmlns:a14="http://schemas.microsoft.com/office/drawing/2010/main">
                 <a:solidFill>
                   <a:srgbClr val="FFFFFF"/>
                 </a:solidFill>
               </a14:hiddenFill>
             </a:ext>
             <a:ext uri="{91240B29-F687-4f45-9708-019B960494DF}">
-              <a14:hiddenLine xmlns:a14="http://schemas.microsoft.com/office/drawing/2010/main" xmlns="" w="9525">
+              <a14:hiddenLine xmlns="" xmlns:a14="http://schemas.microsoft.com/office/drawing/2010/main" w="9525">
                 <a:solidFill>
                   <a:srgbClr val="000000"/>
                 </a:solidFill>
@@ -8115,14 +8183,14 @@
           </a:ln>
           <a:extLst>
             <a:ext uri="{909E8E84-426E-40dd-AFC4-6F175D3DCCD1}">
-              <a14:hiddenFill xmlns:a14="http://schemas.microsoft.com/office/drawing/2010/main" xmlns="">
+              <a14:hiddenFill xmlns="" xmlns:a14="http://schemas.microsoft.com/office/drawing/2010/main">
                 <a:solidFill>
                   <a:srgbClr val="FFFFFF"/>
                 </a:solidFill>
               </a14:hiddenFill>
             </a:ext>
             <a:ext uri="{91240B29-F687-4f45-9708-019B960494DF}">
-              <a14:hiddenLine xmlns:a14="http://schemas.microsoft.com/office/drawing/2010/main" xmlns="" w="9525">
+              <a14:hiddenLine xmlns="" xmlns:a14="http://schemas.microsoft.com/office/drawing/2010/main" w="9525">
                 <a:solidFill>
                   <a:srgbClr val="000000"/>
                 </a:solidFill>
@@ -8343,14 +8411,14 @@
           <a:noFill/>
           <a:extLst>
             <a:ext uri="{909E8E84-426E-40dd-AFC4-6F175D3DCCD1}">
-              <a14:hiddenFill xmlns:a14="http://schemas.microsoft.com/office/drawing/2010/main" xmlns="">
+              <a14:hiddenFill xmlns="" xmlns:a14="http://schemas.microsoft.com/office/drawing/2010/main">
                 <a:solidFill>
                   <a:srgbClr val="FFFFFF"/>
                 </a:solidFill>
               </a14:hiddenFill>
             </a:ext>
             <a:ext uri="{91240B29-F687-4f45-9708-019B960494DF}">
-              <a14:hiddenLine xmlns:a14="http://schemas.microsoft.com/office/drawing/2010/main" xmlns="" w="9525">
+              <a14:hiddenLine xmlns="" xmlns:a14="http://schemas.microsoft.com/office/drawing/2010/main" w="9525">
                 <a:solidFill>
                   <a:srgbClr val="000000"/>
                 </a:solidFill>
@@ -8569,14 +8637,14 @@
           </a:ln>
           <a:extLst>
             <a:ext uri="{909E8E84-426E-40dd-AFC4-6F175D3DCCD1}">
-              <a14:hiddenFill xmlns:a14="http://schemas.microsoft.com/office/drawing/2010/main" xmlns="">
+              <a14:hiddenFill xmlns="" xmlns:a14="http://schemas.microsoft.com/office/drawing/2010/main">
                 <a:solidFill>
                   <a:srgbClr val="FFFFFF"/>
                 </a:solidFill>
               </a14:hiddenFill>
             </a:ext>
             <a:ext uri="{91240B29-F687-4f45-9708-019B960494DF}">
-              <a14:hiddenLine xmlns:a14="http://schemas.microsoft.com/office/drawing/2010/main" xmlns="" w="9525">
+              <a14:hiddenLine xmlns="" xmlns:a14="http://schemas.microsoft.com/office/drawing/2010/main" w="9525">
                 <a:solidFill>
                   <a:srgbClr val="000000"/>
                 </a:solidFill>
@@ -8588,8 +8656,8 @@
           </a:extLst>
         </p:spPr>
       </p:pic>
-      <mc:AlternateContent xmlns:mc="http://schemas.openxmlformats.org/markup-compatibility/2006">
-        <mc:Choice xmlns:a14="http://schemas.microsoft.com/office/drawing/2010/main" Requires="a14">
+      <mc:AlternateContent xmlns:mc="http://schemas.openxmlformats.org/markup-compatibility/2006" xmlns:a14="http://schemas.microsoft.com/office/drawing/2010/main">
+        <mc:Choice Requires="a14">
           <p:sp>
             <p:nvSpPr>
               <p:cNvPr id="6" name="Subtitle 2">
@@ -9049,7 +9117,7 @@
             </p:txBody>
           </p:sp>
         </mc:Choice>
-        <mc:Fallback>
+        <mc:Fallback xmlns="">
           <p:sp>
             <p:nvSpPr>
               <p:cNvPr id="6" name="Subtitle 2">
@@ -9198,14 +9266,14 @@
           </a:ln>
           <a:extLst>
             <a:ext uri="{909E8E84-426E-40dd-AFC4-6F175D3DCCD1}">
-              <a14:hiddenFill xmlns:a14="http://schemas.microsoft.com/office/drawing/2010/main" xmlns="">
+              <a14:hiddenFill xmlns="" xmlns:a14="http://schemas.microsoft.com/office/drawing/2010/main">
                 <a:solidFill>
                   <a:srgbClr val="FFFFFF"/>
                 </a:solidFill>
               </a14:hiddenFill>
             </a:ext>
             <a:ext uri="{91240B29-F687-4f45-9708-019B960494DF}">
-              <a14:hiddenLine xmlns:a14="http://schemas.microsoft.com/office/drawing/2010/main" xmlns="" w="9525">
+              <a14:hiddenLine xmlns="" xmlns:a14="http://schemas.microsoft.com/office/drawing/2010/main" w="9525">
                 <a:solidFill>
                   <a:srgbClr val="000000"/>
                 </a:solidFill>
@@ -9426,14 +9494,14 @@
           <a:noFill/>
           <a:extLst>
             <a:ext uri="{909E8E84-426E-40dd-AFC4-6F175D3DCCD1}">
-              <a14:hiddenFill xmlns:a14="http://schemas.microsoft.com/office/drawing/2010/main" xmlns="">
+              <a14:hiddenFill xmlns="" xmlns:a14="http://schemas.microsoft.com/office/drawing/2010/main">
                 <a:solidFill>
                   <a:srgbClr val="FFFFFF"/>
                 </a:solidFill>
               </a14:hiddenFill>
             </a:ext>
             <a:ext uri="{91240B29-F687-4f45-9708-019B960494DF}">
-              <a14:hiddenLine xmlns:a14="http://schemas.microsoft.com/office/drawing/2010/main" xmlns="" w="9525">
+              <a14:hiddenLine xmlns="" xmlns:a14="http://schemas.microsoft.com/office/drawing/2010/main" w="9525">
                 <a:solidFill>
                   <a:srgbClr val="000000"/>
                 </a:solidFill>
@@ -9652,14 +9720,14 @@
           </a:ln>
           <a:extLst>
             <a:ext uri="{909E8E84-426E-40dd-AFC4-6F175D3DCCD1}">
-              <a14:hiddenFill xmlns:a14="http://schemas.microsoft.com/office/drawing/2010/main" xmlns="">
+              <a14:hiddenFill xmlns="" xmlns:a14="http://schemas.microsoft.com/office/drawing/2010/main">
                 <a:solidFill>
                   <a:srgbClr val="FFFFFF"/>
                 </a:solidFill>
               </a14:hiddenFill>
             </a:ext>
             <a:ext uri="{91240B29-F687-4f45-9708-019B960494DF}">
-              <a14:hiddenLine xmlns:a14="http://schemas.microsoft.com/office/drawing/2010/main" xmlns="" w="9525">
+              <a14:hiddenLine xmlns="" xmlns:a14="http://schemas.microsoft.com/office/drawing/2010/main" w="9525">
                 <a:solidFill>
                   <a:srgbClr val="000000"/>
                 </a:solidFill>
@@ -9671,8 +9739,8 @@
           </a:extLst>
         </p:spPr>
       </p:pic>
-      <mc:AlternateContent xmlns:mc="http://schemas.openxmlformats.org/markup-compatibility/2006">
-        <mc:Choice xmlns:a14="http://schemas.microsoft.com/office/drawing/2010/main" Requires="a14">
+      <mc:AlternateContent xmlns:mc="http://schemas.openxmlformats.org/markup-compatibility/2006" xmlns:a14="http://schemas.microsoft.com/office/drawing/2010/main">
+        <mc:Choice Requires="a14">
           <p:sp>
             <p:nvSpPr>
               <p:cNvPr id="6" name="Subtitle 2">
@@ -10176,7 +10244,7 @@
                         <a:solidFill>
                           <a:srgbClr val="003366"/>
                         </a:solidFill>
-                        <a:latin typeface="仿宋" panose="02010609060101010101" pitchFamily="49" charset="-122"/>
+                        <a:latin typeface="Cambria Math" panose="02040503050406030204" pitchFamily="18" charset="0"/>
                         <a:ea typeface="仿宋" panose="02010609060101010101" pitchFamily="49" charset="-122"/>
                       </a:rPr>
                       <m:t>𝐿𝐸𝑁</m:t>
@@ -10870,7 +10938,7 @@
             </p:txBody>
           </p:sp>
         </mc:Choice>
-        <mc:Fallback>
+        <mc:Fallback xmlns="">
           <p:sp>
             <p:nvSpPr>
               <p:cNvPr id="6" name="Subtitle 2">
@@ -11019,14 +11087,14 @@
           </a:ln>
           <a:extLst>
             <a:ext uri="{909E8E84-426E-40dd-AFC4-6F175D3DCCD1}">
-              <a14:hiddenFill xmlns:a14="http://schemas.microsoft.com/office/drawing/2010/main" xmlns="">
+              <a14:hiddenFill xmlns="" xmlns:a14="http://schemas.microsoft.com/office/drawing/2010/main">
                 <a:solidFill>
                   <a:srgbClr val="FFFFFF"/>
                 </a:solidFill>
               </a14:hiddenFill>
             </a:ext>
             <a:ext uri="{91240B29-F687-4f45-9708-019B960494DF}">
-              <a14:hiddenLine xmlns:a14="http://schemas.microsoft.com/office/drawing/2010/main" xmlns="" w="9525">
+              <a14:hiddenLine xmlns="" xmlns:a14="http://schemas.microsoft.com/office/drawing/2010/main" w="9525">
                 <a:solidFill>
                   <a:srgbClr val="000000"/>
                 </a:solidFill>
@@ -11247,14 +11315,14 @@
           <a:noFill/>
           <a:extLst>
             <a:ext uri="{909E8E84-426E-40dd-AFC4-6F175D3DCCD1}">
-              <a14:hiddenFill xmlns:a14="http://schemas.microsoft.com/office/drawing/2010/main" xmlns="">
+              <a14:hiddenFill xmlns="" xmlns:a14="http://schemas.microsoft.com/office/drawing/2010/main">
                 <a:solidFill>
                   <a:srgbClr val="FFFFFF"/>
                 </a:solidFill>
               </a14:hiddenFill>
             </a:ext>
             <a:ext uri="{91240B29-F687-4f45-9708-019B960494DF}">
-              <a14:hiddenLine xmlns:a14="http://schemas.microsoft.com/office/drawing/2010/main" xmlns="" w="9525">
+              <a14:hiddenLine xmlns="" xmlns:a14="http://schemas.microsoft.com/office/drawing/2010/main" w="9525">
                 <a:solidFill>
                   <a:srgbClr val="000000"/>
                 </a:solidFill>
@@ -11473,14 +11541,14 @@
           </a:ln>
           <a:extLst>
             <a:ext uri="{909E8E84-426E-40dd-AFC4-6F175D3DCCD1}">
-              <a14:hiddenFill xmlns:a14="http://schemas.microsoft.com/office/drawing/2010/main" xmlns="">
+              <a14:hiddenFill xmlns="" xmlns:a14="http://schemas.microsoft.com/office/drawing/2010/main">
                 <a:solidFill>
                   <a:srgbClr val="FFFFFF"/>
                 </a:solidFill>
               </a14:hiddenFill>
             </a:ext>
             <a:ext uri="{91240B29-F687-4f45-9708-019B960494DF}">
-              <a14:hiddenLine xmlns:a14="http://schemas.microsoft.com/office/drawing/2010/main" xmlns="" w="9525">
+              <a14:hiddenLine xmlns="" xmlns:a14="http://schemas.microsoft.com/office/drawing/2010/main" w="9525">
                 <a:solidFill>
                   <a:srgbClr val="000000"/>
                 </a:solidFill>
@@ -11522,8 +11590,8 @@
           </a:prstGeom>
         </p:spPr>
       </p:pic>
-      <mc:AlternateContent xmlns:mc="http://schemas.openxmlformats.org/markup-compatibility/2006">
-        <mc:Choice xmlns:a14="http://schemas.microsoft.com/office/drawing/2010/main" Requires="a14">
+      <mc:AlternateContent xmlns:mc="http://schemas.openxmlformats.org/markup-compatibility/2006" xmlns:a14="http://schemas.microsoft.com/office/drawing/2010/main">
+        <mc:Choice Requires="a14">
           <p:sp>
             <p:nvSpPr>
               <p:cNvPr id="14" name="对话气泡: 矩形 13">
@@ -11606,7 +11674,7 @@
             </p:txBody>
           </p:sp>
         </mc:Choice>
-        <mc:Fallback>
+        <mc:Fallback xmlns="">
           <p:sp>
             <p:nvSpPr>
               <p:cNvPr id="14" name="对话气泡: 矩形 13">
@@ -11659,8 +11727,8 @@
           </p:sp>
         </mc:Fallback>
       </mc:AlternateContent>
-      <mc:AlternateContent xmlns:mc="http://schemas.openxmlformats.org/markup-compatibility/2006">
-        <mc:Choice xmlns:a14="http://schemas.microsoft.com/office/drawing/2010/main" Requires="a14">
+      <mc:AlternateContent xmlns:mc="http://schemas.openxmlformats.org/markup-compatibility/2006" xmlns:a14="http://schemas.microsoft.com/office/drawing/2010/main">
+        <mc:Choice Requires="a14">
           <p:sp>
             <p:nvSpPr>
               <p:cNvPr id="7" name="对话气泡: 矩形 6">
@@ -11799,7 +11867,7 @@
             </p:txBody>
           </p:sp>
         </mc:Choice>
-        <mc:Fallback>
+        <mc:Fallback xmlns="">
           <p:sp>
             <p:nvSpPr>
               <p:cNvPr id="7" name="对话气泡: 矩形 6">
@@ -11852,8 +11920,8 @@
           </p:sp>
         </mc:Fallback>
       </mc:AlternateContent>
-      <mc:AlternateContent xmlns:mc="http://schemas.openxmlformats.org/markup-compatibility/2006">
-        <mc:Choice xmlns:a14="http://schemas.microsoft.com/office/drawing/2010/main" Requires="a14">
+      <mc:AlternateContent xmlns:mc="http://schemas.openxmlformats.org/markup-compatibility/2006" xmlns:a14="http://schemas.microsoft.com/office/drawing/2010/main">
+        <mc:Choice Requires="a14">
           <p:sp>
             <p:nvSpPr>
               <p:cNvPr id="8" name="对话气泡: 矩形 7">
@@ -11936,7 +12004,7 @@
             </p:txBody>
           </p:sp>
         </mc:Choice>
-        <mc:Fallback>
+        <mc:Fallback xmlns="">
           <p:sp>
             <p:nvSpPr>
               <p:cNvPr id="8" name="对话气泡: 矩形 7">
@@ -12211,14 +12279,14 @@
           </a:ln>
           <a:extLst>
             <a:ext uri="{909E8E84-426E-40dd-AFC4-6F175D3DCCD1}">
-              <a14:hiddenFill xmlns="" xmlns:a14="http://schemas.microsoft.com/office/drawing/2010/main">
+              <a14:hiddenFill xmlns:a14="http://schemas.microsoft.com/office/drawing/2010/main" xmlns="">
                 <a:solidFill>
                   <a:srgbClr val="FFFFFF"/>
                 </a:solidFill>
               </a14:hiddenFill>
             </a:ext>
             <a:ext uri="{91240B29-F687-4f45-9708-019B960494DF}">
-              <a14:hiddenLine xmlns="" xmlns:a14="http://schemas.microsoft.com/office/drawing/2010/main" w="9525">
+              <a14:hiddenLine xmlns:a14="http://schemas.microsoft.com/office/drawing/2010/main" xmlns="" w="9525">
                 <a:solidFill>
                   <a:srgbClr val="000000"/>
                 </a:solidFill>
@@ -12412,14 +12480,14 @@
           <a:noFill/>
           <a:extLst>
             <a:ext uri="{909E8E84-426E-40dd-AFC4-6F175D3DCCD1}">
-              <a14:hiddenFill xmlns="" xmlns:a14="http://schemas.microsoft.com/office/drawing/2010/main">
+              <a14:hiddenFill xmlns:a14="http://schemas.microsoft.com/office/drawing/2010/main" xmlns="">
                 <a:solidFill>
                   <a:srgbClr val="FFFFFF"/>
                 </a:solidFill>
               </a14:hiddenFill>
             </a:ext>
             <a:ext uri="{91240B29-F687-4f45-9708-019B960494DF}">
-              <a14:hiddenLine xmlns="" xmlns:a14="http://schemas.microsoft.com/office/drawing/2010/main" w="9525">
+              <a14:hiddenLine xmlns:a14="http://schemas.microsoft.com/office/drawing/2010/main" xmlns="" w="9525">
                 <a:solidFill>
                   <a:srgbClr val="000000"/>
                 </a:solidFill>
@@ -12638,14 +12706,14 @@
           </a:ln>
           <a:extLst>
             <a:ext uri="{909E8E84-426E-40dd-AFC4-6F175D3DCCD1}">
-              <a14:hiddenFill xmlns="" xmlns:a14="http://schemas.microsoft.com/office/drawing/2010/main">
+              <a14:hiddenFill xmlns:a14="http://schemas.microsoft.com/office/drawing/2010/main" xmlns="">
                 <a:solidFill>
                   <a:srgbClr val="FFFFFF"/>
                 </a:solidFill>
               </a14:hiddenFill>
             </a:ext>
             <a:ext uri="{91240B29-F687-4f45-9708-019B960494DF}">
-              <a14:hiddenLine xmlns="" xmlns:a14="http://schemas.microsoft.com/office/drawing/2010/main" w="9525">
+              <a14:hiddenLine xmlns:a14="http://schemas.microsoft.com/office/drawing/2010/main" xmlns="" w="9525">
                 <a:solidFill>
                   <a:srgbClr val="000000"/>
                 </a:solidFill>
@@ -13217,14 +13285,14 @@
           </a:ln>
           <a:extLst>
             <a:ext uri="{909E8E84-426E-40dd-AFC4-6F175D3DCCD1}">
-              <a14:hiddenFill xmlns="" xmlns:a14="http://schemas.microsoft.com/office/drawing/2010/main">
+              <a14:hiddenFill xmlns:a14="http://schemas.microsoft.com/office/drawing/2010/main" xmlns="">
                 <a:solidFill>
                   <a:srgbClr val="FFFFFF"/>
                 </a:solidFill>
               </a14:hiddenFill>
             </a:ext>
             <a:ext uri="{91240B29-F687-4f45-9708-019B960494DF}">
-              <a14:hiddenLine xmlns="" xmlns:a14="http://schemas.microsoft.com/office/drawing/2010/main" w="9525">
+              <a14:hiddenLine xmlns:a14="http://schemas.microsoft.com/office/drawing/2010/main" xmlns="" w="9525">
                 <a:solidFill>
                   <a:srgbClr val="000000"/>
                 </a:solidFill>
@@ -13418,14 +13486,14 @@
           <a:noFill/>
           <a:extLst>
             <a:ext uri="{909E8E84-426E-40dd-AFC4-6F175D3DCCD1}">
-              <a14:hiddenFill xmlns="" xmlns:a14="http://schemas.microsoft.com/office/drawing/2010/main">
+              <a14:hiddenFill xmlns:a14="http://schemas.microsoft.com/office/drawing/2010/main" xmlns="">
                 <a:solidFill>
                   <a:srgbClr val="FFFFFF"/>
                 </a:solidFill>
               </a14:hiddenFill>
             </a:ext>
             <a:ext uri="{91240B29-F687-4f45-9708-019B960494DF}">
-              <a14:hiddenLine xmlns="" xmlns:a14="http://schemas.microsoft.com/office/drawing/2010/main" w="9525">
+              <a14:hiddenLine xmlns:a14="http://schemas.microsoft.com/office/drawing/2010/main" xmlns="" w="9525">
                 <a:solidFill>
                   <a:srgbClr val="000000"/>
                 </a:solidFill>
@@ -13644,14 +13712,14 @@
           </a:ln>
           <a:extLst>
             <a:ext uri="{909E8E84-426E-40dd-AFC4-6F175D3DCCD1}">
-              <a14:hiddenFill xmlns="" xmlns:a14="http://schemas.microsoft.com/office/drawing/2010/main">
+              <a14:hiddenFill xmlns:a14="http://schemas.microsoft.com/office/drawing/2010/main" xmlns="">
                 <a:solidFill>
                   <a:srgbClr val="FFFFFF"/>
                 </a:solidFill>
               </a14:hiddenFill>
             </a:ext>
             <a:ext uri="{91240B29-F687-4f45-9708-019B960494DF}">
-              <a14:hiddenLine xmlns="" xmlns:a14="http://schemas.microsoft.com/office/drawing/2010/main" w="9525">
+              <a14:hiddenLine xmlns:a14="http://schemas.microsoft.com/office/drawing/2010/main" xmlns="" w="9525">
                 <a:solidFill>
                   <a:srgbClr val="000000"/>
                 </a:solidFill>
@@ -14223,14 +14291,14 @@
           </a:ln>
           <a:extLst>
             <a:ext uri="{909E8E84-426E-40dd-AFC4-6F175D3DCCD1}">
-              <a14:hiddenFill xmlns:a14="http://schemas.microsoft.com/office/drawing/2010/main" xmlns="">
+              <a14:hiddenFill xmlns="" xmlns:a14="http://schemas.microsoft.com/office/drawing/2010/main">
                 <a:solidFill>
                   <a:srgbClr val="FFFFFF"/>
                 </a:solidFill>
               </a14:hiddenFill>
             </a:ext>
             <a:ext uri="{91240B29-F687-4f45-9708-019B960494DF}">
-              <a14:hiddenLine xmlns:a14="http://schemas.microsoft.com/office/drawing/2010/main" xmlns="" w="9525">
+              <a14:hiddenLine xmlns="" xmlns:a14="http://schemas.microsoft.com/office/drawing/2010/main" w="9525">
                 <a:solidFill>
                   <a:srgbClr val="000000"/>
                 </a:solidFill>
@@ -14424,14 +14492,14 @@
           <a:noFill/>
           <a:extLst>
             <a:ext uri="{909E8E84-426E-40dd-AFC4-6F175D3DCCD1}">
-              <a14:hiddenFill xmlns:a14="http://schemas.microsoft.com/office/drawing/2010/main" xmlns="">
+              <a14:hiddenFill xmlns="" xmlns:a14="http://schemas.microsoft.com/office/drawing/2010/main">
                 <a:solidFill>
                   <a:srgbClr val="FFFFFF"/>
                 </a:solidFill>
               </a14:hiddenFill>
             </a:ext>
             <a:ext uri="{91240B29-F687-4f45-9708-019B960494DF}">
-              <a14:hiddenLine xmlns:a14="http://schemas.microsoft.com/office/drawing/2010/main" xmlns="" w="9525">
+              <a14:hiddenLine xmlns="" xmlns:a14="http://schemas.microsoft.com/office/drawing/2010/main" w="9525">
                 <a:solidFill>
                   <a:srgbClr val="000000"/>
                 </a:solidFill>
@@ -14650,14 +14718,14 @@
           </a:ln>
           <a:extLst>
             <a:ext uri="{909E8E84-426E-40dd-AFC4-6F175D3DCCD1}">
-              <a14:hiddenFill xmlns:a14="http://schemas.microsoft.com/office/drawing/2010/main" xmlns="">
+              <a14:hiddenFill xmlns="" xmlns:a14="http://schemas.microsoft.com/office/drawing/2010/main">
                 <a:solidFill>
                   <a:srgbClr val="FFFFFF"/>
                 </a:solidFill>
               </a14:hiddenFill>
             </a:ext>
             <a:ext uri="{91240B29-F687-4f45-9708-019B960494DF}">
-              <a14:hiddenLine xmlns:a14="http://schemas.microsoft.com/office/drawing/2010/main" xmlns="" w="9525">
+              <a14:hiddenLine xmlns="" xmlns:a14="http://schemas.microsoft.com/office/drawing/2010/main" w="9525">
                 <a:solidFill>
                   <a:srgbClr val="000000"/>
                 </a:solidFill>
@@ -15413,14 +15481,14 @@
           </a:ln>
           <a:extLst>
             <a:ext uri="{909E8E84-426E-40dd-AFC4-6F175D3DCCD1}">
-              <a14:hiddenFill xmlns:a14="http://schemas.microsoft.com/office/drawing/2010/main" xmlns="">
+              <a14:hiddenFill xmlns="" xmlns:a14="http://schemas.microsoft.com/office/drawing/2010/main">
                 <a:solidFill>
                   <a:srgbClr val="FFFFFF"/>
                 </a:solidFill>
               </a14:hiddenFill>
             </a:ext>
             <a:ext uri="{91240B29-F687-4f45-9708-019B960494DF}">
-              <a14:hiddenLine xmlns:a14="http://schemas.microsoft.com/office/drawing/2010/main" xmlns="" w="9525">
+              <a14:hiddenLine xmlns="" xmlns:a14="http://schemas.microsoft.com/office/drawing/2010/main" w="9525">
                 <a:solidFill>
                   <a:srgbClr val="000000"/>
                 </a:solidFill>
@@ -15614,14 +15682,14 @@
           <a:noFill/>
           <a:extLst>
             <a:ext uri="{909E8E84-426E-40dd-AFC4-6F175D3DCCD1}">
-              <a14:hiddenFill xmlns:a14="http://schemas.microsoft.com/office/drawing/2010/main" xmlns="">
+              <a14:hiddenFill xmlns="" xmlns:a14="http://schemas.microsoft.com/office/drawing/2010/main">
                 <a:solidFill>
                   <a:srgbClr val="FFFFFF"/>
                 </a:solidFill>
               </a14:hiddenFill>
             </a:ext>
             <a:ext uri="{91240B29-F687-4f45-9708-019B960494DF}">
-              <a14:hiddenLine xmlns:a14="http://schemas.microsoft.com/office/drawing/2010/main" xmlns="" w="9525">
+              <a14:hiddenLine xmlns="" xmlns:a14="http://schemas.microsoft.com/office/drawing/2010/main" w="9525">
                 <a:solidFill>
                   <a:srgbClr val="000000"/>
                 </a:solidFill>
@@ -15840,14 +15908,14 @@
           </a:ln>
           <a:extLst>
             <a:ext uri="{909E8E84-426E-40dd-AFC4-6F175D3DCCD1}">
-              <a14:hiddenFill xmlns:a14="http://schemas.microsoft.com/office/drawing/2010/main" xmlns="">
+              <a14:hiddenFill xmlns="" xmlns:a14="http://schemas.microsoft.com/office/drawing/2010/main">
                 <a:solidFill>
                   <a:srgbClr val="FFFFFF"/>
                 </a:solidFill>
               </a14:hiddenFill>
             </a:ext>
             <a:ext uri="{91240B29-F687-4f45-9708-019B960494DF}">
-              <a14:hiddenLine xmlns:a14="http://schemas.microsoft.com/office/drawing/2010/main" xmlns="" w="9525">
+              <a14:hiddenLine xmlns="" xmlns:a14="http://schemas.microsoft.com/office/drawing/2010/main" w="9525">
                 <a:solidFill>
                   <a:srgbClr val="000000"/>
                 </a:solidFill>
@@ -16607,14 +16675,14 @@
           </a:ln>
           <a:extLst>
             <a:ext uri="{909E8E84-426E-40dd-AFC4-6F175D3DCCD1}">
-              <a14:hiddenFill xmlns:a14="http://schemas.microsoft.com/office/drawing/2010/main" xmlns="">
+              <a14:hiddenFill xmlns="" xmlns:a14="http://schemas.microsoft.com/office/drawing/2010/main">
                 <a:solidFill>
                   <a:srgbClr val="FFFFFF"/>
                 </a:solidFill>
               </a14:hiddenFill>
             </a:ext>
             <a:ext uri="{91240B29-F687-4f45-9708-019B960494DF}">
-              <a14:hiddenLine xmlns:a14="http://schemas.microsoft.com/office/drawing/2010/main" xmlns="" w="9525">
+              <a14:hiddenLine xmlns="" xmlns:a14="http://schemas.microsoft.com/office/drawing/2010/main" w="9525">
                 <a:solidFill>
                   <a:srgbClr val="000000"/>
                 </a:solidFill>
@@ -16808,14 +16876,14 @@
           <a:noFill/>
           <a:extLst>
             <a:ext uri="{909E8E84-426E-40dd-AFC4-6F175D3DCCD1}">
-              <a14:hiddenFill xmlns:a14="http://schemas.microsoft.com/office/drawing/2010/main" xmlns="">
+              <a14:hiddenFill xmlns="" xmlns:a14="http://schemas.microsoft.com/office/drawing/2010/main">
                 <a:solidFill>
                   <a:srgbClr val="FFFFFF"/>
                 </a:solidFill>
               </a14:hiddenFill>
             </a:ext>
             <a:ext uri="{91240B29-F687-4f45-9708-019B960494DF}">
-              <a14:hiddenLine xmlns:a14="http://schemas.microsoft.com/office/drawing/2010/main" xmlns="" w="9525">
+              <a14:hiddenLine xmlns="" xmlns:a14="http://schemas.microsoft.com/office/drawing/2010/main" w="9525">
                 <a:solidFill>
                   <a:srgbClr val="000000"/>
                 </a:solidFill>
@@ -17034,14 +17102,14 @@
           </a:ln>
           <a:extLst>
             <a:ext uri="{909E8E84-426E-40dd-AFC4-6F175D3DCCD1}">
-              <a14:hiddenFill xmlns:a14="http://schemas.microsoft.com/office/drawing/2010/main" xmlns="">
+              <a14:hiddenFill xmlns="" xmlns:a14="http://schemas.microsoft.com/office/drawing/2010/main">
                 <a:solidFill>
                   <a:srgbClr val="FFFFFF"/>
                 </a:solidFill>
               </a14:hiddenFill>
             </a:ext>
             <a:ext uri="{91240B29-F687-4f45-9708-019B960494DF}">
-              <a14:hiddenLine xmlns:a14="http://schemas.microsoft.com/office/drawing/2010/main" xmlns="" w="9525">
+              <a14:hiddenLine xmlns="" xmlns:a14="http://schemas.microsoft.com/office/drawing/2010/main" w="9525">
                 <a:solidFill>
                   <a:srgbClr val="000000"/>
                 </a:solidFill>
@@ -17470,14 +17538,14 @@
           </a:ln>
           <a:extLst>
             <a:ext uri="{909E8E84-426E-40dd-AFC4-6F175D3DCCD1}">
-              <a14:hiddenFill xmlns:a14="http://schemas.microsoft.com/office/drawing/2010/main" xmlns="">
+              <a14:hiddenFill xmlns="" xmlns:a14="http://schemas.microsoft.com/office/drawing/2010/main">
                 <a:solidFill>
                   <a:srgbClr val="FFFFFF"/>
                 </a:solidFill>
               </a14:hiddenFill>
             </a:ext>
             <a:ext uri="{91240B29-F687-4f45-9708-019B960494DF}">
-              <a14:hiddenLine xmlns:a14="http://schemas.microsoft.com/office/drawing/2010/main" xmlns="" w="9525">
+              <a14:hiddenLine xmlns="" xmlns:a14="http://schemas.microsoft.com/office/drawing/2010/main" w="9525">
                 <a:solidFill>
                   <a:srgbClr val="000000"/>
                 </a:solidFill>
@@ -17681,14 +17749,14 @@
           <a:noFill/>
           <a:extLst>
             <a:ext uri="{909E8E84-426E-40dd-AFC4-6F175D3DCCD1}">
-              <a14:hiddenFill xmlns:a14="http://schemas.microsoft.com/office/drawing/2010/main" xmlns="">
+              <a14:hiddenFill xmlns="" xmlns:a14="http://schemas.microsoft.com/office/drawing/2010/main">
                 <a:solidFill>
                   <a:srgbClr val="FFFFFF"/>
                 </a:solidFill>
               </a14:hiddenFill>
             </a:ext>
             <a:ext uri="{91240B29-F687-4f45-9708-019B960494DF}">
-              <a14:hiddenLine xmlns:a14="http://schemas.microsoft.com/office/drawing/2010/main" xmlns="" w="9525">
+              <a14:hiddenLine xmlns="" xmlns:a14="http://schemas.microsoft.com/office/drawing/2010/main" w="9525">
                 <a:solidFill>
                   <a:srgbClr val="000000"/>
                 </a:solidFill>
@@ -17907,14 +17975,14 @@
           </a:ln>
           <a:extLst>
             <a:ext uri="{909E8E84-426E-40dd-AFC4-6F175D3DCCD1}">
-              <a14:hiddenFill xmlns:a14="http://schemas.microsoft.com/office/drawing/2010/main" xmlns="">
+              <a14:hiddenFill xmlns="" xmlns:a14="http://schemas.microsoft.com/office/drawing/2010/main">
                 <a:solidFill>
                   <a:srgbClr val="FFFFFF"/>
                 </a:solidFill>
               </a14:hiddenFill>
             </a:ext>
             <a:ext uri="{91240B29-F687-4f45-9708-019B960494DF}">
-              <a14:hiddenLine xmlns:a14="http://schemas.microsoft.com/office/drawing/2010/main" xmlns="" w="9525">
+              <a14:hiddenLine xmlns="" xmlns:a14="http://schemas.microsoft.com/office/drawing/2010/main" w="9525">
                 <a:solidFill>
                   <a:srgbClr val="000000"/>
                 </a:solidFill>
@@ -18405,14 +18473,14 @@
           </a:ln>
           <a:extLst>
             <a:ext uri="{909E8E84-426E-40dd-AFC4-6F175D3DCCD1}">
-              <a14:hiddenFill xmlns:a14="http://schemas.microsoft.com/office/drawing/2010/main" xmlns="">
+              <a14:hiddenFill xmlns="" xmlns:a14="http://schemas.microsoft.com/office/drawing/2010/main">
                 <a:solidFill>
                   <a:srgbClr val="FFFFFF"/>
                 </a:solidFill>
               </a14:hiddenFill>
             </a:ext>
             <a:ext uri="{91240B29-F687-4f45-9708-019B960494DF}">
-              <a14:hiddenLine xmlns:a14="http://schemas.microsoft.com/office/drawing/2010/main" xmlns="" w="9525">
+              <a14:hiddenLine xmlns="" xmlns:a14="http://schemas.microsoft.com/office/drawing/2010/main" w="9525">
                 <a:solidFill>
                   <a:srgbClr val="000000"/>
                 </a:solidFill>
@@ -18616,14 +18684,14 @@
           <a:noFill/>
           <a:extLst>
             <a:ext uri="{909E8E84-426E-40dd-AFC4-6F175D3DCCD1}">
-              <a14:hiddenFill xmlns:a14="http://schemas.microsoft.com/office/drawing/2010/main" xmlns="">
+              <a14:hiddenFill xmlns="" xmlns:a14="http://schemas.microsoft.com/office/drawing/2010/main">
                 <a:solidFill>
                   <a:srgbClr val="FFFFFF"/>
                 </a:solidFill>
               </a14:hiddenFill>
             </a:ext>
             <a:ext uri="{91240B29-F687-4f45-9708-019B960494DF}">
-              <a14:hiddenLine xmlns:a14="http://schemas.microsoft.com/office/drawing/2010/main" xmlns="" w="9525">
+              <a14:hiddenLine xmlns="" xmlns:a14="http://schemas.microsoft.com/office/drawing/2010/main" w="9525">
                 <a:solidFill>
                   <a:srgbClr val="000000"/>
                 </a:solidFill>
@@ -18842,14 +18910,14 @@
           </a:ln>
           <a:extLst>
             <a:ext uri="{909E8E84-426E-40dd-AFC4-6F175D3DCCD1}">
-              <a14:hiddenFill xmlns:a14="http://schemas.microsoft.com/office/drawing/2010/main" xmlns="">
+              <a14:hiddenFill xmlns="" xmlns:a14="http://schemas.microsoft.com/office/drawing/2010/main">
                 <a:solidFill>
                   <a:srgbClr val="FFFFFF"/>
                 </a:solidFill>
               </a14:hiddenFill>
             </a:ext>
             <a:ext uri="{91240B29-F687-4f45-9708-019B960494DF}">
-              <a14:hiddenLine xmlns:a14="http://schemas.microsoft.com/office/drawing/2010/main" xmlns="" w="9525">
+              <a14:hiddenLine xmlns="" xmlns:a14="http://schemas.microsoft.com/office/drawing/2010/main" w="9525">
                 <a:solidFill>
                   <a:srgbClr val="000000"/>
                 </a:solidFill>
@@ -19800,14 +19868,14 @@
           </a:ln>
           <a:extLst>
             <a:ext uri="{909E8E84-426E-40dd-AFC4-6F175D3DCCD1}">
-              <a14:hiddenFill xmlns:a14="http://schemas.microsoft.com/office/drawing/2010/main" xmlns="">
+              <a14:hiddenFill xmlns="" xmlns:a14="http://schemas.microsoft.com/office/drawing/2010/main">
                 <a:solidFill>
                   <a:srgbClr val="FFFFFF"/>
                 </a:solidFill>
               </a14:hiddenFill>
             </a:ext>
             <a:ext uri="{91240B29-F687-4f45-9708-019B960494DF}">
-              <a14:hiddenLine xmlns:a14="http://schemas.microsoft.com/office/drawing/2010/main" xmlns="" w="9525">
+              <a14:hiddenLine xmlns="" xmlns:a14="http://schemas.microsoft.com/office/drawing/2010/main" w="9525">
                 <a:solidFill>
                   <a:srgbClr val="000000"/>
                 </a:solidFill>
@@ -20011,14 +20079,14 @@
           <a:noFill/>
           <a:extLst>
             <a:ext uri="{909E8E84-426E-40dd-AFC4-6F175D3DCCD1}">
-              <a14:hiddenFill xmlns:a14="http://schemas.microsoft.com/office/drawing/2010/main" xmlns="">
+              <a14:hiddenFill xmlns="" xmlns:a14="http://schemas.microsoft.com/office/drawing/2010/main">
                 <a:solidFill>
                   <a:srgbClr val="FFFFFF"/>
                 </a:solidFill>
               </a14:hiddenFill>
             </a:ext>
             <a:ext uri="{91240B29-F687-4f45-9708-019B960494DF}">
-              <a14:hiddenLine xmlns:a14="http://schemas.microsoft.com/office/drawing/2010/main" xmlns="" w="9525">
+              <a14:hiddenLine xmlns="" xmlns:a14="http://schemas.microsoft.com/office/drawing/2010/main" w="9525">
                 <a:solidFill>
                   <a:srgbClr val="000000"/>
                 </a:solidFill>
@@ -20237,14 +20305,14 @@
           </a:ln>
           <a:extLst>
             <a:ext uri="{909E8E84-426E-40dd-AFC4-6F175D3DCCD1}">
-              <a14:hiddenFill xmlns:a14="http://schemas.microsoft.com/office/drawing/2010/main" xmlns="">
+              <a14:hiddenFill xmlns="" xmlns:a14="http://schemas.microsoft.com/office/drawing/2010/main">
                 <a:solidFill>
                   <a:srgbClr val="FFFFFF"/>
                 </a:solidFill>
               </a14:hiddenFill>
             </a:ext>
             <a:ext uri="{91240B29-F687-4f45-9708-019B960494DF}">
-              <a14:hiddenLine xmlns:a14="http://schemas.microsoft.com/office/drawing/2010/main" xmlns="" w="9525">
+              <a14:hiddenLine xmlns="" xmlns:a14="http://schemas.microsoft.com/office/drawing/2010/main" w="9525">
                 <a:solidFill>
                   <a:srgbClr val="000000"/>
                 </a:solidFill>
@@ -20481,14 +20549,14 @@
           </a:ln>
           <a:extLst>
             <a:ext uri="{909E8E84-426E-40dd-AFC4-6F175D3DCCD1}">
-              <a14:hiddenFill xmlns:a14="http://schemas.microsoft.com/office/drawing/2010/main" xmlns="">
+              <a14:hiddenFill xmlns="" xmlns:a14="http://schemas.microsoft.com/office/drawing/2010/main">
                 <a:solidFill>
                   <a:srgbClr val="FFFFFF"/>
                 </a:solidFill>
               </a14:hiddenFill>
             </a:ext>
             <a:ext uri="{91240B29-F687-4f45-9708-019B960494DF}">
-              <a14:hiddenLine xmlns:a14="http://schemas.microsoft.com/office/drawing/2010/main" xmlns="" w="9525">
+              <a14:hiddenLine xmlns="" xmlns:a14="http://schemas.microsoft.com/office/drawing/2010/main" w="9525">
                 <a:solidFill>
                   <a:srgbClr val="000000"/>
                 </a:solidFill>
@@ -20709,14 +20777,14 @@
           <a:noFill/>
           <a:extLst>
             <a:ext uri="{909E8E84-426E-40dd-AFC4-6F175D3DCCD1}">
-              <a14:hiddenFill xmlns:a14="http://schemas.microsoft.com/office/drawing/2010/main" xmlns="">
+              <a14:hiddenFill xmlns="" xmlns:a14="http://schemas.microsoft.com/office/drawing/2010/main">
                 <a:solidFill>
                   <a:srgbClr val="FFFFFF"/>
                 </a:solidFill>
               </a14:hiddenFill>
             </a:ext>
             <a:ext uri="{91240B29-F687-4f45-9708-019B960494DF}">
-              <a14:hiddenLine xmlns:a14="http://schemas.microsoft.com/office/drawing/2010/main" xmlns="" w="9525">
+              <a14:hiddenLine xmlns="" xmlns:a14="http://schemas.microsoft.com/office/drawing/2010/main" w="9525">
                 <a:solidFill>
                   <a:srgbClr val="000000"/>
                 </a:solidFill>
@@ -20935,14 +21003,14 @@
           </a:ln>
           <a:extLst>
             <a:ext uri="{909E8E84-426E-40dd-AFC4-6F175D3DCCD1}">
-              <a14:hiddenFill xmlns:a14="http://schemas.microsoft.com/office/drawing/2010/main" xmlns="">
+              <a14:hiddenFill xmlns="" xmlns:a14="http://schemas.microsoft.com/office/drawing/2010/main">
                 <a:solidFill>
                   <a:srgbClr val="FFFFFF"/>
                 </a:solidFill>
               </a14:hiddenFill>
             </a:ext>
             <a:ext uri="{91240B29-F687-4f45-9708-019B960494DF}">
-              <a14:hiddenLine xmlns:a14="http://schemas.microsoft.com/office/drawing/2010/main" xmlns="" w="9525">
+              <a14:hiddenLine xmlns="" xmlns:a14="http://schemas.microsoft.com/office/drawing/2010/main" w="9525">
                 <a:solidFill>
                   <a:srgbClr val="000000"/>
                 </a:solidFill>

--- a/分布式计算/课件/06. 基本图算法（II）（初步版本）.pptx
+++ b/分布式计算/课件/06. 基本图算法（II）（初步版本）.pptx
@@ -283,7 +283,7 @@
               <a:pPr>
                 <a:defRPr/>
               </a:pPr>
-              <a:t>2019/4/2</a:t>
+              <a:t>2019/4/9</a:t>
             </a:fld>
             <a:endParaRPr lang="zh-CN" altLang="en-US"/>
           </a:p>
@@ -501,7 +501,7 @@
               <a:pPr>
                 <a:defRPr/>
               </a:pPr>
-              <a:t>2019/4/2</a:t>
+              <a:t>2019/4/9</a:t>
             </a:fld>
             <a:endParaRPr lang="zh-CN" altLang="en-US"/>
           </a:p>
@@ -861,7 +861,7 @@
           </a:ln>
           <a:extLst>
             <a:ext uri="{909E8E84-426E-40dd-AFC4-6F175D3DCCD1}">
-              <a14:hiddenFill xmlns:a14="http://schemas.microsoft.com/office/drawing/2010/main" xmlns="">
+              <a14:hiddenFill xmlns="" xmlns:a14="http://schemas.microsoft.com/office/drawing/2010/main">
                 <a:solidFill>
                   <a:srgbClr val="FFFFFF"/>
                 </a:solidFill>
@@ -884,14 +884,14 @@
           <a:noFill/>
           <a:extLst>
             <a:ext uri="{909E8E84-426E-40dd-AFC4-6F175D3DCCD1}">
-              <a14:hiddenFill xmlns:a14="http://schemas.microsoft.com/office/drawing/2010/main" xmlns="">
+              <a14:hiddenFill xmlns="" xmlns:a14="http://schemas.microsoft.com/office/drawing/2010/main">
                 <a:solidFill>
                   <a:srgbClr val="FFFFFF"/>
                 </a:solidFill>
               </a14:hiddenFill>
             </a:ext>
             <a:ext uri="{91240B29-F687-4f45-9708-019B960494DF}">
-              <a14:hiddenLine xmlns:a14="http://schemas.microsoft.com/office/drawing/2010/main" xmlns="" w="9525">
+              <a14:hiddenLine xmlns="" xmlns:a14="http://schemas.microsoft.com/office/drawing/2010/main" w="9525">
                 <a:solidFill>
                   <a:srgbClr val="000000"/>
                 </a:solidFill>
@@ -1107,7 +1107,7 @@
           </a:ln>
           <a:extLst>
             <a:ext uri="{909E8E84-426E-40dd-AFC4-6F175D3DCCD1}">
-              <a14:hiddenFill xmlns="" xmlns:a14="http://schemas.microsoft.com/office/drawing/2010/main">
+              <a14:hiddenFill xmlns:a14="http://schemas.microsoft.com/office/drawing/2010/main" xmlns="">
                 <a:solidFill>
                   <a:srgbClr val="FFFFFF"/>
                 </a:solidFill>
@@ -1130,14 +1130,14 @@
           <a:noFill/>
           <a:extLst>
             <a:ext uri="{909E8E84-426E-40dd-AFC4-6F175D3DCCD1}">
-              <a14:hiddenFill xmlns="" xmlns:a14="http://schemas.microsoft.com/office/drawing/2010/main">
+              <a14:hiddenFill xmlns:a14="http://schemas.microsoft.com/office/drawing/2010/main" xmlns="">
                 <a:solidFill>
                   <a:srgbClr val="FFFFFF"/>
                 </a:solidFill>
               </a14:hiddenFill>
             </a:ext>
             <a:ext uri="{91240B29-F687-4f45-9708-019B960494DF}">
-              <a14:hiddenLine xmlns="" xmlns:a14="http://schemas.microsoft.com/office/drawing/2010/main" w="9525">
+              <a14:hiddenLine xmlns:a14="http://schemas.microsoft.com/office/drawing/2010/main" xmlns="" w="9525">
                 <a:solidFill>
                   <a:srgbClr val="000000"/>
                 </a:solidFill>
@@ -1176,6 +1176,54 @@
             <a:r>
               <a:rPr lang="zh-CN" altLang="en-US" dirty="0"/>
               <a:t>考试内容：简述算法流程</a:t>
+            </a:r>
+            <a:endParaRPr lang="en-US" altLang="zh-CN" dirty="0"/>
+          </a:p>
+          <a:p>
+            <a:pPr marL="0" marR="0" lvl="0" indent="0" algn="l" defTabSz="914400" rtl="0" eaLnBrk="0" fontAlgn="base" latinLnBrk="0" hangingPunct="0">
+              <a:lnSpc>
+                <a:spcPct val="100000"/>
+              </a:lnSpc>
+              <a:spcBef>
+                <a:spcPct val="30000"/>
+              </a:spcBef>
+              <a:spcAft>
+                <a:spcPct val="0"/>
+              </a:spcAft>
+              <a:buClrTx/>
+              <a:buSzTx/>
+              <a:buFontTx/>
+              <a:buNone/>
+              <a:tabLst/>
+              <a:defRPr/>
+            </a:pPr>
+            <a:r>
+              <a:rPr lang="zh-CN" altLang="en-US" dirty="0"/>
+              <a:t>同步：不同进程的进行程度是一样的；</a:t>
+            </a:r>
+            <a:endParaRPr lang="en-US" altLang="zh-CN" dirty="0"/>
+          </a:p>
+          <a:p>
+            <a:pPr marL="0" marR="0" lvl="0" indent="0" algn="l" defTabSz="914400" rtl="0" eaLnBrk="0" fontAlgn="base" latinLnBrk="0" hangingPunct="0">
+              <a:lnSpc>
+                <a:spcPct val="100000"/>
+              </a:lnSpc>
+              <a:spcBef>
+                <a:spcPct val="30000"/>
+              </a:spcBef>
+              <a:spcAft>
+                <a:spcPct val="0"/>
+              </a:spcAft>
+              <a:buClrTx/>
+              <a:buSzTx/>
+              <a:buFontTx/>
+              <a:buNone/>
+              <a:tabLst/>
+              <a:defRPr/>
+            </a:pPr>
+            <a:r>
+              <a:rPr lang="zh-CN" altLang="en-US" dirty="0"/>
+              <a:t>异步：每个进程按照各自的节奏进行；</a:t>
             </a:r>
           </a:p>
           <a:p>
@@ -1376,7 +1424,7 @@
           </a:ln>
           <a:extLst>
             <a:ext uri="{909E8E84-426E-40dd-AFC4-6F175D3DCCD1}">
-              <a14:hiddenFill xmlns="" xmlns:a14="http://schemas.microsoft.com/office/drawing/2010/main">
+              <a14:hiddenFill xmlns:a14="http://schemas.microsoft.com/office/drawing/2010/main" xmlns="">
                 <a:solidFill>
                   <a:srgbClr val="FFFFFF"/>
                 </a:solidFill>
@@ -1399,14 +1447,14 @@
           <a:noFill/>
           <a:extLst>
             <a:ext uri="{909E8E84-426E-40dd-AFC4-6F175D3DCCD1}">
-              <a14:hiddenFill xmlns="" xmlns:a14="http://schemas.microsoft.com/office/drawing/2010/main">
+              <a14:hiddenFill xmlns:a14="http://schemas.microsoft.com/office/drawing/2010/main" xmlns="">
                 <a:solidFill>
                   <a:srgbClr val="FFFFFF"/>
                 </a:solidFill>
               </a14:hiddenFill>
             </a:ext>
             <a:ext uri="{91240B29-F687-4f45-9708-019B960494DF}">
-              <a14:hiddenLine xmlns="" xmlns:a14="http://schemas.microsoft.com/office/drawing/2010/main" w="9525">
+              <a14:hiddenLine xmlns:a14="http://schemas.microsoft.com/office/drawing/2010/main" xmlns="" w="9525">
                 <a:solidFill>
                   <a:srgbClr val="000000"/>
                 </a:solidFill>
@@ -1425,7 +1473,178 @@
           </a:bodyPr>
           <a:lstStyle/>
           <a:p>
-            <a:endParaRPr lang="zh-CN" altLang="en-US" dirty="0"/>
+            <a:r>
+              <a:rPr lang="zh-CN" altLang="en-US" dirty="0"/>
+              <a:t>代码行</a:t>
+            </a:r>
+            <a:r>
+              <a:rPr lang="en-US" altLang="zh-CN" dirty="0"/>
+              <a:t>3</a:t>
+            </a:r>
+            <a:r>
+              <a:rPr lang="zh-CN" altLang="en-US" dirty="0"/>
+              <a:t>：当前进程 </a:t>
+            </a:r>
+            <a:r>
+              <a:rPr lang="en-US" altLang="zh-CN" dirty="0" err="1"/>
+              <a:t>i</a:t>
+            </a:r>
+            <a:r>
+              <a:rPr lang="en-US" altLang="zh-CN" dirty="0"/>
+              <a:t> </a:t>
+            </a:r>
+            <a:r>
+              <a:rPr lang="zh-CN" altLang="en-US" dirty="0"/>
+              <a:t>到</a:t>
+            </a:r>
+            <a:r>
+              <a:rPr lang="en-US" altLang="zh-CN" dirty="0"/>
+              <a:t>pivot</a:t>
+            </a:r>
+            <a:r>
+              <a:rPr lang="zh-CN" altLang="en-US" dirty="0"/>
+              <a:t>的最短路径的第一跳如果是自己的某个邻居，则向自己的父节点报告自己是其孩子节点（代码行</a:t>
+            </a:r>
+            <a:r>
+              <a:rPr lang="en-US" altLang="zh-CN" dirty="0"/>
+              <a:t>4</a:t>
+            </a:r>
+            <a:r>
+              <a:rPr lang="zh-CN" altLang="en-US" dirty="0"/>
+              <a:t>）</a:t>
+            </a:r>
+            <a:endParaRPr lang="en-US" altLang="zh-CN" dirty="0"/>
+          </a:p>
+          <a:p>
+            <a:r>
+              <a:rPr lang="zh-CN" altLang="en-US" dirty="0"/>
+              <a:t>代码行</a:t>
+            </a:r>
+            <a:r>
+              <a:rPr lang="en-US" altLang="zh-CN" dirty="0"/>
+              <a:t>5</a:t>
+            </a:r>
+            <a:r>
+              <a:rPr lang="zh-CN" altLang="en-US" dirty="0"/>
+              <a:t>：</a:t>
+            </a:r>
+            <a:r>
+              <a:rPr lang="en-US" altLang="zh-CN" dirty="0"/>
+              <a:t>i </a:t>
+            </a:r>
+            <a:r>
+              <a:rPr lang="zh-CN" altLang="en-US" dirty="0"/>
+              <a:t>发现当前的某个邻居不是自己的父节点，则告诉该邻居节点自己不是其孩子节点；</a:t>
+            </a:r>
+            <a:endParaRPr lang="en-US" altLang="zh-CN" dirty="0"/>
+          </a:p>
+          <a:p>
+            <a:r>
+              <a:rPr lang="en-US" altLang="zh-CN" dirty="0" err="1"/>
+              <a:t>Not_in_tree</a:t>
+            </a:r>
+            <a:r>
+              <a:rPr lang="zh-CN" altLang="en-US" dirty="0"/>
+              <a:t>消息的作用：使得某个 父亲节点不需要一直等待其所有的邻居发送</a:t>
+            </a:r>
+            <a:r>
+              <a:rPr lang="en-US" altLang="zh-CN" dirty="0" err="1"/>
+              <a:t>in_tree</a:t>
+            </a:r>
+            <a:r>
+              <a:rPr lang="zh-CN" altLang="en-US" dirty="0"/>
+              <a:t>消息</a:t>
+            </a:r>
+            <a:r>
+              <a:rPr lang="en-US" altLang="zh-CN" dirty="0"/>
+              <a:t>(</a:t>
+            </a:r>
+            <a:r>
+              <a:rPr lang="zh-CN" altLang="en-US" dirty="0"/>
+              <a:t>有的邻居不是其孩子不会发送</a:t>
+            </a:r>
+            <a:r>
+              <a:rPr lang="en-US" altLang="zh-CN" dirty="0" err="1"/>
+              <a:t>in_tree</a:t>
+            </a:r>
+            <a:r>
+              <a:rPr lang="zh-CN" altLang="en-US" dirty="0"/>
+              <a:t>消息</a:t>
+            </a:r>
+            <a:r>
+              <a:rPr lang="en-US" altLang="zh-CN" dirty="0"/>
+              <a:t>);</a:t>
+            </a:r>
+          </a:p>
+          <a:p>
+            <a:r>
+              <a:rPr lang="zh-CN" altLang="en-US" dirty="0"/>
+              <a:t>代码行</a:t>
+            </a:r>
+            <a:r>
+              <a:rPr lang="en-US" altLang="zh-CN" dirty="0"/>
+              <a:t>8</a:t>
+            </a:r>
+            <a:r>
+              <a:rPr lang="zh-CN" altLang="en-US" dirty="0"/>
+              <a:t>：</a:t>
+            </a:r>
+            <a:r>
+              <a:rPr lang="en-US" altLang="zh-CN" dirty="0"/>
+              <a:t>pivot != I </a:t>
+            </a:r>
+            <a:r>
+              <a:rPr lang="zh-CN" altLang="en-US" dirty="0"/>
+              <a:t>此时我需要等待</a:t>
+            </a:r>
+            <a:r>
+              <a:rPr lang="en-US" altLang="zh-CN" dirty="0"/>
+              <a:t>pivot</a:t>
+            </a:r>
+            <a:r>
+              <a:rPr lang="zh-CN" altLang="en-US" dirty="0"/>
+              <a:t>广播自己的</a:t>
+            </a:r>
+            <a:r>
+              <a:rPr lang="en-US" altLang="zh-CN" dirty="0" err="1"/>
+              <a:t>len</a:t>
+            </a:r>
+            <a:r>
+              <a:rPr lang="zh-CN" altLang="en-US" dirty="0"/>
+              <a:t>向量；</a:t>
+            </a:r>
+            <a:endParaRPr lang="en-US" altLang="zh-CN" dirty="0"/>
+          </a:p>
+          <a:p>
+            <a:r>
+              <a:rPr lang="zh-CN" altLang="en-US" dirty="0"/>
+              <a:t>代码行</a:t>
+            </a:r>
+            <a:r>
+              <a:rPr lang="en-US" altLang="zh-CN" dirty="0"/>
+              <a:t>18</a:t>
+            </a:r>
+            <a:r>
+              <a:rPr lang="zh-CN" altLang="en-US" dirty="0"/>
+              <a:t>：到</a:t>
+            </a:r>
+            <a:r>
+              <a:rPr lang="en-US" altLang="zh-CN" dirty="0"/>
+              <a:t>t</a:t>
+            </a:r>
+            <a:r>
+              <a:rPr lang="zh-CN" altLang="en-US" dirty="0"/>
+              <a:t>的第一跳变成到</a:t>
+            </a:r>
+            <a:r>
+              <a:rPr lang="en-US" altLang="zh-CN" dirty="0"/>
+              <a:t>pivot</a:t>
+            </a:r>
+            <a:r>
+              <a:rPr lang="zh-CN" altLang="en-US" dirty="0"/>
+              <a:t>的第一跳；</a:t>
+            </a:r>
+            <a:endParaRPr lang="en-US" altLang="zh-CN" dirty="0"/>
           </a:p>
         </p:txBody>
       </p:sp>
@@ -1622,7 +1841,7 @@
           </a:ln>
           <a:extLst>
             <a:ext uri="{909E8E84-426E-40dd-AFC4-6F175D3DCCD1}">
-              <a14:hiddenFill xmlns:a14="http://schemas.microsoft.com/office/drawing/2010/main" xmlns="">
+              <a14:hiddenFill xmlns="" xmlns:a14="http://schemas.microsoft.com/office/drawing/2010/main">
                 <a:solidFill>
                   <a:srgbClr val="FFFFFF"/>
                 </a:solidFill>
@@ -1645,14 +1864,14 @@
           <a:noFill/>
           <a:extLst>
             <a:ext uri="{909E8E84-426E-40dd-AFC4-6F175D3DCCD1}">
-              <a14:hiddenFill xmlns:a14="http://schemas.microsoft.com/office/drawing/2010/main" xmlns="">
+              <a14:hiddenFill xmlns="" xmlns:a14="http://schemas.microsoft.com/office/drawing/2010/main">
                 <a:solidFill>
                   <a:srgbClr val="FFFFFF"/>
                 </a:solidFill>
               </a14:hiddenFill>
             </a:ext>
             <a:ext uri="{91240B29-F687-4f45-9708-019B960494DF}">
-              <a14:hiddenLine xmlns:a14="http://schemas.microsoft.com/office/drawing/2010/main" xmlns="" w="9525">
+              <a14:hiddenLine xmlns="" xmlns:a14="http://schemas.microsoft.com/office/drawing/2010/main" w="9525">
                 <a:solidFill>
                   <a:srgbClr val="000000"/>
                 </a:solidFill>
@@ -1868,7 +2087,7 @@
           </a:ln>
           <a:extLst>
             <a:ext uri="{909E8E84-426E-40dd-AFC4-6F175D3DCCD1}">
-              <a14:hiddenFill xmlns="" xmlns:a14="http://schemas.microsoft.com/office/drawing/2010/main">
+              <a14:hiddenFill xmlns:a14="http://schemas.microsoft.com/office/drawing/2010/main" xmlns="">
                 <a:solidFill>
                   <a:srgbClr val="FFFFFF"/>
                 </a:solidFill>
@@ -1891,14 +2110,14 @@
           <a:noFill/>
           <a:extLst>
             <a:ext uri="{909E8E84-426E-40dd-AFC4-6F175D3DCCD1}">
-              <a14:hiddenFill xmlns="" xmlns:a14="http://schemas.microsoft.com/office/drawing/2010/main">
+              <a14:hiddenFill xmlns:a14="http://schemas.microsoft.com/office/drawing/2010/main" xmlns="">
                 <a:solidFill>
                   <a:srgbClr val="FFFFFF"/>
                 </a:solidFill>
               </a14:hiddenFill>
             </a:ext>
             <a:ext uri="{91240B29-F687-4f45-9708-019B960494DF}">
-              <a14:hiddenLine xmlns="" xmlns:a14="http://schemas.microsoft.com/office/drawing/2010/main" w="9525">
+              <a14:hiddenLine xmlns:a14="http://schemas.microsoft.com/office/drawing/2010/main" xmlns="" w="9525">
                 <a:solidFill>
                   <a:srgbClr val="000000"/>
                 </a:solidFill>
@@ -2141,7 +2360,7 @@
           </a:ln>
           <a:extLst>
             <a:ext uri="{909E8E84-426E-40dd-AFC4-6F175D3DCCD1}">
-              <a14:hiddenFill xmlns="" xmlns:a14="http://schemas.microsoft.com/office/drawing/2010/main">
+              <a14:hiddenFill xmlns:a14="http://schemas.microsoft.com/office/drawing/2010/main" xmlns="">
                 <a:solidFill>
                   <a:srgbClr val="FFFFFF"/>
                 </a:solidFill>
@@ -2164,14 +2383,14 @@
           <a:noFill/>
           <a:extLst>
             <a:ext uri="{909E8E84-426E-40dd-AFC4-6F175D3DCCD1}">
-              <a14:hiddenFill xmlns="" xmlns:a14="http://schemas.microsoft.com/office/drawing/2010/main">
+              <a14:hiddenFill xmlns:a14="http://schemas.microsoft.com/office/drawing/2010/main" xmlns="">
                 <a:solidFill>
                   <a:srgbClr val="FFFFFF"/>
                 </a:solidFill>
               </a14:hiddenFill>
             </a:ext>
             <a:ext uri="{91240B29-F687-4f45-9708-019B960494DF}">
-              <a14:hiddenLine xmlns="" xmlns:a14="http://schemas.microsoft.com/office/drawing/2010/main" w="9525">
+              <a14:hiddenLine xmlns:a14="http://schemas.microsoft.com/office/drawing/2010/main" xmlns="" w="9525">
                 <a:solidFill>
                   <a:srgbClr val="000000"/>
                 </a:solidFill>
@@ -2418,7 +2637,7 @@
           </a:ln>
           <a:extLst>
             <a:ext uri="{909E8E84-426E-40dd-AFC4-6F175D3DCCD1}">
-              <a14:hiddenFill xmlns="" xmlns:a14="http://schemas.microsoft.com/office/drawing/2010/main">
+              <a14:hiddenFill xmlns:a14="http://schemas.microsoft.com/office/drawing/2010/main" xmlns="">
                 <a:solidFill>
                   <a:srgbClr val="FFFFFF"/>
                 </a:solidFill>
@@ -2441,14 +2660,14 @@
           <a:noFill/>
           <a:extLst>
             <a:ext uri="{909E8E84-426E-40dd-AFC4-6F175D3DCCD1}">
-              <a14:hiddenFill xmlns="" xmlns:a14="http://schemas.microsoft.com/office/drawing/2010/main">
+              <a14:hiddenFill xmlns:a14="http://schemas.microsoft.com/office/drawing/2010/main" xmlns="">
                 <a:solidFill>
                   <a:srgbClr val="FFFFFF"/>
                 </a:solidFill>
               </a14:hiddenFill>
             </a:ext>
             <a:ext uri="{91240B29-F687-4f45-9708-019B960494DF}">
-              <a14:hiddenLine xmlns="" xmlns:a14="http://schemas.microsoft.com/office/drawing/2010/main" w="9525">
+              <a14:hiddenLine xmlns:a14="http://schemas.microsoft.com/office/drawing/2010/main" xmlns="" w="9525">
                 <a:solidFill>
                   <a:srgbClr val="000000"/>
                 </a:solidFill>
@@ -2664,7 +2883,7 @@
           </a:ln>
           <a:extLst>
             <a:ext uri="{909E8E84-426E-40dd-AFC4-6F175D3DCCD1}">
-              <a14:hiddenFill xmlns="" xmlns:a14="http://schemas.microsoft.com/office/drawing/2010/main">
+              <a14:hiddenFill xmlns:a14="http://schemas.microsoft.com/office/drawing/2010/main" xmlns="">
                 <a:solidFill>
                   <a:srgbClr val="FFFFFF"/>
                 </a:solidFill>
@@ -2687,14 +2906,14 @@
           <a:noFill/>
           <a:extLst>
             <a:ext uri="{909E8E84-426E-40dd-AFC4-6F175D3DCCD1}">
-              <a14:hiddenFill xmlns="" xmlns:a14="http://schemas.microsoft.com/office/drawing/2010/main">
+              <a14:hiddenFill xmlns:a14="http://schemas.microsoft.com/office/drawing/2010/main" xmlns="">
                 <a:solidFill>
                   <a:srgbClr val="FFFFFF"/>
                 </a:solidFill>
               </a14:hiddenFill>
             </a:ext>
             <a:ext uri="{91240B29-F687-4f45-9708-019B960494DF}">
-              <a14:hiddenLine xmlns="" xmlns:a14="http://schemas.microsoft.com/office/drawing/2010/main" w="9525">
+              <a14:hiddenLine xmlns:a14="http://schemas.microsoft.com/office/drawing/2010/main" xmlns="" w="9525">
                 <a:solidFill>
                   <a:srgbClr val="000000"/>
                 </a:solidFill>
@@ -2920,7 +3139,7 @@
           </a:ln>
           <a:extLst>
             <a:ext uri="{909E8E84-426E-40dd-AFC4-6F175D3DCCD1}">
-              <a14:hiddenFill xmlns="" xmlns:a14="http://schemas.microsoft.com/office/drawing/2010/main">
+              <a14:hiddenFill xmlns:a14="http://schemas.microsoft.com/office/drawing/2010/main" xmlns="">
                 <a:solidFill>
                   <a:srgbClr val="FFFFFF"/>
                 </a:solidFill>
@@ -2943,14 +3162,14 @@
           <a:noFill/>
           <a:extLst>
             <a:ext uri="{909E8E84-426E-40dd-AFC4-6F175D3DCCD1}">
-              <a14:hiddenFill xmlns="" xmlns:a14="http://schemas.microsoft.com/office/drawing/2010/main">
+              <a14:hiddenFill xmlns:a14="http://schemas.microsoft.com/office/drawing/2010/main" xmlns="">
                 <a:solidFill>
                   <a:srgbClr val="FFFFFF"/>
                 </a:solidFill>
               </a14:hiddenFill>
             </a:ext>
             <a:ext uri="{91240B29-F687-4f45-9708-019B960494DF}">
-              <a14:hiddenLine xmlns="" xmlns:a14="http://schemas.microsoft.com/office/drawing/2010/main" w="9525">
+              <a14:hiddenLine xmlns:a14="http://schemas.microsoft.com/office/drawing/2010/main" xmlns="" w="9525">
                 <a:solidFill>
                   <a:srgbClr val="000000"/>
                 </a:solidFill>
@@ -3166,7 +3385,7 @@
           </a:ln>
           <a:extLst>
             <a:ext uri="{909E8E84-426E-40dd-AFC4-6F175D3DCCD1}">
-              <a14:hiddenFill xmlns="" xmlns:a14="http://schemas.microsoft.com/office/drawing/2010/main">
+              <a14:hiddenFill xmlns:a14="http://schemas.microsoft.com/office/drawing/2010/main" xmlns="">
                 <a:solidFill>
                   <a:srgbClr val="FFFFFF"/>
                 </a:solidFill>
@@ -3189,14 +3408,14 @@
           <a:noFill/>
           <a:extLst>
             <a:ext uri="{909E8E84-426E-40dd-AFC4-6F175D3DCCD1}">
-              <a14:hiddenFill xmlns="" xmlns:a14="http://schemas.microsoft.com/office/drawing/2010/main">
+              <a14:hiddenFill xmlns:a14="http://schemas.microsoft.com/office/drawing/2010/main" xmlns="">
                 <a:solidFill>
                   <a:srgbClr val="FFFFFF"/>
                 </a:solidFill>
               </a14:hiddenFill>
             </a:ext>
             <a:ext uri="{91240B29-F687-4f45-9708-019B960494DF}">
-              <a14:hiddenLine xmlns="" xmlns:a14="http://schemas.microsoft.com/office/drawing/2010/main" w="9525">
+              <a14:hiddenLine xmlns:a14="http://schemas.microsoft.com/office/drawing/2010/main" xmlns="" w="9525">
                 <a:solidFill>
                   <a:srgbClr val="000000"/>
                 </a:solidFill>
@@ -3412,7 +3631,7 @@
           </a:ln>
           <a:extLst>
             <a:ext uri="{909E8E84-426E-40dd-AFC4-6F175D3DCCD1}">
-              <a14:hiddenFill xmlns="" xmlns:a14="http://schemas.microsoft.com/office/drawing/2010/main">
+              <a14:hiddenFill xmlns:a14="http://schemas.microsoft.com/office/drawing/2010/main" xmlns="">
                 <a:solidFill>
                   <a:srgbClr val="FFFFFF"/>
                 </a:solidFill>
@@ -3435,14 +3654,14 @@
           <a:noFill/>
           <a:extLst>
             <a:ext uri="{909E8E84-426E-40dd-AFC4-6F175D3DCCD1}">
-              <a14:hiddenFill xmlns="" xmlns:a14="http://schemas.microsoft.com/office/drawing/2010/main">
+              <a14:hiddenFill xmlns:a14="http://schemas.microsoft.com/office/drawing/2010/main" xmlns="">
                 <a:solidFill>
                   <a:srgbClr val="FFFFFF"/>
                 </a:solidFill>
               </a14:hiddenFill>
             </a:ext>
             <a:ext uri="{91240B29-F687-4f45-9708-019B960494DF}">
-              <a14:hiddenLine xmlns="" xmlns:a14="http://schemas.microsoft.com/office/drawing/2010/main" w="9525">
+              <a14:hiddenLine xmlns:a14="http://schemas.microsoft.com/office/drawing/2010/main" xmlns="" w="9525">
                 <a:solidFill>
                   <a:srgbClr val="000000"/>
                 </a:solidFill>
@@ -3461,6 +3680,22 @@
           </a:bodyPr>
           <a:lstStyle/>
           <a:p>
+            <a:r>
+              <a:rPr lang="zh-CN" altLang="en-US" dirty="0"/>
+              <a:t>隐含条件：</a:t>
+            </a:r>
+            <a:r>
+              <a:rPr lang="en-US" altLang="zh-CN" dirty="0"/>
+              <a:t>pivot</a:t>
+            </a:r>
+            <a:r>
+              <a:rPr lang="zh-CN" altLang="en-US" dirty="0"/>
+              <a:t>到其他所有节点的最短路径都是已知的</a:t>
+            </a:r>
+            <a:r>
+              <a:rPr lang="en-US" altLang="zh-CN" dirty="0"/>
+              <a:t>;</a:t>
+            </a:r>
             <a:endParaRPr lang="zh-CN" altLang="en-US" dirty="0"/>
           </a:p>
         </p:txBody>
@@ -3658,7 +3893,7 @@
           </a:ln>
           <a:extLst>
             <a:ext uri="{909E8E84-426E-40dd-AFC4-6F175D3DCCD1}">
-              <a14:hiddenFill xmlns="" xmlns:a14="http://schemas.microsoft.com/office/drawing/2010/main">
+              <a14:hiddenFill xmlns:a14="http://schemas.microsoft.com/office/drawing/2010/main" xmlns="">
                 <a:solidFill>
                   <a:srgbClr val="FFFFFF"/>
                 </a:solidFill>
@@ -3681,14 +3916,14 @@
           <a:noFill/>
           <a:extLst>
             <a:ext uri="{909E8E84-426E-40dd-AFC4-6F175D3DCCD1}">
-              <a14:hiddenFill xmlns="" xmlns:a14="http://schemas.microsoft.com/office/drawing/2010/main">
+              <a14:hiddenFill xmlns:a14="http://schemas.microsoft.com/office/drawing/2010/main" xmlns="">
                 <a:solidFill>
                   <a:srgbClr val="FFFFFF"/>
                 </a:solidFill>
               </a14:hiddenFill>
             </a:ext>
             <a:ext uri="{91240B29-F687-4f45-9708-019B960494DF}">
-              <a14:hiddenLine xmlns="" xmlns:a14="http://schemas.microsoft.com/office/drawing/2010/main" w="9525">
+              <a14:hiddenLine xmlns:a14="http://schemas.microsoft.com/office/drawing/2010/main" xmlns="" w="9525">
                 <a:solidFill>
                   <a:srgbClr val="000000"/>
                 </a:solidFill>
@@ -6650,14 +6885,14 @@
           </a:ln>
           <a:extLst>
             <a:ext uri="{909E8E84-426E-40dd-AFC4-6F175D3DCCD1}">
-              <a14:hiddenFill xmlns:a14="http://schemas.microsoft.com/office/drawing/2010/main" xmlns="">
+              <a14:hiddenFill xmlns="" xmlns:a14="http://schemas.microsoft.com/office/drawing/2010/main">
                 <a:solidFill>
                   <a:srgbClr val="FFFFFF"/>
                 </a:solidFill>
               </a14:hiddenFill>
             </a:ext>
             <a:ext uri="{91240B29-F687-4f45-9708-019B960494DF}">
-              <a14:hiddenLine xmlns:a14="http://schemas.microsoft.com/office/drawing/2010/main" xmlns="" w="9525">
+              <a14:hiddenLine xmlns="" xmlns:a14="http://schemas.microsoft.com/office/drawing/2010/main" w="9525">
                 <a:solidFill>
                   <a:srgbClr val="000000"/>
                 </a:solidFill>
@@ -6708,14 +6943,14 @@
           </a:ln>
           <a:extLst>
             <a:ext uri="{909E8E84-426E-40dd-AFC4-6F175D3DCCD1}">
-              <a14:hiddenFill xmlns:a14="http://schemas.microsoft.com/office/drawing/2010/main" xmlns="">
+              <a14:hiddenFill xmlns="" xmlns:a14="http://schemas.microsoft.com/office/drawing/2010/main">
                 <a:solidFill>
                   <a:srgbClr val="FFFFFF"/>
                 </a:solidFill>
               </a14:hiddenFill>
             </a:ext>
             <a:ext uri="{91240B29-F687-4f45-9708-019B960494DF}">
-              <a14:hiddenLine xmlns:a14="http://schemas.microsoft.com/office/drawing/2010/main" xmlns="" w="9525">
+              <a14:hiddenLine xmlns="" xmlns:a14="http://schemas.microsoft.com/office/drawing/2010/main" w="9525">
                 <a:solidFill>
                   <a:srgbClr val="000000"/>
                 </a:solidFill>
@@ -7363,14 +7598,14 @@
           </a:ln>
           <a:extLst>
             <a:ext uri="{909E8E84-426E-40dd-AFC4-6F175D3DCCD1}">
-              <a14:hiddenFill xmlns:a14="http://schemas.microsoft.com/office/drawing/2010/main" xmlns="">
+              <a14:hiddenFill xmlns="" xmlns:a14="http://schemas.microsoft.com/office/drawing/2010/main">
                 <a:solidFill>
                   <a:srgbClr val="FFFFFF"/>
                 </a:solidFill>
               </a14:hiddenFill>
             </a:ext>
             <a:ext uri="{91240B29-F687-4f45-9708-019B960494DF}">
-              <a14:hiddenLine xmlns:a14="http://schemas.microsoft.com/office/drawing/2010/main" xmlns="" w="9525">
+              <a14:hiddenLine xmlns="" xmlns:a14="http://schemas.microsoft.com/office/drawing/2010/main" w="9525">
                 <a:solidFill>
                   <a:srgbClr val="000000"/>
                 </a:solidFill>
@@ -7534,14 +7769,14 @@
           </a:ln>
           <a:extLst>
             <a:ext uri="{909E8E84-426E-40dd-AFC4-6F175D3DCCD1}">
-              <a14:hiddenFill xmlns:a14="http://schemas.microsoft.com/office/drawing/2010/main" xmlns="">
+              <a14:hiddenFill xmlns="" xmlns:a14="http://schemas.microsoft.com/office/drawing/2010/main">
                 <a:solidFill>
                   <a:srgbClr val="FFFFFF"/>
                 </a:solidFill>
               </a14:hiddenFill>
             </a:ext>
             <a:ext uri="{91240B29-F687-4f45-9708-019B960494DF}">
-              <a14:hiddenLine xmlns:a14="http://schemas.microsoft.com/office/drawing/2010/main" xmlns="" w="9525">
+              <a14:hiddenLine xmlns="" xmlns:a14="http://schemas.microsoft.com/office/drawing/2010/main" w="9525">
                 <a:solidFill>
                   <a:srgbClr val="000000"/>
                 </a:solidFill>
@@ -7727,14 +7962,14 @@
           </a:ln>
           <a:extLst>
             <a:ext uri="{909E8E84-426E-40dd-AFC4-6F175D3DCCD1}">
-              <a14:hiddenFill xmlns:a14="http://schemas.microsoft.com/office/drawing/2010/main" xmlns="">
+              <a14:hiddenFill xmlns="" xmlns:a14="http://schemas.microsoft.com/office/drawing/2010/main">
                 <a:solidFill>
                   <a:srgbClr val="FFFFFF"/>
                 </a:solidFill>
               </a14:hiddenFill>
             </a:ext>
             <a:ext uri="{91240B29-F687-4f45-9708-019B960494DF}">
-              <a14:hiddenLine xmlns:a14="http://schemas.microsoft.com/office/drawing/2010/main" xmlns="" w="9525">
+              <a14:hiddenLine xmlns="" xmlns:a14="http://schemas.microsoft.com/office/drawing/2010/main" w="9525">
                 <a:solidFill>
                   <a:srgbClr val="000000"/>
                 </a:solidFill>
@@ -7781,14 +8016,14 @@
           </a:ln>
           <a:extLst>
             <a:ext uri="{909E8E84-426E-40dd-AFC4-6F175D3DCCD1}">
-              <a14:hiddenFill xmlns:a14="http://schemas.microsoft.com/office/drawing/2010/main" xmlns="">
+              <a14:hiddenFill xmlns="" xmlns:a14="http://schemas.microsoft.com/office/drawing/2010/main">
                 <a:solidFill>
                   <a:srgbClr val="FFFFFF"/>
                 </a:solidFill>
               </a14:hiddenFill>
             </a:ext>
             <a:ext uri="{91240B29-F687-4f45-9708-019B960494DF}">
-              <a14:hiddenLine xmlns:a14="http://schemas.microsoft.com/office/drawing/2010/main" xmlns="" w="9525">
+              <a14:hiddenLine xmlns="" xmlns:a14="http://schemas.microsoft.com/office/drawing/2010/main" w="9525">
                 <a:solidFill>
                   <a:srgbClr val="000000"/>
                 </a:solidFill>
@@ -7930,14 +8165,14 @@
           </a:ln>
           <a:extLst>
             <a:ext uri="{909E8E84-426E-40dd-AFC4-6F175D3DCCD1}">
-              <a14:hiddenFill xmlns="" xmlns:a14="http://schemas.microsoft.com/office/drawing/2010/main">
+              <a14:hiddenFill xmlns:a14="http://schemas.microsoft.com/office/drawing/2010/main" xmlns="">
                 <a:solidFill>
                   <a:srgbClr val="FFFFFF"/>
                 </a:solidFill>
               </a14:hiddenFill>
             </a:ext>
             <a:ext uri="{91240B29-F687-4f45-9708-019B960494DF}">
-              <a14:hiddenLine xmlns="" xmlns:a14="http://schemas.microsoft.com/office/drawing/2010/main" w="9525">
+              <a14:hiddenLine xmlns:a14="http://schemas.microsoft.com/office/drawing/2010/main" xmlns="" w="9525">
                 <a:solidFill>
                   <a:srgbClr val="000000"/>
                 </a:solidFill>
@@ -8183,14 +8418,14 @@
           </a:ln>
           <a:extLst>
             <a:ext uri="{909E8E84-426E-40dd-AFC4-6F175D3DCCD1}">
-              <a14:hiddenFill xmlns="" xmlns:a14="http://schemas.microsoft.com/office/drawing/2010/main">
+              <a14:hiddenFill xmlns:a14="http://schemas.microsoft.com/office/drawing/2010/main" xmlns="">
                 <a:solidFill>
                   <a:srgbClr val="FFFFFF"/>
                 </a:solidFill>
               </a14:hiddenFill>
             </a:ext>
             <a:ext uri="{91240B29-F687-4f45-9708-019B960494DF}">
-              <a14:hiddenLine xmlns="" xmlns:a14="http://schemas.microsoft.com/office/drawing/2010/main" w="9525">
+              <a14:hiddenLine xmlns:a14="http://schemas.microsoft.com/office/drawing/2010/main" xmlns="" w="9525">
                 <a:solidFill>
                   <a:srgbClr val="000000"/>
                 </a:solidFill>
@@ -8411,14 +8646,14 @@
           <a:noFill/>
           <a:extLst>
             <a:ext uri="{909E8E84-426E-40dd-AFC4-6F175D3DCCD1}">
-              <a14:hiddenFill xmlns="" xmlns:a14="http://schemas.microsoft.com/office/drawing/2010/main">
+              <a14:hiddenFill xmlns:a14="http://schemas.microsoft.com/office/drawing/2010/main" xmlns="">
                 <a:solidFill>
                   <a:srgbClr val="FFFFFF"/>
                 </a:solidFill>
               </a14:hiddenFill>
             </a:ext>
             <a:ext uri="{91240B29-F687-4f45-9708-019B960494DF}">
-              <a14:hiddenLine xmlns="" xmlns:a14="http://schemas.microsoft.com/office/drawing/2010/main" w="9525">
+              <a14:hiddenLine xmlns:a14="http://schemas.microsoft.com/office/drawing/2010/main" xmlns="" w="9525">
                 <a:solidFill>
                   <a:srgbClr val="000000"/>
                 </a:solidFill>
@@ -8637,14 +8872,14 @@
           </a:ln>
           <a:extLst>
             <a:ext uri="{909E8E84-426E-40dd-AFC4-6F175D3DCCD1}">
-              <a14:hiddenFill xmlns="" xmlns:a14="http://schemas.microsoft.com/office/drawing/2010/main">
+              <a14:hiddenFill xmlns:a14="http://schemas.microsoft.com/office/drawing/2010/main" xmlns="">
                 <a:solidFill>
                   <a:srgbClr val="FFFFFF"/>
                 </a:solidFill>
               </a14:hiddenFill>
             </a:ext>
             <a:ext uri="{91240B29-F687-4f45-9708-019B960494DF}">
-              <a14:hiddenLine xmlns="" xmlns:a14="http://schemas.microsoft.com/office/drawing/2010/main" w="9525">
+              <a14:hiddenLine xmlns:a14="http://schemas.microsoft.com/office/drawing/2010/main" xmlns="" w="9525">
                 <a:solidFill>
                   <a:srgbClr val="000000"/>
                 </a:solidFill>
@@ -9266,14 +9501,14 @@
           </a:ln>
           <a:extLst>
             <a:ext uri="{909E8E84-426E-40dd-AFC4-6F175D3DCCD1}">
-              <a14:hiddenFill xmlns="" xmlns:a14="http://schemas.microsoft.com/office/drawing/2010/main">
+              <a14:hiddenFill xmlns:a14="http://schemas.microsoft.com/office/drawing/2010/main" xmlns="">
                 <a:solidFill>
                   <a:srgbClr val="FFFFFF"/>
                 </a:solidFill>
               </a14:hiddenFill>
             </a:ext>
             <a:ext uri="{91240B29-F687-4f45-9708-019B960494DF}">
-              <a14:hiddenLine xmlns="" xmlns:a14="http://schemas.microsoft.com/office/drawing/2010/main" w="9525">
+              <a14:hiddenLine xmlns:a14="http://schemas.microsoft.com/office/drawing/2010/main" xmlns="" w="9525">
                 <a:solidFill>
                   <a:srgbClr val="000000"/>
                 </a:solidFill>
@@ -9494,14 +9729,14 @@
           <a:noFill/>
           <a:extLst>
             <a:ext uri="{909E8E84-426E-40dd-AFC4-6F175D3DCCD1}">
-              <a14:hiddenFill xmlns="" xmlns:a14="http://schemas.microsoft.com/office/drawing/2010/main">
+              <a14:hiddenFill xmlns:a14="http://schemas.microsoft.com/office/drawing/2010/main" xmlns="">
                 <a:solidFill>
                   <a:srgbClr val="FFFFFF"/>
                 </a:solidFill>
               </a14:hiddenFill>
             </a:ext>
             <a:ext uri="{91240B29-F687-4f45-9708-019B960494DF}">
-              <a14:hiddenLine xmlns="" xmlns:a14="http://schemas.microsoft.com/office/drawing/2010/main" w="9525">
+              <a14:hiddenLine xmlns:a14="http://schemas.microsoft.com/office/drawing/2010/main" xmlns="" w="9525">
                 <a:solidFill>
                   <a:srgbClr val="000000"/>
                 </a:solidFill>
@@ -9720,14 +9955,14 @@
           </a:ln>
           <a:extLst>
             <a:ext uri="{909E8E84-426E-40dd-AFC4-6F175D3DCCD1}">
-              <a14:hiddenFill xmlns="" xmlns:a14="http://schemas.microsoft.com/office/drawing/2010/main">
+              <a14:hiddenFill xmlns:a14="http://schemas.microsoft.com/office/drawing/2010/main" xmlns="">
                 <a:solidFill>
                   <a:srgbClr val="FFFFFF"/>
                 </a:solidFill>
               </a14:hiddenFill>
             </a:ext>
             <a:ext uri="{91240B29-F687-4f45-9708-019B960494DF}">
-              <a14:hiddenLine xmlns="" xmlns:a14="http://schemas.microsoft.com/office/drawing/2010/main" w="9525">
+              <a14:hiddenLine xmlns:a14="http://schemas.microsoft.com/office/drawing/2010/main" xmlns="" w="9525">
                 <a:solidFill>
                   <a:srgbClr val="000000"/>
                 </a:solidFill>
@@ -9739,8 +9974,8 @@
           </a:extLst>
         </p:spPr>
       </p:pic>
-      <mc:AlternateContent xmlns:mc="http://schemas.openxmlformats.org/markup-compatibility/2006" xmlns:a14="http://schemas.microsoft.com/office/drawing/2010/main">
-        <mc:Choice Requires="a14">
+      <mc:AlternateContent xmlns:mc="http://schemas.openxmlformats.org/markup-compatibility/2006">
+        <mc:Choice xmlns:a14="http://schemas.microsoft.com/office/drawing/2010/main" Requires="a14">
           <p:sp>
             <p:nvSpPr>
               <p:cNvPr id="6" name="Subtitle 2">
@@ -10206,7 +10441,7 @@
                 <a:r>
                   <a:rPr lang="zh-CN" altLang="en-US" kern="0" dirty="0">
                     <a:solidFill>
-                      <a:srgbClr val="003366"/>
+                      <a:srgbClr val="FF0000"/>
                     </a:solidFill>
                     <a:latin typeface="仿宋" panose="02010609060101010101" pitchFamily="49" charset="-122"/>
                     <a:ea typeface="仿宋" panose="02010609060101010101" pitchFamily="49" charset="-122"/>
@@ -10218,7 +10453,7 @@
                     <m:r>
                       <a:rPr lang="en-US" altLang="zh-CN" i="1" kern="0" dirty="0" smtClean="0">
                         <a:solidFill>
-                          <a:srgbClr val="003366"/>
+                          <a:srgbClr val="FF0000"/>
                         </a:solidFill>
                         <a:latin typeface="Cambria Math" panose="02040503050406030204" pitchFamily="18" charset="0"/>
                         <a:ea typeface="仿宋" panose="02010609060101010101" pitchFamily="49" charset="-122"/>
@@ -10230,7 +10465,7 @@
                 <a:r>
                   <a:rPr lang="zh-CN" altLang="en-US" kern="0" dirty="0">
                     <a:solidFill>
-                      <a:srgbClr val="003366"/>
+                      <a:srgbClr val="FF0000"/>
                     </a:solidFill>
                     <a:latin typeface="仿宋" panose="02010609060101010101" pitchFamily="49" charset="-122"/>
                     <a:ea typeface="仿宋" panose="02010609060101010101" pitchFamily="49" charset="-122"/>
@@ -10242,7 +10477,7 @@
                     <m:r>
                       <a:rPr lang="en-US" altLang="zh-CN" kern="0">
                         <a:solidFill>
-                          <a:srgbClr val="003366"/>
+                          <a:srgbClr val="FF0000"/>
                         </a:solidFill>
                         <a:latin typeface="Cambria Math" panose="02040503050406030204" pitchFamily="18" charset="0"/>
                         <a:ea typeface="仿宋" panose="02010609060101010101" pitchFamily="49" charset="-122"/>
@@ -10254,7 +10489,7 @@
                 <a:r>
                   <a:rPr lang="zh-CN" altLang="en-US" kern="0" dirty="0">
                     <a:solidFill>
-                      <a:srgbClr val="003366"/>
+                      <a:srgbClr val="FF0000"/>
                     </a:solidFill>
                     <a:latin typeface="仿宋" panose="02010609060101010101" pitchFamily="49" charset="-122"/>
                     <a:ea typeface="仿宋" panose="02010609060101010101" pitchFamily="49" charset="-122"/>
@@ -10263,7 +10498,7 @@
                 </a:r>
                 <a:endParaRPr lang="en-US" altLang="zh-CN" kern="0" dirty="0">
                   <a:solidFill>
-                    <a:srgbClr val="003366"/>
+                    <a:srgbClr val="FF0000"/>
                   </a:solidFill>
                   <a:latin typeface="仿宋" panose="02010609060101010101" pitchFamily="49" charset="-122"/>
                   <a:ea typeface="仿宋" panose="02010609060101010101" pitchFamily="49" charset="-122"/>
@@ -10938,7 +11173,7 @@
             </p:txBody>
           </p:sp>
         </mc:Choice>
-        <mc:Fallback xmlns="">
+        <mc:Fallback>
           <p:sp>
             <p:nvSpPr>
               <p:cNvPr id="6" name="Subtitle 2">
@@ -11087,14 +11322,14 @@
           </a:ln>
           <a:extLst>
             <a:ext uri="{909E8E84-426E-40dd-AFC4-6F175D3DCCD1}">
-              <a14:hiddenFill xmlns="" xmlns:a14="http://schemas.microsoft.com/office/drawing/2010/main">
+              <a14:hiddenFill xmlns:a14="http://schemas.microsoft.com/office/drawing/2010/main" xmlns="">
                 <a:solidFill>
                   <a:srgbClr val="FFFFFF"/>
                 </a:solidFill>
               </a14:hiddenFill>
             </a:ext>
             <a:ext uri="{91240B29-F687-4f45-9708-019B960494DF}">
-              <a14:hiddenLine xmlns="" xmlns:a14="http://schemas.microsoft.com/office/drawing/2010/main" w="9525">
+              <a14:hiddenLine xmlns:a14="http://schemas.microsoft.com/office/drawing/2010/main" xmlns="" w="9525">
                 <a:solidFill>
                   <a:srgbClr val="000000"/>
                 </a:solidFill>
@@ -11315,14 +11550,14 @@
           <a:noFill/>
           <a:extLst>
             <a:ext uri="{909E8E84-426E-40dd-AFC4-6F175D3DCCD1}">
-              <a14:hiddenFill xmlns="" xmlns:a14="http://schemas.microsoft.com/office/drawing/2010/main">
+              <a14:hiddenFill xmlns:a14="http://schemas.microsoft.com/office/drawing/2010/main" xmlns="">
                 <a:solidFill>
                   <a:srgbClr val="FFFFFF"/>
                 </a:solidFill>
               </a14:hiddenFill>
             </a:ext>
             <a:ext uri="{91240B29-F687-4f45-9708-019B960494DF}">
-              <a14:hiddenLine xmlns="" xmlns:a14="http://schemas.microsoft.com/office/drawing/2010/main" w="9525">
+              <a14:hiddenLine xmlns:a14="http://schemas.microsoft.com/office/drawing/2010/main" xmlns="" w="9525">
                 <a:solidFill>
                   <a:srgbClr val="000000"/>
                 </a:solidFill>
@@ -11541,14 +11776,14 @@
           </a:ln>
           <a:extLst>
             <a:ext uri="{909E8E84-426E-40dd-AFC4-6F175D3DCCD1}">
-              <a14:hiddenFill xmlns="" xmlns:a14="http://schemas.microsoft.com/office/drawing/2010/main">
+              <a14:hiddenFill xmlns:a14="http://schemas.microsoft.com/office/drawing/2010/main" xmlns="">
                 <a:solidFill>
                   <a:srgbClr val="FFFFFF"/>
                 </a:solidFill>
               </a14:hiddenFill>
             </a:ext>
             <a:ext uri="{91240B29-F687-4f45-9708-019B960494DF}">
-              <a14:hiddenLine xmlns="" xmlns:a14="http://schemas.microsoft.com/office/drawing/2010/main" w="9525">
+              <a14:hiddenLine xmlns:a14="http://schemas.microsoft.com/office/drawing/2010/main" xmlns="" w="9525">
                 <a:solidFill>
                   <a:srgbClr val="000000"/>
                 </a:solidFill>
@@ -12279,14 +12514,14 @@
           </a:ln>
           <a:extLst>
             <a:ext uri="{909E8E84-426E-40dd-AFC4-6F175D3DCCD1}">
-              <a14:hiddenFill xmlns:a14="http://schemas.microsoft.com/office/drawing/2010/main" xmlns="">
+              <a14:hiddenFill xmlns="" xmlns:a14="http://schemas.microsoft.com/office/drawing/2010/main">
                 <a:solidFill>
                   <a:srgbClr val="FFFFFF"/>
                 </a:solidFill>
               </a14:hiddenFill>
             </a:ext>
             <a:ext uri="{91240B29-F687-4f45-9708-019B960494DF}">
-              <a14:hiddenLine xmlns:a14="http://schemas.microsoft.com/office/drawing/2010/main" xmlns="" w="9525">
+              <a14:hiddenLine xmlns="" xmlns:a14="http://schemas.microsoft.com/office/drawing/2010/main" w="9525">
                 <a:solidFill>
                   <a:srgbClr val="000000"/>
                 </a:solidFill>
@@ -12480,14 +12715,14 @@
           <a:noFill/>
           <a:extLst>
             <a:ext uri="{909E8E84-426E-40dd-AFC4-6F175D3DCCD1}">
-              <a14:hiddenFill xmlns:a14="http://schemas.microsoft.com/office/drawing/2010/main" xmlns="">
+              <a14:hiddenFill xmlns="" xmlns:a14="http://schemas.microsoft.com/office/drawing/2010/main">
                 <a:solidFill>
                   <a:srgbClr val="FFFFFF"/>
                 </a:solidFill>
               </a14:hiddenFill>
             </a:ext>
             <a:ext uri="{91240B29-F687-4f45-9708-019B960494DF}">
-              <a14:hiddenLine xmlns:a14="http://schemas.microsoft.com/office/drawing/2010/main" xmlns="" w="9525">
+              <a14:hiddenLine xmlns="" xmlns:a14="http://schemas.microsoft.com/office/drawing/2010/main" w="9525">
                 <a:solidFill>
                   <a:srgbClr val="000000"/>
                 </a:solidFill>
@@ -12706,14 +12941,14 @@
           </a:ln>
           <a:extLst>
             <a:ext uri="{909E8E84-426E-40dd-AFC4-6F175D3DCCD1}">
-              <a14:hiddenFill xmlns:a14="http://schemas.microsoft.com/office/drawing/2010/main" xmlns="">
+              <a14:hiddenFill xmlns="" xmlns:a14="http://schemas.microsoft.com/office/drawing/2010/main">
                 <a:solidFill>
                   <a:srgbClr val="FFFFFF"/>
                 </a:solidFill>
               </a14:hiddenFill>
             </a:ext>
             <a:ext uri="{91240B29-F687-4f45-9708-019B960494DF}">
-              <a14:hiddenLine xmlns:a14="http://schemas.microsoft.com/office/drawing/2010/main" xmlns="" w="9525">
+              <a14:hiddenLine xmlns="" xmlns:a14="http://schemas.microsoft.com/office/drawing/2010/main" w="9525">
                 <a:solidFill>
                   <a:srgbClr val="000000"/>
                 </a:solidFill>
@@ -13285,14 +13520,14 @@
           </a:ln>
           <a:extLst>
             <a:ext uri="{909E8E84-426E-40dd-AFC4-6F175D3DCCD1}">
-              <a14:hiddenFill xmlns:a14="http://schemas.microsoft.com/office/drawing/2010/main" xmlns="">
+              <a14:hiddenFill xmlns="" xmlns:a14="http://schemas.microsoft.com/office/drawing/2010/main">
                 <a:solidFill>
                   <a:srgbClr val="FFFFFF"/>
                 </a:solidFill>
               </a14:hiddenFill>
             </a:ext>
             <a:ext uri="{91240B29-F687-4f45-9708-019B960494DF}">
-              <a14:hiddenLine xmlns:a14="http://schemas.microsoft.com/office/drawing/2010/main" xmlns="" w="9525">
+              <a14:hiddenLine xmlns="" xmlns:a14="http://schemas.microsoft.com/office/drawing/2010/main" w="9525">
                 <a:solidFill>
                   <a:srgbClr val="000000"/>
                 </a:solidFill>
@@ -13486,14 +13721,14 @@
           <a:noFill/>
           <a:extLst>
             <a:ext uri="{909E8E84-426E-40dd-AFC4-6F175D3DCCD1}">
-              <a14:hiddenFill xmlns:a14="http://schemas.microsoft.com/office/drawing/2010/main" xmlns="">
+              <a14:hiddenFill xmlns="" xmlns:a14="http://schemas.microsoft.com/office/drawing/2010/main">
                 <a:solidFill>
                   <a:srgbClr val="FFFFFF"/>
                 </a:solidFill>
               </a14:hiddenFill>
             </a:ext>
             <a:ext uri="{91240B29-F687-4f45-9708-019B960494DF}">
-              <a14:hiddenLine xmlns:a14="http://schemas.microsoft.com/office/drawing/2010/main" xmlns="" w="9525">
+              <a14:hiddenLine xmlns="" xmlns:a14="http://schemas.microsoft.com/office/drawing/2010/main" w="9525">
                 <a:solidFill>
                   <a:srgbClr val="000000"/>
                 </a:solidFill>
@@ -13712,14 +13947,14 @@
           </a:ln>
           <a:extLst>
             <a:ext uri="{909E8E84-426E-40dd-AFC4-6F175D3DCCD1}">
-              <a14:hiddenFill xmlns:a14="http://schemas.microsoft.com/office/drawing/2010/main" xmlns="">
+              <a14:hiddenFill xmlns="" xmlns:a14="http://schemas.microsoft.com/office/drawing/2010/main">
                 <a:solidFill>
                   <a:srgbClr val="FFFFFF"/>
                 </a:solidFill>
               </a14:hiddenFill>
             </a:ext>
             <a:ext uri="{91240B29-F687-4f45-9708-019B960494DF}">
-              <a14:hiddenLine xmlns:a14="http://schemas.microsoft.com/office/drawing/2010/main" xmlns="" w="9525">
+              <a14:hiddenLine xmlns="" xmlns:a14="http://schemas.microsoft.com/office/drawing/2010/main" w="9525">
                 <a:solidFill>
                   <a:srgbClr val="000000"/>
                 </a:solidFill>
@@ -14291,14 +14526,14 @@
           </a:ln>
           <a:extLst>
             <a:ext uri="{909E8E84-426E-40dd-AFC4-6F175D3DCCD1}">
-              <a14:hiddenFill xmlns="" xmlns:a14="http://schemas.microsoft.com/office/drawing/2010/main">
+              <a14:hiddenFill xmlns:a14="http://schemas.microsoft.com/office/drawing/2010/main" xmlns="">
                 <a:solidFill>
                   <a:srgbClr val="FFFFFF"/>
                 </a:solidFill>
               </a14:hiddenFill>
             </a:ext>
             <a:ext uri="{91240B29-F687-4f45-9708-019B960494DF}">
-              <a14:hiddenLine xmlns="" xmlns:a14="http://schemas.microsoft.com/office/drawing/2010/main" w="9525">
+              <a14:hiddenLine xmlns:a14="http://schemas.microsoft.com/office/drawing/2010/main" xmlns="" w="9525">
                 <a:solidFill>
                   <a:srgbClr val="000000"/>
                 </a:solidFill>
@@ -14492,14 +14727,14 @@
           <a:noFill/>
           <a:extLst>
             <a:ext uri="{909E8E84-426E-40dd-AFC4-6F175D3DCCD1}">
-              <a14:hiddenFill xmlns="" xmlns:a14="http://schemas.microsoft.com/office/drawing/2010/main">
+              <a14:hiddenFill xmlns:a14="http://schemas.microsoft.com/office/drawing/2010/main" xmlns="">
                 <a:solidFill>
                   <a:srgbClr val="FFFFFF"/>
                 </a:solidFill>
               </a14:hiddenFill>
             </a:ext>
             <a:ext uri="{91240B29-F687-4f45-9708-019B960494DF}">
-              <a14:hiddenLine xmlns="" xmlns:a14="http://schemas.microsoft.com/office/drawing/2010/main" w="9525">
+              <a14:hiddenLine xmlns:a14="http://schemas.microsoft.com/office/drawing/2010/main" xmlns="" w="9525">
                 <a:solidFill>
                   <a:srgbClr val="000000"/>
                 </a:solidFill>
@@ -14718,14 +14953,14 @@
           </a:ln>
           <a:extLst>
             <a:ext uri="{909E8E84-426E-40dd-AFC4-6F175D3DCCD1}">
-              <a14:hiddenFill xmlns="" xmlns:a14="http://schemas.microsoft.com/office/drawing/2010/main">
+              <a14:hiddenFill xmlns:a14="http://schemas.microsoft.com/office/drawing/2010/main" xmlns="">
                 <a:solidFill>
                   <a:srgbClr val="FFFFFF"/>
                 </a:solidFill>
               </a14:hiddenFill>
             </a:ext>
             <a:ext uri="{91240B29-F687-4f45-9708-019B960494DF}">
-              <a14:hiddenLine xmlns="" xmlns:a14="http://schemas.microsoft.com/office/drawing/2010/main" w="9525">
+              <a14:hiddenLine xmlns:a14="http://schemas.microsoft.com/office/drawing/2010/main" xmlns="" w="9525">
                 <a:solidFill>
                   <a:srgbClr val="000000"/>
                 </a:solidFill>
@@ -15481,14 +15716,14 @@
           </a:ln>
           <a:extLst>
             <a:ext uri="{909E8E84-426E-40dd-AFC4-6F175D3DCCD1}">
-              <a14:hiddenFill xmlns="" xmlns:a14="http://schemas.microsoft.com/office/drawing/2010/main">
+              <a14:hiddenFill xmlns:a14="http://schemas.microsoft.com/office/drawing/2010/main" xmlns="">
                 <a:solidFill>
                   <a:srgbClr val="FFFFFF"/>
                 </a:solidFill>
               </a14:hiddenFill>
             </a:ext>
             <a:ext uri="{91240B29-F687-4f45-9708-019B960494DF}">
-              <a14:hiddenLine xmlns="" xmlns:a14="http://schemas.microsoft.com/office/drawing/2010/main" w="9525">
+              <a14:hiddenLine xmlns:a14="http://schemas.microsoft.com/office/drawing/2010/main" xmlns="" w="9525">
                 <a:solidFill>
                   <a:srgbClr val="000000"/>
                 </a:solidFill>
@@ -15682,14 +15917,14 @@
           <a:noFill/>
           <a:extLst>
             <a:ext uri="{909E8E84-426E-40dd-AFC4-6F175D3DCCD1}">
-              <a14:hiddenFill xmlns="" xmlns:a14="http://schemas.microsoft.com/office/drawing/2010/main">
+              <a14:hiddenFill xmlns:a14="http://schemas.microsoft.com/office/drawing/2010/main" xmlns="">
                 <a:solidFill>
                   <a:srgbClr val="FFFFFF"/>
                 </a:solidFill>
               </a14:hiddenFill>
             </a:ext>
             <a:ext uri="{91240B29-F687-4f45-9708-019B960494DF}">
-              <a14:hiddenLine xmlns="" xmlns:a14="http://schemas.microsoft.com/office/drawing/2010/main" w="9525">
+              <a14:hiddenLine xmlns:a14="http://schemas.microsoft.com/office/drawing/2010/main" xmlns="" w="9525">
                 <a:solidFill>
                   <a:srgbClr val="000000"/>
                 </a:solidFill>
@@ -15908,14 +16143,14 @@
           </a:ln>
           <a:extLst>
             <a:ext uri="{909E8E84-426E-40dd-AFC4-6F175D3DCCD1}">
-              <a14:hiddenFill xmlns="" xmlns:a14="http://schemas.microsoft.com/office/drawing/2010/main">
+              <a14:hiddenFill xmlns:a14="http://schemas.microsoft.com/office/drawing/2010/main" xmlns="">
                 <a:solidFill>
                   <a:srgbClr val="FFFFFF"/>
                 </a:solidFill>
               </a14:hiddenFill>
             </a:ext>
             <a:ext uri="{91240B29-F687-4f45-9708-019B960494DF}">
-              <a14:hiddenLine xmlns="" xmlns:a14="http://schemas.microsoft.com/office/drawing/2010/main" w="9525">
+              <a14:hiddenLine xmlns:a14="http://schemas.microsoft.com/office/drawing/2010/main" xmlns="" w="9525">
                 <a:solidFill>
                   <a:srgbClr val="000000"/>
                 </a:solidFill>
@@ -16675,14 +16910,14 @@
           </a:ln>
           <a:extLst>
             <a:ext uri="{909E8E84-426E-40dd-AFC4-6F175D3DCCD1}">
-              <a14:hiddenFill xmlns="" xmlns:a14="http://schemas.microsoft.com/office/drawing/2010/main">
+              <a14:hiddenFill xmlns:a14="http://schemas.microsoft.com/office/drawing/2010/main" xmlns="">
                 <a:solidFill>
                   <a:srgbClr val="FFFFFF"/>
                 </a:solidFill>
               </a14:hiddenFill>
             </a:ext>
             <a:ext uri="{91240B29-F687-4f45-9708-019B960494DF}">
-              <a14:hiddenLine xmlns="" xmlns:a14="http://schemas.microsoft.com/office/drawing/2010/main" w="9525">
+              <a14:hiddenLine xmlns:a14="http://schemas.microsoft.com/office/drawing/2010/main" xmlns="" w="9525">
                 <a:solidFill>
                   <a:srgbClr val="000000"/>
                 </a:solidFill>
@@ -16876,14 +17111,14 @@
           <a:noFill/>
           <a:extLst>
             <a:ext uri="{909E8E84-426E-40dd-AFC4-6F175D3DCCD1}">
-              <a14:hiddenFill xmlns="" xmlns:a14="http://schemas.microsoft.com/office/drawing/2010/main">
+              <a14:hiddenFill xmlns:a14="http://schemas.microsoft.com/office/drawing/2010/main" xmlns="">
                 <a:solidFill>
                   <a:srgbClr val="FFFFFF"/>
                 </a:solidFill>
               </a14:hiddenFill>
             </a:ext>
             <a:ext uri="{91240B29-F687-4f45-9708-019B960494DF}">
-              <a14:hiddenLine xmlns="" xmlns:a14="http://schemas.microsoft.com/office/drawing/2010/main" w="9525">
+              <a14:hiddenLine xmlns:a14="http://schemas.microsoft.com/office/drawing/2010/main" xmlns="" w="9525">
                 <a:solidFill>
                   <a:srgbClr val="000000"/>
                 </a:solidFill>
@@ -17102,14 +17337,14 @@
           </a:ln>
           <a:extLst>
             <a:ext uri="{909E8E84-426E-40dd-AFC4-6F175D3DCCD1}">
-              <a14:hiddenFill xmlns="" xmlns:a14="http://schemas.microsoft.com/office/drawing/2010/main">
+              <a14:hiddenFill xmlns:a14="http://schemas.microsoft.com/office/drawing/2010/main" xmlns="">
                 <a:solidFill>
                   <a:srgbClr val="FFFFFF"/>
                 </a:solidFill>
               </a14:hiddenFill>
             </a:ext>
             <a:ext uri="{91240B29-F687-4f45-9708-019B960494DF}">
-              <a14:hiddenLine xmlns="" xmlns:a14="http://schemas.microsoft.com/office/drawing/2010/main" w="9525">
+              <a14:hiddenLine xmlns:a14="http://schemas.microsoft.com/office/drawing/2010/main" xmlns="" w="9525">
                 <a:solidFill>
                   <a:srgbClr val="000000"/>
                 </a:solidFill>
@@ -17538,14 +17773,14 @@
           </a:ln>
           <a:extLst>
             <a:ext uri="{909E8E84-426E-40dd-AFC4-6F175D3DCCD1}">
-              <a14:hiddenFill xmlns="" xmlns:a14="http://schemas.microsoft.com/office/drawing/2010/main">
+              <a14:hiddenFill xmlns:a14="http://schemas.microsoft.com/office/drawing/2010/main" xmlns="">
                 <a:solidFill>
                   <a:srgbClr val="FFFFFF"/>
                 </a:solidFill>
               </a14:hiddenFill>
             </a:ext>
             <a:ext uri="{91240B29-F687-4f45-9708-019B960494DF}">
-              <a14:hiddenLine xmlns="" xmlns:a14="http://schemas.microsoft.com/office/drawing/2010/main" w="9525">
+              <a14:hiddenLine xmlns:a14="http://schemas.microsoft.com/office/drawing/2010/main" xmlns="" w="9525">
                 <a:solidFill>
                   <a:srgbClr val="000000"/>
                 </a:solidFill>
@@ -17749,14 +17984,14 @@
           <a:noFill/>
           <a:extLst>
             <a:ext uri="{909E8E84-426E-40dd-AFC4-6F175D3DCCD1}">
-              <a14:hiddenFill xmlns="" xmlns:a14="http://schemas.microsoft.com/office/drawing/2010/main">
+              <a14:hiddenFill xmlns:a14="http://schemas.microsoft.com/office/drawing/2010/main" xmlns="">
                 <a:solidFill>
                   <a:srgbClr val="FFFFFF"/>
                 </a:solidFill>
               </a14:hiddenFill>
             </a:ext>
             <a:ext uri="{91240B29-F687-4f45-9708-019B960494DF}">
-              <a14:hiddenLine xmlns="" xmlns:a14="http://schemas.microsoft.com/office/drawing/2010/main" w="9525">
+              <a14:hiddenLine xmlns:a14="http://schemas.microsoft.com/office/drawing/2010/main" xmlns="" w="9525">
                 <a:solidFill>
                   <a:srgbClr val="000000"/>
                 </a:solidFill>
@@ -17975,14 +18210,14 @@
           </a:ln>
           <a:extLst>
             <a:ext uri="{909E8E84-426E-40dd-AFC4-6F175D3DCCD1}">
-              <a14:hiddenFill xmlns="" xmlns:a14="http://schemas.microsoft.com/office/drawing/2010/main">
+              <a14:hiddenFill xmlns:a14="http://schemas.microsoft.com/office/drawing/2010/main" xmlns="">
                 <a:solidFill>
                   <a:srgbClr val="FFFFFF"/>
                 </a:solidFill>
               </a14:hiddenFill>
             </a:ext>
             <a:ext uri="{91240B29-F687-4f45-9708-019B960494DF}">
-              <a14:hiddenLine xmlns="" xmlns:a14="http://schemas.microsoft.com/office/drawing/2010/main" w="9525">
+              <a14:hiddenLine xmlns:a14="http://schemas.microsoft.com/office/drawing/2010/main" xmlns="" w="9525">
                 <a:solidFill>
                   <a:srgbClr val="000000"/>
                 </a:solidFill>
@@ -18473,14 +18708,14 @@
           </a:ln>
           <a:extLst>
             <a:ext uri="{909E8E84-426E-40dd-AFC4-6F175D3DCCD1}">
-              <a14:hiddenFill xmlns="" xmlns:a14="http://schemas.microsoft.com/office/drawing/2010/main">
+              <a14:hiddenFill xmlns:a14="http://schemas.microsoft.com/office/drawing/2010/main" xmlns="">
                 <a:solidFill>
                   <a:srgbClr val="FFFFFF"/>
                 </a:solidFill>
               </a14:hiddenFill>
             </a:ext>
             <a:ext uri="{91240B29-F687-4f45-9708-019B960494DF}">
-              <a14:hiddenLine xmlns="" xmlns:a14="http://schemas.microsoft.com/office/drawing/2010/main" w="9525">
+              <a14:hiddenLine xmlns:a14="http://schemas.microsoft.com/office/drawing/2010/main" xmlns="" w="9525">
                 <a:solidFill>
                   <a:srgbClr val="000000"/>
                 </a:solidFill>
@@ -18684,14 +18919,14 @@
           <a:noFill/>
           <a:extLst>
             <a:ext uri="{909E8E84-426E-40dd-AFC4-6F175D3DCCD1}">
-              <a14:hiddenFill xmlns="" xmlns:a14="http://schemas.microsoft.com/office/drawing/2010/main">
+              <a14:hiddenFill xmlns:a14="http://schemas.microsoft.com/office/drawing/2010/main" xmlns="">
                 <a:solidFill>
                   <a:srgbClr val="FFFFFF"/>
                 </a:solidFill>
               </a14:hiddenFill>
             </a:ext>
             <a:ext uri="{91240B29-F687-4f45-9708-019B960494DF}">
-              <a14:hiddenLine xmlns="" xmlns:a14="http://schemas.microsoft.com/office/drawing/2010/main" w="9525">
+              <a14:hiddenLine xmlns:a14="http://schemas.microsoft.com/office/drawing/2010/main" xmlns="" w="9525">
                 <a:solidFill>
                   <a:srgbClr val="000000"/>
                 </a:solidFill>
@@ -18910,14 +19145,14 @@
           </a:ln>
           <a:extLst>
             <a:ext uri="{909E8E84-426E-40dd-AFC4-6F175D3DCCD1}">
-              <a14:hiddenFill xmlns="" xmlns:a14="http://schemas.microsoft.com/office/drawing/2010/main">
+              <a14:hiddenFill xmlns:a14="http://schemas.microsoft.com/office/drawing/2010/main" xmlns="">
                 <a:solidFill>
                   <a:srgbClr val="FFFFFF"/>
                 </a:solidFill>
               </a14:hiddenFill>
             </a:ext>
             <a:ext uri="{91240B29-F687-4f45-9708-019B960494DF}">
-              <a14:hiddenLine xmlns="" xmlns:a14="http://schemas.microsoft.com/office/drawing/2010/main" w="9525">
+              <a14:hiddenLine xmlns:a14="http://schemas.microsoft.com/office/drawing/2010/main" xmlns="" w="9525">
                 <a:solidFill>
                   <a:srgbClr val="000000"/>
                 </a:solidFill>
@@ -19868,14 +20103,14 @@
           </a:ln>
           <a:extLst>
             <a:ext uri="{909E8E84-426E-40dd-AFC4-6F175D3DCCD1}">
-              <a14:hiddenFill xmlns="" xmlns:a14="http://schemas.microsoft.com/office/drawing/2010/main">
+              <a14:hiddenFill xmlns:a14="http://schemas.microsoft.com/office/drawing/2010/main" xmlns="">
                 <a:solidFill>
                   <a:srgbClr val="FFFFFF"/>
                 </a:solidFill>
               </a14:hiddenFill>
             </a:ext>
             <a:ext uri="{91240B29-F687-4f45-9708-019B960494DF}">
-              <a14:hiddenLine xmlns="" xmlns:a14="http://schemas.microsoft.com/office/drawing/2010/main" w="9525">
+              <a14:hiddenLine xmlns:a14="http://schemas.microsoft.com/office/drawing/2010/main" xmlns="" w="9525">
                 <a:solidFill>
                   <a:srgbClr val="000000"/>
                 </a:solidFill>
@@ -20079,14 +20314,14 @@
           <a:noFill/>
           <a:extLst>
             <a:ext uri="{909E8E84-426E-40dd-AFC4-6F175D3DCCD1}">
-              <a14:hiddenFill xmlns="" xmlns:a14="http://schemas.microsoft.com/office/drawing/2010/main">
+              <a14:hiddenFill xmlns:a14="http://schemas.microsoft.com/office/drawing/2010/main" xmlns="">
                 <a:solidFill>
                   <a:srgbClr val="FFFFFF"/>
                 </a:solidFill>
               </a14:hiddenFill>
             </a:ext>
             <a:ext uri="{91240B29-F687-4f45-9708-019B960494DF}">
-              <a14:hiddenLine xmlns="" xmlns:a14="http://schemas.microsoft.com/office/drawing/2010/main" w="9525">
+              <a14:hiddenLine xmlns:a14="http://schemas.microsoft.com/office/drawing/2010/main" xmlns="" w="9525">
                 <a:solidFill>
                   <a:srgbClr val="000000"/>
                 </a:solidFill>
@@ -20305,14 +20540,14 @@
           </a:ln>
           <a:extLst>
             <a:ext uri="{909E8E84-426E-40dd-AFC4-6F175D3DCCD1}">
-              <a14:hiddenFill xmlns="" xmlns:a14="http://schemas.microsoft.com/office/drawing/2010/main">
+              <a14:hiddenFill xmlns:a14="http://schemas.microsoft.com/office/drawing/2010/main" xmlns="">
                 <a:solidFill>
                   <a:srgbClr val="FFFFFF"/>
                 </a:solidFill>
               </a14:hiddenFill>
             </a:ext>
             <a:ext uri="{91240B29-F687-4f45-9708-019B960494DF}">
-              <a14:hiddenLine xmlns="" xmlns:a14="http://schemas.microsoft.com/office/drawing/2010/main" w="9525">
+              <a14:hiddenLine xmlns:a14="http://schemas.microsoft.com/office/drawing/2010/main" xmlns="" w="9525">
                 <a:solidFill>
                   <a:srgbClr val="000000"/>
                 </a:solidFill>
@@ -20549,14 +20784,14 @@
           </a:ln>
           <a:extLst>
             <a:ext uri="{909E8E84-426E-40dd-AFC4-6F175D3DCCD1}">
-              <a14:hiddenFill xmlns="" xmlns:a14="http://schemas.microsoft.com/office/drawing/2010/main">
+              <a14:hiddenFill xmlns:a14="http://schemas.microsoft.com/office/drawing/2010/main" xmlns="">
                 <a:solidFill>
                   <a:srgbClr val="FFFFFF"/>
                 </a:solidFill>
               </a14:hiddenFill>
             </a:ext>
             <a:ext uri="{91240B29-F687-4f45-9708-019B960494DF}">
-              <a14:hiddenLine xmlns="" xmlns:a14="http://schemas.microsoft.com/office/drawing/2010/main" w="9525">
+              <a14:hiddenLine xmlns:a14="http://schemas.microsoft.com/office/drawing/2010/main" xmlns="" w="9525">
                 <a:solidFill>
                   <a:srgbClr val="000000"/>
                 </a:solidFill>
@@ -20777,14 +21012,14 @@
           <a:noFill/>
           <a:extLst>
             <a:ext uri="{909E8E84-426E-40dd-AFC4-6F175D3DCCD1}">
-              <a14:hiddenFill xmlns="" xmlns:a14="http://schemas.microsoft.com/office/drawing/2010/main">
+              <a14:hiddenFill xmlns:a14="http://schemas.microsoft.com/office/drawing/2010/main" xmlns="">
                 <a:solidFill>
                   <a:srgbClr val="FFFFFF"/>
                 </a:solidFill>
               </a14:hiddenFill>
             </a:ext>
             <a:ext uri="{91240B29-F687-4f45-9708-019B960494DF}">
-              <a14:hiddenLine xmlns="" xmlns:a14="http://schemas.microsoft.com/office/drawing/2010/main" w="9525">
+              <a14:hiddenLine xmlns:a14="http://schemas.microsoft.com/office/drawing/2010/main" xmlns="" w="9525">
                 <a:solidFill>
                   <a:srgbClr val="000000"/>
                 </a:solidFill>
@@ -21003,14 +21238,14 @@
           </a:ln>
           <a:extLst>
             <a:ext uri="{909E8E84-426E-40dd-AFC4-6F175D3DCCD1}">
-              <a14:hiddenFill xmlns="" xmlns:a14="http://schemas.microsoft.com/office/drawing/2010/main">
+              <a14:hiddenFill xmlns:a14="http://schemas.microsoft.com/office/drawing/2010/main" xmlns="">
                 <a:solidFill>
                   <a:srgbClr val="FFFFFF"/>
                 </a:solidFill>
               </a14:hiddenFill>
             </a:ext>
             <a:ext uri="{91240B29-F687-4f45-9708-019B960494DF}">
-              <a14:hiddenLine xmlns="" xmlns:a14="http://schemas.microsoft.com/office/drawing/2010/main" w="9525">
+              <a14:hiddenLine xmlns:a14="http://schemas.microsoft.com/office/drawing/2010/main" xmlns="" w="9525">
                 <a:solidFill>
                   <a:srgbClr val="000000"/>
                 </a:solidFill>

--- a/分布式计算/课件/06. 基本图算法（II）（初步版本）.pptx
+++ b/分布式计算/课件/06. 基本图算法（II）（初步版本）.pptx
@@ -1,29 +1,29 @@
 
 <file path=ppt/presentation.xml><?xml version="1.0" encoding="utf-8"?>
-<p:presentation xmlns:a="http://schemas.openxmlformats.org/drawingml/2006/main" xmlns:r="http://schemas.openxmlformats.org/officeDocument/2006/relationships" xmlns:p="http://schemas.openxmlformats.org/presentationml/2006/main" saveSubsetFonts="1">
+<p:presentation xmlns:a="http://schemas.openxmlformats.org/drawingml/2006/main" xmlns:r="http://schemas.openxmlformats.org/officeDocument/2006/relationships" xmlns:p="http://schemas.openxmlformats.org/presentationml/2006/main">
   <p:sldMasterIdLst>
-    <p:sldMasterId id="2147483684" r:id="rId1"/>
+    <p:sldMasterId id="2147483648" r:id="rId1"/>
   </p:sldMasterIdLst>
   <p:notesMasterIdLst>
-    <p:notesMasterId r:id="rId15"/>
+    <p:notesMasterId r:id="rId5"/>
   </p:notesMasterIdLst>
   <p:handoutMasterIdLst>
-    <p:handoutMasterId r:id="rId16"/>
+    <p:handoutMasterId r:id="rId17"/>
   </p:handoutMasterIdLst>
   <p:sldIdLst>
-    <p:sldId id="256" r:id="rId2"/>
-    <p:sldId id="420" r:id="rId3"/>
-    <p:sldId id="532" r:id="rId4"/>
-    <p:sldId id="534" r:id="rId5"/>
-    <p:sldId id="536" r:id="rId6"/>
-    <p:sldId id="537" r:id="rId7"/>
-    <p:sldId id="535" r:id="rId8"/>
-    <p:sldId id="538" r:id="rId9"/>
-    <p:sldId id="539" r:id="rId10"/>
-    <p:sldId id="541" r:id="rId11"/>
-    <p:sldId id="542" r:id="rId12"/>
-    <p:sldId id="549" r:id="rId13"/>
-    <p:sldId id="550" r:id="rId14"/>
+    <p:sldId id="256" r:id="rId3"/>
+    <p:sldId id="420" r:id="rId4"/>
+    <p:sldId id="532" r:id="rId6"/>
+    <p:sldId id="534" r:id="rId7"/>
+    <p:sldId id="536" r:id="rId8"/>
+    <p:sldId id="537" r:id="rId9"/>
+    <p:sldId id="535" r:id="rId10"/>
+    <p:sldId id="538" r:id="rId11"/>
+    <p:sldId id="539" r:id="rId12"/>
+    <p:sldId id="541" r:id="rId13"/>
+    <p:sldId id="542" r:id="rId14"/>
+    <p:sldId id="549" r:id="rId15"/>
+    <p:sldId id="550" r:id="rId16"/>
   </p:sldIdLst>
   <p:sldSz cx="9144000" cy="6858000" type="screen4x3"/>
   <p:notesSz cx="6858000" cy="9144000"/>
@@ -47,7 +47,7 @@
         <a:cs typeface="+mn-cs"/>
       </a:defRPr>
     </a:lvl1pPr>
-    <a:lvl2pPr marL="457182" algn="l" rtl="0" eaLnBrk="0" fontAlgn="base" hangingPunct="0">
+    <a:lvl2pPr marL="457200" algn="l" rtl="0" eaLnBrk="0" fontAlgn="base" hangingPunct="0">
       <a:spcBef>
         <a:spcPct val="0"/>
       </a:spcBef>
@@ -63,7 +63,7 @@
         <a:cs typeface="+mn-cs"/>
       </a:defRPr>
     </a:lvl2pPr>
-    <a:lvl3pPr marL="914362" algn="l" rtl="0" eaLnBrk="0" fontAlgn="base" hangingPunct="0">
+    <a:lvl3pPr marL="914400" algn="l" rtl="0" eaLnBrk="0" fontAlgn="base" hangingPunct="0">
       <a:spcBef>
         <a:spcPct val="0"/>
       </a:spcBef>
@@ -79,7 +79,7 @@
         <a:cs typeface="+mn-cs"/>
       </a:defRPr>
     </a:lvl3pPr>
-    <a:lvl4pPr marL="1371544" algn="l" rtl="0" eaLnBrk="0" fontAlgn="base" hangingPunct="0">
+    <a:lvl4pPr marL="1371600" algn="l" rtl="0" eaLnBrk="0" fontAlgn="base" hangingPunct="0">
       <a:spcBef>
         <a:spcPct val="0"/>
       </a:spcBef>
@@ -95,7 +95,7 @@
         <a:cs typeface="+mn-cs"/>
       </a:defRPr>
     </a:lvl4pPr>
-    <a:lvl5pPr marL="1828725" algn="l" rtl="0" eaLnBrk="0" fontAlgn="base" hangingPunct="0">
+    <a:lvl5pPr marL="1828800" algn="l" rtl="0" eaLnBrk="0" fontAlgn="base" hangingPunct="0">
       <a:spcBef>
         <a:spcPct val="0"/>
       </a:spcBef>
@@ -111,7 +111,7 @@
         <a:cs typeface="+mn-cs"/>
       </a:defRPr>
     </a:lvl5pPr>
-    <a:lvl6pPr marL="2285906" algn="l" defTabSz="914362" rtl="0" eaLnBrk="1" latinLnBrk="0" hangingPunct="1">
+    <a:lvl6pPr marL="2286000" algn="l" defTabSz="914400" rtl="0" eaLnBrk="1" latinLnBrk="0" hangingPunct="1">
       <a:defRPr kern="1200">
         <a:solidFill>
           <a:schemeClr val="tx1"/>
@@ -121,7 +121,7 @@
         <a:cs typeface="+mn-cs"/>
       </a:defRPr>
     </a:lvl6pPr>
-    <a:lvl7pPr marL="2743088" algn="l" defTabSz="914362" rtl="0" eaLnBrk="1" latinLnBrk="0" hangingPunct="1">
+    <a:lvl7pPr marL="2743200" algn="l" defTabSz="914400" rtl="0" eaLnBrk="1" latinLnBrk="0" hangingPunct="1">
       <a:defRPr kern="1200">
         <a:solidFill>
           <a:schemeClr val="tx1"/>
@@ -131,7 +131,7 @@
         <a:cs typeface="+mn-cs"/>
       </a:defRPr>
     </a:lvl7pPr>
-    <a:lvl8pPr marL="3200268" algn="l" defTabSz="914362" rtl="0" eaLnBrk="1" latinLnBrk="0" hangingPunct="1">
+    <a:lvl8pPr marL="3200400" algn="l" defTabSz="914400" rtl="0" eaLnBrk="1" latinLnBrk="0" hangingPunct="1">
       <a:defRPr kern="1200">
         <a:solidFill>
           <a:schemeClr val="tx1"/>
@@ -141,7 +141,7 @@
         <a:cs typeface="+mn-cs"/>
       </a:defRPr>
     </a:lvl8pPr>
-    <a:lvl9pPr marL="3657450" algn="l" defTabSz="914362" rtl="0" eaLnBrk="1" latinLnBrk="0" hangingPunct="1">
+    <a:lvl9pPr marL="3657600" algn="l" defTabSz="914400" rtl="0" eaLnBrk="1" latinLnBrk="0" hangingPunct="1">
       <a:defRPr kern="1200">
         <a:solidFill>
           <a:schemeClr val="tx1"/>
@@ -152,22 +152,6 @@
       </a:defRPr>
     </a:lvl9pPr>
   </p:defaultTextStyle>
-  <p:extLst>
-    <p:ext uri="{EFAFB233-063F-42B5-8137-9DF3F51BA10A}">
-      <p15:sldGuideLst xmlns:p15="http://schemas.microsoft.com/office/powerpoint/2012/main">
-        <p15:guide id="1" orient="horz" pos="2160">
-          <p15:clr>
-            <a:srgbClr val="A4A3A4"/>
-          </p15:clr>
-        </p15:guide>
-        <p15:guide id="2" pos="2880">
-          <p15:clr>
-            <a:srgbClr val="A4A3A4"/>
-          </p15:clr>
-        </p15:guide>
-      </p15:sldGuideLst>
-    </p:ext>
-  </p:extLst>
 </p:presentation>
 </file>
 
@@ -280,10 +264,6 @@
             </a:pPr>
             <a:fld id="{A7A476E1-26A7-4374-8E85-622F51A3D903}" type="datetimeFigureOut">
               <a:rPr lang="zh-CN" altLang="en-US"/>
-              <a:pPr>
-                <a:defRPr/>
-              </a:pPr>
-              <a:t>2019/4/9</a:t>
             </a:fld>
             <a:endParaRPr lang="zh-CN" altLang="en-US"/>
           </a:p>
@@ -352,11 +332,7 @@
           </a:prstGeom>
         </p:spPr>
         <p:txBody>
-          <a:bodyPr vert="horz" wrap="square" lIns="91440" tIns="45720" rIns="91440" bIns="45720" numCol="1" anchor="b" anchorCtr="0" compatLnSpc="1">
-            <a:prstTxWarp prst="textNoShape">
-              <a:avLst/>
-            </a:prstTxWarp>
-          </a:bodyPr>
+          <a:bodyPr vert="horz" wrap="square" lIns="91440" tIns="45720" rIns="91440" bIns="45720" numCol="1" anchor="b" anchorCtr="0" compatLnSpc="1"/>
           <a:lstStyle>
             <a:lvl1pPr algn="r" eaLnBrk="1" hangingPunct="1">
               <a:defRPr sz="1200"/>
@@ -368,21 +344,12 @@
             </a:pPr>
             <a:fld id="{19F41E9D-3057-429F-A72C-46641107623D}" type="slidenum">
               <a:rPr lang="zh-CN" altLang="en-US"/>
-              <a:pPr>
-                <a:defRPr/>
-              </a:pPr>
-              <a:t>‹#›</a:t>
             </a:fld>
             <a:endParaRPr lang="zh-CN" altLang="en-US"/>
           </a:p>
         </p:txBody>
       </p:sp>
     </p:spTree>
-    <p:extLst>
-      <p:ext uri="{BB962C8B-B14F-4D97-AF65-F5344CB8AC3E}">
-        <p14:creationId xmlns:p14="http://schemas.microsoft.com/office/powerpoint/2010/main" val="484506826"/>
-      </p:ext>
-    </p:extLst>
   </p:cSld>
   <p:clrMap bg1="lt1" tx1="dk1" bg2="lt2" tx2="dk2" accent1="accent1" accent2="accent2" accent3="accent3" accent4="accent4" accent5="accent5" accent6="accent6" hlink="hlink" folHlink="folHlink"/>
   <p:hf sldNum="0" hdr="0" ftr="0" dt="0"/>
@@ -498,10 +465,6 @@
             </a:pPr>
             <a:fld id="{335B7077-FE34-415F-9DF0-C8A90D96A5FC}" type="datetimeFigureOut">
               <a:rPr lang="zh-CN" altLang="en-US"/>
-              <a:pPr>
-                <a:defRPr/>
-              </a:pPr>
-              <a:t>2019/4/9</a:t>
             </a:fld>
             <a:endParaRPr lang="zh-CN" altLang="en-US"/>
           </a:p>
@@ -569,6 +532,7 @@
               <a:rPr lang="zh-CN" altLang="en-US" noProof="0"/>
               <a:t>单击此处编辑母版文本样式</a:t>
             </a:r>
+            <a:endParaRPr lang="zh-CN" altLang="en-US" noProof="0"/>
           </a:p>
           <a:p>
             <a:pPr lvl="1"/>
@@ -576,6 +540,7 @@
               <a:rPr lang="zh-CN" altLang="en-US" noProof="0"/>
               <a:t>第二级</a:t>
             </a:r>
+            <a:endParaRPr lang="zh-CN" altLang="en-US" noProof="0"/>
           </a:p>
           <a:p>
             <a:pPr lvl="2"/>
@@ -583,6 +548,7 @@
               <a:rPr lang="zh-CN" altLang="en-US" noProof="0"/>
               <a:t>第三级</a:t>
             </a:r>
+            <a:endParaRPr lang="zh-CN" altLang="en-US" noProof="0"/>
           </a:p>
           <a:p>
             <a:pPr lvl="3"/>
@@ -590,6 +556,7 @@
               <a:rPr lang="zh-CN" altLang="en-US" noProof="0"/>
               <a:t>第四级</a:t>
             </a:r>
+            <a:endParaRPr lang="zh-CN" altLang="en-US" noProof="0"/>
           </a:p>
           <a:p>
             <a:pPr lvl="4"/>
@@ -597,6 +564,7 @@
               <a:rPr lang="zh-CN" altLang="en-US" noProof="0"/>
               <a:t>第五级</a:t>
             </a:r>
+            <a:endParaRPr lang="zh-CN" altLang="en-US" noProof="0"/>
           </a:p>
         </p:txBody>
       </p:sp>
@@ -663,11 +631,7 @@
           </a:prstGeom>
         </p:spPr>
         <p:txBody>
-          <a:bodyPr vert="horz" wrap="square" lIns="91440" tIns="45720" rIns="91440" bIns="45720" numCol="1" anchor="b" anchorCtr="0" compatLnSpc="1">
-            <a:prstTxWarp prst="textNoShape">
-              <a:avLst/>
-            </a:prstTxWarp>
-          </a:bodyPr>
+          <a:bodyPr vert="horz" wrap="square" lIns="91440" tIns="45720" rIns="91440" bIns="45720" numCol="1" anchor="b" anchorCtr="0" compatLnSpc="1"/>
           <a:lstStyle>
             <a:lvl1pPr algn="r" eaLnBrk="1" hangingPunct="1">
               <a:defRPr sz="1200"/>
@@ -679,21 +643,12 @@
             </a:pPr>
             <a:fld id="{D3078E79-19C6-4191-81AE-0E25ABA7708C}" type="slidenum">
               <a:rPr lang="zh-CN" altLang="en-US"/>
-              <a:pPr>
-                <a:defRPr/>
-              </a:pPr>
-              <a:t>‹#›</a:t>
             </a:fld>
             <a:endParaRPr lang="zh-CN" altLang="en-US"/>
           </a:p>
         </p:txBody>
       </p:sp>
     </p:spTree>
-    <p:extLst>
-      <p:ext uri="{BB962C8B-B14F-4D97-AF65-F5344CB8AC3E}">
-        <p14:creationId xmlns:p14="http://schemas.microsoft.com/office/powerpoint/2010/main" val="292454729"/>
-      </p:ext>
-    </p:extLst>
   </p:cSld>
   <p:clrMap bg1="lt1" tx1="dk1" bg2="lt2" tx2="dk2" accent1="accent1" accent2="accent2" accent3="accent3" accent4="accent4" accent5="accent5" accent6="accent6" hlink="hlink" folHlink="folHlink"/>
   <p:hf sldNum="0" hdr="0" ftr="0" dt="0"/>
@@ -714,7 +669,7 @@
         <a:cs typeface="+mn-cs"/>
       </a:defRPr>
     </a:lvl1pPr>
-    <a:lvl2pPr marL="457182" algn="l" rtl="0" eaLnBrk="0" fontAlgn="base" hangingPunct="0">
+    <a:lvl2pPr marL="457200" algn="l" rtl="0" eaLnBrk="0" fontAlgn="base" hangingPunct="0">
       <a:spcBef>
         <a:spcPct val="30000"/>
       </a:spcBef>
@@ -730,7 +685,7 @@
         <a:cs typeface="+mn-cs"/>
       </a:defRPr>
     </a:lvl2pPr>
-    <a:lvl3pPr marL="914362" algn="l" rtl="0" eaLnBrk="0" fontAlgn="base" hangingPunct="0">
+    <a:lvl3pPr marL="914400" algn="l" rtl="0" eaLnBrk="0" fontAlgn="base" hangingPunct="0">
       <a:spcBef>
         <a:spcPct val="30000"/>
       </a:spcBef>
@@ -746,7 +701,7 @@
         <a:cs typeface="+mn-cs"/>
       </a:defRPr>
     </a:lvl3pPr>
-    <a:lvl4pPr marL="1371544" algn="l" rtl="0" eaLnBrk="0" fontAlgn="base" hangingPunct="0">
+    <a:lvl4pPr marL="1371600" algn="l" rtl="0" eaLnBrk="0" fontAlgn="base" hangingPunct="0">
       <a:spcBef>
         <a:spcPct val="30000"/>
       </a:spcBef>
@@ -762,7 +717,7 @@
         <a:cs typeface="+mn-cs"/>
       </a:defRPr>
     </a:lvl4pPr>
-    <a:lvl5pPr marL="1828725" algn="l" rtl="0" eaLnBrk="0" fontAlgn="base" hangingPunct="0">
+    <a:lvl5pPr marL="1828800" algn="l" rtl="0" eaLnBrk="0" fontAlgn="base" hangingPunct="0">
       <a:spcBef>
         <a:spcPct val="30000"/>
       </a:spcBef>
@@ -778,7 +733,7 @@
         <a:cs typeface="+mn-cs"/>
       </a:defRPr>
     </a:lvl5pPr>
-    <a:lvl6pPr marL="2285906" algn="l" defTabSz="914362" rtl="0" eaLnBrk="1" latinLnBrk="0" hangingPunct="1">
+    <a:lvl6pPr marL="2286000" algn="l" defTabSz="914400" rtl="0" eaLnBrk="1" latinLnBrk="0" hangingPunct="1">
       <a:defRPr sz="1200" kern="1200">
         <a:solidFill>
           <a:schemeClr val="tx1"/>
@@ -788,7 +743,7 @@
         <a:cs typeface="+mn-cs"/>
       </a:defRPr>
     </a:lvl6pPr>
-    <a:lvl7pPr marL="2743088" algn="l" defTabSz="914362" rtl="0" eaLnBrk="1" latinLnBrk="0" hangingPunct="1">
+    <a:lvl7pPr marL="2743200" algn="l" defTabSz="914400" rtl="0" eaLnBrk="1" latinLnBrk="0" hangingPunct="1">
       <a:defRPr sz="1200" kern="1200">
         <a:solidFill>
           <a:schemeClr val="tx1"/>
@@ -798,7 +753,7 @@
         <a:cs typeface="+mn-cs"/>
       </a:defRPr>
     </a:lvl7pPr>
-    <a:lvl8pPr marL="3200268" algn="l" defTabSz="914362" rtl="0" eaLnBrk="1" latinLnBrk="0" hangingPunct="1">
+    <a:lvl8pPr marL="3200400" algn="l" defTabSz="914400" rtl="0" eaLnBrk="1" latinLnBrk="0" hangingPunct="1">
       <a:defRPr sz="1200" kern="1200">
         <a:solidFill>
           <a:schemeClr val="tx1"/>
@@ -808,7 +763,7 @@
         <a:cs typeface="+mn-cs"/>
       </a:defRPr>
     </a:lvl8pPr>
-    <a:lvl9pPr marL="3657450" algn="l" defTabSz="914362" rtl="0" eaLnBrk="1" latinLnBrk="0" hangingPunct="1">
+    <a:lvl9pPr marL="3657600" algn="l" defTabSz="914400" rtl="0" eaLnBrk="1" latinLnBrk="0" hangingPunct="1">
       <a:defRPr sz="1200" kern="1200">
         <a:solidFill>
           <a:schemeClr val="tx1"/>
@@ -856,18 +811,7 @@
               <a:srgbClr val="000000"/>
             </a:solidFill>
             <a:miter lim="800000"/>
-            <a:headEnd/>
-            <a:tailEnd/>
           </a:ln>
-          <a:extLst>
-            <a:ext uri="{909E8E84-426E-40dd-AFC4-6F175D3DCCD1}">
-              <a14:hiddenFill xmlns="" xmlns:a14="http://schemas.microsoft.com/office/drawing/2010/main">
-                <a:solidFill>
-                  <a:srgbClr val="FFFFFF"/>
-                </a:solidFill>
-              </a14:hiddenFill>
-            </a:ext>
-          </a:extLst>
         </p:spPr>
       </p:sp>
       <p:sp>
@@ -882,32 +826,9 @@
         </p:nvSpPr>
         <p:spPr bwMode="auto">
           <a:noFill/>
-          <a:extLst>
-            <a:ext uri="{909E8E84-426E-40dd-AFC4-6F175D3DCCD1}">
-              <a14:hiddenFill xmlns="" xmlns:a14="http://schemas.microsoft.com/office/drawing/2010/main">
-                <a:solidFill>
-                  <a:srgbClr val="FFFFFF"/>
-                </a:solidFill>
-              </a14:hiddenFill>
-            </a:ext>
-            <a:ext uri="{91240B29-F687-4f45-9708-019B960494DF}">
-              <a14:hiddenLine xmlns="" xmlns:a14="http://schemas.microsoft.com/office/drawing/2010/main" w="9525">
-                <a:solidFill>
-                  <a:srgbClr val="000000"/>
-                </a:solidFill>
-                <a:miter lim="800000"/>
-                <a:headEnd/>
-                <a:tailEnd/>
-              </a14:hiddenLine>
-            </a:ext>
-          </a:extLst>
         </p:spPr>
         <p:txBody>
-          <a:bodyPr wrap="square" numCol="1" anchor="t" anchorCtr="0" compatLnSpc="1">
-            <a:prstTxWarp prst="textNoShape">
-              <a:avLst/>
-            </a:prstTxWarp>
-          </a:bodyPr>
+          <a:bodyPr wrap="square" numCol="1" anchor="t" anchorCtr="0" compatLnSpc="1"/>
           <a:lstStyle/>
           <a:p>
             <a:endParaRPr lang="zh-CN" altLang="en-US" dirty="0"/>
@@ -927,8 +848,6 @@
         <p:spPr bwMode="auto">
           <a:ln>
             <a:miter lim="800000"/>
-            <a:headEnd/>
-            <a:tailEnd/>
           </a:ln>
         </p:spPr>
         <p:txBody>
@@ -1046,8 +965,6 @@
               <a:rPr lang="zh-CN" altLang="en-US">
                 <a:latin typeface="Calibri" panose="020F0502020204030204" pitchFamily="34" charset="0"/>
               </a:rPr>
-              <a:pPr eaLnBrk="1" hangingPunct="1"/>
-              <a:t>2</a:t>
             </a:fld>
             <a:endParaRPr lang="en-US" altLang="zh-CN">
               <a:latin typeface="Calibri" panose="020F0502020204030204" pitchFamily="34" charset="0"/>
@@ -1056,11 +973,6 @@
         </p:txBody>
       </p:sp>
     </p:spTree>
-    <p:extLst>
-      <p:ext uri="{BB962C8B-B14F-4D97-AF65-F5344CB8AC3E}">
-        <p14:creationId xmlns:p14="http://schemas.microsoft.com/office/powerpoint/2010/main" val="1067518200"/>
-      </p:ext>
-    </p:extLst>
   </p:cSld>
   <p:clrMapOvr>
     <a:masterClrMapping/>
@@ -1102,18 +1014,7 @@
               <a:srgbClr val="000000"/>
             </a:solidFill>
             <a:miter lim="800000"/>
-            <a:headEnd/>
-            <a:tailEnd/>
           </a:ln>
-          <a:extLst>
-            <a:ext uri="{909E8E84-426E-40dd-AFC4-6F175D3DCCD1}">
-              <a14:hiddenFill xmlns:a14="http://schemas.microsoft.com/office/drawing/2010/main" xmlns="">
-                <a:solidFill>
-                  <a:srgbClr val="FFFFFF"/>
-                </a:solidFill>
-              </a14:hiddenFill>
-            </a:ext>
-          </a:extLst>
         </p:spPr>
       </p:sp>
       <p:sp>
@@ -1128,32 +1029,9 @@
         </p:nvSpPr>
         <p:spPr bwMode="auto">
           <a:noFill/>
-          <a:extLst>
-            <a:ext uri="{909E8E84-426E-40dd-AFC4-6F175D3DCCD1}">
-              <a14:hiddenFill xmlns:a14="http://schemas.microsoft.com/office/drawing/2010/main" xmlns="">
-                <a:solidFill>
-                  <a:srgbClr val="FFFFFF"/>
-                </a:solidFill>
-              </a14:hiddenFill>
-            </a:ext>
-            <a:ext uri="{91240B29-F687-4f45-9708-019B960494DF}">
-              <a14:hiddenLine xmlns:a14="http://schemas.microsoft.com/office/drawing/2010/main" xmlns="" w="9525">
-                <a:solidFill>
-                  <a:srgbClr val="000000"/>
-                </a:solidFill>
-                <a:miter lim="800000"/>
-                <a:headEnd/>
-                <a:tailEnd/>
-              </a14:hiddenLine>
-            </a:ext>
-          </a:extLst>
         </p:spPr>
         <p:txBody>
-          <a:bodyPr wrap="square" numCol="1" anchor="t" anchorCtr="0" compatLnSpc="1">
-            <a:prstTxWarp prst="textNoShape">
-              <a:avLst/>
-            </a:prstTxWarp>
-          </a:bodyPr>
+          <a:bodyPr wrap="square" numCol="1" anchor="t" anchorCtr="0" compatLnSpc="1"/>
           <a:lstStyle/>
           <a:p>
             <a:pPr marL="0" marR="0" lvl="0" indent="0" algn="l" defTabSz="914400" rtl="0" eaLnBrk="0" fontAlgn="base" latinLnBrk="0" hangingPunct="0">
@@ -1170,7 +1048,6 @@
               <a:buSzTx/>
               <a:buFontTx/>
               <a:buNone/>
-              <a:tabLst/>
               <a:defRPr/>
             </a:pPr>
             <a:r>
@@ -1194,7 +1071,6 @@
               <a:buSzTx/>
               <a:buFontTx/>
               <a:buNone/>
-              <a:tabLst/>
               <a:defRPr/>
             </a:pPr>
             <a:r>
@@ -1218,13 +1094,13 @@
               <a:buSzTx/>
               <a:buFontTx/>
               <a:buNone/>
-              <a:tabLst/>
               <a:defRPr/>
             </a:pPr>
             <a:r>
               <a:rPr lang="zh-CN" altLang="en-US" dirty="0"/>
               <a:t>异步：每个进程按照各自的节奏进行；</a:t>
             </a:r>
+            <a:endParaRPr lang="zh-CN" altLang="en-US" dirty="0"/>
           </a:p>
           <a:p>
             <a:endParaRPr lang="zh-CN" altLang="en-US" dirty="0"/>
@@ -1244,8 +1120,6 @@
         <p:spPr bwMode="auto">
           <a:ln>
             <a:miter lim="800000"/>
-            <a:headEnd/>
-            <a:tailEnd/>
           </a:ln>
         </p:spPr>
         <p:txBody>
@@ -1363,8 +1237,6 @@
               <a:rPr lang="zh-CN" altLang="en-US">
                 <a:latin typeface="Calibri" panose="020F0502020204030204" pitchFamily="34" charset="0"/>
               </a:rPr>
-              <a:pPr eaLnBrk="1" hangingPunct="1"/>
-              <a:t>11</a:t>
             </a:fld>
             <a:endParaRPr lang="en-US" altLang="zh-CN">
               <a:latin typeface="Calibri" panose="020F0502020204030204" pitchFamily="34" charset="0"/>
@@ -1373,11 +1245,6 @@
         </p:txBody>
       </p:sp>
     </p:spTree>
-    <p:extLst>
-      <p:ext uri="{BB962C8B-B14F-4D97-AF65-F5344CB8AC3E}">
-        <p14:creationId xmlns:p14="http://schemas.microsoft.com/office/powerpoint/2010/main" val="2839020643"/>
-      </p:ext>
-    </p:extLst>
   </p:cSld>
   <p:clrMapOvr>
     <a:masterClrMapping/>
@@ -1419,18 +1286,7 @@
               <a:srgbClr val="000000"/>
             </a:solidFill>
             <a:miter lim="800000"/>
-            <a:headEnd/>
-            <a:tailEnd/>
           </a:ln>
-          <a:extLst>
-            <a:ext uri="{909E8E84-426E-40dd-AFC4-6F175D3DCCD1}">
-              <a14:hiddenFill xmlns:a14="http://schemas.microsoft.com/office/drawing/2010/main" xmlns="">
-                <a:solidFill>
-                  <a:srgbClr val="FFFFFF"/>
-                </a:solidFill>
-              </a14:hiddenFill>
-            </a:ext>
-          </a:extLst>
         </p:spPr>
       </p:sp>
       <p:sp>
@@ -1445,32 +1301,9 @@
         </p:nvSpPr>
         <p:spPr bwMode="auto">
           <a:noFill/>
-          <a:extLst>
-            <a:ext uri="{909E8E84-426E-40dd-AFC4-6F175D3DCCD1}">
-              <a14:hiddenFill xmlns:a14="http://schemas.microsoft.com/office/drawing/2010/main" xmlns="">
-                <a:solidFill>
-                  <a:srgbClr val="FFFFFF"/>
-                </a:solidFill>
-              </a14:hiddenFill>
-            </a:ext>
-            <a:ext uri="{91240B29-F687-4f45-9708-019B960494DF}">
-              <a14:hiddenLine xmlns:a14="http://schemas.microsoft.com/office/drawing/2010/main" xmlns="" w="9525">
-                <a:solidFill>
-                  <a:srgbClr val="000000"/>
-                </a:solidFill>
-                <a:miter lim="800000"/>
-                <a:headEnd/>
-                <a:tailEnd/>
-              </a14:hiddenLine>
-            </a:ext>
-          </a:extLst>
         </p:spPr>
         <p:txBody>
-          <a:bodyPr wrap="square" numCol="1" anchor="t" anchorCtr="0" compatLnSpc="1">
-            <a:prstTxWarp prst="textNoShape">
-              <a:avLst/>
-            </a:prstTxWarp>
-          </a:bodyPr>
+          <a:bodyPr wrap="square" numCol="1" anchor="t" anchorCtr="0" compatLnSpc="1"/>
           <a:lstStyle/>
           <a:p>
             <a:r>
@@ -1545,7 +1378,7 @@
             </a:r>
             <a:r>
               <a:rPr lang="zh-CN" altLang="en-US" dirty="0"/>
-              <a:t>消息的作用：使得某个 父亲节点不需要一直等待其所有的邻居发送</a:t>
+              <a:t>消息的作用：使得某个父亲节点不需要一直等待其所有的邻居发送</a:t>
             </a:r>
             <a:r>
               <a:rPr lang="en-US" altLang="zh-CN" dirty="0" err="1"/>
@@ -1575,6 +1408,7 @@
               <a:rPr lang="en-US" altLang="zh-CN" dirty="0"/>
               <a:t>);</a:t>
             </a:r>
+            <a:endParaRPr lang="en-US" altLang="zh-CN" dirty="0"/>
           </a:p>
           <a:p>
             <a:r>
@@ -1661,8 +1495,6 @@
         <p:spPr bwMode="auto">
           <a:ln>
             <a:miter lim="800000"/>
-            <a:headEnd/>
-            <a:tailEnd/>
           </a:ln>
         </p:spPr>
         <p:txBody>
@@ -1780,8 +1612,6 @@
               <a:rPr lang="zh-CN" altLang="en-US">
                 <a:latin typeface="Calibri" panose="020F0502020204030204" pitchFamily="34" charset="0"/>
               </a:rPr>
-              <a:pPr eaLnBrk="1" hangingPunct="1"/>
-              <a:t>12</a:t>
             </a:fld>
             <a:endParaRPr lang="en-US" altLang="zh-CN">
               <a:latin typeface="Calibri" panose="020F0502020204030204" pitchFamily="34" charset="0"/>
@@ -1790,11 +1620,6 @@
         </p:txBody>
       </p:sp>
     </p:spTree>
-    <p:extLst>
-      <p:ext uri="{BB962C8B-B14F-4D97-AF65-F5344CB8AC3E}">
-        <p14:creationId xmlns:p14="http://schemas.microsoft.com/office/powerpoint/2010/main" val="3883073397"/>
-      </p:ext>
-    </p:extLst>
   </p:cSld>
   <p:clrMapOvr>
     <a:masterClrMapping/>
@@ -1836,18 +1661,7 @@
               <a:srgbClr val="000000"/>
             </a:solidFill>
             <a:miter lim="800000"/>
-            <a:headEnd/>
-            <a:tailEnd/>
           </a:ln>
-          <a:extLst>
-            <a:ext uri="{909E8E84-426E-40dd-AFC4-6F175D3DCCD1}">
-              <a14:hiddenFill xmlns="" xmlns:a14="http://schemas.microsoft.com/office/drawing/2010/main">
-                <a:solidFill>
-                  <a:srgbClr val="FFFFFF"/>
-                </a:solidFill>
-              </a14:hiddenFill>
-            </a:ext>
-          </a:extLst>
         </p:spPr>
       </p:sp>
       <p:sp>
@@ -1862,32 +1676,9 @@
         </p:nvSpPr>
         <p:spPr bwMode="auto">
           <a:noFill/>
-          <a:extLst>
-            <a:ext uri="{909E8E84-426E-40dd-AFC4-6F175D3DCCD1}">
-              <a14:hiddenFill xmlns="" xmlns:a14="http://schemas.microsoft.com/office/drawing/2010/main">
-                <a:solidFill>
-                  <a:srgbClr val="FFFFFF"/>
-                </a:solidFill>
-              </a14:hiddenFill>
-            </a:ext>
-            <a:ext uri="{91240B29-F687-4f45-9708-019B960494DF}">
-              <a14:hiddenLine xmlns="" xmlns:a14="http://schemas.microsoft.com/office/drawing/2010/main" w="9525">
-                <a:solidFill>
-                  <a:srgbClr val="000000"/>
-                </a:solidFill>
-                <a:miter lim="800000"/>
-                <a:headEnd/>
-                <a:tailEnd/>
-              </a14:hiddenLine>
-            </a:ext>
-          </a:extLst>
         </p:spPr>
         <p:txBody>
-          <a:bodyPr wrap="square" numCol="1" anchor="t" anchorCtr="0" compatLnSpc="1">
-            <a:prstTxWarp prst="textNoShape">
-              <a:avLst/>
-            </a:prstTxWarp>
-          </a:bodyPr>
+          <a:bodyPr wrap="square" numCol="1" anchor="t" anchorCtr="0" compatLnSpc="1"/>
           <a:lstStyle/>
           <a:p>
             <a:endParaRPr lang="zh-CN" altLang="en-US" dirty="0"/>
@@ -1907,8 +1698,6 @@
         <p:spPr bwMode="auto">
           <a:ln>
             <a:miter lim="800000"/>
-            <a:headEnd/>
-            <a:tailEnd/>
           </a:ln>
         </p:spPr>
         <p:txBody>
@@ -2026,8 +1815,6 @@
               <a:rPr lang="zh-CN" altLang="en-US">
                 <a:latin typeface="Calibri" panose="020F0502020204030204" pitchFamily="34" charset="0"/>
               </a:rPr>
-              <a:pPr eaLnBrk="1" hangingPunct="1"/>
-              <a:t>13</a:t>
             </a:fld>
             <a:endParaRPr lang="en-US" altLang="zh-CN">
               <a:latin typeface="Calibri" panose="020F0502020204030204" pitchFamily="34" charset="0"/>
@@ -2036,11 +1823,6 @@
         </p:txBody>
       </p:sp>
     </p:spTree>
-    <p:extLst>
-      <p:ext uri="{BB962C8B-B14F-4D97-AF65-F5344CB8AC3E}">
-        <p14:creationId xmlns:p14="http://schemas.microsoft.com/office/powerpoint/2010/main" val="2180859318"/>
-      </p:ext>
-    </p:extLst>
   </p:cSld>
   <p:clrMapOvr>
     <a:masterClrMapping/>
@@ -2082,18 +1864,7 @@
               <a:srgbClr val="000000"/>
             </a:solidFill>
             <a:miter lim="800000"/>
-            <a:headEnd/>
-            <a:tailEnd/>
           </a:ln>
-          <a:extLst>
-            <a:ext uri="{909E8E84-426E-40dd-AFC4-6F175D3DCCD1}">
-              <a14:hiddenFill xmlns:a14="http://schemas.microsoft.com/office/drawing/2010/main" xmlns="">
-                <a:solidFill>
-                  <a:srgbClr val="FFFFFF"/>
-                </a:solidFill>
-              </a14:hiddenFill>
-            </a:ext>
-          </a:extLst>
         </p:spPr>
       </p:sp>
       <p:sp>
@@ -2108,32 +1879,9 @@
         </p:nvSpPr>
         <p:spPr bwMode="auto">
           <a:noFill/>
-          <a:extLst>
-            <a:ext uri="{909E8E84-426E-40dd-AFC4-6F175D3DCCD1}">
-              <a14:hiddenFill xmlns:a14="http://schemas.microsoft.com/office/drawing/2010/main" xmlns="">
-                <a:solidFill>
-                  <a:srgbClr val="FFFFFF"/>
-                </a:solidFill>
-              </a14:hiddenFill>
-            </a:ext>
-            <a:ext uri="{91240B29-F687-4f45-9708-019B960494DF}">
-              <a14:hiddenLine xmlns:a14="http://schemas.microsoft.com/office/drawing/2010/main" xmlns="" w="9525">
-                <a:solidFill>
-                  <a:srgbClr val="000000"/>
-                </a:solidFill>
-                <a:miter lim="800000"/>
-                <a:headEnd/>
-                <a:tailEnd/>
-              </a14:hiddenLine>
-            </a:ext>
-          </a:extLst>
         </p:spPr>
         <p:txBody>
-          <a:bodyPr wrap="square" numCol="1" anchor="t" anchorCtr="0" compatLnSpc="1">
-            <a:prstTxWarp prst="textNoShape">
-              <a:avLst/>
-            </a:prstTxWarp>
-          </a:bodyPr>
+          <a:bodyPr wrap="square" numCol="1" anchor="t" anchorCtr="0" compatLnSpc="1"/>
           <a:lstStyle/>
           <a:p>
             <a:r>
@@ -2164,6 +1912,7 @@
               <a:rPr lang="zh-CN" altLang="en-US" dirty="0"/>
               <a:t>操作方便，不用单独考虑根节点</a:t>
             </a:r>
+            <a:endParaRPr lang="zh-CN" altLang="en-US" dirty="0"/>
           </a:p>
         </p:txBody>
       </p:sp>
@@ -2180,8 +1929,6 @@
         <p:spPr bwMode="auto">
           <a:ln>
             <a:miter lim="800000"/>
-            <a:headEnd/>
-            <a:tailEnd/>
           </a:ln>
         </p:spPr>
         <p:txBody>
@@ -2299,8 +2046,6 @@
               <a:rPr lang="zh-CN" altLang="en-US">
                 <a:latin typeface="Calibri" panose="020F0502020204030204" pitchFamily="34" charset="0"/>
               </a:rPr>
-              <a:pPr eaLnBrk="1" hangingPunct="1"/>
-              <a:t>3</a:t>
             </a:fld>
             <a:endParaRPr lang="en-US" altLang="zh-CN">
               <a:latin typeface="Calibri" panose="020F0502020204030204" pitchFamily="34" charset="0"/>
@@ -2309,11 +2054,6 @@
         </p:txBody>
       </p:sp>
     </p:spTree>
-    <p:extLst>
-      <p:ext uri="{BB962C8B-B14F-4D97-AF65-F5344CB8AC3E}">
-        <p14:creationId xmlns:p14="http://schemas.microsoft.com/office/powerpoint/2010/main" val="194216997"/>
-      </p:ext>
-    </p:extLst>
   </p:cSld>
   <p:clrMapOvr>
     <a:masterClrMapping/>
@@ -2355,18 +2095,7 @@
               <a:srgbClr val="000000"/>
             </a:solidFill>
             <a:miter lim="800000"/>
-            <a:headEnd/>
-            <a:tailEnd/>
           </a:ln>
-          <a:extLst>
-            <a:ext uri="{909E8E84-426E-40dd-AFC4-6F175D3DCCD1}">
-              <a14:hiddenFill xmlns:a14="http://schemas.microsoft.com/office/drawing/2010/main" xmlns="">
-                <a:solidFill>
-                  <a:srgbClr val="FFFFFF"/>
-                </a:solidFill>
-              </a14:hiddenFill>
-            </a:ext>
-          </a:extLst>
         </p:spPr>
       </p:sp>
       <p:sp>
@@ -2381,32 +2110,9 @@
         </p:nvSpPr>
         <p:spPr bwMode="auto">
           <a:noFill/>
-          <a:extLst>
-            <a:ext uri="{909E8E84-426E-40dd-AFC4-6F175D3DCCD1}">
-              <a14:hiddenFill xmlns:a14="http://schemas.microsoft.com/office/drawing/2010/main" xmlns="">
-                <a:solidFill>
-                  <a:srgbClr val="FFFFFF"/>
-                </a:solidFill>
-              </a14:hiddenFill>
-            </a:ext>
-            <a:ext uri="{91240B29-F687-4f45-9708-019B960494DF}">
-              <a14:hiddenLine xmlns:a14="http://schemas.microsoft.com/office/drawing/2010/main" xmlns="" w="9525">
-                <a:solidFill>
-                  <a:srgbClr val="000000"/>
-                </a:solidFill>
-                <a:miter lim="800000"/>
-                <a:headEnd/>
-                <a:tailEnd/>
-              </a14:hiddenLine>
-            </a:ext>
-          </a:extLst>
         </p:spPr>
         <p:txBody>
-          <a:bodyPr wrap="square" numCol="1" anchor="t" anchorCtr="0" compatLnSpc="1">
-            <a:prstTxWarp prst="textNoShape">
-              <a:avLst/>
-            </a:prstTxWarp>
-          </a:bodyPr>
+          <a:bodyPr wrap="square" numCol="1" anchor="t" anchorCtr="0" compatLnSpc="1"/>
           <a:lstStyle/>
           <a:p>
             <a:r>
@@ -2457,8 +2163,6 @@
         <p:spPr bwMode="auto">
           <a:ln>
             <a:miter lim="800000"/>
-            <a:headEnd/>
-            <a:tailEnd/>
           </a:ln>
         </p:spPr>
         <p:txBody>
@@ -2576,8 +2280,6 @@
               <a:rPr lang="zh-CN" altLang="en-US">
                 <a:latin typeface="Calibri" panose="020F0502020204030204" pitchFamily="34" charset="0"/>
               </a:rPr>
-              <a:pPr eaLnBrk="1" hangingPunct="1"/>
-              <a:t>4</a:t>
             </a:fld>
             <a:endParaRPr lang="en-US" altLang="zh-CN">
               <a:latin typeface="Calibri" panose="020F0502020204030204" pitchFamily="34" charset="0"/>
@@ -2586,11 +2288,6 @@
         </p:txBody>
       </p:sp>
     </p:spTree>
-    <p:extLst>
-      <p:ext uri="{BB962C8B-B14F-4D97-AF65-F5344CB8AC3E}">
-        <p14:creationId xmlns:p14="http://schemas.microsoft.com/office/powerpoint/2010/main" val="1424450482"/>
-      </p:ext>
-    </p:extLst>
   </p:cSld>
   <p:clrMapOvr>
     <a:masterClrMapping/>
@@ -2632,18 +2329,7 @@
               <a:srgbClr val="000000"/>
             </a:solidFill>
             <a:miter lim="800000"/>
-            <a:headEnd/>
-            <a:tailEnd/>
           </a:ln>
-          <a:extLst>
-            <a:ext uri="{909E8E84-426E-40dd-AFC4-6F175D3DCCD1}">
-              <a14:hiddenFill xmlns:a14="http://schemas.microsoft.com/office/drawing/2010/main" xmlns="">
-                <a:solidFill>
-                  <a:srgbClr val="FFFFFF"/>
-                </a:solidFill>
-              </a14:hiddenFill>
-            </a:ext>
-          </a:extLst>
         </p:spPr>
       </p:sp>
       <p:sp>
@@ -2658,32 +2344,9 @@
         </p:nvSpPr>
         <p:spPr bwMode="auto">
           <a:noFill/>
-          <a:extLst>
-            <a:ext uri="{909E8E84-426E-40dd-AFC4-6F175D3DCCD1}">
-              <a14:hiddenFill xmlns:a14="http://schemas.microsoft.com/office/drawing/2010/main" xmlns="">
-                <a:solidFill>
-                  <a:srgbClr val="FFFFFF"/>
-                </a:solidFill>
-              </a14:hiddenFill>
-            </a:ext>
-            <a:ext uri="{91240B29-F687-4f45-9708-019B960494DF}">
-              <a14:hiddenLine xmlns:a14="http://schemas.microsoft.com/office/drawing/2010/main" xmlns="" w="9525">
-                <a:solidFill>
-                  <a:srgbClr val="000000"/>
-                </a:solidFill>
-                <a:miter lim="800000"/>
-                <a:headEnd/>
-                <a:tailEnd/>
-              </a14:hiddenLine>
-            </a:ext>
-          </a:extLst>
         </p:spPr>
         <p:txBody>
-          <a:bodyPr wrap="square" numCol="1" anchor="t" anchorCtr="0" compatLnSpc="1">
-            <a:prstTxWarp prst="textNoShape">
-              <a:avLst/>
-            </a:prstTxWarp>
-          </a:bodyPr>
+          <a:bodyPr wrap="square" numCol="1" anchor="t" anchorCtr="0" compatLnSpc="1"/>
           <a:lstStyle/>
           <a:p>
             <a:endParaRPr lang="zh-CN" altLang="en-US" dirty="0"/>
@@ -2703,8 +2366,6 @@
         <p:spPr bwMode="auto">
           <a:ln>
             <a:miter lim="800000"/>
-            <a:headEnd/>
-            <a:tailEnd/>
           </a:ln>
         </p:spPr>
         <p:txBody>
@@ -2822,8 +2483,6 @@
               <a:rPr lang="zh-CN" altLang="en-US">
                 <a:latin typeface="Calibri" panose="020F0502020204030204" pitchFamily="34" charset="0"/>
               </a:rPr>
-              <a:pPr eaLnBrk="1" hangingPunct="1"/>
-              <a:t>5</a:t>
             </a:fld>
             <a:endParaRPr lang="en-US" altLang="zh-CN">
               <a:latin typeface="Calibri" panose="020F0502020204030204" pitchFamily="34" charset="0"/>
@@ -2832,11 +2491,6 @@
         </p:txBody>
       </p:sp>
     </p:spTree>
-    <p:extLst>
-      <p:ext uri="{BB962C8B-B14F-4D97-AF65-F5344CB8AC3E}">
-        <p14:creationId xmlns:p14="http://schemas.microsoft.com/office/powerpoint/2010/main" val="2652251603"/>
-      </p:ext>
-    </p:extLst>
   </p:cSld>
   <p:clrMapOvr>
     <a:masterClrMapping/>
@@ -2878,18 +2532,7 @@
               <a:srgbClr val="000000"/>
             </a:solidFill>
             <a:miter lim="800000"/>
-            <a:headEnd/>
-            <a:tailEnd/>
           </a:ln>
-          <a:extLst>
-            <a:ext uri="{909E8E84-426E-40dd-AFC4-6F175D3DCCD1}">
-              <a14:hiddenFill xmlns:a14="http://schemas.microsoft.com/office/drawing/2010/main" xmlns="">
-                <a:solidFill>
-                  <a:srgbClr val="FFFFFF"/>
-                </a:solidFill>
-              </a14:hiddenFill>
-            </a:ext>
-          </a:extLst>
         </p:spPr>
       </p:sp>
       <p:sp>
@@ -2904,32 +2547,9 @@
         </p:nvSpPr>
         <p:spPr bwMode="auto">
           <a:noFill/>
-          <a:extLst>
-            <a:ext uri="{909E8E84-426E-40dd-AFC4-6F175D3DCCD1}">
-              <a14:hiddenFill xmlns:a14="http://schemas.microsoft.com/office/drawing/2010/main" xmlns="">
-                <a:solidFill>
-                  <a:srgbClr val="FFFFFF"/>
-                </a:solidFill>
-              </a14:hiddenFill>
-            </a:ext>
-            <a:ext uri="{91240B29-F687-4f45-9708-019B960494DF}">
-              <a14:hiddenLine xmlns:a14="http://schemas.microsoft.com/office/drawing/2010/main" xmlns="" w="9525">
-                <a:solidFill>
-                  <a:srgbClr val="000000"/>
-                </a:solidFill>
-                <a:miter lim="800000"/>
-                <a:headEnd/>
-                <a:tailEnd/>
-              </a14:hiddenLine>
-            </a:ext>
-          </a:extLst>
         </p:spPr>
         <p:txBody>
-          <a:bodyPr wrap="square" numCol="1" anchor="t" anchorCtr="0" compatLnSpc="1">
-            <a:prstTxWarp prst="textNoShape">
-              <a:avLst/>
-            </a:prstTxWarp>
-          </a:bodyPr>
+          <a:bodyPr wrap="square" numCol="1" anchor="t" anchorCtr="0" compatLnSpc="1"/>
           <a:lstStyle/>
           <a:p>
             <a:r>
@@ -2943,6 +2563,7 @@
               <a:rPr lang="zh-CN" altLang="en-US" dirty="0"/>
               <a:t>同步：所有的进程都在执行上述代码，同步要求任意两个进程执行代码的进度一样，这是理想情况，不太可能实现；</a:t>
             </a:r>
+            <a:endParaRPr lang="zh-CN" altLang="en-US" dirty="0"/>
           </a:p>
         </p:txBody>
       </p:sp>
@@ -2959,8 +2580,6 @@
         <p:spPr bwMode="auto">
           <a:ln>
             <a:miter lim="800000"/>
-            <a:headEnd/>
-            <a:tailEnd/>
           </a:ln>
         </p:spPr>
         <p:txBody>
@@ -3078,8 +2697,6 @@
               <a:rPr lang="zh-CN" altLang="en-US">
                 <a:latin typeface="Calibri" panose="020F0502020204030204" pitchFamily="34" charset="0"/>
               </a:rPr>
-              <a:pPr eaLnBrk="1" hangingPunct="1"/>
-              <a:t>6</a:t>
             </a:fld>
             <a:endParaRPr lang="en-US" altLang="zh-CN">
               <a:latin typeface="Calibri" panose="020F0502020204030204" pitchFamily="34" charset="0"/>
@@ -3088,11 +2705,6 @@
         </p:txBody>
       </p:sp>
     </p:spTree>
-    <p:extLst>
-      <p:ext uri="{BB962C8B-B14F-4D97-AF65-F5344CB8AC3E}">
-        <p14:creationId xmlns:p14="http://schemas.microsoft.com/office/powerpoint/2010/main" val="26319964"/>
-      </p:ext>
-    </p:extLst>
   </p:cSld>
   <p:clrMapOvr>
     <a:masterClrMapping/>
@@ -3134,18 +2746,7 @@
               <a:srgbClr val="000000"/>
             </a:solidFill>
             <a:miter lim="800000"/>
-            <a:headEnd/>
-            <a:tailEnd/>
           </a:ln>
-          <a:extLst>
-            <a:ext uri="{909E8E84-426E-40dd-AFC4-6F175D3DCCD1}">
-              <a14:hiddenFill xmlns:a14="http://schemas.microsoft.com/office/drawing/2010/main" xmlns="">
-                <a:solidFill>
-                  <a:srgbClr val="FFFFFF"/>
-                </a:solidFill>
-              </a14:hiddenFill>
-            </a:ext>
-          </a:extLst>
         </p:spPr>
       </p:sp>
       <p:sp>
@@ -3160,32 +2761,9 @@
         </p:nvSpPr>
         <p:spPr bwMode="auto">
           <a:noFill/>
-          <a:extLst>
-            <a:ext uri="{909E8E84-426E-40dd-AFC4-6F175D3DCCD1}">
-              <a14:hiddenFill xmlns:a14="http://schemas.microsoft.com/office/drawing/2010/main" xmlns="">
-                <a:solidFill>
-                  <a:srgbClr val="FFFFFF"/>
-                </a:solidFill>
-              </a14:hiddenFill>
-            </a:ext>
-            <a:ext uri="{91240B29-F687-4f45-9708-019B960494DF}">
-              <a14:hiddenLine xmlns:a14="http://schemas.microsoft.com/office/drawing/2010/main" xmlns="" w="9525">
-                <a:solidFill>
-                  <a:srgbClr val="000000"/>
-                </a:solidFill>
-                <a:miter lim="800000"/>
-                <a:headEnd/>
-                <a:tailEnd/>
-              </a14:hiddenLine>
-            </a:ext>
-          </a:extLst>
         </p:spPr>
         <p:txBody>
-          <a:bodyPr wrap="square" numCol="1" anchor="t" anchorCtr="0" compatLnSpc="1">
-            <a:prstTxWarp prst="textNoShape">
-              <a:avLst/>
-            </a:prstTxWarp>
-          </a:bodyPr>
+          <a:bodyPr wrap="square" numCol="1" anchor="t" anchorCtr="0" compatLnSpc="1"/>
           <a:lstStyle/>
           <a:p>
             <a:endParaRPr lang="zh-CN" altLang="en-US" dirty="0"/>
@@ -3205,8 +2783,6 @@
         <p:spPr bwMode="auto">
           <a:ln>
             <a:miter lim="800000"/>
-            <a:headEnd/>
-            <a:tailEnd/>
           </a:ln>
         </p:spPr>
         <p:txBody>
@@ -3324,8 +2900,6 @@
               <a:rPr lang="zh-CN" altLang="en-US">
                 <a:latin typeface="Calibri" panose="020F0502020204030204" pitchFamily="34" charset="0"/>
               </a:rPr>
-              <a:pPr eaLnBrk="1" hangingPunct="1"/>
-              <a:t>7</a:t>
             </a:fld>
             <a:endParaRPr lang="en-US" altLang="zh-CN">
               <a:latin typeface="Calibri" panose="020F0502020204030204" pitchFamily="34" charset="0"/>
@@ -3334,11 +2908,6 @@
         </p:txBody>
       </p:sp>
     </p:spTree>
-    <p:extLst>
-      <p:ext uri="{BB962C8B-B14F-4D97-AF65-F5344CB8AC3E}">
-        <p14:creationId xmlns:p14="http://schemas.microsoft.com/office/powerpoint/2010/main" val="1153819300"/>
-      </p:ext>
-    </p:extLst>
   </p:cSld>
   <p:clrMapOvr>
     <a:masterClrMapping/>
@@ -3380,18 +2949,7 @@
               <a:srgbClr val="000000"/>
             </a:solidFill>
             <a:miter lim="800000"/>
-            <a:headEnd/>
-            <a:tailEnd/>
           </a:ln>
-          <a:extLst>
-            <a:ext uri="{909E8E84-426E-40dd-AFC4-6F175D3DCCD1}">
-              <a14:hiddenFill xmlns:a14="http://schemas.microsoft.com/office/drawing/2010/main" xmlns="">
-                <a:solidFill>
-                  <a:srgbClr val="FFFFFF"/>
-                </a:solidFill>
-              </a14:hiddenFill>
-            </a:ext>
-          </a:extLst>
         </p:spPr>
       </p:sp>
       <p:sp>
@@ -3406,32 +2964,9 @@
         </p:nvSpPr>
         <p:spPr bwMode="auto">
           <a:noFill/>
-          <a:extLst>
-            <a:ext uri="{909E8E84-426E-40dd-AFC4-6F175D3DCCD1}">
-              <a14:hiddenFill xmlns:a14="http://schemas.microsoft.com/office/drawing/2010/main" xmlns="">
-                <a:solidFill>
-                  <a:srgbClr val="FFFFFF"/>
-                </a:solidFill>
-              </a14:hiddenFill>
-            </a:ext>
-            <a:ext uri="{91240B29-F687-4f45-9708-019B960494DF}">
-              <a14:hiddenLine xmlns:a14="http://schemas.microsoft.com/office/drawing/2010/main" xmlns="" w="9525">
-                <a:solidFill>
-                  <a:srgbClr val="000000"/>
-                </a:solidFill>
-                <a:miter lim="800000"/>
-                <a:headEnd/>
-                <a:tailEnd/>
-              </a14:hiddenLine>
-            </a:ext>
-          </a:extLst>
         </p:spPr>
         <p:txBody>
-          <a:bodyPr wrap="square" numCol="1" anchor="t" anchorCtr="0" compatLnSpc="1">
-            <a:prstTxWarp prst="textNoShape">
-              <a:avLst/>
-            </a:prstTxWarp>
-          </a:bodyPr>
+          <a:bodyPr wrap="square" numCol="1" anchor="t" anchorCtr="0" compatLnSpc="1"/>
           <a:lstStyle/>
           <a:p>
             <a:endParaRPr lang="zh-CN" altLang="en-US" dirty="0"/>
@@ -3451,8 +2986,6 @@
         <p:spPr bwMode="auto">
           <a:ln>
             <a:miter lim="800000"/>
-            <a:headEnd/>
-            <a:tailEnd/>
           </a:ln>
         </p:spPr>
         <p:txBody>
@@ -3570,8 +3103,6 @@
               <a:rPr lang="zh-CN" altLang="en-US">
                 <a:latin typeface="Calibri" panose="020F0502020204030204" pitchFamily="34" charset="0"/>
               </a:rPr>
-              <a:pPr eaLnBrk="1" hangingPunct="1"/>
-              <a:t>8</a:t>
             </a:fld>
             <a:endParaRPr lang="en-US" altLang="zh-CN">
               <a:latin typeface="Calibri" panose="020F0502020204030204" pitchFamily="34" charset="0"/>
@@ -3580,11 +3111,6 @@
         </p:txBody>
       </p:sp>
     </p:spTree>
-    <p:extLst>
-      <p:ext uri="{BB962C8B-B14F-4D97-AF65-F5344CB8AC3E}">
-        <p14:creationId xmlns:p14="http://schemas.microsoft.com/office/powerpoint/2010/main" val="66679786"/>
-      </p:ext>
-    </p:extLst>
   </p:cSld>
   <p:clrMapOvr>
     <a:masterClrMapping/>
@@ -3626,18 +3152,7 @@
               <a:srgbClr val="000000"/>
             </a:solidFill>
             <a:miter lim="800000"/>
-            <a:headEnd/>
-            <a:tailEnd/>
           </a:ln>
-          <a:extLst>
-            <a:ext uri="{909E8E84-426E-40dd-AFC4-6F175D3DCCD1}">
-              <a14:hiddenFill xmlns:a14="http://schemas.microsoft.com/office/drawing/2010/main" xmlns="">
-                <a:solidFill>
-                  <a:srgbClr val="FFFFFF"/>
-                </a:solidFill>
-              </a14:hiddenFill>
-            </a:ext>
-          </a:extLst>
         </p:spPr>
       </p:sp>
       <p:sp>
@@ -3652,32 +3167,9 @@
         </p:nvSpPr>
         <p:spPr bwMode="auto">
           <a:noFill/>
-          <a:extLst>
-            <a:ext uri="{909E8E84-426E-40dd-AFC4-6F175D3DCCD1}">
-              <a14:hiddenFill xmlns:a14="http://schemas.microsoft.com/office/drawing/2010/main" xmlns="">
-                <a:solidFill>
-                  <a:srgbClr val="FFFFFF"/>
-                </a:solidFill>
-              </a14:hiddenFill>
-            </a:ext>
-            <a:ext uri="{91240B29-F687-4f45-9708-019B960494DF}">
-              <a14:hiddenLine xmlns:a14="http://schemas.microsoft.com/office/drawing/2010/main" xmlns="" w="9525">
-                <a:solidFill>
-                  <a:srgbClr val="000000"/>
-                </a:solidFill>
-                <a:miter lim="800000"/>
-                <a:headEnd/>
-                <a:tailEnd/>
-              </a14:hiddenLine>
-            </a:ext>
-          </a:extLst>
         </p:spPr>
         <p:txBody>
-          <a:bodyPr wrap="square" numCol="1" anchor="t" anchorCtr="0" compatLnSpc="1">
-            <a:prstTxWarp prst="textNoShape">
-              <a:avLst/>
-            </a:prstTxWarp>
-          </a:bodyPr>
+          <a:bodyPr wrap="square" numCol="1" anchor="t" anchorCtr="0" compatLnSpc="1"/>
           <a:lstStyle/>
           <a:p>
             <a:r>
@@ -3713,8 +3205,6 @@
         <p:spPr bwMode="auto">
           <a:ln>
             <a:miter lim="800000"/>
-            <a:headEnd/>
-            <a:tailEnd/>
           </a:ln>
         </p:spPr>
         <p:txBody>
@@ -3832,8 +3322,6 @@
               <a:rPr lang="zh-CN" altLang="en-US">
                 <a:latin typeface="Calibri" panose="020F0502020204030204" pitchFamily="34" charset="0"/>
               </a:rPr>
-              <a:pPr eaLnBrk="1" hangingPunct="1"/>
-              <a:t>9</a:t>
             </a:fld>
             <a:endParaRPr lang="en-US" altLang="zh-CN">
               <a:latin typeface="Calibri" panose="020F0502020204030204" pitchFamily="34" charset="0"/>
@@ -3842,11 +3330,6 @@
         </p:txBody>
       </p:sp>
     </p:spTree>
-    <p:extLst>
-      <p:ext uri="{BB962C8B-B14F-4D97-AF65-F5344CB8AC3E}">
-        <p14:creationId xmlns:p14="http://schemas.microsoft.com/office/powerpoint/2010/main" val="2059071289"/>
-      </p:ext>
-    </p:extLst>
   </p:cSld>
   <p:clrMapOvr>
     <a:masterClrMapping/>
@@ -3888,18 +3371,7 @@
               <a:srgbClr val="000000"/>
             </a:solidFill>
             <a:miter lim="800000"/>
-            <a:headEnd/>
-            <a:tailEnd/>
           </a:ln>
-          <a:extLst>
-            <a:ext uri="{909E8E84-426E-40dd-AFC4-6F175D3DCCD1}">
-              <a14:hiddenFill xmlns:a14="http://schemas.microsoft.com/office/drawing/2010/main" xmlns="">
-                <a:solidFill>
-                  <a:srgbClr val="FFFFFF"/>
-                </a:solidFill>
-              </a14:hiddenFill>
-            </a:ext>
-          </a:extLst>
         </p:spPr>
       </p:sp>
       <p:sp>
@@ -3914,32 +3386,9 @@
         </p:nvSpPr>
         <p:spPr bwMode="auto">
           <a:noFill/>
-          <a:extLst>
-            <a:ext uri="{909E8E84-426E-40dd-AFC4-6F175D3DCCD1}">
-              <a14:hiddenFill xmlns:a14="http://schemas.microsoft.com/office/drawing/2010/main" xmlns="">
-                <a:solidFill>
-                  <a:srgbClr val="FFFFFF"/>
-                </a:solidFill>
-              </a14:hiddenFill>
-            </a:ext>
-            <a:ext uri="{91240B29-F687-4f45-9708-019B960494DF}">
-              <a14:hiddenLine xmlns:a14="http://schemas.microsoft.com/office/drawing/2010/main" xmlns="" w="9525">
-                <a:solidFill>
-                  <a:srgbClr val="000000"/>
-                </a:solidFill>
-                <a:miter lim="800000"/>
-                <a:headEnd/>
-                <a:tailEnd/>
-              </a14:hiddenLine>
-            </a:ext>
-          </a:extLst>
         </p:spPr>
         <p:txBody>
-          <a:bodyPr wrap="square" numCol="1" anchor="t" anchorCtr="0" compatLnSpc="1">
-            <a:prstTxWarp prst="textNoShape">
-              <a:avLst/>
-            </a:prstTxWarp>
-          </a:bodyPr>
+          <a:bodyPr wrap="square" numCol="1" anchor="t" anchorCtr="0" compatLnSpc="1"/>
           <a:lstStyle/>
           <a:p>
             <a:pPr marL="0" marR="0" lvl="0" indent="0" algn="l" defTabSz="914400" rtl="0" eaLnBrk="0" fontAlgn="base" latinLnBrk="0" hangingPunct="0">
@@ -3956,13 +3405,13 @@
               <a:buSzTx/>
               <a:buFontTx/>
               <a:buNone/>
-              <a:tabLst/>
               <a:defRPr/>
             </a:pPr>
             <a:r>
               <a:rPr lang="zh-CN" altLang="en-US" dirty="0"/>
               <a:t>考试内容：简述算法流程</a:t>
             </a:r>
+            <a:endParaRPr lang="zh-CN" altLang="en-US" dirty="0"/>
           </a:p>
           <a:p>
             <a:endParaRPr lang="zh-CN" altLang="en-US" dirty="0"/>
@@ -3982,8 +3431,6 @@
         <p:spPr bwMode="auto">
           <a:ln>
             <a:miter lim="800000"/>
-            <a:headEnd/>
-            <a:tailEnd/>
           </a:ln>
         </p:spPr>
         <p:txBody>
@@ -4101,8 +3548,6 @@
               <a:rPr lang="zh-CN" altLang="en-US">
                 <a:latin typeface="Calibri" panose="020F0502020204030204" pitchFamily="34" charset="0"/>
               </a:rPr>
-              <a:pPr eaLnBrk="1" hangingPunct="1"/>
-              <a:t>10</a:t>
             </a:fld>
             <a:endParaRPr lang="en-US" altLang="zh-CN">
               <a:latin typeface="Calibri" panose="020F0502020204030204" pitchFamily="34" charset="0"/>
@@ -4111,11 +3556,6 @@
         </p:txBody>
       </p:sp>
     </p:spTree>
-    <p:extLst>
-      <p:ext uri="{BB962C8B-B14F-4D97-AF65-F5344CB8AC3E}">
-        <p14:creationId xmlns:p14="http://schemas.microsoft.com/office/powerpoint/2010/main" val="1693856909"/>
-      </p:ext>
-    </p:extLst>
   </p:cSld>
   <p:clrMapOvr>
     <a:masterClrMapping/>
@@ -4164,6 +3604,7 @@
               <a:rPr lang="zh-CN" altLang="en-US"/>
               <a:t>单击此处编辑母版标题样式</a:t>
             </a:r>
+            <a:endParaRPr lang="zh-CN" altLang="en-US"/>
           </a:p>
         </p:txBody>
       </p:sp>
@@ -4196,7 +3637,7 @@
                 </a:solidFill>
               </a:defRPr>
             </a:lvl1pPr>
-            <a:lvl2pPr marL="457182" indent="0" algn="ctr">
+            <a:lvl2pPr marL="457200" indent="0" algn="ctr">
               <a:buNone/>
               <a:defRPr>
                 <a:solidFill>
@@ -4206,7 +3647,7 @@
                 </a:solidFill>
               </a:defRPr>
             </a:lvl2pPr>
-            <a:lvl3pPr marL="914362" indent="0" algn="ctr">
+            <a:lvl3pPr marL="914400" indent="0" algn="ctr">
               <a:buNone/>
               <a:defRPr>
                 <a:solidFill>
@@ -4216,7 +3657,7 @@
                 </a:solidFill>
               </a:defRPr>
             </a:lvl3pPr>
-            <a:lvl4pPr marL="1371544" indent="0" algn="ctr">
+            <a:lvl4pPr marL="1371600" indent="0" algn="ctr">
               <a:buNone/>
               <a:defRPr>
                 <a:solidFill>
@@ -4226,7 +3667,7 @@
                 </a:solidFill>
               </a:defRPr>
             </a:lvl4pPr>
-            <a:lvl5pPr marL="1828725" indent="0" algn="ctr">
+            <a:lvl5pPr marL="1828800" indent="0" algn="ctr">
               <a:buNone/>
               <a:defRPr>
                 <a:solidFill>
@@ -4236,7 +3677,7 @@
                 </a:solidFill>
               </a:defRPr>
             </a:lvl5pPr>
-            <a:lvl6pPr marL="2285906" indent="0" algn="ctr">
+            <a:lvl6pPr marL="2286000" indent="0" algn="ctr">
               <a:buNone/>
               <a:defRPr>
                 <a:solidFill>
@@ -4246,7 +3687,7 @@
                 </a:solidFill>
               </a:defRPr>
             </a:lvl6pPr>
-            <a:lvl7pPr marL="2743088" indent="0" algn="ctr">
+            <a:lvl7pPr marL="2743200" indent="0" algn="ctr">
               <a:buNone/>
               <a:defRPr>
                 <a:solidFill>
@@ -4256,7 +3697,7 @@
                 </a:solidFill>
               </a:defRPr>
             </a:lvl7pPr>
-            <a:lvl8pPr marL="3200268" indent="0" algn="ctr">
+            <a:lvl8pPr marL="3200400" indent="0" algn="ctr">
               <a:buNone/>
               <a:defRPr>
                 <a:solidFill>
@@ -4266,7 +3707,7 @@
                 </a:solidFill>
               </a:defRPr>
             </a:lvl8pPr>
-            <a:lvl9pPr marL="3657450" indent="0" algn="ctr">
+            <a:lvl9pPr marL="3657600" indent="0" algn="ctr">
               <a:buNone/>
               <a:defRPr>
                 <a:solidFill>
@@ -4282,6 +3723,7 @@
               <a:rPr lang="zh-CN" altLang="en-US"/>
               <a:t>单击此处编辑母版副标题样式</a:t>
             </a:r>
+            <a:endParaRPr lang="zh-CN" altLang="en-US"/>
           </a:p>
         </p:txBody>
       </p:sp>
@@ -4365,21 +3807,12 @@
             </a:pPr>
             <a:fld id="{7F68671A-1028-4918-B52D-F225EDA688D1}" type="slidenum">
               <a:rPr lang="zh-CN" altLang="en-US"/>
-              <a:pPr>
-                <a:defRPr/>
-              </a:pPr>
-              <a:t>‹#›</a:t>
             </a:fld>
             <a:endParaRPr lang="zh-CN" altLang="en-US"/>
           </a:p>
         </p:txBody>
       </p:sp>
     </p:spTree>
-    <p:extLst>
-      <p:ext uri="{BB962C8B-B14F-4D97-AF65-F5344CB8AC3E}">
-        <p14:creationId xmlns:p14="http://schemas.microsoft.com/office/powerpoint/2010/main" val="1103610060"/>
-      </p:ext>
-    </p:extLst>
   </p:cSld>
   <p:clrMapOvr>
     <a:masterClrMapping/>
@@ -4423,6 +3856,7 @@
               <a:rPr lang="zh-CN" altLang="en-US"/>
               <a:t>单击此处编辑母版标题样式</a:t>
             </a:r>
+            <a:endParaRPr lang="zh-CN" altLang="en-US"/>
           </a:p>
         </p:txBody>
       </p:sp>
@@ -4446,6 +3880,7 @@
               <a:rPr lang="zh-CN" altLang="en-US"/>
               <a:t>单击此处编辑母版文本样式</a:t>
             </a:r>
+            <a:endParaRPr lang="zh-CN" altLang="en-US"/>
           </a:p>
           <a:p>
             <a:pPr lvl="1"/>
@@ -4453,6 +3888,7 @@
               <a:rPr lang="zh-CN" altLang="en-US"/>
               <a:t>第二级</a:t>
             </a:r>
+            <a:endParaRPr lang="zh-CN" altLang="en-US"/>
           </a:p>
           <a:p>
             <a:pPr lvl="2"/>
@@ -4460,6 +3896,7 @@
               <a:rPr lang="zh-CN" altLang="en-US"/>
               <a:t>第三级</a:t>
             </a:r>
+            <a:endParaRPr lang="zh-CN" altLang="en-US"/>
           </a:p>
           <a:p>
             <a:pPr lvl="3"/>
@@ -4467,6 +3904,7 @@
               <a:rPr lang="zh-CN" altLang="en-US"/>
               <a:t>第四级</a:t>
             </a:r>
+            <a:endParaRPr lang="zh-CN" altLang="en-US"/>
           </a:p>
           <a:p>
             <a:pPr lvl="4"/>
@@ -4474,6 +3912,7 @@
               <a:rPr lang="zh-CN" altLang="en-US"/>
               <a:t>第五级</a:t>
             </a:r>
+            <a:endParaRPr lang="zh-CN" altLang="en-US"/>
           </a:p>
         </p:txBody>
       </p:sp>
@@ -4557,21 +3996,12 @@
             </a:pPr>
             <a:fld id="{B6AFD8D9-97CE-47AB-99B6-669B4E33450F}" type="slidenum">
               <a:rPr lang="zh-CN" altLang="en-US"/>
-              <a:pPr>
-                <a:defRPr/>
-              </a:pPr>
-              <a:t>‹#›</a:t>
             </a:fld>
             <a:endParaRPr lang="zh-CN" altLang="en-US"/>
           </a:p>
         </p:txBody>
       </p:sp>
     </p:spTree>
-    <p:extLst>
-      <p:ext uri="{BB962C8B-B14F-4D97-AF65-F5344CB8AC3E}">
-        <p14:creationId xmlns:p14="http://schemas.microsoft.com/office/powerpoint/2010/main" val="552366100"/>
-      </p:ext>
-    </p:extLst>
   </p:cSld>
   <p:clrMapOvr>
     <a:masterClrMapping/>
@@ -4620,6 +4050,7 @@
               <a:rPr lang="zh-CN" altLang="en-US"/>
               <a:t>单击此处编辑母版标题样式</a:t>
             </a:r>
+            <a:endParaRPr lang="zh-CN" altLang="en-US"/>
           </a:p>
         </p:txBody>
       </p:sp>
@@ -4648,6 +4079,7 @@
               <a:rPr lang="zh-CN" altLang="en-US"/>
               <a:t>单击此处编辑母版文本样式</a:t>
             </a:r>
+            <a:endParaRPr lang="zh-CN" altLang="en-US"/>
           </a:p>
           <a:p>
             <a:pPr lvl="1"/>
@@ -4655,6 +4087,7 @@
               <a:rPr lang="zh-CN" altLang="en-US"/>
               <a:t>第二级</a:t>
             </a:r>
+            <a:endParaRPr lang="zh-CN" altLang="en-US"/>
           </a:p>
           <a:p>
             <a:pPr lvl="2"/>
@@ -4662,6 +4095,7 @@
               <a:rPr lang="zh-CN" altLang="en-US"/>
               <a:t>第三级</a:t>
             </a:r>
+            <a:endParaRPr lang="zh-CN" altLang="en-US"/>
           </a:p>
           <a:p>
             <a:pPr lvl="3"/>
@@ -4669,6 +4103,7 @@
               <a:rPr lang="zh-CN" altLang="en-US"/>
               <a:t>第四级</a:t>
             </a:r>
+            <a:endParaRPr lang="zh-CN" altLang="en-US"/>
           </a:p>
           <a:p>
             <a:pPr lvl="4"/>
@@ -4676,6 +4111,7 @@
               <a:rPr lang="zh-CN" altLang="en-US"/>
               <a:t>第五级</a:t>
             </a:r>
+            <a:endParaRPr lang="zh-CN" altLang="en-US"/>
           </a:p>
         </p:txBody>
       </p:sp>
@@ -4759,21 +4195,12 @@
             </a:pPr>
             <a:fld id="{14D234CD-C4BF-451E-A810-76886530BD7F}" type="slidenum">
               <a:rPr lang="zh-CN" altLang="en-US"/>
-              <a:pPr>
-                <a:defRPr/>
-              </a:pPr>
-              <a:t>‹#›</a:t>
             </a:fld>
             <a:endParaRPr lang="zh-CN" altLang="en-US"/>
           </a:p>
         </p:txBody>
       </p:sp>
     </p:spTree>
-    <p:extLst>
-      <p:ext uri="{BB962C8B-B14F-4D97-AF65-F5344CB8AC3E}">
-        <p14:creationId xmlns:p14="http://schemas.microsoft.com/office/powerpoint/2010/main" val="324296476"/>
-      </p:ext>
-    </p:extLst>
   </p:cSld>
   <p:clrMapOvr>
     <a:masterClrMapping/>
@@ -4817,6 +4244,7 @@
               <a:rPr lang="zh-CN" altLang="en-US"/>
               <a:t>单击此处编辑母版标题样式</a:t>
             </a:r>
+            <a:endParaRPr lang="zh-CN" altLang="en-US"/>
           </a:p>
         </p:txBody>
       </p:sp>
@@ -4840,6 +4268,7 @@
               <a:rPr lang="zh-CN" altLang="en-US"/>
               <a:t>单击此处编辑母版文本样式</a:t>
             </a:r>
+            <a:endParaRPr lang="zh-CN" altLang="en-US"/>
           </a:p>
           <a:p>
             <a:pPr lvl="1"/>
@@ -4847,6 +4276,7 @@
               <a:rPr lang="zh-CN" altLang="en-US"/>
               <a:t>第二级</a:t>
             </a:r>
+            <a:endParaRPr lang="zh-CN" altLang="en-US"/>
           </a:p>
           <a:p>
             <a:pPr lvl="2"/>
@@ -4854,6 +4284,7 @@
               <a:rPr lang="zh-CN" altLang="en-US"/>
               <a:t>第三级</a:t>
             </a:r>
+            <a:endParaRPr lang="zh-CN" altLang="en-US"/>
           </a:p>
           <a:p>
             <a:pPr lvl="3"/>
@@ -4861,6 +4292,7 @@
               <a:rPr lang="zh-CN" altLang="en-US"/>
               <a:t>第四级</a:t>
             </a:r>
+            <a:endParaRPr lang="zh-CN" altLang="en-US"/>
           </a:p>
           <a:p>
             <a:pPr lvl="4"/>
@@ -4868,6 +4300,7 @@
               <a:rPr lang="zh-CN" altLang="en-US"/>
               <a:t>第五级</a:t>
             </a:r>
+            <a:endParaRPr lang="zh-CN" altLang="en-US"/>
           </a:p>
         </p:txBody>
       </p:sp>
@@ -4951,21 +4384,12 @@
             </a:pPr>
             <a:fld id="{CA40A734-EF3B-425E-9970-80954DDB0807}" type="slidenum">
               <a:rPr lang="zh-CN" altLang="en-US"/>
-              <a:pPr>
-                <a:defRPr/>
-              </a:pPr>
-              <a:t>‹#›</a:t>
             </a:fld>
             <a:endParaRPr lang="zh-CN" altLang="en-US"/>
           </a:p>
         </p:txBody>
       </p:sp>
     </p:spTree>
-    <p:extLst>
-      <p:ext uri="{BB962C8B-B14F-4D97-AF65-F5344CB8AC3E}">
-        <p14:creationId xmlns:p14="http://schemas.microsoft.com/office/powerpoint/2010/main" val="1736697431"/>
-      </p:ext>
-    </p:extLst>
   </p:cSld>
   <p:clrMapOvr>
     <a:masterClrMapping/>
@@ -5018,6 +4442,7 @@
               <a:rPr lang="zh-CN" altLang="en-US"/>
               <a:t>单击此处编辑母版标题样式</a:t>
             </a:r>
+            <a:endParaRPr lang="zh-CN" altLang="en-US"/>
           </a:p>
         </p:txBody>
       </p:sp>
@@ -5050,7 +4475,7 @@
                 </a:solidFill>
               </a:defRPr>
             </a:lvl1pPr>
-            <a:lvl2pPr marL="457182" indent="0">
+            <a:lvl2pPr marL="457200" indent="0">
               <a:buNone/>
               <a:defRPr sz="1800">
                 <a:solidFill>
@@ -5060,7 +4485,7 @@
                 </a:solidFill>
               </a:defRPr>
             </a:lvl2pPr>
-            <a:lvl3pPr marL="914362" indent="0">
+            <a:lvl3pPr marL="914400" indent="0">
               <a:buNone/>
               <a:defRPr sz="1600">
                 <a:solidFill>
@@ -5070,7 +4495,7 @@
                 </a:solidFill>
               </a:defRPr>
             </a:lvl3pPr>
-            <a:lvl4pPr marL="1371544" indent="0">
+            <a:lvl4pPr marL="1371600" indent="0">
               <a:buNone/>
               <a:defRPr sz="1400">
                 <a:solidFill>
@@ -5080,7 +4505,7 @@
                 </a:solidFill>
               </a:defRPr>
             </a:lvl4pPr>
-            <a:lvl5pPr marL="1828725" indent="0">
+            <a:lvl5pPr marL="1828800" indent="0">
               <a:buNone/>
               <a:defRPr sz="1400">
                 <a:solidFill>
@@ -5090,7 +4515,7 @@
                 </a:solidFill>
               </a:defRPr>
             </a:lvl5pPr>
-            <a:lvl6pPr marL="2285906" indent="0">
+            <a:lvl6pPr marL="2286000" indent="0">
               <a:buNone/>
               <a:defRPr sz="1400">
                 <a:solidFill>
@@ -5100,7 +4525,7 @@
                 </a:solidFill>
               </a:defRPr>
             </a:lvl6pPr>
-            <a:lvl7pPr marL="2743088" indent="0">
+            <a:lvl7pPr marL="2743200" indent="0">
               <a:buNone/>
               <a:defRPr sz="1400">
                 <a:solidFill>
@@ -5110,7 +4535,7 @@
                 </a:solidFill>
               </a:defRPr>
             </a:lvl7pPr>
-            <a:lvl8pPr marL="3200268" indent="0">
+            <a:lvl8pPr marL="3200400" indent="0">
               <a:buNone/>
               <a:defRPr sz="1400">
                 <a:solidFill>
@@ -5120,7 +4545,7 @@
                 </a:solidFill>
               </a:defRPr>
             </a:lvl8pPr>
-            <a:lvl9pPr marL="3657450" indent="0">
+            <a:lvl9pPr marL="3657600" indent="0">
               <a:buNone/>
               <a:defRPr sz="1400">
                 <a:solidFill>
@@ -5137,6 +4562,7 @@
               <a:rPr lang="zh-CN" altLang="en-US"/>
               <a:t>单击此处编辑母版文本样式</a:t>
             </a:r>
+            <a:endParaRPr lang="zh-CN" altLang="en-US"/>
           </a:p>
         </p:txBody>
       </p:sp>
@@ -5220,21 +4646,12 @@
             </a:pPr>
             <a:fld id="{91F44B76-BDB5-48DA-9429-18FB768FED70}" type="slidenum">
               <a:rPr lang="zh-CN" altLang="en-US"/>
-              <a:pPr>
-                <a:defRPr/>
-              </a:pPr>
-              <a:t>‹#›</a:t>
             </a:fld>
             <a:endParaRPr lang="zh-CN" altLang="en-US"/>
           </a:p>
         </p:txBody>
       </p:sp>
     </p:spTree>
-    <p:extLst>
-      <p:ext uri="{BB962C8B-B14F-4D97-AF65-F5344CB8AC3E}">
-        <p14:creationId xmlns:p14="http://schemas.microsoft.com/office/powerpoint/2010/main" val="3641668084"/>
-      </p:ext>
-    </p:extLst>
   </p:cSld>
   <p:clrMapOvr>
     <a:masterClrMapping/>
@@ -5278,6 +4695,7 @@
               <a:rPr lang="zh-CN" altLang="en-US"/>
               <a:t>单击此处编辑母版标题样式</a:t>
             </a:r>
+            <a:endParaRPr lang="zh-CN" altLang="en-US"/>
           </a:p>
         </p:txBody>
       </p:sp>
@@ -5334,6 +4752,7 @@
               <a:rPr lang="zh-CN" altLang="en-US"/>
               <a:t>单击此处编辑母版文本样式</a:t>
             </a:r>
+            <a:endParaRPr lang="zh-CN" altLang="en-US"/>
           </a:p>
           <a:p>
             <a:pPr lvl="1"/>
@@ -5341,6 +4760,7 @@
               <a:rPr lang="zh-CN" altLang="en-US"/>
               <a:t>第二级</a:t>
             </a:r>
+            <a:endParaRPr lang="zh-CN" altLang="en-US"/>
           </a:p>
           <a:p>
             <a:pPr lvl="2"/>
@@ -5348,6 +4768,7 @@
               <a:rPr lang="zh-CN" altLang="en-US"/>
               <a:t>第三级</a:t>
             </a:r>
+            <a:endParaRPr lang="zh-CN" altLang="en-US"/>
           </a:p>
           <a:p>
             <a:pPr lvl="3"/>
@@ -5355,6 +4776,7 @@
               <a:rPr lang="zh-CN" altLang="en-US"/>
               <a:t>第四级</a:t>
             </a:r>
+            <a:endParaRPr lang="zh-CN" altLang="en-US"/>
           </a:p>
           <a:p>
             <a:pPr lvl="4"/>
@@ -5362,6 +4784,7 @@
               <a:rPr lang="zh-CN" altLang="en-US"/>
               <a:t>第五级</a:t>
             </a:r>
+            <a:endParaRPr lang="zh-CN" altLang="en-US"/>
           </a:p>
         </p:txBody>
       </p:sp>
@@ -5418,6 +4841,7 @@
               <a:rPr lang="zh-CN" altLang="en-US"/>
               <a:t>单击此处编辑母版文本样式</a:t>
             </a:r>
+            <a:endParaRPr lang="zh-CN" altLang="en-US"/>
           </a:p>
           <a:p>
             <a:pPr lvl="1"/>
@@ -5425,6 +4849,7 @@
               <a:rPr lang="zh-CN" altLang="en-US"/>
               <a:t>第二级</a:t>
             </a:r>
+            <a:endParaRPr lang="zh-CN" altLang="en-US"/>
           </a:p>
           <a:p>
             <a:pPr lvl="2"/>
@@ -5432,6 +4857,7 @@
               <a:rPr lang="zh-CN" altLang="en-US"/>
               <a:t>第三级</a:t>
             </a:r>
+            <a:endParaRPr lang="zh-CN" altLang="en-US"/>
           </a:p>
           <a:p>
             <a:pPr lvl="3"/>
@@ -5439,6 +4865,7 @@
               <a:rPr lang="zh-CN" altLang="en-US"/>
               <a:t>第四级</a:t>
             </a:r>
+            <a:endParaRPr lang="zh-CN" altLang="en-US"/>
           </a:p>
           <a:p>
             <a:pPr lvl="4"/>
@@ -5446,6 +4873,7 @@
               <a:rPr lang="zh-CN" altLang="en-US"/>
               <a:t>第五级</a:t>
             </a:r>
+            <a:endParaRPr lang="zh-CN" altLang="en-US"/>
           </a:p>
         </p:txBody>
       </p:sp>
@@ -5529,21 +4957,12 @@
             </a:pPr>
             <a:fld id="{89D35798-1DC4-447E-97F5-D240AF3B9805}" type="slidenum">
               <a:rPr lang="zh-CN" altLang="en-US"/>
-              <a:pPr>
-                <a:defRPr/>
-              </a:pPr>
-              <a:t>‹#›</a:t>
             </a:fld>
             <a:endParaRPr lang="zh-CN" altLang="en-US"/>
           </a:p>
         </p:txBody>
       </p:sp>
     </p:spTree>
-    <p:extLst>
-      <p:ext uri="{BB962C8B-B14F-4D97-AF65-F5344CB8AC3E}">
-        <p14:creationId xmlns:p14="http://schemas.microsoft.com/office/powerpoint/2010/main" val="2458987140"/>
-      </p:ext>
-    </p:extLst>
   </p:cSld>
   <p:clrMapOvr>
     <a:masterClrMapping/>
@@ -5591,6 +5010,7 @@
               <a:rPr lang="zh-CN" altLang="en-US"/>
               <a:t>单击此处编辑母版标题样式</a:t>
             </a:r>
+            <a:endParaRPr lang="zh-CN" altLang="en-US"/>
           </a:p>
         </p:txBody>
       </p:sp>
@@ -5617,35 +5037,35 @@
               <a:buNone/>
               <a:defRPr sz="2400" b="1"/>
             </a:lvl1pPr>
-            <a:lvl2pPr marL="457182" indent="0">
+            <a:lvl2pPr marL="457200" indent="0">
               <a:buNone/>
               <a:defRPr sz="2000" b="1"/>
             </a:lvl2pPr>
-            <a:lvl3pPr marL="914362" indent="0">
+            <a:lvl3pPr marL="914400" indent="0">
               <a:buNone/>
               <a:defRPr sz="1800" b="1"/>
             </a:lvl3pPr>
-            <a:lvl4pPr marL="1371544" indent="0">
+            <a:lvl4pPr marL="1371600" indent="0">
               <a:buNone/>
               <a:defRPr sz="1600" b="1"/>
             </a:lvl4pPr>
-            <a:lvl5pPr marL="1828725" indent="0">
+            <a:lvl5pPr marL="1828800" indent="0">
               <a:buNone/>
               <a:defRPr sz="1600" b="1"/>
             </a:lvl5pPr>
-            <a:lvl6pPr marL="2285906" indent="0">
+            <a:lvl6pPr marL="2286000" indent="0">
               <a:buNone/>
               <a:defRPr sz="1600" b="1"/>
             </a:lvl6pPr>
-            <a:lvl7pPr marL="2743088" indent="0">
+            <a:lvl7pPr marL="2743200" indent="0">
               <a:buNone/>
               <a:defRPr sz="1600" b="1"/>
             </a:lvl7pPr>
-            <a:lvl8pPr marL="3200268" indent="0">
+            <a:lvl8pPr marL="3200400" indent="0">
               <a:buNone/>
               <a:defRPr sz="1600" b="1"/>
             </a:lvl8pPr>
-            <a:lvl9pPr marL="3657450" indent="0">
+            <a:lvl9pPr marL="3657600" indent="0">
               <a:buNone/>
               <a:defRPr sz="1600" b="1"/>
             </a:lvl9pPr>
@@ -5656,6 +5076,7 @@
               <a:rPr lang="zh-CN" altLang="en-US"/>
               <a:t>单击此处编辑母版文本样式</a:t>
             </a:r>
+            <a:endParaRPr lang="zh-CN" altLang="en-US"/>
           </a:p>
         </p:txBody>
       </p:sp>
@@ -5712,6 +5133,7 @@
               <a:rPr lang="zh-CN" altLang="en-US"/>
               <a:t>单击此处编辑母版文本样式</a:t>
             </a:r>
+            <a:endParaRPr lang="zh-CN" altLang="en-US"/>
           </a:p>
           <a:p>
             <a:pPr lvl="1"/>
@@ -5719,6 +5141,7 @@
               <a:rPr lang="zh-CN" altLang="en-US"/>
               <a:t>第二级</a:t>
             </a:r>
+            <a:endParaRPr lang="zh-CN" altLang="en-US"/>
           </a:p>
           <a:p>
             <a:pPr lvl="2"/>
@@ -5726,6 +5149,7 @@
               <a:rPr lang="zh-CN" altLang="en-US"/>
               <a:t>第三级</a:t>
             </a:r>
+            <a:endParaRPr lang="zh-CN" altLang="en-US"/>
           </a:p>
           <a:p>
             <a:pPr lvl="3"/>
@@ -5733,6 +5157,7 @@
               <a:rPr lang="zh-CN" altLang="en-US"/>
               <a:t>第四级</a:t>
             </a:r>
+            <a:endParaRPr lang="zh-CN" altLang="en-US"/>
           </a:p>
           <a:p>
             <a:pPr lvl="4"/>
@@ -5740,6 +5165,7 @@
               <a:rPr lang="zh-CN" altLang="en-US"/>
               <a:t>第五级</a:t>
             </a:r>
+            <a:endParaRPr lang="zh-CN" altLang="en-US"/>
           </a:p>
         </p:txBody>
       </p:sp>
@@ -5766,35 +5192,35 @@
               <a:buNone/>
               <a:defRPr sz="2400" b="1"/>
             </a:lvl1pPr>
-            <a:lvl2pPr marL="457182" indent="0">
+            <a:lvl2pPr marL="457200" indent="0">
               <a:buNone/>
               <a:defRPr sz="2000" b="1"/>
             </a:lvl2pPr>
-            <a:lvl3pPr marL="914362" indent="0">
+            <a:lvl3pPr marL="914400" indent="0">
               <a:buNone/>
               <a:defRPr sz="1800" b="1"/>
             </a:lvl3pPr>
-            <a:lvl4pPr marL="1371544" indent="0">
+            <a:lvl4pPr marL="1371600" indent="0">
               <a:buNone/>
               <a:defRPr sz="1600" b="1"/>
             </a:lvl4pPr>
-            <a:lvl5pPr marL="1828725" indent="0">
+            <a:lvl5pPr marL="1828800" indent="0">
               <a:buNone/>
               <a:defRPr sz="1600" b="1"/>
             </a:lvl5pPr>
-            <a:lvl6pPr marL="2285906" indent="0">
+            <a:lvl6pPr marL="2286000" indent="0">
               <a:buNone/>
               <a:defRPr sz="1600" b="1"/>
             </a:lvl6pPr>
-            <a:lvl7pPr marL="2743088" indent="0">
+            <a:lvl7pPr marL="2743200" indent="0">
               <a:buNone/>
               <a:defRPr sz="1600" b="1"/>
             </a:lvl7pPr>
-            <a:lvl8pPr marL="3200268" indent="0">
+            <a:lvl8pPr marL="3200400" indent="0">
               <a:buNone/>
               <a:defRPr sz="1600" b="1"/>
             </a:lvl8pPr>
-            <a:lvl9pPr marL="3657450" indent="0">
+            <a:lvl9pPr marL="3657600" indent="0">
               <a:buNone/>
               <a:defRPr sz="1600" b="1"/>
             </a:lvl9pPr>
@@ -5805,6 +5231,7 @@
               <a:rPr lang="zh-CN" altLang="en-US"/>
               <a:t>单击此处编辑母版文本样式</a:t>
             </a:r>
+            <a:endParaRPr lang="zh-CN" altLang="en-US"/>
           </a:p>
         </p:txBody>
       </p:sp>
@@ -5861,6 +5288,7 @@
               <a:rPr lang="zh-CN" altLang="en-US"/>
               <a:t>单击此处编辑母版文本样式</a:t>
             </a:r>
+            <a:endParaRPr lang="zh-CN" altLang="en-US"/>
           </a:p>
           <a:p>
             <a:pPr lvl="1"/>
@@ -5868,6 +5296,7 @@
               <a:rPr lang="zh-CN" altLang="en-US"/>
               <a:t>第二级</a:t>
             </a:r>
+            <a:endParaRPr lang="zh-CN" altLang="en-US"/>
           </a:p>
           <a:p>
             <a:pPr lvl="2"/>
@@ -5875,6 +5304,7 @@
               <a:rPr lang="zh-CN" altLang="en-US"/>
               <a:t>第三级</a:t>
             </a:r>
+            <a:endParaRPr lang="zh-CN" altLang="en-US"/>
           </a:p>
           <a:p>
             <a:pPr lvl="3"/>
@@ -5882,6 +5312,7 @@
               <a:rPr lang="zh-CN" altLang="en-US"/>
               <a:t>第四级</a:t>
             </a:r>
+            <a:endParaRPr lang="zh-CN" altLang="en-US"/>
           </a:p>
           <a:p>
             <a:pPr lvl="4"/>
@@ -5889,6 +5320,7 @@
               <a:rPr lang="zh-CN" altLang="en-US"/>
               <a:t>第五级</a:t>
             </a:r>
+            <a:endParaRPr lang="zh-CN" altLang="en-US"/>
           </a:p>
         </p:txBody>
       </p:sp>
@@ -5972,21 +5404,12 @@
             </a:pPr>
             <a:fld id="{1FFB9FFA-BBF7-4E6B-ACD4-E99548C5776B}" type="slidenum">
               <a:rPr lang="zh-CN" altLang="en-US"/>
-              <a:pPr>
-                <a:defRPr/>
-              </a:pPr>
-              <a:t>‹#›</a:t>
             </a:fld>
             <a:endParaRPr lang="zh-CN" altLang="en-US"/>
           </a:p>
         </p:txBody>
       </p:sp>
     </p:spTree>
-    <p:extLst>
-      <p:ext uri="{BB962C8B-B14F-4D97-AF65-F5344CB8AC3E}">
-        <p14:creationId xmlns:p14="http://schemas.microsoft.com/office/powerpoint/2010/main" val="414232053"/>
-      </p:ext>
-    </p:extLst>
   </p:cSld>
   <p:clrMapOvr>
     <a:masterClrMapping/>
@@ -6030,6 +5453,7 @@
               <a:rPr lang="zh-CN" altLang="en-US"/>
               <a:t>单击此处编辑母版标题样式</a:t>
             </a:r>
+            <a:endParaRPr lang="zh-CN" altLang="en-US"/>
           </a:p>
         </p:txBody>
       </p:sp>
@@ -6113,21 +5537,12 @@
             </a:pPr>
             <a:fld id="{FA78C75F-3921-4200-A546-C4950D0184B6}" type="slidenum">
               <a:rPr lang="zh-CN" altLang="en-US"/>
-              <a:pPr>
-                <a:defRPr/>
-              </a:pPr>
-              <a:t>‹#›</a:t>
             </a:fld>
             <a:endParaRPr lang="zh-CN" altLang="en-US"/>
           </a:p>
         </p:txBody>
       </p:sp>
     </p:spTree>
-    <p:extLst>
-      <p:ext uri="{BB962C8B-B14F-4D97-AF65-F5344CB8AC3E}">
-        <p14:creationId xmlns:p14="http://schemas.microsoft.com/office/powerpoint/2010/main" val="2411579836"/>
-      </p:ext>
-    </p:extLst>
   </p:cSld>
   <p:clrMapOvr>
     <a:masterClrMapping/>
@@ -6232,21 +5647,12 @@
             </a:pPr>
             <a:fld id="{47694E68-0D6D-410C-8C00-3741D352D069}" type="slidenum">
               <a:rPr lang="zh-CN" altLang="en-US"/>
-              <a:pPr>
-                <a:defRPr/>
-              </a:pPr>
-              <a:t>‹#›</a:t>
             </a:fld>
             <a:endParaRPr lang="zh-CN" altLang="en-US"/>
           </a:p>
         </p:txBody>
       </p:sp>
     </p:spTree>
-    <p:extLst>
-      <p:ext uri="{BB962C8B-B14F-4D97-AF65-F5344CB8AC3E}">
-        <p14:creationId xmlns:p14="http://schemas.microsoft.com/office/powerpoint/2010/main" val="4123503613"/>
-      </p:ext>
-    </p:extLst>
   </p:cSld>
   <p:clrMapOvr>
     <a:masterClrMapping/>
@@ -6299,6 +5705,7 @@
               <a:rPr lang="zh-CN" altLang="en-US"/>
               <a:t>单击此处编辑母版标题样式</a:t>
             </a:r>
+            <a:endParaRPr lang="zh-CN" altLang="en-US"/>
           </a:p>
         </p:txBody>
       </p:sp>
@@ -6355,6 +5762,7 @@
               <a:rPr lang="zh-CN" altLang="en-US"/>
               <a:t>单击此处编辑母版文本样式</a:t>
             </a:r>
+            <a:endParaRPr lang="zh-CN" altLang="en-US"/>
           </a:p>
           <a:p>
             <a:pPr lvl="1"/>
@@ -6362,6 +5770,7 @@
               <a:rPr lang="zh-CN" altLang="en-US"/>
               <a:t>第二级</a:t>
             </a:r>
+            <a:endParaRPr lang="zh-CN" altLang="en-US"/>
           </a:p>
           <a:p>
             <a:pPr lvl="2"/>
@@ -6369,6 +5778,7 @@
               <a:rPr lang="zh-CN" altLang="en-US"/>
               <a:t>第三级</a:t>
             </a:r>
+            <a:endParaRPr lang="zh-CN" altLang="en-US"/>
           </a:p>
           <a:p>
             <a:pPr lvl="3"/>
@@ -6376,6 +5786,7 @@
               <a:rPr lang="zh-CN" altLang="en-US"/>
               <a:t>第四级</a:t>
             </a:r>
+            <a:endParaRPr lang="zh-CN" altLang="en-US"/>
           </a:p>
           <a:p>
             <a:pPr lvl="4"/>
@@ -6383,6 +5794,7 @@
               <a:rPr lang="zh-CN" altLang="en-US"/>
               <a:t>第五级</a:t>
             </a:r>
+            <a:endParaRPr lang="zh-CN" altLang="en-US"/>
           </a:p>
         </p:txBody>
       </p:sp>
@@ -6409,35 +5821,35 @@
               <a:buNone/>
               <a:defRPr sz="1400"/>
             </a:lvl1pPr>
-            <a:lvl2pPr marL="457182" indent="0">
+            <a:lvl2pPr marL="457200" indent="0">
               <a:buNone/>
               <a:defRPr sz="1200"/>
             </a:lvl2pPr>
-            <a:lvl3pPr marL="914362" indent="0">
+            <a:lvl3pPr marL="914400" indent="0">
               <a:buNone/>
               <a:defRPr sz="1000"/>
             </a:lvl3pPr>
-            <a:lvl4pPr marL="1371544" indent="0">
+            <a:lvl4pPr marL="1371600" indent="0">
               <a:buNone/>
               <a:defRPr sz="900"/>
             </a:lvl4pPr>
-            <a:lvl5pPr marL="1828725" indent="0">
+            <a:lvl5pPr marL="1828800" indent="0">
               <a:buNone/>
               <a:defRPr sz="900"/>
             </a:lvl5pPr>
-            <a:lvl6pPr marL="2285906" indent="0">
+            <a:lvl6pPr marL="2286000" indent="0">
               <a:buNone/>
               <a:defRPr sz="900"/>
             </a:lvl6pPr>
-            <a:lvl7pPr marL="2743088" indent="0">
+            <a:lvl7pPr marL="2743200" indent="0">
               <a:buNone/>
               <a:defRPr sz="900"/>
             </a:lvl7pPr>
-            <a:lvl8pPr marL="3200268" indent="0">
+            <a:lvl8pPr marL="3200400" indent="0">
               <a:buNone/>
               <a:defRPr sz="900"/>
             </a:lvl8pPr>
-            <a:lvl9pPr marL="3657450" indent="0">
+            <a:lvl9pPr marL="3657600" indent="0">
               <a:buNone/>
               <a:defRPr sz="900"/>
             </a:lvl9pPr>
@@ -6448,6 +5860,7 @@
               <a:rPr lang="zh-CN" altLang="en-US"/>
               <a:t>单击此处编辑母版文本样式</a:t>
             </a:r>
+            <a:endParaRPr lang="zh-CN" altLang="en-US"/>
           </a:p>
         </p:txBody>
       </p:sp>
@@ -6531,21 +5944,12 @@
             </a:pPr>
             <a:fld id="{875CE17F-E7E8-4836-8B19-28E882EF05B9}" type="slidenum">
               <a:rPr lang="zh-CN" altLang="en-US"/>
-              <a:pPr>
-                <a:defRPr/>
-              </a:pPr>
-              <a:t>‹#›</a:t>
             </a:fld>
             <a:endParaRPr lang="zh-CN" altLang="en-US"/>
           </a:p>
         </p:txBody>
       </p:sp>
     </p:spTree>
-    <p:extLst>
-      <p:ext uri="{BB962C8B-B14F-4D97-AF65-F5344CB8AC3E}">
-        <p14:creationId xmlns:p14="http://schemas.microsoft.com/office/powerpoint/2010/main" val="3638579573"/>
-      </p:ext>
-    </p:extLst>
   </p:cSld>
   <p:clrMapOvr>
     <a:masterClrMapping/>
@@ -6598,6 +6002,7 @@
               <a:rPr lang="zh-CN" altLang="en-US"/>
               <a:t>单击此处编辑母版标题样式</a:t>
             </a:r>
+            <a:endParaRPr lang="zh-CN" altLang="en-US"/>
           </a:p>
         </p:txBody>
       </p:sp>
@@ -6626,35 +6031,35 @@
               <a:buNone/>
               <a:defRPr sz="3200"/>
             </a:lvl1pPr>
-            <a:lvl2pPr marL="457182" indent="0">
+            <a:lvl2pPr marL="457200" indent="0">
               <a:buNone/>
               <a:defRPr sz="2800"/>
             </a:lvl2pPr>
-            <a:lvl3pPr marL="914362" indent="0">
+            <a:lvl3pPr marL="914400" indent="0">
               <a:buNone/>
               <a:defRPr sz="2400"/>
             </a:lvl3pPr>
-            <a:lvl4pPr marL="1371544" indent="0">
+            <a:lvl4pPr marL="1371600" indent="0">
               <a:buNone/>
               <a:defRPr sz="2000"/>
             </a:lvl4pPr>
-            <a:lvl5pPr marL="1828725" indent="0">
+            <a:lvl5pPr marL="1828800" indent="0">
               <a:buNone/>
               <a:defRPr sz="2000"/>
             </a:lvl5pPr>
-            <a:lvl6pPr marL="2285906" indent="0">
+            <a:lvl6pPr marL="2286000" indent="0">
               <a:buNone/>
               <a:defRPr sz="2000"/>
             </a:lvl6pPr>
-            <a:lvl7pPr marL="2743088" indent="0">
+            <a:lvl7pPr marL="2743200" indent="0">
               <a:buNone/>
               <a:defRPr sz="2000"/>
             </a:lvl7pPr>
-            <a:lvl8pPr marL="3200268" indent="0">
+            <a:lvl8pPr marL="3200400" indent="0">
               <a:buNone/>
               <a:defRPr sz="2000"/>
             </a:lvl8pPr>
-            <a:lvl9pPr marL="3657450" indent="0">
+            <a:lvl9pPr marL="3657600" indent="0">
               <a:buNone/>
               <a:defRPr sz="2000"/>
             </a:lvl9pPr>
@@ -6688,35 +6093,35 @@
               <a:buNone/>
               <a:defRPr sz="1400"/>
             </a:lvl1pPr>
-            <a:lvl2pPr marL="457182" indent="0">
+            <a:lvl2pPr marL="457200" indent="0">
               <a:buNone/>
               <a:defRPr sz="1200"/>
             </a:lvl2pPr>
-            <a:lvl3pPr marL="914362" indent="0">
+            <a:lvl3pPr marL="914400" indent="0">
               <a:buNone/>
               <a:defRPr sz="1000"/>
             </a:lvl3pPr>
-            <a:lvl4pPr marL="1371544" indent="0">
+            <a:lvl4pPr marL="1371600" indent="0">
               <a:buNone/>
               <a:defRPr sz="900"/>
             </a:lvl4pPr>
-            <a:lvl5pPr marL="1828725" indent="0">
+            <a:lvl5pPr marL="1828800" indent="0">
               <a:buNone/>
               <a:defRPr sz="900"/>
             </a:lvl5pPr>
-            <a:lvl6pPr marL="2285906" indent="0">
+            <a:lvl6pPr marL="2286000" indent="0">
               <a:buNone/>
               <a:defRPr sz="900"/>
             </a:lvl6pPr>
-            <a:lvl7pPr marL="2743088" indent="0">
+            <a:lvl7pPr marL="2743200" indent="0">
               <a:buNone/>
               <a:defRPr sz="900"/>
             </a:lvl7pPr>
-            <a:lvl8pPr marL="3200268" indent="0">
+            <a:lvl8pPr marL="3200400" indent="0">
               <a:buNone/>
               <a:defRPr sz="900"/>
             </a:lvl8pPr>
-            <a:lvl9pPr marL="3657450" indent="0">
+            <a:lvl9pPr marL="3657600" indent="0">
               <a:buNone/>
               <a:defRPr sz="900"/>
             </a:lvl9pPr>
@@ -6727,6 +6132,7 @@
               <a:rPr lang="zh-CN" altLang="en-US"/>
               <a:t>单击此处编辑母版文本样式</a:t>
             </a:r>
+            <a:endParaRPr lang="zh-CN" altLang="en-US"/>
           </a:p>
         </p:txBody>
       </p:sp>
@@ -6810,21 +6216,12 @@
             </a:pPr>
             <a:fld id="{530D8648-5A27-46B1-9DFF-F43427A188ED}" type="slidenum">
               <a:rPr lang="zh-CN" altLang="en-US"/>
-              <a:pPr>
-                <a:defRPr/>
-              </a:pPr>
-              <a:t>‹#›</a:t>
             </a:fld>
             <a:endParaRPr lang="zh-CN" altLang="en-US"/>
           </a:p>
         </p:txBody>
       </p:sp>
     </p:spTree>
-    <p:extLst>
-      <p:ext uri="{BB962C8B-B14F-4D97-AF65-F5344CB8AC3E}">
-        <p14:creationId xmlns:p14="http://schemas.microsoft.com/office/powerpoint/2010/main" val="4292002586"/>
-      </p:ext>
-    </p:extLst>
   </p:cSld>
   <p:clrMapOvr>
     <a:masterClrMapping/>
@@ -6838,7 +6235,7 @@
     <p:bg>
       <p:bgPr>
         <a:blipFill dpi="0" rotWithShape="0">
-          <a:blip r:embed="rId13" cstate="print"/>
+          <a:blip r:embed="rId12" cstate="print"/>
           <a:srcRect/>
           <a:stretch>
             <a:fillRect/>
@@ -6883,32 +6280,9 @@
           <a:ln>
             <a:noFill/>
           </a:ln>
-          <a:extLst>
-            <a:ext uri="{909E8E84-426E-40dd-AFC4-6F175D3DCCD1}">
-              <a14:hiddenFill xmlns="" xmlns:a14="http://schemas.microsoft.com/office/drawing/2010/main">
-                <a:solidFill>
-                  <a:srgbClr val="FFFFFF"/>
-                </a:solidFill>
-              </a14:hiddenFill>
-            </a:ext>
-            <a:ext uri="{91240B29-F687-4f45-9708-019B960494DF}">
-              <a14:hiddenLine xmlns="" xmlns:a14="http://schemas.microsoft.com/office/drawing/2010/main" w="9525">
-                <a:solidFill>
-                  <a:srgbClr val="000000"/>
-                </a:solidFill>
-                <a:miter lim="800000"/>
-                <a:headEnd/>
-                <a:tailEnd/>
-              </a14:hiddenLine>
-            </a:ext>
-          </a:extLst>
         </p:spPr>
         <p:txBody>
-          <a:bodyPr vert="horz" wrap="square" lIns="91436" tIns="45718" rIns="91436" bIns="45718" numCol="1" anchor="ctr" anchorCtr="0" compatLnSpc="1">
-            <a:prstTxWarp prst="textNoShape">
-              <a:avLst/>
-            </a:prstTxWarp>
-          </a:bodyPr>
+          <a:bodyPr vert="horz" wrap="square" lIns="91436" tIns="45718" rIns="91436" bIns="45718" numCol="1" anchor="ctr" anchorCtr="0" compatLnSpc="1"/>
           <a:lstStyle/>
           <a:p>
             <a:pPr lvl="0"/>
@@ -6916,6 +6290,7 @@
               <a:rPr lang="zh-CN" altLang="en-US"/>
               <a:t>单击此处编辑母版标题样式</a:t>
             </a:r>
+            <a:endParaRPr lang="zh-CN" altLang="en-US"/>
           </a:p>
         </p:txBody>
       </p:sp>
@@ -6941,32 +6316,9 @@
           <a:ln>
             <a:noFill/>
           </a:ln>
-          <a:extLst>
-            <a:ext uri="{909E8E84-426E-40dd-AFC4-6F175D3DCCD1}">
-              <a14:hiddenFill xmlns="" xmlns:a14="http://schemas.microsoft.com/office/drawing/2010/main">
-                <a:solidFill>
-                  <a:srgbClr val="FFFFFF"/>
-                </a:solidFill>
-              </a14:hiddenFill>
-            </a:ext>
-            <a:ext uri="{91240B29-F687-4f45-9708-019B960494DF}">
-              <a14:hiddenLine xmlns="" xmlns:a14="http://schemas.microsoft.com/office/drawing/2010/main" w="9525">
-                <a:solidFill>
-                  <a:srgbClr val="000000"/>
-                </a:solidFill>
-                <a:miter lim="800000"/>
-                <a:headEnd/>
-                <a:tailEnd/>
-              </a14:hiddenLine>
-            </a:ext>
-          </a:extLst>
         </p:spPr>
         <p:txBody>
-          <a:bodyPr vert="horz" wrap="square" lIns="91436" tIns="45718" rIns="91436" bIns="45718" numCol="1" anchor="t" anchorCtr="0" compatLnSpc="1">
-            <a:prstTxWarp prst="textNoShape">
-              <a:avLst/>
-            </a:prstTxWarp>
-          </a:bodyPr>
+          <a:bodyPr vert="horz" wrap="square" lIns="91436" tIns="45718" rIns="91436" bIns="45718" numCol="1" anchor="t" anchorCtr="0" compatLnSpc="1"/>
           <a:lstStyle/>
           <a:p>
             <a:pPr lvl="0"/>
@@ -6974,6 +6326,7 @@
               <a:rPr lang="zh-CN" altLang="en-US"/>
               <a:t>单击此处编辑母版文本样式</a:t>
             </a:r>
+            <a:endParaRPr lang="zh-CN" altLang="en-US"/>
           </a:p>
           <a:p>
             <a:pPr lvl="1"/>
@@ -6981,6 +6334,7 @@
               <a:rPr lang="zh-CN" altLang="en-US"/>
               <a:t>第二级</a:t>
             </a:r>
+            <a:endParaRPr lang="zh-CN" altLang="en-US"/>
           </a:p>
           <a:p>
             <a:pPr lvl="2"/>
@@ -6988,6 +6342,7 @@
               <a:rPr lang="zh-CN" altLang="en-US"/>
               <a:t>第三级</a:t>
             </a:r>
+            <a:endParaRPr lang="zh-CN" altLang="en-US"/>
           </a:p>
           <a:p>
             <a:pPr lvl="3"/>
@@ -6995,6 +6350,7 @@
               <a:rPr lang="zh-CN" altLang="en-US"/>
               <a:t>第四级</a:t>
             </a:r>
+            <a:endParaRPr lang="zh-CN" altLang="en-US"/>
           </a:p>
           <a:p>
             <a:pPr lvl="4"/>
@@ -7002,6 +6358,7 @@
               <a:rPr lang="zh-CN" altLang="en-US"/>
               <a:t>第五级</a:t>
             </a:r>
+            <a:endParaRPr lang="zh-CN" altLang="en-US"/>
           </a:p>
         </p:txBody>
       </p:sp>
@@ -7034,7 +6391,7 @@
                     <a:tint val="75000"/>
                   </a:schemeClr>
                 </a:solidFill>
-                <a:ea typeface="宋体" charset="-122"/>
+                <a:ea typeface="宋体" panose="02010600030101010101" pitchFamily="2" charset="-122"/>
               </a:defRPr>
             </a:lvl1pPr>
           </a:lstStyle>
@@ -7079,7 +6436,7 @@
                     <a:tint val="75000"/>
                   </a:schemeClr>
                 </a:solidFill>
-                <a:ea typeface="宋体" charset="-122"/>
+                <a:ea typeface="宋体" panose="02010600030101010101" pitchFamily="2" charset="-122"/>
               </a:defRPr>
             </a:lvl1pPr>
           </a:lstStyle>
@@ -7111,11 +6468,7 @@
           </a:prstGeom>
         </p:spPr>
         <p:txBody>
-          <a:bodyPr vert="horz" wrap="square" lIns="91436" tIns="45718" rIns="91436" bIns="45718" numCol="1" anchor="ctr" anchorCtr="0" compatLnSpc="1">
-            <a:prstTxWarp prst="textNoShape">
-              <a:avLst/>
-            </a:prstTxWarp>
-          </a:bodyPr>
+          <a:bodyPr vert="horz" wrap="square" lIns="91436" tIns="45718" rIns="91436" bIns="45718" numCol="1" anchor="ctr" anchorCtr="0" compatLnSpc="1"/>
           <a:lstStyle>
             <a:lvl1pPr algn="r" eaLnBrk="1" hangingPunct="1">
               <a:defRPr sz="1200">
@@ -7131,10 +6484,6 @@
             </a:pPr>
             <a:fld id="{EB08D79A-444D-4C36-A6F5-FB17350375E2}" type="slidenum">
               <a:rPr lang="zh-CN" altLang="en-US"/>
-              <a:pPr>
-                <a:defRPr/>
-              </a:pPr>
-              <a:t>‹#›</a:t>
             </a:fld>
             <a:endParaRPr lang="zh-CN" altLang="en-US"/>
           </a:p>
@@ -7144,17 +6493,17 @@
   </p:cSld>
   <p:clrMap bg1="lt1" tx1="dk1" bg2="lt2" tx2="dk2" accent1="accent1" accent2="accent2" accent3="accent3" accent4="accent4" accent5="accent5" accent6="accent6" hlink="hlink" folHlink="folHlink"/>
   <p:sldLayoutIdLst>
-    <p:sldLayoutId id="2147483685" r:id="rId1"/>
-    <p:sldLayoutId id="2147483686" r:id="rId2"/>
-    <p:sldLayoutId id="2147483687" r:id="rId3"/>
-    <p:sldLayoutId id="2147483688" r:id="rId4"/>
-    <p:sldLayoutId id="2147483689" r:id="rId5"/>
-    <p:sldLayoutId id="2147483690" r:id="rId6"/>
-    <p:sldLayoutId id="2147483691" r:id="rId7"/>
-    <p:sldLayoutId id="2147483692" r:id="rId8"/>
-    <p:sldLayoutId id="2147483693" r:id="rId9"/>
-    <p:sldLayoutId id="2147483694" r:id="rId10"/>
-    <p:sldLayoutId id="2147483695" r:id="rId11"/>
+    <p:sldLayoutId id="2147483649" r:id="rId1"/>
+    <p:sldLayoutId id="2147483650" r:id="rId2"/>
+    <p:sldLayoutId id="2147483651" r:id="rId3"/>
+    <p:sldLayoutId id="2147483652" r:id="rId4"/>
+    <p:sldLayoutId id="2147483653" r:id="rId5"/>
+    <p:sldLayoutId id="2147483654" r:id="rId6"/>
+    <p:sldLayoutId id="2147483655" r:id="rId7"/>
+    <p:sldLayoutId id="2147483656" r:id="rId8"/>
+    <p:sldLayoutId id="2147483657" r:id="rId9"/>
+    <p:sldLayoutId id="2147483658" r:id="rId10"/>
+    <p:sldLayoutId id="2147483659" r:id="rId11"/>
   </p:sldLayoutIdLst>
   <p:hf hdr="0" ftr="0" dt="0"/>
   <p:txStyles>
@@ -7186,8 +6535,8 @@
           <a:solidFill>
             <a:schemeClr val="tx1"/>
           </a:solidFill>
-          <a:latin typeface="Calibri" pitchFamily="34" charset="0"/>
-          <a:ea typeface="宋体" charset="-122"/>
+          <a:latin typeface="Calibri" panose="020F0502020204030204" pitchFamily="34" charset="0"/>
+          <a:ea typeface="宋体" panose="02010600030101010101" pitchFamily="2" charset="-122"/>
         </a:defRPr>
       </a:lvl2pPr>
       <a:lvl3pPr algn="ctr" rtl="0" eaLnBrk="0" fontAlgn="base" hangingPunct="0">
@@ -7201,8 +6550,8 @@
           <a:solidFill>
             <a:schemeClr val="tx1"/>
           </a:solidFill>
-          <a:latin typeface="Calibri" pitchFamily="34" charset="0"/>
-          <a:ea typeface="宋体" charset="-122"/>
+          <a:latin typeface="Calibri" panose="020F0502020204030204" pitchFamily="34" charset="0"/>
+          <a:ea typeface="宋体" panose="02010600030101010101" pitchFamily="2" charset="-122"/>
         </a:defRPr>
       </a:lvl3pPr>
       <a:lvl4pPr algn="ctr" rtl="0" eaLnBrk="0" fontAlgn="base" hangingPunct="0">
@@ -7216,8 +6565,8 @@
           <a:solidFill>
             <a:schemeClr val="tx1"/>
           </a:solidFill>
-          <a:latin typeface="Calibri" pitchFamily="34" charset="0"/>
-          <a:ea typeface="宋体" charset="-122"/>
+          <a:latin typeface="Calibri" panose="020F0502020204030204" pitchFamily="34" charset="0"/>
+          <a:ea typeface="宋体" panose="02010600030101010101" pitchFamily="2" charset="-122"/>
         </a:defRPr>
       </a:lvl4pPr>
       <a:lvl5pPr algn="ctr" rtl="0" eaLnBrk="0" fontAlgn="base" hangingPunct="0">
@@ -7231,11 +6580,11 @@
           <a:solidFill>
             <a:schemeClr val="tx1"/>
           </a:solidFill>
-          <a:latin typeface="Calibri" pitchFamily="34" charset="0"/>
-          <a:ea typeface="宋体" charset="-122"/>
+          <a:latin typeface="Calibri" panose="020F0502020204030204" pitchFamily="34" charset="0"/>
+          <a:ea typeface="宋体" panose="02010600030101010101" pitchFamily="2" charset="-122"/>
         </a:defRPr>
       </a:lvl5pPr>
-      <a:lvl6pPr marL="457182" algn="ctr" rtl="0" fontAlgn="base">
+      <a:lvl6pPr marL="457200" algn="ctr" rtl="0" fontAlgn="base">
         <a:spcBef>
           <a:spcPct val="0"/>
         </a:spcBef>
@@ -7246,11 +6595,11 @@
           <a:solidFill>
             <a:schemeClr val="tx1"/>
           </a:solidFill>
-          <a:latin typeface="Calibri" pitchFamily="34" charset="0"/>
-          <a:ea typeface="宋体" charset="-122"/>
+          <a:latin typeface="Calibri" panose="020F0502020204030204" pitchFamily="34" charset="0"/>
+          <a:ea typeface="宋体" panose="02010600030101010101" pitchFamily="2" charset="-122"/>
         </a:defRPr>
       </a:lvl6pPr>
-      <a:lvl7pPr marL="914362" algn="ctr" rtl="0" fontAlgn="base">
+      <a:lvl7pPr marL="914400" algn="ctr" rtl="0" fontAlgn="base">
         <a:spcBef>
           <a:spcPct val="0"/>
         </a:spcBef>
@@ -7261,11 +6610,11 @@
           <a:solidFill>
             <a:schemeClr val="tx1"/>
           </a:solidFill>
-          <a:latin typeface="Calibri" pitchFamily="34" charset="0"/>
-          <a:ea typeface="宋体" charset="-122"/>
+          <a:latin typeface="Calibri" panose="020F0502020204030204" pitchFamily="34" charset="0"/>
+          <a:ea typeface="宋体" panose="02010600030101010101" pitchFamily="2" charset="-122"/>
         </a:defRPr>
       </a:lvl7pPr>
-      <a:lvl8pPr marL="1371544" algn="ctr" rtl="0" fontAlgn="base">
+      <a:lvl8pPr marL="1371600" algn="ctr" rtl="0" fontAlgn="base">
         <a:spcBef>
           <a:spcPct val="0"/>
         </a:spcBef>
@@ -7276,11 +6625,11 @@
           <a:solidFill>
             <a:schemeClr val="tx1"/>
           </a:solidFill>
-          <a:latin typeface="Calibri" pitchFamily="34" charset="0"/>
-          <a:ea typeface="宋体" charset="-122"/>
+          <a:latin typeface="Calibri" panose="020F0502020204030204" pitchFamily="34" charset="0"/>
+          <a:ea typeface="宋体" panose="02010600030101010101" pitchFamily="2" charset="-122"/>
         </a:defRPr>
       </a:lvl8pPr>
-      <a:lvl9pPr marL="1828725" algn="ctr" rtl="0" fontAlgn="base">
+      <a:lvl9pPr marL="1828800" algn="ctr" rtl="0" fontAlgn="base">
         <a:spcBef>
           <a:spcPct val="0"/>
         </a:spcBef>
@@ -7291,13 +6640,13 @@
           <a:solidFill>
             <a:schemeClr val="tx1"/>
           </a:solidFill>
-          <a:latin typeface="Calibri" pitchFamily="34" charset="0"/>
-          <a:ea typeface="宋体" charset="-122"/>
+          <a:latin typeface="Calibri" panose="020F0502020204030204" pitchFamily="34" charset="0"/>
+          <a:ea typeface="宋体" panose="02010600030101010101" pitchFamily="2" charset="-122"/>
         </a:defRPr>
       </a:lvl9pPr>
     </p:titleStyle>
     <p:bodyStyle>
-      <a:lvl1pPr marL="342886" indent="-342886" algn="l" rtl="0" eaLnBrk="0" fontAlgn="base" hangingPunct="0">
+      <a:lvl1pPr marL="342900" indent="-342900" algn="l" rtl="0" eaLnBrk="0" fontAlgn="base" hangingPunct="0">
         <a:spcBef>
           <a:spcPct val="20000"/>
         </a:spcBef>
@@ -7315,7 +6664,7 @@
           <a:cs typeface="+mn-cs"/>
         </a:defRPr>
       </a:lvl1pPr>
-      <a:lvl2pPr marL="742920" indent="-285738" algn="l" rtl="0" eaLnBrk="0" fontAlgn="base" hangingPunct="0">
+      <a:lvl2pPr marL="742950" indent="-285750" algn="l" rtl="0" eaLnBrk="0" fontAlgn="base" hangingPunct="0">
         <a:spcBef>
           <a:spcPct val="20000"/>
         </a:spcBef>
@@ -7333,7 +6682,7 @@
           <a:cs typeface="+mn-cs"/>
         </a:defRPr>
       </a:lvl2pPr>
-      <a:lvl3pPr marL="1142953" indent="-228591" algn="l" rtl="0" eaLnBrk="0" fontAlgn="base" hangingPunct="0">
+      <a:lvl3pPr marL="1143000" indent="-228600" algn="l" rtl="0" eaLnBrk="0" fontAlgn="base" hangingPunct="0">
         <a:spcBef>
           <a:spcPct val="20000"/>
         </a:spcBef>
@@ -7351,7 +6700,7 @@
           <a:cs typeface="+mn-cs"/>
         </a:defRPr>
       </a:lvl3pPr>
-      <a:lvl4pPr marL="1600135" indent="-228591" algn="l" rtl="0" eaLnBrk="0" fontAlgn="base" hangingPunct="0">
+      <a:lvl4pPr marL="1600200" indent="-228600" algn="l" rtl="0" eaLnBrk="0" fontAlgn="base" hangingPunct="0">
         <a:spcBef>
           <a:spcPct val="20000"/>
         </a:spcBef>
@@ -7369,7 +6718,7 @@
           <a:cs typeface="+mn-cs"/>
         </a:defRPr>
       </a:lvl4pPr>
-      <a:lvl5pPr marL="2057315" indent="-228591" algn="l" rtl="0" eaLnBrk="0" fontAlgn="base" hangingPunct="0">
+      <a:lvl5pPr marL="2057400" indent="-228600" algn="l" rtl="0" eaLnBrk="0" fontAlgn="base" hangingPunct="0">
         <a:spcBef>
           <a:spcPct val="20000"/>
         </a:spcBef>
@@ -7387,11 +6736,11 @@
           <a:cs typeface="+mn-cs"/>
         </a:defRPr>
       </a:lvl5pPr>
-      <a:lvl6pPr marL="2514497" indent="-228591" algn="l" defTabSz="914362" rtl="0" eaLnBrk="1" latinLnBrk="0" hangingPunct="1">
+      <a:lvl6pPr marL="2514600" indent="-228600" algn="l" defTabSz="914400" rtl="0" eaLnBrk="1" latinLnBrk="0" hangingPunct="1">
         <a:spcBef>
           <a:spcPct val="20000"/>
         </a:spcBef>
-        <a:buFont typeface="Arial" pitchFamily="34" charset="0"/>
+        <a:buFont typeface="Arial" panose="020B0604020202020204" pitchFamily="34" charset="0"/>
         <a:buChar char="•"/>
         <a:defRPr sz="2000" kern="1200">
           <a:solidFill>
@@ -7402,11 +6751,11 @@
           <a:cs typeface="+mn-cs"/>
         </a:defRPr>
       </a:lvl6pPr>
-      <a:lvl7pPr marL="2971678" indent="-228591" algn="l" defTabSz="914362" rtl="0" eaLnBrk="1" latinLnBrk="0" hangingPunct="1">
+      <a:lvl7pPr marL="2971800" indent="-228600" algn="l" defTabSz="914400" rtl="0" eaLnBrk="1" latinLnBrk="0" hangingPunct="1">
         <a:spcBef>
           <a:spcPct val="20000"/>
         </a:spcBef>
-        <a:buFont typeface="Arial" pitchFamily="34" charset="0"/>
+        <a:buFont typeface="Arial" panose="020B0604020202020204" pitchFamily="34" charset="0"/>
         <a:buChar char="•"/>
         <a:defRPr sz="2000" kern="1200">
           <a:solidFill>
@@ -7417,11 +6766,11 @@
           <a:cs typeface="+mn-cs"/>
         </a:defRPr>
       </a:lvl7pPr>
-      <a:lvl8pPr marL="3428859" indent="-228591" algn="l" defTabSz="914362" rtl="0" eaLnBrk="1" latinLnBrk="0" hangingPunct="1">
+      <a:lvl8pPr marL="3429000" indent="-228600" algn="l" defTabSz="914400" rtl="0" eaLnBrk="1" latinLnBrk="0" hangingPunct="1">
         <a:spcBef>
           <a:spcPct val="20000"/>
         </a:spcBef>
-        <a:buFont typeface="Arial" pitchFamily="34" charset="0"/>
+        <a:buFont typeface="Arial" panose="020B0604020202020204" pitchFamily="34" charset="0"/>
         <a:buChar char="•"/>
         <a:defRPr sz="2000" kern="1200">
           <a:solidFill>
@@ -7432,11 +6781,11 @@
           <a:cs typeface="+mn-cs"/>
         </a:defRPr>
       </a:lvl8pPr>
-      <a:lvl9pPr marL="3886041" indent="-228591" algn="l" defTabSz="914362" rtl="0" eaLnBrk="1" latinLnBrk="0" hangingPunct="1">
+      <a:lvl9pPr marL="3886200" indent="-228600" algn="l" defTabSz="914400" rtl="0" eaLnBrk="1" latinLnBrk="0" hangingPunct="1">
         <a:spcBef>
           <a:spcPct val="20000"/>
         </a:spcBef>
-        <a:buFont typeface="Arial" pitchFamily="34" charset="0"/>
+        <a:buFont typeface="Arial" panose="020B0604020202020204" pitchFamily="34" charset="0"/>
         <a:buChar char="•"/>
         <a:defRPr sz="2000" kern="1200">
           <a:solidFill>
@@ -7452,7 +6801,7 @@
       <a:defPPr>
         <a:defRPr lang="zh-CN"/>
       </a:defPPr>
-      <a:lvl1pPr marL="0" algn="l" defTabSz="914362" rtl="0" eaLnBrk="1" latinLnBrk="0" hangingPunct="1">
+      <a:lvl1pPr marL="0" algn="l" defTabSz="914400" rtl="0" eaLnBrk="1" latinLnBrk="0" hangingPunct="1">
         <a:defRPr sz="1800" kern="1200">
           <a:solidFill>
             <a:schemeClr val="tx1"/>
@@ -7462,7 +6811,7 @@
           <a:cs typeface="+mn-cs"/>
         </a:defRPr>
       </a:lvl1pPr>
-      <a:lvl2pPr marL="457182" algn="l" defTabSz="914362" rtl="0" eaLnBrk="1" latinLnBrk="0" hangingPunct="1">
+      <a:lvl2pPr marL="457200" algn="l" defTabSz="914400" rtl="0" eaLnBrk="1" latinLnBrk="0" hangingPunct="1">
         <a:defRPr sz="1800" kern="1200">
           <a:solidFill>
             <a:schemeClr val="tx1"/>
@@ -7472,7 +6821,7 @@
           <a:cs typeface="+mn-cs"/>
         </a:defRPr>
       </a:lvl2pPr>
-      <a:lvl3pPr marL="914362" algn="l" defTabSz="914362" rtl="0" eaLnBrk="1" latinLnBrk="0" hangingPunct="1">
+      <a:lvl3pPr marL="914400" algn="l" defTabSz="914400" rtl="0" eaLnBrk="1" latinLnBrk="0" hangingPunct="1">
         <a:defRPr sz="1800" kern="1200">
           <a:solidFill>
             <a:schemeClr val="tx1"/>
@@ -7482,7 +6831,7 @@
           <a:cs typeface="+mn-cs"/>
         </a:defRPr>
       </a:lvl3pPr>
-      <a:lvl4pPr marL="1371544" algn="l" defTabSz="914362" rtl="0" eaLnBrk="1" latinLnBrk="0" hangingPunct="1">
+      <a:lvl4pPr marL="1371600" algn="l" defTabSz="914400" rtl="0" eaLnBrk="1" latinLnBrk="0" hangingPunct="1">
         <a:defRPr sz="1800" kern="1200">
           <a:solidFill>
             <a:schemeClr val="tx1"/>
@@ -7492,7 +6841,7 @@
           <a:cs typeface="+mn-cs"/>
         </a:defRPr>
       </a:lvl4pPr>
-      <a:lvl5pPr marL="1828725" algn="l" defTabSz="914362" rtl="0" eaLnBrk="1" latinLnBrk="0" hangingPunct="1">
+      <a:lvl5pPr marL="1828800" algn="l" defTabSz="914400" rtl="0" eaLnBrk="1" latinLnBrk="0" hangingPunct="1">
         <a:defRPr sz="1800" kern="1200">
           <a:solidFill>
             <a:schemeClr val="tx1"/>
@@ -7502,7 +6851,7 @@
           <a:cs typeface="+mn-cs"/>
         </a:defRPr>
       </a:lvl5pPr>
-      <a:lvl6pPr marL="2285906" algn="l" defTabSz="914362" rtl="0" eaLnBrk="1" latinLnBrk="0" hangingPunct="1">
+      <a:lvl6pPr marL="2286000" algn="l" defTabSz="914400" rtl="0" eaLnBrk="1" latinLnBrk="0" hangingPunct="1">
         <a:defRPr sz="1800" kern="1200">
           <a:solidFill>
             <a:schemeClr val="tx1"/>
@@ -7512,7 +6861,7 @@
           <a:cs typeface="+mn-cs"/>
         </a:defRPr>
       </a:lvl6pPr>
-      <a:lvl7pPr marL="2743088" algn="l" defTabSz="914362" rtl="0" eaLnBrk="1" latinLnBrk="0" hangingPunct="1">
+      <a:lvl7pPr marL="2743200" algn="l" defTabSz="914400" rtl="0" eaLnBrk="1" latinLnBrk="0" hangingPunct="1">
         <a:defRPr sz="1800" kern="1200">
           <a:solidFill>
             <a:schemeClr val="tx1"/>
@@ -7522,7 +6871,7 @@
           <a:cs typeface="+mn-cs"/>
         </a:defRPr>
       </a:lvl7pPr>
-      <a:lvl8pPr marL="3200268" algn="l" defTabSz="914362" rtl="0" eaLnBrk="1" latinLnBrk="0" hangingPunct="1">
+      <a:lvl8pPr marL="3200400" algn="l" defTabSz="914400" rtl="0" eaLnBrk="1" latinLnBrk="0" hangingPunct="1">
         <a:defRPr sz="1800" kern="1200">
           <a:solidFill>
             <a:schemeClr val="tx1"/>
@@ -7532,7 +6881,7 @@
           <a:cs typeface="+mn-cs"/>
         </a:defRPr>
       </a:lvl8pPr>
-      <a:lvl9pPr marL="3657450" algn="l" defTabSz="914362" rtl="0" eaLnBrk="1" latinLnBrk="0" hangingPunct="1">
+      <a:lvl9pPr marL="3657600" algn="l" defTabSz="914400" rtl="0" eaLnBrk="1" latinLnBrk="0" hangingPunct="1">
         <a:defRPr sz="1800" kern="1200">
           <a:solidFill>
             <a:schemeClr val="tx1"/>
@@ -7553,7 +6902,7 @@
     <p:bg>
       <p:bgPr>
         <a:blipFill dpi="0" rotWithShape="0">
-          <a:blip r:embed="rId2" cstate="print"/>
+          <a:blip r:embed="rId1" cstate="print"/>
           <a:srcRect/>
           <a:stretch>
             <a:fillRect/>
@@ -7596,25 +6945,6 @@
           <a:ln>
             <a:noFill/>
           </a:ln>
-          <a:extLst>
-            <a:ext uri="{909E8E84-426E-40dd-AFC4-6F175D3DCCD1}">
-              <a14:hiddenFill xmlns="" xmlns:a14="http://schemas.microsoft.com/office/drawing/2010/main">
-                <a:solidFill>
-                  <a:srgbClr val="FFFFFF"/>
-                </a:solidFill>
-              </a14:hiddenFill>
-            </a:ext>
-            <a:ext uri="{91240B29-F687-4f45-9708-019B960494DF}">
-              <a14:hiddenLine xmlns="" xmlns:a14="http://schemas.microsoft.com/office/drawing/2010/main" w="9525">
-                <a:solidFill>
-                  <a:srgbClr val="000000"/>
-                </a:solidFill>
-                <a:miter lim="800000"/>
-                <a:headEnd/>
-                <a:tailEnd/>
-              </a14:hiddenLine>
-            </a:ext>
-          </a:extLst>
         </p:spPr>
         <p:txBody>
           <a:bodyPr lIns="91436" tIns="45718" rIns="91436" bIns="45718" anchor="ctr">
@@ -7626,8 +6956,8 @@
                 <a:solidFill>
                   <a:schemeClr val="tx1"/>
                 </a:solidFill>
-                <a:latin typeface="Calibri" pitchFamily="34" charset="0"/>
-                <a:ea typeface="宋体" charset="-122"/>
+                <a:latin typeface="Calibri" panose="020F0502020204030204" pitchFamily="34" charset="0"/>
+                <a:ea typeface="宋体" panose="02010600030101010101" pitchFamily="2" charset="-122"/>
               </a:defRPr>
             </a:lvl1pPr>
             <a:lvl2pPr marL="742950" indent="-285750" eaLnBrk="0" hangingPunct="0">
@@ -7635,8 +6965,8 @@
                 <a:solidFill>
                   <a:schemeClr val="tx1"/>
                 </a:solidFill>
-                <a:latin typeface="Calibri" pitchFamily="34" charset="0"/>
-                <a:ea typeface="宋体" charset="-122"/>
+                <a:latin typeface="Calibri" panose="020F0502020204030204" pitchFamily="34" charset="0"/>
+                <a:ea typeface="宋体" panose="02010600030101010101" pitchFamily="2" charset="-122"/>
               </a:defRPr>
             </a:lvl2pPr>
             <a:lvl3pPr marL="1143000" indent="-228600" eaLnBrk="0" hangingPunct="0">
@@ -7644,8 +6974,8 @@
                 <a:solidFill>
                   <a:schemeClr val="tx1"/>
                 </a:solidFill>
-                <a:latin typeface="Calibri" pitchFamily="34" charset="0"/>
-                <a:ea typeface="宋体" charset="-122"/>
+                <a:latin typeface="Calibri" panose="020F0502020204030204" pitchFamily="34" charset="0"/>
+                <a:ea typeface="宋体" panose="02010600030101010101" pitchFamily="2" charset="-122"/>
               </a:defRPr>
             </a:lvl3pPr>
             <a:lvl4pPr marL="1600200" indent="-228600" eaLnBrk="0" hangingPunct="0">
@@ -7653,8 +6983,8 @@
                 <a:solidFill>
                   <a:schemeClr val="tx1"/>
                 </a:solidFill>
-                <a:latin typeface="Calibri" pitchFamily="34" charset="0"/>
-                <a:ea typeface="宋体" charset="-122"/>
+                <a:latin typeface="Calibri" panose="020F0502020204030204" pitchFamily="34" charset="0"/>
+                <a:ea typeface="宋体" panose="02010600030101010101" pitchFamily="2" charset="-122"/>
               </a:defRPr>
             </a:lvl4pPr>
             <a:lvl5pPr marL="2057400" indent="-228600" eaLnBrk="0" hangingPunct="0">
@@ -7662,8 +6992,8 @@
                 <a:solidFill>
                   <a:schemeClr val="tx1"/>
                 </a:solidFill>
-                <a:latin typeface="Calibri" pitchFamily="34" charset="0"/>
-                <a:ea typeface="宋体" charset="-122"/>
+                <a:latin typeface="Calibri" panose="020F0502020204030204" pitchFamily="34" charset="0"/>
+                <a:ea typeface="宋体" panose="02010600030101010101" pitchFamily="2" charset="-122"/>
               </a:defRPr>
             </a:lvl5pPr>
             <a:lvl6pPr marL="2514600" indent="-228600" eaLnBrk="0" fontAlgn="base" hangingPunct="0">
@@ -7677,8 +7007,8 @@
                 <a:solidFill>
                   <a:schemeClr val="tx1"/>
                 </a:solidFill>
-                <a:latin typeface="Calibri" pitchFamily="34" charset="0"/>
-                <a:ea typeface="宋体" charset="-122"/>
+                <a:latin typeface="Calibri" panose="020F0502020204030204" pitchFamily="34" charset="0"/>
+                <a:ea typeface="宋体" panose="02010600030101010101" pitchFamily="2" charset="-122"/>
               </a:defRPr>
             </a:lvl6pPr>
             <a:lvl7pPr marL="2971800" indent="-228600" eaLnBrk="0" fontAlgn="base" hangingPunct="0">
@@ -7692,8 +7022,8 @@
                 <a:solidFill>
                   <a:schemeClr val="tx1"/>
                 </a:solidFill>
-                <a:latin typeface="Calibri" pitchFamily="34" charset="0"/>
-                <a:ea typeface="宋体" charset="-122"/>
+                <a:latin typeface="Calibri" panose="020F0502020204030204" pitchFamily="34" charset="0"/>
+                <a:ea typeface="宋体" panose="02010600030101010101" pitchFamily="2" charset="-122"/>
               </a:defRPr>
             </a:lvl7pPr>
             <a:lvl8pPr marL="3429000" indent="-228600" eaLnBrk="0" fontAlgn="base" hangingPunct="0">
@@ -7707,8 +7037,8 @@
                 <a:solidFill>
                   <a:schemeClr val="tx1"/>
                 </a:solidFill>
-                <a:latin typeface="Calibri" pitchFamily="34" charset="0"/>
-                <a:ea typeface="宋体" charset="-122"/>
+                <a:latin typeface="Calibri" panose="020F0502020204030204" pitchFamily="34" charset="0"/>
+                <a:ea typeface="宋体" panose="02010600030101010101" pitchFamily="2" charset="-122"/>
               </a:defRPr>
             </a:lvl8pPr>
             <a:lvl9pPr marL="3886200" indent="-228600" eaLnBrk="0" fontAlgn="base" hangingPunct="0">
@@ -7722,8 +7052,8 @@
                 <a:solidFill>
                   <a:schemeClr val="tx1"/>
                 </a:solidFill>
-                <a:latin typeface="Calibri" pitchFamily="34" charset="0"/>
-                <a:ea typeface="宋体" charset="-122"/>
+                <a:latin typeface="Calibri" panose="020F0502020204030204" pitchFamily="34" charset="0"/>
+                <a:ea typeface="宋体" panose="02010600030101010101" pitchFamily="2" charset="-122"/>
               </a:defRPr>
             </a:lvl9pPr>
           </a:lstStyle>
@@ -7739,11 +7069,21 @@
                     <a:lumOff val="35000"/>
                   </a:schemeClr>
                 </a:solidFill>
-                <a:latin typeface="微软雅黑" pitchFamily="34" charset="-122"/>
-                <a:ea typeface="微软雅黑" pitchFamily="34" charset="-122"/>
+                <a:latin typeface="微软雅黑" panose="020B0503020204020204" pitchFamily="34" charset="-122"/>
+                <a:ea typeface="微软雅黑" panose="020B0503020204020204" pitchFamily="34" charset="-122"/>
               </a:rPr>
               <a:t>陈志广</a:t>
             </a:r>
+            <a:endParaRPr lang="zh-CN" altLang="en-US" sz="2800" b="1" dirty="0">
+              <a:solidFill>
+                <a:schemeClr val="tx1">
+                  <a:lumMod val="65000"/>
+                  <a:lumOff val="35000"/>
+                </a:schemeClr>
+              </a:solidFill>
+              <a:latin typeface="微软雅黑" panose="020B0503020204020204" pitchFamily="34" charset="-122"/>
+              <a:ea typeface="微软雅黑" panose="020B0503020204020204" pitchFamily="34" charset="-122"/>
+            </a:endParaRPr>
           </a:p>
         </p:txBody>
       </p:sp>
@@ -7767,25 +7107,6 @@
           <a:ln>
             <a:noFill/>
           </a:ln>
-          <a:extLst>
-            <a:ext uri="{909E8E84-426E-40dd-AFC4-6F175D3DCCD1}">
-              <a14:hiddenFill xmlns="" xmlns:a14="http://schemas.microsoft.com/office/drawing/2010/main">
-                <a:solidFill>
-                  <a:srgbClr val="FFFFFF"/>
-                </a:solidFill>
-              </a14:hiddenFill>
-            </a:ext>
-            <a:ext uri="{91240B29-F687-4f45-9708-019B960494DF}">
-              <a14:hiddenLine xmlns="" xmlns:a14="http://schemas.microsoft.com/office/drawing/2010/main" w="9525">
-                <a:solidFill>
-                  <a:srgbClr val="000000"/>
-                </a:solidFill>
-                <a:miter lim="800000"/>
-                <a:headEnd/>
-                <a:tailEnd/>
-              </a14:hiddenLine>
-            </a:ext>
-          </a:extLst>
         </p:spPr>
         <p:txBody>
           <a:bodyPr lIns="91436" tIns="45718" rIns="91436" bIns="45718" anchor="ctr">
@@ -7797,8 +7118,8 @@
                 <a:solidFill>
                   <a:schemeClr val="tx1"/>
                 </a:solidFill>
-                <a:latin typeface="Calibri" pitchFamily="34" charset="0"/>
-                <a:ea typeface="宋体" charset="-122"/>
+                <a:latin typeface="Calibri" panose="020F0502020204030204" pitchFamily="34" charset="0"/>
+                <a:ea typeface="宋体" panose="02010600030101010101" pitchFamily="2" charset="-122"/>
               </a:defRPr>
             </a:lvl1pPr>
             <a:lvl2pPr marL="742950" indent="-285750" eaLnBrk="0" hangingPunct="0">
@@ -7806,8 +7127,8 @@
                 <a:solidFill>
                   <a:schemeClr val="tx1"/>
                 </a:solidFill>
-                <a:latin typeface="Calibri" pitchFamily="34" charset="0"/>
-                <a:ea typeface="宋体" charset="-122"/>
+                <a:latin typeface="Calibri" panose="020F0502020204030204" pitchFamily="34" charset="0"/>
+                <a:ea typeface="宋体" panose="02010600030101010101" pitchFamily="2" charset="-122"/>
               </a:defRPr>
             </a:lvl2pPr>
             <a:lvl3pPr marL="1143000" indent="-228600" eaLnBrk="0" hangingPunct="0">
@@ -7815,8 +7136,8 @@
                 <a:solidFill>
                   <a:schemeClr val="tx1"/>
                 </a:solidFill>
-                <a:latin typeface="Calibri" pitchFamily="34" charset="0"/>
-                <a:ea typeface="宋体" charset="-122"/>
+                <a:latin typeface="Calibri" panose="020F0502020204030204" pitchFamily="34" charset="0"/>
+                <a:ea typeface="宋体" panose="02010600030101010101" pitchFamily="2" charset="-122"/>
               </a:defRPr>
             </a:lvl3pPr>
             <a:lvl4pPr marL="1600200" indent="-228600" eaLnBrk="0" hangingPunct="0">
@@ -7824,8 +7145,8 @@
                 <a:solidFill>
                   <a:schemeClr val="tx1"/>
                 </a:solidFill>
-                <a:latin typeface="Calibri" pitchFamily="34" charset="0"/>
-                <a:ea typeface="宋体" charset="-122"/>
+                <a:latin typeface="Calibri" panose="020F0502020204030204" pitchFamily="34" charset="0"/>
+                <a:ea typeface="宋体" panose="02010600030101010101" pitchFamily="2" charset="-122"/>
               </a:defRPr>
             </a:lvl4pPr>
             <a:lvl5pPr marL="2057400" indent="-228600" eaLnBrk="0" hangingPunct="0">
@@ -7833,8 +7154,8 @@
                 <a:solidFill>
                   <a:schemeClr val="tx1"/>
                 </a:solidFill>
-                <a:latin typeface="Calibri" pitchFamily="34" charset="0"/>
-                <a:ea typeface="宋体" charset="-122"/>
+                <a:latin typeface="Calibri" panose="020F0502020204030204" pitchFamily="34" charset="0"/>
+                <a:ea typeface="宋体" panose="02010600030101010101" pitchFamily="2" charset="-122"/>
               </a:defRPr>
             </a:lvl5pPr>
             <a:lvl6pPr marL="2514600" indent="-228600" eaLnBrk="0" fontAlgn="base" hangingPunct="0">
@@ -7848,8 +7169,8 @@
                 <a:solidFill>
                   <a:schemeClr val="tx1"/>
                 </a:solidFill>
-                <a:latin typeface="Calibri" pitchFamily="34" charset="0"/>
-                <a:ea typeface="宋体" charset="-122"/>
+                <a:latin typeface="Calibri" panose="020F0502020204030204" pitchFamily="34" charset="0"/>
+                <a:ea typeface="宋体" panose="02010600030101010101" pitchFamily="2" charset="-122"/>
               </a:defRPr>
             </a:lvl6pPr>
             <a:lvl7pPr marL="2971800" indent="-228600" eaLnBrk="0" fontAlgn="base" hangingPunct="0">
@@ -7863,8 +7184,8 @@
                 <a:solidFill>
                   <a:schemeClr val="tx1"/>
                 </a:solidFill>
-                <a:latin typeface="Calibri" pitchFamily="34" charset="0"/>
-                <a:ea typeface="宋体" charset="-122"/>
+                <a:latin typeface="Calibri" panose="020F0502020204030204" pitchFamily="34" charset="0"/>
+                <a:ea typeface="宋体" panose="02010600030101010101" pitchFamily="2" charset="-122"/>
               </a:defRPr>
             </a:lvl7pPr>
             <a:lvl8pPr marL="3429000" indent="-228600" eaLnBrk="0" fontAlgn="base" hangingPunct="0">
@@ -7878,8 +7199,8 @@
                 <a:solidFill>
                   <a:schemeClr val="tx1"/>
                 </a:solidFill>
-                <a:latin typeface="Calibri" pitchFamily="34" charset="0"/>
-                <a:ea typeface="宋体" charset="-122"/>
+                <a:latin typeface="Calibri" panose="020F0502020204030204" pitchFamily="34" charset="0"/>
+                <a:ea typeface="宋体" panose="02010600030101010101" pitchFamily="2" charset="-122"/>
               </a:defRPr>
             </a:lvl8pPr>
             <a:lvl9pPr marL="3886200" indent="-228600" eaLnBrk="0" fontAlgn="base" hangingPunct="0">
@@ -7893,8 +7214,8 @@
                 <a:solidFill>
                   <a:schemeClr val="tx1"/>
                 </a:solidFill>
-                <a:latin typeface="Calibri" pitchFamily="34" charset="0"/>
-                <a:ea typeface="宋体" charset="-122"/>
+                <a:latin typeface="Calibri" panose="020F0502020204030204" pitchFamily="34" charset="0"/>
+                <a:ea typeface="宋体" panose="02010600030101010101" pitchFamily="2" charset="-122"/>
               </a:defRPr>
             </a:lvl9pPr>
           </a:lstStyle>
@@ -7909,8 +7230,8 @@
                     <a:lumMod val="50000"/>
                   </a:schemeClr>
                 </a:solidFill>
-                <a:latin typeface="微软雅黑" pitchFamily="34" charset="-122"/>
-                <a:ea typeface="微软雅黑" pitchFamily="34" charset="-122"/>
+                <a:latin typeface="微软雅黑" panose="020B0503020204020204" pitchFamily="34" charset="-122"/>
+                <a:ea typeface="微软雅黑" panose="020B0503020204020204" pitchFamily="34" charset="-122"/>
                 <a:cs typeface="Arial Unicode MS" pitchFamily="34" charset="-122"/>
               </a:rPr>
               <a:t>www.nscc-gz.cn</a:t>
@@ -7921,8 +7242,8 @@
                   <a:lumMod val="50000"/>
                 </a:schemeClr>
               </a:solidFill>
-              <a:latin typeface="微软雅黑" pitchFamily="34" charset="-122"/>
-              <a:ea typeface="微软雅黑" pitchFamily="34" charset="-122"/>
+              <a:latin typeface="微软雅黑" panose="020B0503020204020204" pitchFamily="34" charset="-122"/>
+              <a:ea typeface="微软雅黑" panose="020B0503020204020204" pitchFamily="34" charset="-122"/>
             </a:endParaRPr>
           </a:p>
         </p:txBody>
@@ -7936,7 +7257,7 @@
           <p:nvPr/>
         </p:nvPicPr>
         <p:blipFill>
-          <a:blip r:embed="rId3">
+          <a:blip r:embed="rId2">
             <a:extLst>
               <a:ext uri="{28A0092B-C50C-407E-A947-70E740481C1C}">
                 <a14:useLocalDpi xmlns:a14="http://schemas.microsoft.com/office/drawing/2010/main" val="0"/>
@@ -7960,25 +7281,6 @@
           <a:ln>
             <a:noFill/>
           </a:ln>
-          <a:extLst>
-            <a:ext uri="{909E8E84-426E-40dd-AFC4-6F175D3DCCD1}">
-              <a14:hiddenFill xmlns="" xmlns:a14="http://schemas.microsoft.com/office/drawing/2010/main">
-                <a:solidFill>
-                  <a:srgbClr val="FFFFFF"/>
-                </a:solidFill>
-              </a14:hiddenFill>
-            </a:ext>
-            <a:ext uri="{91240B29-F687-4f45-9708-019B960494DF}">
-              <a14:hiddenLine xmlns="" xmlns:a14="http://schemas.microsoft.com/office/drawing/2010/main" w="9525">
-                <a:solidFill>
-                  <a:srgbClr val="000000"/>
-                </a:solidFill>
-                <a:miter lim="800000"/>
-                <a:headEnd/>
-                <a:tailEnd/>
-              </a14:hiddenLine>
-            </a:ext>
-          </a:extLst>
         </p:spPr>
       </p:pic>
       <p:pic>
@@ -7990,7 +7292,7 @@
           <p:nvPr/>
         </p:nvPicPr>
         <p:blipFill>
-          <a:blip r:embed="rId4">
+          <a:blip r:embed="rId3">
             <a:extLst>
               <a:ext uri="{28A0092B-C50C-407E-A947-70E740481C1C}">
                 <a14:useLocalDpi xmlns:a14="http://schemas.microsoft.com/office/drawing/2010/main" val="0"/>
@@ -8014,25 +7316,6 @@
           <a:ln>
             <a:noFill/>
           </a:ln>
-          <a:extLst>
-            <a:ext uri="{909E8E84-426E-40dd-AFC4-6F175D3DCCD1}">
-              <a14:hiddenFill xmlns="" xmlns:a14="http://schemas.microsoft.com/office/drawing/2010/main">
-                <a:solidFill>
-                  <a:srgbClr val="FFFFFF"/>
-                </a:solidFill>
-              </a14:hiddenFill>
-            </a:ext>
-            <a:ext uri="{91240B29-F687-4f45-9708-019B960494DF}">
-              <a14:hiddenLine xmlns="" xmlns:a14="http://schemas.microsoft.com/office/drawing/2010/main" w="9525">
-                <a:solidFill>
-                  <a:srgbClr val="000000"/>
-                </a:solidFill>
-                <a:miter lim="800000"/>
-                <a:headEnd/>
-                <a:tailEnd/>
-              </a14:hiddenLine>
-            </a:ext>
-          </a:extLst>
         </p:spPr>
       </p:pic>
       <p:sp>
@@ -8074,6 +7357,15 @@
               </a:rPr>
               <a:t>13316052680</a:t>
             </a:r>
+            <a:endParaRPr lang="en-US" altLang="zh-CN" sz="2000" dirty="0">
+              <a:solidFill>
+                <a:schemeClr val="accent1">
+                  <a:lumMod val="75000"/>
+                </a:schemeClr>
+              </a:solidFill>
+              <a:latin typeface="微软雅黑" panose="020B0503020204020204" pitchFamily="34" charset="-122"/>
+              <a:ea typeface="微软雅黑" panose="020B0503020204020204" pitchFamily="34" charset="-122"/>
+            </a:endParaRPr>
           </a:p>
           <a:p>
             <a:pPr algn="ctr">
@@ -8105,6 +7397,15 @@
               </a:rPr>
               <a:t>410</a:t>
             </a:r>
+            <a:endParaRPr lang="en-US" altLang="zh-CN" sz="2000" dirty="0">
+              <a:solidFill>
+                <a:schemeClr val="accent1">
+                  <a:lumMod val="75000"/>
+                </a:schemeClr>
+              </a:solidFill>
+              <a:latin typeface="微软雅黑" panose="020B0503020204020204" pitchFamily="34" charset="-122"/>
+              <a:ea typeface="微软雅黑" panose="020B0503020204020204" pitchFamily="34" charset="-122"/>
+            </a:endParaRPr>
           </a:p>
           <a:p>
             <a:pPr algn="ctr">
@@ -8121,7 +7422,7 @@
                 </a:solidFill>
                 <a:latin typeface="微软雅黑" panose="020B0503020204020204" pitchFamily="34" charset="-122"/>
                 <a:ea typeface="微软雅黑" panose="020B0503020204020204" pitchFamily="34" charset="-122"/>
-                <a:hlinkClick r:id="rId5"/>
+                <a:hlinkClick r:id="rId4"/>
               </a:rPr>
               <a:t>Zhiguang.chen@nscc-gz.cn</a:t>
             </a:r>
@@ -8139,13 +7440,7 @@
       </p:sp>
       <p:sp>
         <p:nvSpPr>
-          <p:cNvPr id="8" name="TextBox 2">
-            <a:extLst>
-              <a:ext uri="{FF2B5EF4-FFF2-40B4-BE49-F238E27FC236}">
-                <a16:creationId xmlns:a16="http://schemas.microsoft.com/office/drawing/2014/main" id="{E103ED0A-B145-4B88-99D4-2A1FBD48D83D}"/>
-              </a:ext>
-            </a:extLst>
-          </p:cNvPr>
+          <p:cNvPr id="8" name="TextBox 2"/>
           <p:cNvSpPr txBox="1">
             <a:spLocks noChangeArrowheads="1"/>
           </p:cNvSpPr>
@@ -8163,25 +7458,6 @@
           <a:ln>
             <a:noFill/>
           </a:ln>
-          <a:extLst>
-            <a:ext uri="{909E8E84-426E-40dd-AFC4-6F175D3DCCD1}">
-              <a14:hiddenFill xmlns:a14="http://schemas.microsoft.com/office/drawing/2010/main" xmlns="">
-                <a:solidFill>
-                  <a:srgbClr val="FFFFFF"/>
-                </a:solidFill>
-              </a14:hiddenFill>
-            </a:ext>
-            <a:ext uri="{91240B29-F687-4f45-9708-019B960494DF}">
-              <a14:hiddenLine xmlns:a14="http://schemas.microsoft.com/office/drawing/2010/main" xmlns="" w="9525">
-                <a:solidFill>
-                  <a:srgbClr val="000000"/>
-                </a:solidFill>
-                <a:miter lim="800000"/>
-                <a:headEnd/>
-                <a:tailEnd/>
-              </a14:hiddenLine>
-            </a:ext>
-          </a:extLst>
         </p:spPr>
         <p:txBody>
           <a:bodyPr wrap="square" lIns="91436" tIns="45718" rIns="91436" bIns="45718">
@@ -8368,6 +7644,13 @@
               </a:rPr>
               <a:t>讲：基本图算法（二）</a:t>
             </a:r>
+            <a:endParaRPr lang="zh-CN" altLang="en-US" sz="3600" b="1" dirty="0">
+              <a:solidFill>
+                <a:srgbClr val="0070C0"/>
+              </a:solidFill>
+              <a:latin typeface="微软雅黑" panose="020B0503020204020204" pitchFamily="34" charset="-122"/>
+              <a:ea typeface="微软雅黑" panose="020B0503020204020204" pitchFamily="34" charset="-122"/>
+            </a:endParaRPr>
           </a:p>
         </p:txBody>
       </p:sp>
@@ -8416,25 +7699,6 @@
           <a:ln>
             <a:noFill/>
           </a:ln>
-          <a:extLst>
-            <a:ext uri="{909E8E84-426E-40dd-AFC4-6F175D3DCCD1}">
-              <a14:hiddenFill xmlns:a14="http://schemas.microsoft.com/office/drawing/2010/main" xmlns="">
-                <a:solidFill>
-                  <a:srgbClr val="FFFFFF"/>
-                </a:solidFill>
-              </a14:hiddenFill>
-            </a:ext>
-            <a:ext uri="{91240B29-F687-4f45-9708-019B960494DF}">
-              <a14:hiddenLine xmlns:a14="http://schemas.microsoft.com/office/drawing/2010/main" xmlns="" w="9525">
-                <a:solidFill>
-                  <a:srgbClr val="000000"/>
-                </a:solidFill>
-                <a:miter lim="800000"/>
-                <a:headEnd/>
-                <a:tailEnd/>
-              </a14:hiddenLine>
-            </a:ext>
-          </a:extLst>
         </p:spPr>
         <p:txBody>
           <a:bodyPr wrap="square" lIns="91436" tIns="45718" rIns="91436" bIns="45718">
@@ -8644,25 +7908,6 @@
             <a:ext cx="2133600" cy="365125"/>
           </a:xfrm>
           <a:noFill/>
-          <a:extLst>
-            <a:ext uri="{909E8E84-426E-40dd-AFC4-6F175D3DCCD1}">
-              <a14:hiddenFill xmlns:a14="http://schemas.microsoft.com/office/drawing/2010/main" xmlns="">
-                <a:solidFill>
-                  <a:srgbClr val="FFFFFF"/>
-                </a:solidFill>
-              </a14:hiddenFill>
-            </a:ext>
-            <a:ext uri="{91240B29-F687-4f45-9708-019B960494DF}">
-              <a14:hiddenLine xmlns:a14="http://schemas.microsoft.com/office/drawing/2010/main" xmlns="" w="9525">
-                <a:solidFill>
-                  <a:srgbClr val="000000"/>
-                </a:solidFill>
-                <a:miter lim="800000"/>
-                <a:headEnd/>
-                <a:tailEnd/>
-              </a14:hiddenLine>
-            </a:ext>
-          </a:extLst>
         </p:spPr>
         <p:txBody>
           <a:bodyPr/>
@@ -8681,7 +7926,7 @@
                 <a:ea typeface="宋体" panose="02010600030101010101" pitchFamily="2" charset="-122"/>
               </a:defRPr>
             </a:lvl1pPr>
-            <a:lvl2pPr marL="742920" indent="-285738">
+            <a:lvl2pPr marL="742950" indent="-285750">
               <a:spcBef>
                 <a:spcPct val="20000"/>
               </a:spcBef>
@@ -8695,7 +7940,7 @@
                 <a:ea typeface="宋体" panose="02010600030101010101" pitchFamily="2" charset="-122"/>
               </a:defRPr>
             </a:lvl2pPr>
-            <a:lvl3pPr marL="1142953" indent="-228591">
+            <a:lvl3pPr marL="1143000" indent="-228600">
               <a:spcBef>
                 <a:spcPct val="20000"/>
               </a:spcBef>
@@ -8709,7 +7954,7 @@
                 <a:ea typeface="宋体" panose="02010600030101010101" pitchFamily="2" charset="-122"/>
               </a:defRPr>
             </a:lvl3pPr>
-            <a:lvl4pPr marL="1600135" indent="-228591">
+            <a:lvl4pPr marL="1600200" indent="-228600">
               <a:spcBef>
                 <a:spcPct val="20000"/>
               </a:spcBef>
@@ -8723,7 +7968,7 @@
                 <a:ea typeface="宋体" panose="02010600030101010101" pitchFamily="2" charset="-122"/>
               </a:defRPr>
             </a:lvl4pPr>
-            <a:lvl5pPr marL="2057315" indent="-228591">
+            <a:lvl5pPr marL="2057400" indent="-228600">
               <a:spcBef>
                 <a:spcPct val="20000"/>
               </a:spcBef>
@@ -8737,7 +7982,7 @@
                 <a:ea typeface="宋体" panose="02010600030101010101" pitchFamily="2" charset="-122"/>
               </a:defRPr>
             </a:lvl5pPr>
-            <a:lvl6pPr marL="2514497" indent="-228591" eaLnBrk="0" fontAlgn="base" hangingPunct="0">
+            <a:lvl6pPr marL="2514600" indent="-228600" eaLnBrk="0" fontAlgn="base" hangingPunct="0">
               <a:spcBef>
                 <a:spcPct val="20000"/>
               </a:spcBef>
@@ -8754,7 +7999,7 @@
                 <a:ea typeface="宋体" panose="02010600030101010101" pitchFamily="2" charset="-122"/>
               </a:defRPr>
             </a:lvl6pPr>
-            <a:lvl7pPr marL="2971678" indent="-228591" eaLnBrk="0" fontAlgn="base" hangingPunct="0">
+            <a:lvl7pPr marL="2971800" indent="-228600" eaLnBrk="0" fontAlgn="base" hangingPunct="0">
               <a:spcBef>
                 <a:spcPct val="20000"/>
               </a:spcBef>
@@ -8771,7 +8016,7 @@
                 <a:ea typeface="宋体" panose="02010600030101010101" pitchFamily="2" charset="-122"/>
               </a:defRPr>
             </a:lvl7pPr>
-            <a:lvl8pPr marL="3428859" indent="-228591" eaLnBrk="0" fontAlgn="base" hangingPunct="0">
+            <a:lvl8pPr marL="3429000" indent="-228600" eaLnBrk="0" fontAlgn="base" hangingPunct="0">
               <a:spcBef>
                 <a:spcPct val="20000"/>
               </a:spcBef>
@@ -8788,7 +8033,7 @@
                 <a:ea typeface="宋体" panose="02010600030101010101" pitchFamily="2" charset="-122"/>
               </a:defRPr>
             </a:lvl8pPr>
-            <a:lvl9pPr marL="3886041" indent="-228591" eaLnBrk="0" fontAlgn="base" hangingPunct="0">
+            <a:lvl9pPr marL="3886200" indent="-228600" eaLnBrk="0" fontAlgn="base" hangingPunct="0">
               <a:spcBef>
                 <a:spcPct val="20000"/>
               </a:spcBef>
@@ -8820,14 +8065,6 @@
                   <a:srgbClr val="898989"/>
                 </a:solidFill>
               </a:rPr>
-              <a:pPr>
-                <a:spcBef>
-                  <a:spcPct val="0"/>
-                </a:spcBef>
-                <a:buFontTx/>
-                <a:buNone/>
-              </a:pPr>
-              <a:t>10</a:t>
             </a:fld>
             <a:endParaRPr lang="zh-CN" altLang="en-US" sz="1200" dirty="0">
               <a:solidFill>
@@ -8846,7 +8083,7 @@
           <p:nvPr/>
         </p:nvPicPr>
         <p:blipFill>
-          <a:blip r:embed="rId3" cstate="print">
+          <a:blip r:embed="rId1" cstate="print">
             <a:extLst>
               <a:ext uri="{28A0092B-C50C-407E-A947-70E740481C1C}">
                 <a14:useLocalDpi xmlns:a14="http://schemas.microsoft.com/office/drawing/2010/main" val="0"/>
@@ -8870,35 +8107,16 @@
           <a:ln>
             <a:noFill/>
           </a:ln>
-          <a:extLst>
-            <a:ext uri="{909E8E84-426E-40dd-AFC4-6F175D3DCCD1}">
-              <a14:hiddenFill xmlns:a14="http://schemas.microsoft.com/office/drawing/2010/main" xmlns="">
-                <a:solidFill>
-                  <a:srgbClr val="FFFFFF"/>
-                </a:solidFill>
-              </a14:hiddenFill>
-            </a:ext>
-            <a:ext uri="{91240B29-F687-4f45-9708-019B960494DF}">
-              <a14:hiddenLine xmlns:a14="http://schemas.microsoft.com/office/drawing/2010/main" xmlns="" w="9525">
-                <a:solidFill>
-                  <a:srgbClr val="000000"/>
-                </a:solidFill>
-                <a:miter lim="800000"/>
-                <a:headEnd/>
-                <a:tailEnd/>
-              </a14:hiddenLine>
-            </a:ext>
-          </a:extLst>
         </p:spPr>
       </p:pic>
-      <mc:AlternateContent xmlns:mc="http://schemas.openxmlformats.org/markup-compatibility/2006" xmlns:a14="http://schemas.microsoft.com/office/drawing/2010/main">
-        <mc:Choice Requires="a14">
+      <mc:AlternateContent xmlns:mc="http://schemas.openxmlformats.org/markup-compatibility/2006">
+        <mc:Choice xmlns:a14="http://schemas.microsoft.com/office/drawing/2010/main" Requires="a14">
           <p:sp>
             <p:nvSpPr>
               <p:cNvPr id="6" name="Subtitle 2">
                 <a:extLst>
                   <a:ext uri="{FF2B5EF4-FFF2-40B4-BE49-F238E27FC236}">
-                    <a16:creationId xmlns:a16="http://schemas.microsoft.com/office/drawing/2014/main" id="{5B72932F-F3D6-46BF-9A61-0930A2E33BD6}"/>
+                    <ele attr="{5B72932F-F3D6-46BF-9A61-0930A2E33BD6}"/>
                   </a:ext>
                 </a:extLst>
               </p:cNvPr>
@@ -9352,16 +8570,10 @@
             </p:txBody>
           </p:sp>
         </mc:Choice>
-        <mc:Fallback xmlns="">
+        <mc:Fallback>
           <p:sp>
             <p:nvSpPr>
-              <p:cNvPr id="6" name="Subtitle 2">
-                <a:extLst>
-                  <a:ext uri="{FF2B5EF4-FFF2-40B4-BE49-F238E27FC236}">
-                    <a16:creationId xmlns:a16="http://schemas.microsoft.com/office/drawing/2014/main" id="{5B72932F-F3D6-46BF-9A61-0930A2E33BD6}"/>
-                  </a:ext>
-                </a:extLst>
-              </p:cNvPr>
+              <p:cNvPr id="6" name="Subtitle 2"/>
               <p:cNvSpPr txBox="1">
                 <a:spLocks noRot="1" noChangeAspect="1" noMove="1" noResize="1" noEditPoints="1" noAdjustHandles="1" noChangeArrowheads="1" noChangeShapeType="1" noTextEdit="1"/>
               </p:cNvSpPr>
@@ -9375,8 +8587,8 @@
               <a:prstGeom prst="rect">
                 <a:avLst/>
               </a:prstGeom>
-              <a:blipFill>
-                <a:blip r:embed="rId4"/>
+              <a:blipFill rotWithShape="1">
+                <a:blip r:embed="rId2"/>
                 <a:stretch>
                   <a:fillRect l="-608" t="-1347"/>
                 </a:stretch>
@@ -9414,6 +8626,9 @@
                   </a:rPr>
                   <a:t> </a:t>
                 </a:r>
+                <a:endParaRPr lang="zh-CN" altLang="en-US">
+                  <a:noFill/>
+                </a:endParaRPr>
               </a:p>
             </p:txBody>
           </p:sp>
@@ -9421,20 +8636,14 @@
       </mc:AlternateContent>
       <p:pic>
         <p:nvPicPr>
-          <p:cNvPr id="7" name="图片 6">
-            <a:extLst>
-              <a:ext uri="{FF2B5EF4-FFF2-40B4-BE49-F238E27FC236}">
-                <a16:creationId xmlns:a16="http://schemas.microsoft.com/office/drawing/2014/main" id="{9593EC90-5766-449C-86FB-545ECB426CE8}"/>
-              </a:ext>
-            </a:extLst>
-          </p:cNvPr>
+          <p:cNvPr id="7" name="图片 6"/>
           <p:cNvPicPr>
             <a:picLocks noChangeAspect="1"/>
           </p:cNvPicPr>
           <p:nvPr/>
         </p:nvPicPr>
         <p:blipFill>
-          <a:blip r:embed="rId5"/>
+          <a:blip r:embed="rId3"/>
           <a:stretch>
             <a:fillRect/>
           </a:stretch>
@@ -9450,11 +8659,6 @@
         </p:spPr>
       </p:pic>
     </p:spTree>
-    <p:extLst>
-      <p:ext uri="{BB962C8B-B14F-4D97-AF65-F5344CB8AC3E}">
-        <p14:creationId xmlns:p14="http://schemas.microsoft.com/office/powerpoint/2010/main" val="2558627068"/>
-      </p:ext>
-    </p:extLst>
   </p:cSld>
   <p:clrMapOvr>
     <a:masterClrMapping/>
@@ -9499,25 +8703,6 @@
           <a:ln>
             <a:noFill/>
           </a:ln>
-          <a:extLst>
-            <a:ext uri="{909E8E84-426E-40dd-AFC4-6F175D3DCCD1}">
-              <a14:hiddenFill xmlns:a14="http://schemas.microsoft.com/office/drawing/2010/main" xmlns="">
-                <a:solidFill>
-                  <a:srgbClr val="FFFFFF"/>
-                </a:solidFill>
-              </a14:hiddenFill>
-            </a:ext>
-            <a:ext uri="{91240B29-F687-4f45-9708-019B960494DF}">
-              <a14:hiddenLine xmlns:a14="http://schemas.microsoft.com/office/drawing/2010/main" xmlns="" w="9525">
-                <a:solidFill>
-                  <a:srgbClr val="000000"/>
-                </a:solidFill>
-                <a:miter lim="800000"/>
-                <a:headEnd/>
-                <a:tailEnd/>
-              </a14:hiddenLine>
-            </a:ext>
-          </a:extLst>
         </p:spPr>
         <p:txBody>
           <a:bodyPr wrap="square" lIns="91436" tIns="45718" rIns="91436" bIns="45718">
@@ -9727,25 +8912,6 @@
             <a:ext cx="2133600" cy="365125"/>
           </a:xfrm>
           <a:noFill/>
-          <a:extLst>
-            <a:ext uri="{909E8E84-426E-40dd-AFC4-6F175D3DCCD1}">
-              <a14:hiddenFill xmlns:a14="http://schemas.microsoft.com/office/drawing/2010/main" xmlns="">
-                <a:solidFill>
-                  <a:srgbClr val="FFFFFF"/>
-                </a:solidFill>
-              </a14:hiddenFill>
-            </a:ext>
-            <a:ext uri="{91240B29-F687-4f45-9708-019B960494DF}">
-              <a14:hiddenLine xmlns:a14="http://schemas.microsoft.com/office/drawing/2010/main" xmlns="" w="9525">
-                <a:solidFill>
-                  <a:srgbClr val="000000"/>
-                </a:solidFill>
-                <a:miter lim="800000"/>
-                <a:headEnd/>
-                <a:tailEnd/>
-              </a14:hiddenLine>
-            </a:ext>
-          </a:extLst>
         </p:spPr>
         <p:txBody>
           <a:bodyPr/>
@@ -9764,7 +8930,7 @@
                 <a:ea typeface="宋体" panose="02010600030101010101" pitchFamily="2" charset="-122"/>
               </a:defRPr>
             </a:lvl1pPr>
-            <a:lvl2pPr marL="742920" indent="-285738">
+            <a:lvl2pPr marL="742950" indent="-285750">
               <a:spcBef>
                 <a:spcPct val="20000"/>
               </a:spcBef>
@@ -9778,7 +8944,7 @@
                 <a:ea typeface="宋体" panose="02010600030101010101" pitchFamily="2" charset="-122"/>
               </a:defRPr>
             </a:lvl2pPr>
-            <a:lvl3pPr marL="1142953" indent="-228591">
+            <a:lvl3pPr marL="1143000" indent="-228600">
               <a:spcBef>
                 <a:spcPct val="20000"/>
               </a:spcBef>
@@ -9792,7 +8958,7 @@
                 <a:ea typeface="宋体" panose="02010600030101010101" pitchFamily="2" charset="-122"/>
               </a:defRPr>
             </a:lvl3pPr>
-            <a:lvl4pPr marL="1600135" indent="-228591">
+            <a:lvl4pPr marL="1600200" indent="-228600">
               <a:spcBef>
                 <a:spcPct val="20000"/>
               </a:spcBef>
@@ -9806,7 +8972,7 @@
                 <a:ea typeface="宋体" panose="02010600030101010101" pitchFamily="2" charset="-122"/>
               </a:defRPr>
             </a:lvl4pPr>
-            <a:lvl5pPr marL="2057315" indent="-228591">
+            <a:lvl5pPr marL="2057400" indent="-228600">
               <a:spcBef>
                 <a:spcPct val="20000"/>
               </a:spcBef>
@@ -9820,7 +8986,7 @@
                 <a:ea typeface="宋体" panose="02010600030101010101" pitchFamily="2" charset="-122"/>
               </a:defRPr>
             </a:lvl5pPr>
-            <a:lvl6pPr marL="2514497" indent="-228591" eaLnBrk="0" fontAlgn="base" hangingPunct="0">
+            <a:lvl6pPr marL="2514600" indent="-228600" eaLnBrk="0" fontAlgn="base" hangingPunct="0">
               <a:spcBef>
                 <a:spcPct val="20000"/>
               </a:spcBef>
@@ -9837,7 +9003,7 @@
                 <a:ea typeface="宋体" panose="02010600030101010101" pitchFamily="2" charset="-122"/>
               </a:defRPr>
             </a:lvl6pPr>
-            <a:lvl7pPr marL="2971678" indent="-228591" eaLnBrk="0" fontAlgn="base" hangingPunct="0">
+            <a:lvl7pPr marL="2971800" indent="-228600" eaLnBrk="0" fontAlgn="base" hangingPunct="0">
               <a:spcBef>
                 <a:spcPct val="20000"/>
               </a:spcBef>
@@ -9854,7 +9020,7 @@
                 <a:ea typeface="宋体" panose="02010600030101010101" pitchFamily="2" charset="-122"/>
               </a:defRPr>
             </a:lvl7pPr>
-            <a:lvl8pPr marL="3428859" indent="-228591" eaLnBrk="0" fontAlgn="base" hangingPunct="0">
+            <a:lvl8pPr marL="3429000" indent="-228600" eaLnBrk="0" fontAlgn="base" hangingPunct="0">
               <a:spcBef>
                 <a:spcPct val="20000"/>
               </a:spcBef>
@@ -9871,7 +9037,7 @@
                 <a:ea typeface="宋体" panose="02010600030101010101" pitchFamily="2" charset="-122"/>
               </a:defRPr>
             </a:lvl8pPr>
-            <a:lvl9pPr marL="3886041" indent="-228591" eaLnBrk="0" fontAlgn="base" hangingPunct="0">
+            <a:lvl9pPr marL="3886200" indent="-228600" eaLnBrk="0" fontAlgn="base" hangingPunct="0">
               <a:spcBef>
                 <a:spcPct val="20000"/>
               </a:spcBef>
@@ -9903,14 +9069,6 @@
                   <a:srgbClr val="898989"/>
                 </a:solidFill>
               </a:rPr>
-              <a:pPr>
-                <a:spcBef>
-                  <a:spcPct val="0"/>
-                </a:spcBef>
-                <a:buFontTx/>
-                <a:buNone/>
-              </a:pPr>
-              <a:t>11</a:t>
             </a:fld>
             <a:endParaRPr lang="zh-CN" altLang="en-US" sz="1200" dirty="0">
               <a:solidFill>
@@ -9929,7 +9087,7 @@
           <p:nvPr/>
         </p:nvPicPr>
         <p:blipFill>
-          <a:blip r:embed="rId3" cstate="print">
+          <a:blip r:embed="rId1" cstate="print">
             <a:extLst>
               <a:ext uri="{28A0092B-C50C-407E-A947-70E740481C1C}">
                 <a14:useLocalDpi xmlns:a14="http://schemas.microsoft.com/office/drawing/2010/main" val="0"/>
@@ -9953,25 +9111,6 @@
           <a:ln>
             <a:noFill/>
           </a:ln>
-          <a:extLst>
-            <a:ext uri="{909E8E84-426E-40dd-AFC4-6F175D3DCCD1}">
-              <a14:hiddenFill xmlns:a14="http://schemas.microsoft.com/office/drawing/2010/main" xmlns="">
-                <a:solidFill>
-                  <a:srgbClr val="FFFFFF"/>
-                </a:solidFill>
-              </a14:hiddenFill>
-            </a:ext>
-            <a:ext uri="{91240B29-F687-4f45-9708-019B960494DF}">
-              <a14:hiddenLine xmlns:a14="http://schemas.microsoft.com/office/drawing/2010/main" xmlns="" w="9525">
-                <a:solidFill>
-                  <a:srgbClr val="000000"/>
-                </a:solidFill>
-                <a:miter lim="800000"/>
-                <a:headEnd/>
-                <a:tailEnd/>
-              </a14:hiddenLine>
-            </a:ext>
-          </a:extLst>
         </p:spPr>
       </p:pic>
       <mc:AlternateContent xmlns:mc="http://schemas.openxmlformats.org/markup-compatibility/2006">
@@ -9981,7 +9120,7 @@
               <p:cNvPr id="6" name="Subtitle 2">
                 <a:extLst>
                   <a:ext uri="{FF2B5EF4-FFF2-40B4-BE49-F238E27FC236}">
-                    <a16:creationId xmlns:a16="http://schemas.microsoft.com/office/drawing/2014/main" id="{5B72932F-F3D6-46BF-9A61-0930A2E33BD6}"/>
+                    <ele attr="{5B72932F-F3D6-46BF-9A61-0930A2E33BD6}"/>
                   </a:ext>
                 </a:extLst>
               </p:cNvPr>
@@ -11176,13 +10315,7 @@
         <mc:Fallback>
           <p:sp>
             <p:nvSpPr>
-              <p:cNvPr id="6" name="Subtitle 2">
-                <a:extLst>
-                  <a:ext uri="{FF2B5EF4-FFF2-40B4-BE49-F238E27FC236}">
-                    <a16:creationId xmlns:a16="http://schemas.microsoft.com/office/drawing/2014/main" id="{5B72932F-F3D6-46BF-9A61-0930A2E33BD6}"/>
-                  </a:ext>
-                </a:extLst>
-              </p:cNvPr>
+              <p:cNvPr id="6" name="Subtitle 2"/>
               <p:cNvSpPr txBox="1">
                 <a:spLocks noRot="1" noChangeAspect="1" noMove="1" noResize="1" noEditPoints="1" noAdjustHandles="1" noChangeArrowheads="1" noChangeShapeType="1" noTextEdit="1"/>
               </p:cNvSpPr>
@@ -11196,8 +10329,8 @@
               <a:prstGeom prst="rect">
                 <a:avLst/>
               </a:prstGeom>
-              <a:blipFill>
-                <a:blip r:embed="rId4"/>
+              <a:blipFill rotWithShape="1">
+                <a:blip r:embed="rId2"/>
                 <a:stretch>
                   <a:fillRect l="-608" t="-1452"/>
                 </a:stretch>
@@ -11235,6 +10368,9 @@
                   </a:rPr>
                   <a:t> </a:t>
                 </a:r>
+                <a:endParaRPr lang="zh-CN" altLang="en-US">
+                  <a:noFill/>
+                </a:endParaRPr>
               </a:p>
             </p:txBody>
           </p:sp>
@@ -11242,20 +10378,14 @@
       </mc:AlternateContent>
       <p:pic>
         <p:nvPicPr>
-          <p:cNvPr id="2" name="图片 1">
-            <a:extLst>
-              <a:ext uri="{FF2B5EF4-FFF2-40B4-BE49-F238E27FC236}">
-                <a16:creationId xmlns:a16="http://schemas.microsoft.com/office/drawing/2014/main" id="{E613A47B-E821-4A62-9FB1-6D05F0B9311E}"/>
-              </a:ext>
-            </a:extLst>
-          </p:cNvPr>
+          <p:cNvPr id="2" name="图片 1"/>
           <p:cNvPicPr>
             <a:picLocks noChangeAspect="1"/>
           </p:cNvPicPr>
           <p:nvPr/>
         </p:nvPicPr>
         <p:blipFill>
-          <a:blip r:embed="rId5"/>
+          <a:blip r:embed="rId3"/>
           <a:stretch>
             <a:fillRect/>
           </a:stretch>
@@ -11271,11 +10401,6 @@
         </p:spPr>
       </p:pic>
     </p:spTree>
-    <p:extLst>
-      <p:ext uri="{BB962C8B-B14F-4D97-AF65-F5344CB8AC3E}">
-        <p14:creationId xmlns:p14="http://schemas.microsoft.com/office/powerpoint/2010/main" val="652155520"/>
-      </p:ext>
-    </p:extLst>
   </p:cSld>
   <p:clrMapOvr>
     <a:masterClrMapping/>
@@ -11320,25 +10445,6 @@
           <a:ln>
             <a:noFill/>
           </a:ln>
-          <a:extLst>
-            <a:ext uri="{909E8E84-426E-40dd-AFC4-6F175D3DCCD1}">
-              <a14:hiddenFill xmlns:a14="http://schemas.microsoft.com/office/drawing/2010/main" xmlns="">
-                <a:solidFill>
-                  <a:srgbClr val="FFFFFF"/>
-                </a:solidFill>
-              </a14:hiddenFill>
-            </a:ext>
-            <a:ext uri="{91240B29-F687-4f45-9708-019B960494DF}">
-              <a14:hiddenLine xmlns:a14="http://schemas.microsoft.com/office/drawing/2010/main" xmlns="" w="9525">
-                <a:solidFill>
-                  <a:srgbClr val="000000"/>
-                </a:solidFill>
-                <a:miter lim="800000"/>
-                <a:headEnd/>
-                <a:tailEnd/>
-              </a14:hiddenLine>
-            </a:ext>
-          </a:extLst>
         </p:spPr>
         <p:txBody>
           <a:bodyPr wrap="square" lIns="91436" tIns="45718" rIns="91436" bIns="45718">
@@ -11548,25 +10654,6 @@
             <a:ext cx="2133600" cy="365125"/>
           </a:xfrm>
           <a:noFill/>
-          <a:extLst>
-            <a:ext uri="{909E8E84-426E-40dd-AFC4-6F175D3DCCD1}">
-              <a14:hiddenFill xmlns:a14="http://schemas.microsoft.com/office/drawing/2010/main" xmlns="">
-                <a:solidFill>
-                  <a:srgbClr val="FFFFFF"/>
-                </a:solidFill>
-              </a14:hiddenFill>
-            </a:ext>
-            <a:ext uri="{91240B29-F687-4f45-9708-019B960494DF}">
-              <a14:hiddenLine xmlns:a14="http://schemas.microsoft.com/office/drawing/2010/main" xmlns="" w="9525">
-                <a:solidFill>
-                  <a:srgbClr val="000000"/>
-                </a:solidFill>
-                <a:miter lim="800000"/>
-                <a:headEnd/>
-                <a:tailEnd/>
-              </a14:hiddenLine>
-            </a:ext>
-          </a:extLst>
         </p:spPr>
         <p:txBody>
           <a:bodyPr/>
@@ -11585,7 +10672,7 @@
                 <a:ea typeface="宋体" panose="02010600030101010101" pitchFamily="2" charset="-122"/>
               </a:defRPr>
             </a:lvl1pPr>
-            <a:lvl2pPr marL="742920" indent="-285738">
+            <a:lvl2pPr marL="742950" indent="-285750">
               <a:spcBef>
                 <a:spcPct val="20000"/>
               </a:spcBef>
@@ -11599,7 +10686,7 @@
                 <a:ea typeface="宋体" panose="02010600030101010101" pitchFamily="2" charset="-122"/>
               </a:defRPr>
             </a:lvl2pPr>
-            <a:lvl3pPr marL="1142953" indent="-228591">
+            <a:lvl3pPr marL="1143000" indent="-228600">
               <a:spcBef>
                 <a:spcPct val="20000"/>
               </a:spcBef>
@@ -11613,7 +10700,7 @@
                 <a:ea typeface="宋体" panose="02010600030101010101" pitchFamily="2" charset="-122"/>
               </a:defRPr>
             </a:lvl3pPr>
-            <a:lvl4pPr marL="1600135" indent="-228591">
+            <a:lvl4pPr marL="1600200" indent="-228600">
               <a:spcBef>
                 <a:spcPct val="20000"/>
               </a:spcBef>
@@ -11627,7 +10714,7 @@
                 <a:ea typeface="宋体" panose="02010600030101010101" pitchFamily="2" charset="-122"/>
               </a:defRPr>
             </a:lvl4pPr>
-            <a:lvl5pPr marL="2057315" indent="-228591">
+            <a:lvl5pPr marL="2057400" indent="-228600">
               <a:spcBef>
                 <a:spcPct val="20000"/>
               </a:spcBef>
@@ -11641,7 +10728,7 @@
                 <a:ea typeface="宋体" panose="02010600030101010101" pitchFamily="2" charset="-122"/>
               </a:defRPr>
             </a:lvl5pPr>
-            <a:lvl6pPr marL="2514497" indent="-228591" eaLnBrk="0" fontAlgn="base" hangingPunct="0">
+            <a:lvl6pPr marL="2514600" indent="-228600" eaLnBrk="0" fontAlgn="base" hangingPunct="0">
               <a:spcBef>
                 <a:spcPct val="20000"/>
               </a:spcBef>
@@ -11658,7 +10745,7 @@
                 <a:ea typeface="宋体" panose="02010600030101010101" pitchFamily="2" charset="-122"/>
               </a:defRPr>
             </a:lvl6pPr>
-            <a:lvl7pPr marL="2971678" indent="-228591" eaLnBrk="0" fontAlgn="base" hangingPunct="0">
+            <a:lvl7pPr marL="2971800" indent="-228600" eaLnBrk="0" fontAlgn="base" hangingPunct="0">
               <a:spcBef>
                 <a:spcPct val="20000"/>
               </a:spcBef>
@@ -11675,7 +10762,7 @@
                 <a:ea typeface="宋体" panose="02010600030101010101" pitchFamily="2" charset="-122"/>
               </a:defRPr>
             </a:lvl7pPr>
-            <a:lvl8pPr marL="3428859" indent="-228591" eaLnBrk="0" fontAlgn="base" hangingPunct="0">
+            <a:lvl8pPr marL="3429000" indent="-228600" eaLnBrk="0" fontAlgn="base" hangingPunct="0">
               <a:spcBef>
                 <a:spcPct val="20000"/>
               </a:spcBef>
@@ -11692,7 +10779,7 @@
                 <a:ea typeface="宋体" panose="02010600030101010101" pitchFamily="2" charset="-122"/>
               </a:defRPr>
             </a:lvl8pPr>
-            <a:lvl9pPr marL="3886041" indent="-228591" eaLnBrk="0" fontAlgn="base" hangingPunct="0">
+            <a:lvl9pPr marL="3886200" indent="-228600" eaLnBrk="0" fontAlgn="base" hangingPunct="0">
               <a:spcBef>
                 <a:spcPct val="20000"/>
               </a:spcBef>
@@ -11724,14 +10811,6 @@
                   <a:srgbClr val="898989"/>
                 </a:solidFill>
               </a:rPr>
-              <a:pPr>
-                <a:spcBef>
-                  <a:spcPct val="0"/>
-                </a:spcBef>
-                <a:buFontTx/>
-                <a:buNone/>
-              </a:pPr>
-              <a:t>12</a:t>
             </a:fld>
             <a:endParaRPr lang="zh-CN" altLang="en-US" sz="1200" dirty="0">
               <a:solidFill>
@@ -11750,7 +10829,7 @@
           <p:nvPr/>
         </p:nvPicPr>
         <p:blipFill>
-          <a:blip r:embed="rId3" cstate="print">
+          <a:blip r:embed="rId1" cstate="print">
             <a:extLst>
               <a:ext uri="{28A0092B-C50C-407E-A947-70E740481C1C}">
                 <a14:useLocalDpi xmlns:a14="http://schemas.microsoft.com/office/drawing/2010/main" val="0"/>
@@ -11774,43 +10853,18 @@
           <a:ln>
             <a:noFill/>
           </a:ln>
-          <a:extLst>
-            <a:ext uri="{909E8E84-426E-40dd-AFC4-6F175D3DCCD1}">
-              <a14:hiddenFill xmlns:a14="http://schemas.microsoft.com/office/drawing/2010/main" xmlns="">
-                <a:solidFill>
-                  <a:srgbClr val="FFFFFF"/>
-                </a:solidFill>
-              </a14:hiddenFill>
-            </a:ext>
-            <a:ext uri="{91240B29-F687-4f45-9708-019B960494DF}">
-              <a14:hiddenLine xmlns:a14="http://schemas.microsoft.com/office/drawing/2010/main" xmlns="" w="9525">
-                <a:solidFill>
-                  <a:srgbClr val="000000"/>
-                </a:solidFill>
-                <a:miter lim="800000"/>
-                <a:headEnd/>
-                <a:tailEnd/>
-              </a14:hiddenLine>
-            </a:ext>
-          </a:extLst>
         </p:spPr>
       </p:pic>
       <p:pic>
         <p:nvPicPr>
-          <p:cNvPr id="2" name="图片 1">
-            <a:extLst>
-              <a:ext uri="{FF2B5EF4-FFF2-40B4-BE49-F238E27FC236}">
-                <a16:creationId xmlns:a16="http://schemas.microsoft.com/office/drawing/2014/main" id="{EFF741E2-3CE0-4F1E-BDC8-255153AF8516}"/>
-              </a:ext>
-            </a:extLst>
-          </p:cNvPr>
+          <p:cNvPr id="2" name="图片 1"/>
           <p:cNvPicPr>
             <a:picLocks noChangeAspect="1"/>
           </p:cNvPicPr>
           <p:nvPr/>
         </p:nvPicPr>
         <p:blipFill>
-          <a:blip r:embed="rId4"/>
+          <a:blip r:embed="rId2"/>
           <a:stretch>
             <a:fillRect/>
           </a:stretch>
@@ -11825,14 +10879,14 @@
           </a:prstGeom>
         </p:spPr>
       </p:pic>
-      <mc:AlternateContent xmlns:mc="http://schemas.openxmlformats.org/markup-compatibility/2006" xmlns:a14="http://schemas.microsoft.com/office/drawing/2010/main">
-        <mc:Choice Requires="a14">
+      <mc:AlternateContent xmlns:mc="http://schemas.openxmlformats.org/markup-compatibility/2006">
+        <mc:Choice xmlns:a14="http://schemas.microsoft.com/office/drawing/2010/main" Requires="a14">
           <p:sp>
             <p:nvSpPr>
               <p:cNvPr id="14" name="对话气泡: 矩形 13">
                 <a:extLst>
                   <a:ext uri="{FF2B5EF4-FFF2-40B4-BE49-F238E27FC236}">
-                    <a16:creationId xmlns:a16="http://schemas.microsoft.com/office/drawing/2014/main" id="{2C396EAC-7767-49B0-9407-05A3D3B7D696}"/>
+                    <ele attr="{2C396EAC-7767-49B0-9407-05A3D3B7D696}"/>
                   </a:ext>
                 </a:extLst>
               </p:cNvPr>
@@ -11909,16 +10963,10 @@
             </p:txBody>
           </p:sp>
         </mc:Choice>
-        <mc:Fallback xmlns="">
+        <mc:Fallback>
           <p:sp>
             <p:nvSpPr>
-              <p:cNvPr id="14" name="对话气泡: 矩形 13">
-                <a:extLst>
-                  <a:ext uri="{FF2B5EF4-FFF2-40B4-BE49-F238E27FC236}">
-                    <a16:creationId xmlns:a16="http://schemas.microsoft.com/office/drawing/2014/main" id="{2C396EAC-7767-49B0-9407-05A3D3B7D696}"/>
-                  </a:ext>
-                </a:extLst>
-              </p:cNvPr>
+              <p:cNvPr id="14" name="对话气泡: 矩形 13"/>
               <p:cNvSpPr>
                 <a:spLocks noRot="1" noChangeAspect="1" noMove="1" noResize="1" noEditPoints="1" noAdjustHandles="1" noChangeArrowheads="1" noChangeShapeType="1" noTextEdit="1"/>
               </p:cNvSpPr>
@@ -11935,8 +10983,8 @@
                   <a:gd name="adj2" fmla="val 96146"/>
                 </a:avLst>
               </a:prstGeom>
-              <a:blipFill>
-                <a:blip r:embed="rId5"/>
+              <a:blipFill rotWithShape="1">
+                <a:blip r:embed="rId3"/>
                 <a:stretch>
                   <a:fillRect t="-6522"/>
                 </a:stretch>
@@ -11957,19 +11005,22 @@
                   </a:rPr>
                   <a:t> </a:t>
                 </a:r>
+                <a:endParaRPr lang="zh-CN" altLang="en-US">
+                  <a:noFill/>
+                </a:endParaRPr>
               </a:p>
             </p:txBody>
           </p:sp>
         </mc:Fallback>
       </mc:AlternateContent>
-      <mc:AlternateContent xmlns:mc="http://schemas.openxmlformats.org/markup-compatibility/2006" xmlns:a14="http://schemas.microsoft.com/office/drawing/2010/main">
-        <mc:Choice Requires="a14">
+      <mc:AlternateContent xmlns:mc="http://schemas.openxmlformats.org/markup-compatibility/2006">
+        <mc:Choice xmlns:a14="http://schemas.microsoft.com/office/drawing/2010/main" Requires="a14">
           <p:sp>
             <p:nvSpPr>
               <p:cNvPr id="7" name="对话气泡: 矩形 6">
                 <a:extLst>
                   <a:ext uri="{FF2B5EF4-FFF2-40B4-BE49-F238E27FC236}">
-                    <a16:creationId xmlns:a16="http://schemas.microsoft.com/office/drawing/2014/main" id="{C3A65A4C-2C20-4D6D-89BF-C2275DA11E29}"/>
+                    <ele attr="{C3A65A4C-2C20-4D6D-89BF-C2275DA11E29}"/>
                   </a:ext>
                 </a:extLst>
               </p:cNvPr>
@@ -12102,16 +11153,10 @@
             </p:txBody>
           </p:sp>
         </mc:Choice>
-        <mc:Fallback xmlns="">
+        <mc:Fallback>
           <p:sp>
             <p:nvSpPr>
-              <p:cNvPr id="7" name="对话气泡: 矩形 6">
-                <a:extLst>
-                  <a:ext uri="{FF2B5EF4-FFF2-40B4-BE49-F238E27FC236}">
-                    <a16:creationId xmlns:a16="http://schemas.microsoft.com/office/drawing/2014/main" id="{C3A65A4C-2C20-4D6D-89BF-C2275DA11E29}"/>
-                  </a:ext>
-                </a:extLst>
-              </p:cNvPr>
+              <p:cNvPr id="7" name="对话气泡: 矩形 6"/>
               <p:cNvSpPr>
                 <a:spLocks noRot="1" noChangeAspect="1" noMove="1" noResize="1" noEditPoints="1" noAdjustHandles="1" noChangeArrowheads="1" noChangeShapeType="1" noTextEdit="1"/>
               </p:cNvSpPr>
@@ -12128,8 +11173,8 @@
                   <a:gd name="adj2" fmla="val 37059"/>
                 </a:avLst>
               </a:prstGeom>
-              <a:blipFill>
-                <a:blip r:embed="rId6"/>
+              <a:blipFill rotWithShape="1">
+                <a:blip r:embed="rId4"/>
                 <a:stretch>
                   <a:fillRect t="-2941" b="-2941"/>
                 </a:stretch>
@@ -12150,19 +11195,22 @@
                   </a:rPr>
                   <a:t> </a:t>
                 </a:r>
+                <a:endParaRPr lang="zh-CN" altLang="en-US">
+                  <a:noFill/>
+                </a:endParaRPr>
               </a:p>
             </p:txBody>
           </p:sp>
         </mc:Fallback>
       </mc:AlternateContent>
-      <mc:AlternateContent xmlns:mc="http://schemas.openxmlformats.org/markup-compatibility/2006" xmlns:a14="http://schemas.microsoft.com/office/drawing/2010/main">
-        <mc:Choice Requires="a14">
+      <mc:AlternateContent xmlns:mc="http://schemas.openxmlformats.org/markup-compatibility/2006">
+        <mc:Choice xmlns:a14="http://schemas.microsoft.com/office/drawing/2010/main" Requires="a14">
           <p:sp>
             <p:nvSpPr>
               <p:cNvPr id="8" name="对话气泡: 矩形 7">
                 <a:extLst>
                   <a:ext uri="{FF2B5EF4-FFF2-40B4-BE49-F238E27FC236}">
-                    <a16:creationId xmlns:a16="http://schemas.microsoft.com/office/drawing/2014/main" id="{D4B97A66-62DE-4F44-BD92-CAF647B39EB3}"/>
+                    <ele attr="{D4B97A66-62DE-4F44-BD92-CAF647B39EB3}"/>
                   </a:ext>
                 </a:extLst>
               </p:cNvPr>
@@ -12239,16 +11287,10 @@
             </p:txBody>
           </p:sp>
         </mc:Choice>
-        <mc:Fallback xmlns="">
+        <mc:Fallback>
           <p:sp>
             <p:nvSpPr>
-              <p:cNvPr id="8" name="对话气泡: 矩形 7">
-                <a:extLst>
-                  <a:ext uri="{FF2B5EF4-FFF2-40B4-BE49-F238E27FC236}">
-                    <a16:creationId xmlns:a16="http://schemas.microsoft.com/office/drawing/2014/main" id="{D4B97A66-62DE-4F44-BD92-CAF647B39EB3}"/>
-                  </a:ext>
-                </a:extLst>
-              </p:cNvPr>
+              <p:cNvPr id="8" name="对话气泡: 矩形 7"/>
               <p:cNvSpPr>
                 <a:spLocks noRot="1" noChangeAspect="1" noMove="1" noResize="1" noEditPoints="1" noAdjustHandles="1" noChangeArrowheads="1" noChangeShapeType="1" noTextEdit="1"/>
               </p:cNvSpPr>
@@ -12265,8 +11307,8 @@
                   <a:gd name="adj2" fmla="val 32615"/>
                 </a:avLst>
               </a:prstGeom>
-              <a:blipFill>
-                <a:blip r:embed="rId7"/>
+              <a:blipFill rotWithShape="1">
+                <a:blip r:embed="rId5"/>
                 <a:stretch>
                   <a:fillRect t="-5505" b="-12844"/>
                 </a:stretch>
@@ -12287,17 +11329,15 @@
                   </a:rPr>
                   <a:t> </a:t>
                 </a:r>
+                <a:endParaRPr lang="zh-CN" altLang="en-US">
+                  <a:noFill/>
+                </a:endParaRPr>
               </a:p>
             </p:txBody>
           </p:sp>
         </mc:Fallback>
       </mc:AlternateContent>
     </p:spTree>
-    <p:extLst>
-      <p:ext uri="{BB962C8B-B14F-4D97-AF65-F5344CB8AC3E}">
-        <p14:creationId xmlns:p14="http://schemas.microsoft.com/office/powerpoint/2010/main" val="3259725073"/>
-      </p:ext>
-    </p:extLst>
   </p:cSld>
   <p:clrMapOvr>
     <a:masterClrMapping/>
@@ -12512,25 +11552,6 @@
           <a:ln>
             <a:noFill/>
           </a:ln>
-          <a:extLst>
-            <a:ext uri="{909E8E84-426E-40dd-AFC4-6F175D3DCCD1}">
-              <a14:hiddenFill xmlns="" xmlns:a14="http://schemas.microsoft.com/office/drawing/2010/main">
-                <a:solidFill>
-                  <a:srgbClr val="FFFFFF"/>
-                </a:solidFill>
-              </a14:hiddenFill>
-            </a:ext>
-            <a:ext uri="{91240B29-F687-4f45-9708-019B960494DF}">
-              <a14:hiddenLine xmlns="" xmlns:a14="http://schemas.microsoft.com/office/drawing/2010/main" w="9525">
-                <a:solidFill>
-                  <a:srgbClr val="000000"/>
-                </a:solidFill>
-                <a:miter lim="800000"/>
-                <a:headEnd/>
-                <a:tailEnd/>
-              </a14:hiddenLine>
-            </a:ext>
-          </a:extLst>
         </p:spPr>
         <p:txBody>
           <a:bodyPr wrap="square" lIns="91436" tIns="45718" rIns="91436" bIns="45718">
@@ -12694,6 +11715,13 @@
               </a:rPr>
               <a:t>基本图算法</a:t>
             </a:r>
+            <a:endParaRPr lang="zh-CN" altLang="en-US" b="1" dirty="0">
+              <a:solidFill>
+                <a:srgbClr val="002060"/>
+              </a:solidFill>
+              <a:latin typeface="微软雅黑" panose="020B0503020204020204" pitchFamily="34" charset="-122"/>
+              <a:ea typeface="微软雅黑" panose="020B0503020204020204" pitchFamily="34" charset="-122"/>
+            </a:endParaRPr>
           </a:p>
         </p:txBody>
       </p:sp>
@@ -12713,25 +11741,6 @@
             <a:ext cx="2133600" cy="365125"/>
           </a:xfrm>
           <a:noFill/>
-          <a:extLst>
-            <a:ext uri="{909E8E84-426E-40dd-AFC4-6F175D3DCCD1}">
-              <a14:hiddenFill xmlns="" xmlns:a14="http://schemas.microsoft.com/office/drawing/2010/main">
-                <a:solidFill>
-                  <a:srgbClr val="FFFFFF"/>
-                </a:solidFill>
-              </a14:hiddenFill>
-            </a:ext>
-            <a:ext uri="{91240B29-F687-4f45-9708-019B960494DF}">
-              <a14:hiddenLine xmlns="" xmlns:a14="http://schemas.microsoft.com/office/drawing/2010/main" w="9525">
-                <a:solidFill>
-                  <a:srgbClr val="000000"/>
-                </a:solidFill>
-                <a:miter lim="800000"/>
-                <a:headEnd/>
-                <a:tailEnd/>
-              </a14:hiddenLine>
-            </a:ext>
-          </a:extLst>
         </p:spPr>
         <p:txBody>
           <a:bodyPr/>
@@ -12750,7 +11759,7 @@
                 <a:ea typeface="宋体" panose="02010600030101010101" pitchFamily="2" charset="-122"/>
               </a:defRPr>
             </a:lvl1pPr>
-            <a:lvl2pPr marL="742920" indent="-285738">
+            <a:lvl2pPr marL="742950" indent="-285750">
               <a:spcBef>
                 <a:spcPct val="20000"/>
               </a:spcBef>
@@ -12764,7 +11773,7 @@
                 <a:ea typeface="宋体" panose="02010600030101010101" pitchFamily="2" charset="-122"/>
               </a:defRPr>
             </a:lvl2pPr>
-            <a:lvl3pPr marL="1142953" indent="-228591">
+            <a:lvl3pPr marL="1143000" indent="-228600">
               <a:spcBef>
                 <a:spcPct val="20000"/>
               </a:spcBef>
@@ -12778,7 +11787,7 @@
                 <a:ea typeface="宋体" panose="02010600030101010101" pitchFamily="2" charset="-122"/>
               </a:defRPr>
             </a:lvl3pPr>
-            <a:lvl4pPr marL="1600135" indent="-228591">
+            <a:lvl4pPr marL="1600200" indent="-228600">
               <a:spcBef>
                 <a:spcPct val="20000"/>
               </a:spcBef>
@@ -12792,7 +11801,7 @@
                 <a:ea typeface="宋体" panose="02010600030101010101" pitchFamily="2" charset="-122"/>
               </a:defRPr>
             </a:lvl4pPr>
-            <a:lvl5pPr marL="2057315" indent="-228591">
+            <a:lvl5pPr marL="2057400" indent="-228600">
               <a:spcBef>
                 <a:spcPct val="20000"/>
               </a:spcBef>
@@ -12806,7 +11815,7 @@
                 <a:ea typeface="宋体" panose="02010600030101010101" pitchFamily="2" charset="-122"/>
               </a:defRPr>
             </a:lvl5pPr>
-            <a:lvl6pPr marL="2514497" indent="-228591" eaLnBrk="0" fontAlgn="base" hangingPunct="0">
+            <a:lvl6pPr marL="2514600" indent="-228600" eaLnBrk="0" fontAlgn="base" hangingPunct="0">
               <a:spcBef>
                 <a:spcPct val="20000"/>
               </a:spcBef>
@@ -12823,7 +11832,7 @@
                 <a:ea typeface="宋体" panose="02010600030101010101" pitchFamily="2" charset="-122"/>
               </a:defRPr>
             </a:lvl6pPr>
-            <a:lvl7pPr marL="2971678" indent="-228591" eaLnBrk="0" fontAlgn="base" hangingPunct="0">
+            <a:lvl7pPr marL="2971800" indent="-228600" eaLnBrk="0" fontAlgn="base" hangingPunct="0">
               <a:spcBef>
                 <a:spcPct val="20000"/>
               </a:spcBef>
@@ -12840,7 +11849,7 @@
                 <a:ea typeface="宋体" panose="02010600030101010101" pitchFamily="2" charset="-122"/>
               </a:defRPr>
             </a:lvl7pPr>
-            <a:lvl8pPr marL="3428859" indent="-228591" eaLnBrk="0" fontAlgn="base" hangingPunct="0">
+            <a:lvl8pPr marL="3429000" indent="-228600" eaLnBrk="0" fontAlgn="base" hangingPunct="0">
               <a:spcBef>
                 <a:spcPct val="20000"/>
               </a:spcBef>
@@ -12857,7 +11866,7 @@
                 <a:ea typeface="宋体" panose="02010600030101010101" pitchFamily="2" charset="-122"/>
               </a:defRPr>
             </a:lvl8pPr>
-            <a:lvl9pPr marL="3886041" indent="-228591" eaLnBrk="0" fontAlgn="base" hangingPunct="0">
+            <a:lvl9pPr marL="3886200" indent="-228600" eaLnBrk="0" fontAlgn="base" hangingPunct="0">
               <a:spcBef>
                 <a:spcPct val="20000"/>
               </a:spcBef>
@@ -12889,14 +11898,6 @@
                   <a:srgbClr val="898989"/>
                 </a:solidFill>
               </a:rPr>
-              <a:pPr>
-                <a:spcBef>
-                  <a:spcPct val="0"/>
-                </a:spcBef>
-                <a:buFontTx/>
-                <a:buNone/>
-              </a:pPr>
-              <a:t>13</a:t>
             </a:fld>
             <a:endParaRPr lang="zh-CN" altLang="en-US" sz="1200" dirty="0">
               <a:solidFill>
@@ -12915,7 +11916,7 @@
           <p:nvPr/>
         </p:nvPicPr>
         <p:blipFill>
-          <a:blip r:embed="rId3" cstate="print">
+          <a:blip r:embed="rId1" cstate="print">
             <a:extLst>
               <a:ext uri="{28A0092B-C50C-407E-A947-70E740481C1C}">
                 <a14:useLocalDpi xmlns:a14="http://schemas.microsoft.com/office/drawing/2010/main" val="0"/>
@@ -12939,39 +11940,12 @@
           <a:ln>
             <a:noFill/>
           </a:ln>
-          <a:extLst>
-            <a:ext uri="{909E8E84-426E-40dd-AFC4-6F175D3DCCD1}">
-              <a14:hiddenFill xmlns="" xmlns:a14="http://schemas.microsoft.com/office/drawing/2010/main">
-                <a:solidFill>
-                  <a:srgbClr val="FFFFFF"/>
-                </a:solidFill>
-              </a14:hiddenFill>
-            </a:ext>
-            <a:ext uri="{91240B29-F687-4f45-9708-019B960494DF}">
-              <a14:hiddenLine xmlns="" xmlns:a14="http://schemas.microsoft.com/office/drawing/2010/main" w="9525">
-                <a:solidFill>
-                  <a:srgbClr val="000000"/>
-                </a:solidFill>
-                <a:miter lim="800000"/>
-                <a:headEnd/>
-                <a:tailEnd/>
-              </a14:hiddenLine>
-            </a:ext>
-          </a:extLst>
         </p:spPr>
       </p:pic>
       <p:sp>
         <p:nvSpPr>
-          <p:cNvPr id="6" name="Subtitle 2">
-            <a:extLst>
-              <a:ext uri="{FF2B5EF4-FFF2-40B4-BE49-F238E27FC236}">
-                <a16:creationId xmlns:a16="http://schemas.microsoft.com/office/drawing/2014/main" id="{5B72932F-F3D6-46BF-9A61-0930A2E33BD6}"/>
-              </a:ext>
-            </a:extLst>
-          </p:cNvPr>
-          <p:cNvSpPr txBox="1">
-            <a:spLocks/>
-          </p:cNvSpPr>
+          <p:cNvPr id="6" name="Subtitle 2"/>
+          <p:cNvSpPr txBox="1"/>
           <p:nvPr/>
         </p:nvSpPr>
         <p:spPr bwMode="auto">
@@ -13007,11 +11981,7 @@
           </a:extLst>
         </p:spPr>
         <p:txBody>
-          <a:bodyPr vert="horz" wrap="square" lIns="91440" tIns="45720" rIns="91440" bIns="45720" numCol="1" anchor="t" anchorCtr="0" compatLnSpc="1">
-            <a:prstTxWarp prst="textNoShape">
-              <a:avLst/>
-            </a:prstTxWarp>
-          </a:bodyPr>
+          <a:bodyPr vert="horz" wrap="square" lIns="91440" tIns="45720" rIns="91440" bIns="45720" numCol="1" anchor="t" anchorCtr="0" compatLnSpc="1"/>
           <a:lstStyle>
             <a:lvl1pPr marL="342900" indent="-342900" algn="l" rtl="0" eaLnBrk="0" fontAlgn="base" hangingPunct="0">
               <a:spcBef>
@@ -13130,7 +12100,7 @@
                 <a:schemeClr val="tx2"/>
               </a:buClr>
               <a:buSzPct val="70000"/>
-              <a:buFont typeface="Wingdings" pitchFamily="2" charset="2"/>
+              <a:buFont typeface="Wingdings" panose="05000000000000000000" pitchFamily="2" charset="2"/>
               <a:buChar char="¡"/>
               <a:defRPr sz="1600">
                 <a:solidFill>
@@ -13151,7 +12121,7 @@
                 <a:schemeClr val="tx2"/>
               </a:buClr>
               <a:buSzPct val="70000"/>
-              <a:buFont typeface="Wingdings" pitchFamily="2" charset="2"/>
+              <a:buFont typeface="Wingdings" panose="05000000000000000000" pitchFamily="2" charset="2"/>
               <a:buChar char="¡"/>
               <a:defRPr sz="1600">
                 <a:solidFill>
@@ -13172,7 +12142,7 @@
                 <a:schemeClr val="tx2"/>
               </a:buClr>
               <a:buSzPct val="70000"/>
-              <a:buFont typeface="Wingdings" pitchFamily="2" charset="2"/>
+              <a:buFont typeface="Wingdings" panose="05000000000000000000" pitchFamily="2" charset="2"/>
               <a:buChar char="¡"/>
               <a:defRPr sz="1600">
                 <a:solidFill>
@@ -13193,7 +12163,7 @@
                 <a:schemeClr val="tx2"/>
               </a:buClr>
               <a:buSzPct val="70000"/>
-              <a:buFont typeface="Wingdings" pitchFamily="2" charset="2"/>
+              <a:buFont typeface="Wingdings" panose="05000000000000000000" pitchFamily="2" charset="2"/>
               <a:buChar char="¡"/>
               <a:defRPr sz="1600">
                 <a:solidFill>
@@ -13221,7 +12191,6 @@
               <a:buSzPct val="70000"/>
               <a:buFont typeface="Wingdings" panose="05000000000000000000" pitchFamily="2" charset="2"/>
               <a:buChar char="n"/>
-              <a:tabLst/>
               <a:defRPr/>
             </a:pPr>
             <a:r>
@@ -13235,8 +12204,8 @@
                 <a:effectLst/>
                 <a:uLnTx/>
                 <a:uFillTx/>
-                <a:latin typeface="Arial"/>
-                <a:ea typeface="宋体"/>
+                <a:latin typeface="Arial" panose="020B0604020202020204"/>
+                <a:ea typeface="宋体" panose="02010600030101010101" pitchFamily="2" charset="-122"/>
                 <a:cs typeface="+mn-cs"/>
               </a:rPr>
               <a:t>主要内容</a:t>
@@ -13251,8 +12220,8 @@
               <a:effectLst/>
               <a:uLnTx/>
               <a:uFillTx/>
-              <a:latin typeface="Arial"/>
-              <a:ea typeface="宋体"/>
+              <a:latin typeface="Arial" panose="020B0604020202020204"/>
+              <a:ea typeface="宋体" panose="02010600030101010101" pitchFamily="2" charset="-122"/>
               <a:cs typeface="+mn-cs"/>
             </a:endParaRPr>
           </a:p>
@@ -13310,6 +12279,13 @@
               </a:rPr>
               <a:t>Bellman-Ford</a:t>
             </a:r>
+            <a:endParaRPr lang="en-US" altLang="zh-CN" kern="0" dirty="0">
+              <a:solidFill>
+                <a:srgbClr val="003366"/>
+              </a:solidFill>
+              <a:latin typeface="仿宋" panose="02010609060101010101" pitchFamily="49" charset="-122"/>
+              <a:ea typeface="仿宋" panose="02010609060101010101" pitchFamily="49" charset="-122"/>
+            </a:endParaRPr>
           </a:p>
           <a:p>
             <a:pPr lvl="1" eaLnBrk="1" hangingPunct="1">
@@ -13339,6 +12315,13 @@
               </a:rPr>
               <a:t>Bellman-Ford</a:t>
             </a:r>
+            <a:endParaRPr lang="en-US" altLang="zh-CN" kern="0" dirty="0">
+              <a:solidFill>
+                <a:srgbClr val="003366"/>
+              </a:solidFill>
+              <a:latin typeface="仿宋" panose="02010609060101010101" pitchFamily="49" charset="-122"/>
+              <a:ea typeface="仿宋" panose="02010609060101010101" pitchFamily="49" charset="-122"/>
+            </a:endParaRPr>
           </a:p>
           <a:p>
             <a:pPr lvl="1" eaLnBrk="1" hangingPunct="1">
@@ -13469,11 +12452,6 @@
         </p:txBody>
       </p:sp>
     </p:spTree>
-    <p:extLst>
-      <p:ext uri="{BB962C8B-B14F-4D97-AF65-F5344CB8AC3E}">
-        <p14:creationId xmlns:p14="http://schemas.microsoft.com/office/powerpoint/2010/main" val="1821468149"/>
-      </p:ext>
-    </p:extLst>
   </p:cSld>
   <p:clrMapOvr>
     <a:masterClrMapping/>
@@ -13518,25 +12496,6 @@
           <a:ln>
             <a:noFill/>
           </a:ln>
-          <a:extLst>
-            <a:ext uri="{909E8E84-426E-40dd-AFC4-6F175D3DCCD1}">
-              <a14:hiddenFill xmlns="" xmlns:a14="http://schemas.microsoft.com/office/drawing/2010/main">
-                <a:solidFill>
-                  <a:srgbClr val="FFFFFF"/>
-                </a:solidFill>
-              </a14:hiddenFill>
-            </a:ext>
-            <a:ext uri="{91240B29-F687-4f45-9708-019B960494DF}">
-              <a14:hiddenLine xmlns="" xmlns:a14="http://schemas.microsoft.com/office/drawing/2010/main" w="9525">
-                <a:solidFill>
-                  <a:srgbClr val="000000"/>
-                </a:solidFill>
-                <a:miter lim="800000"/>
-                <a:headEnd/>
-                <a:tailEnd/>
-              </a14:hiddenLine>
-            </a:ext>
-          </a:extLst>
         </p:spPr>
         <p:txBody>
           <a:bodyPr wrap="square" lIns="91436" tIns="45718" rIns="91436" bIns="45718">
@@ -13700,6 +12659,13 @@
               </a:rPr>
               <a:t>基本图算法</a:t>
             </a:r>
+            <a:endParaRPr lang="zh-CN" altLang="en-US" b="1" dirty="0">
+              <a:solidFill>
+                <a:srgbClr val="002060"/>
+              </a:solidFill>
+              <a:latin typeface="微软雅黑" panose="020B0503020204020204" pitchFamily="34" charset="-122"/>
+              <a:ea typeface="微软雅黑" panose="020B0503020204020204" pitchFamily="34" charset="-122"/>
+            </a:endParaRPr>
           </a:p>
         </p:txBody>
       </p:sp>
@@ -13719,25 +12685,6 @@
             <a:ext cx="2133600" cy="365125"/>
           </a:xfrm>
           <a:noFill/>
-          <a:extLst>
-            <a:ext uri="{909E8E84-426E-40dd-AFC4-6F175D3DCCD1}">
-              <a14:hiddenFill xmlns="" xmlns:a14="http://schemas.microsoft.com/office/drawing/2010/main">
-                <a:solidFill>
-                  <a:srgbClr val="FFFFFF"/>
-                </a:solidFill>
-              </a14:hiddenFill>
-            </a:ext>
-            <a:ext uri="{91240B29-F687-4f45-9708-019B960494DF}">
-              <a14:hiddenLine xmlns="" xmlns:a14="http://schemas.microsoft.com/office/drawing/2010/main" w="9525">
-                <a:solidFill>
-                  <a:srgbClr val="000000"/>
-                </a:solidFill>
-                <a:miter lim="800000"/>
-                <a:headEnd/>
-                <a:tailEnd/>
-              </a14:hiddenLine>
-            </a:ext>
-          </a:extLst>
         </p:spPr>
         <p:txBody>
           <a:bodyPr/>
@@ -13756,7 +12703,7 @@
                 <a:ea typeface="宋体" panose="02010600030101010101" pitchFamily="2" charset="-122"/>
               </a:defRPr>
             </a:lvl1pPr>
-            <a:lvl2pPr marL="742920" indent="-285738">
+            <a:lvl2pPr marL="742950" indent="-285750">
               <a:spcBef>
                 <a:spcPct val="20000"/>
               </a:spcBef>
@@ -13770,7 +12717,7 @@
                 <a:ea typeface="宋体" panose="02010600030101010101" pitchFamily="2" charset="-122"/>
               </a:defRPr>
             </a:lvl2pPr>
-            <a:lvl3pPr marL="1142953" indent="-228591">
+            <a:lvl3pPr marL="1143000" indent="-228600">
               <a:spcBef>
                 <a:spcPct val="20000"/>
               </a:spcBef>
@@ -13784,7 +12731,7 @@
                 <a:ea typeface="宋体" panose="02010600030101010101" pitchFamily="2" charset="-122"/>
               </a:defRPr>
             </a:lvl3pPr>
-            <a:lvl4pPr marL="1600135" indent="-228591">
+            <a:lvl4pPr marL="1600200" indent="-228600">
               <a:spcBef>
                 <a:spcPct val="20000"/>
               </a:spcBef>
@@ -13798,7 +12745,7 @@
                 <a:ea typeface="宋体" panose="02010600030101010101" pitchFamily="2" charset="-122"/>
               </a:defRPr>
             </a:lvl4pPr>
-            <a:lvl5pPr marL="2057315" indent="-228591">
+            <a:lvl5pPr marL="2057400" indent="-228600">
               <a:spcBef>
                 <a:spcPct val="20000"/>
               </a:spcBef>
@@ -13812,7 +12759,7 @@
                 <a:ea typeface="宋体" panose="02010600030101010101" pitchFamily="2" charset="-122"/>
               </a:defRPr>
             </a:lvl5pPr>
-            <a:lvl6pPr marL="2514497" indent="-228591" eaLnBrk="0" fontAlgn="base" hangingPunct="0">
+            <a:lvl6pPr marL="2514600" indent="-228600" eaLnBrk="0" fontAlgn="base" hangingPunct="0">
               <a:spcBef>
                 <a:spcPct val="20000"/>
               </a:spcBef>
@@ -13829,7 +12776,7 @@
                 <a:ea typeface="宋体" panose="02010600030101010101" pitchFamily="2" charset="-122"/>
               </a:defRPr>
             </a:lvl6pPr>
-            <a:lvl7pPr marL="2971678" indent="-228591" eaLnBrk="0" fontAlgn="base" hangingPunct="0">
+            <a:lvl7pPr marL="2971800" indent="-228600" eaLnBrk="0" fontAlgn="base" hangingPunct="0">
               <a:spcBef>
                 <a:spcPct val="20000"/>
               </a:spcBef>
@@ -13846,7 +12793,7 @@
                 <a:ea typeface="宋体" panose="02010600030101010101" pitchFamily="2" charset="-122"/>
               </a:defRPr>
             </a:lvl7pPr>
-            <a:lvl8pPr marL="3428859" indent="-228591" eaLnBrk="0" fontAlgn="base" hangingPunct="0">
+            <a:lvl8pPr marL="3429000" indent="-228600" eaLnBrk="0" fontAlgn="base" hangingPunct="0">
               <a:spcBef>
                 <a:spcPct val="20000"/>
               </a:spcBef>
@@ -13863,7 +12810,7 @@
                 <a:ea typeface="宋体" panose="02010600030101010101" pitchFamily="2" charset="-122"/>
               </a:defRPr>
             </a:lvl8pPr>
-            <a:lvl9pPr marL="3886041" indent="-228591" eaLnBrk="0" fontAlgn="base" hangingPunct="0">
+            <a:lvl9pPr marL="3886200" indent="-228600" eaLnBrk="0" fontAlgn="base" hangingPunct="0">
               <a:spcBef>
                 <a:spcPct val="20000"/>
               </a:spcBef>
@@ -13895,14 +12842,6 @@
                   <a:srgbClr val="898989"/>
                 </a:solidFill>
               </a:rPr>
-              <a:pPr>
-                <a:spcBef>
-                  <a:spcPct val="0"/>
-                </a:spcBef>
-                <a:buFontTx/>
-                <a:buNone/>
-              </a:pPr>
-              <a:t>2</a:t>
             </a:fld>
             <a:endParaRPr lang="zh-CN" altLang="en-US" sz="1200" dirty="0">
               <a:solidFill>
@@ -13921,7 +12860,7 @@
           <p:nvPr/>
         </p:nvPicPr>
         <p:blipFill>
-          <a:blip r:embed="rId3" cstate="print">
+          <a:blip r:embed="rId1" cstate="print">
             <a:extLst>
               <a:ext uri="{28A0092B-C50C-407E-A947-70E740481C1C}">
                 <a14:useLocalDpi xmlns:a14="http://schemas.microsoft.com/office/drawing/2010/main" val="0"/>
@@ -13945,39 +12884,12 @@
           <a:ln>
             <a:noFill/>
           </a:ln>
-          <a:extLst>
-            <a:ext uri="{909E8E84-426E-40dd-AFC4-6F175D3DCCD1}">
-              <a14:hiddenFill xmlns="" xmlns:a14="http://schemas.microsoft.com/office/drawing/2010/main">
-                <a:solidFill>
-                  <a:srgbClr val="FFFFFF"/>
-                </a:solidFill>
-              </a14:hiddenFill>
-            </a:ext>
-            <a:ext uri="{91240B29-F687-4f45-9708-019B960494DF}">
-              <a14:hiddenLine xmlns="" xmlns:a14="http://schemas.microsoft.com/office/drawing/2010/main" w="9525">
-                <a:solidFill>
-                  <a:srgbClr val="000000"/>
-                </a:solidFill>
-                <a:miter lim="800000"/>
-                <a:headEnd/>
-                <a:tailEnd/>
-              </a14:hiddenLine>
-            </a:ext>
-          </a:extLst>
         </p:spPr>
       </p:pic>
       <p:sp>
         <p:nvSpPr>
-          <p:cNvPr id="6" name="Subtitle 2">
-            <a:extLst>
-              <a:ext uri="{FF2B5EF4-FFF2-40B4-BE49-F238E27FC236}">
-                <a16:creationId xmlns:a16="http://schemas.microsoft.com/office/drawing/2014/main" id="{5B72932F-F3D6-46BF-9A61-0930A2E33BD6}"/>
-              </a:ext>
-            </a:extLst>
-          </p:cNvPr>
-          <p:cNvSpPr txBox="1">
-            <a:spLocks/>
-          </p:cNvSpPr>
+          <p:cNvPr id="6" name="Subtitle 2"/>
+          <p:cNvSpPr txBox="1"/>
           <p:nvPr/>
         </p:nvSpPr>
         <p:spPr bwMode="auto">
@@ -14013,11 +12925,7 @@
           </a:extLst>
         </p:spPr>
         <p:txBody>
-          <a:bodyPr vert="horz" wrap="square" lIns="91440" tIns="45720" rIns="91440" bIns="45720" numCol="1" anchor="t" anchorCtr="0" compatLnSpc="1">
-            <a:prstTxWarp prst="textNoShape">
-              <a:avLst/>
-            </a:prstTxWarp>
-          </a:bodyPr>
+          <a:bodyPr vert="horz" wrap="square" lIns="91440" tIns="45720" rIns="91440" bIns="45720" numCol="1" anchor="t" anchorCtr="0" compatLnSpc="1"/>
           <a:lstStyle>
             <a:lvl1pPr marL="342900" indent="-342900" algn="l" rtl="0" eaLnBrk="0" fontAlgn="base" hangingPunct="0">
               <a:spcBef>
@@ -14136,7 +13044,7 @@
                 <a:schemeClr val="tx2"/>
               </a:buClr>
               <a:buSzPct val="70000"/>
-              <a:buFont typeface="Wingdings" pitchFamily="2" charset="2"/>
+              <a:buFont typeface="Wingdings" panose="05000000000000000000" pitchFamily="2" charset="2"/>
               <a:buChar char="¡"/>
               <a:defRPr sz="1600">
                 <a:solidFill>
@@ -14157,7 +13065,7 @@
                 <a:schemeClr val="tx2"/>
               </a:buClr>
               <a:buSzPct val="70000"/>
-              <a:buFont typeface="Wingdings" pitchFamily="2" charset="2"/>
+              <a:buFont typeface="Wingdings" panose="05000000000000000000" pitchFamily="2" charset="2"/>
               <a:buChar char="¡"/>
               <a:defRPr sz="1600">
                 <a:solidFill>
@@ -14178,7 +13086,7 @@
                 <a:schemeClr val="tx2"/>
               </a:buClr>
               <a:buSzPct val="70000"/>
-              <a:buFont typeface="Wingdings" pitchFamily="2" charset="2"/>
+              <a:buFont typeface="Wingdings" panose="05000000000000000000" pitchFamily="2" charset="2"/>
               <a:buChar char="¡"/>
               <a:defRPr sz="1600">
                 <a:solidFill>
@@ -14199,7 +13107,7 @@
                 <a:schemeClr val="tx2"/>
               </a:buClr>
               <a:buSzPct val="70000"/>
-              <a:buFont typeface="Wingdings" pitchFamily="2" charset="2"/>
+              <a:buFont typeface="Wingdings" panose="05000000000000000000" pitchFamily="2" charset="2"/>
               <a:buChar char="¡"/>
               <a:defRPr sz="1600">
                 <a:solidFill>
@@ -14227,7 +13135,6 @@
               <a:buSzPct val="70000"/>
               <a:buFont typeface="Wingdings" panose="05000000000000000000" pitchFamily="2" charset="2"/>
               <a:buChar char="n"/>
-              <a:tabLst/>
               <a:defRPr/>
             </a:pPr>
             <a:r>
@@ -14241,8 +13148,8 @@
                 <a:effectLst/>
                 <a:uLnTx/>
                 <a:uFillTx/>
-                <a:latin typeface="Arial"/>
-                <a:ea typeface="宋体"/>
+                <a:latin typeface="Arial" panose="020B0604020202020204"/>
+                <a:ea typeface="宋体" panose="02010600030101010101" pitchFamily="2" charset="-122"/>
                 <a:cs typeface="+mn-cs"/>
               </a:rPr>
               <a:t>主要内容</a:t>
@@ -14257,8 +13164,8 @@
               <a:effectLst/>
               <a:uLnTx/>
               <a:uFillTx/>
-              <a:latin typeface="Arial"/>
-              <a:ea typeface="宋体"/>
+              <a:latin typeface="Arial" panose="020B0604020202020204"/>
+              <a:ea typeface="宋体" panose="02010600030101010101" pitchFamily="2" charset="-122"/>
               <a:cs typeface="+mn-cs"/>
             </a:endParaRPr>
           </a:p>
@@ -14316,6 +13223,13 @@
               </a:rPr>
               <a:t>Bellman-Ford</a:t>
             </a:r>
+            <a:endParaRPr lang="en-US" altLang="zh-CN" kern="0" dirty="0">
+              <a:solidFill>
+                <a:srgbClr val="003366"/>
+              </a:solidFill>
+              <a:latin typeface="仿宋" panose="02010609060101010101" pitchFamily="49" charset="-122"/>
+              <a:ea typeface="仿宋" panose="02010609060101010101" pitchFamily="49" charset="-122"/>
+            </a:endParaRPr>
           </a:p>
           <a:p>
             <a:pPr lvl="1" eaLnBrk="1" hangingPunct="1">
@@ -14345,6 +13259,13 @@
               </a:rPr>
               <a:t>Bellman-Ford</a:t>
             </a:r>
+            <a:endParaRPr lang="en-US" altLang="zh-CN" kern="0" dirty="0">
+              <a:solidFill>
+                <a:srgbClr val="003366"/>
+              </a:solidFill>
+              <a:latin typeface="仿宋" panose="02010609060101010101" pitchFamily="49" charset="-122"/>
+              <a:ea typeface="仿宋" panose="02010609060101010101" pitchFamily="49" charset="-122"/>
+            </a:endParaRPr>
           </a:p>
           <a:p>
             <a:pPr lvl="1" eaLnBrk="1" hangingPunct="1">
@@ -14475,11 +13396,6 @@
         </p:txBody>
       </p:sp>
     </p:spTree>
-    <p:extLst>
-      <p:ext uri="{BB962C8B-B14F-4D97-AF65-F5344CB8AC3E}">
-        <p14:creationId xmlns:p14="http://schemas.microsoft.com/office/powerpoint/2010/main" val="971337701"/>
-      </p:ext>
-    </p:extLst>
   </p:cSld>
   <p:clrMapOvr>
     <a:masterClrMapping/>
@@ -14524,25 +13440,6 @@
           <a:ln>
             <a:noFill/>
           </a:ln>
-          <a:extLst>
-            <a:ext uri="{909E8E84-426E-40dd-AFC4-6F175D3DCCD1}">
-              <a14:hiddenFill xmlns:a14="http://schemas.microsoft.com/office/drawing/2010/main" xmlns="">
-                <a:solidFill>
-                  <a:srgbClr val="FFFFFF"/>
-                </a:solidFill>
-              </a14:hiddenFill>
-            </a:ext>
-            <a:ext uri="{91240B29-F687-4f45-9708-019B960494DF}">
-              <a14:hiddenLine xmlns:a14="http://schemas.microsoft.com/office/drawing/2010/main" xmlns="" w="9525">
-                <a:solidFill>
-                  <a:srgbClr val="000000"/>
-                </a:solidFill>
-                <a:miter lim="800000"/>
-                <a:headEnd/>
-                <a:tailEnd/>
-              </a14:hiddenLine>
-            </a:ext>
-          </a:extLst>
         </p:spPr>
         <p:txBody>
           <a:bodyPr wrap="square" lIns="91436" tIns="45718" rIns="91436" bIns="45718">
@@ -14706,6 +13603,13 @@
               </a:rPr>
               <a:t>异步并发启动者深度优先搜索生成树</a:t>
             </a:r>
+            <a:endParaRPr lang="zh-CN" altLang="en-US" b="1" dirty="0">
+              <a:solidFill>
+                <a:srgbClr val="002060"/>
+              </a:solidFill>
+              <a:latin typeface="微软雅黑" panose="020B0503020204020204" pitchFamily="34" charset="-122"/>
+              <a:ea typeface="微软雅黑" panose="020B0503020204020204" pitchFamily="34" charset="-122"/>
+            </a:endParaRPr>
           </a:p>
         </p:txBody>
       </p:sp>
@@ -14725,25 +13629,6 @@
             <a:ext cx="2133600" cy="365125"/>
           </a:xfrm>
           <a:noFill/>
-          <a:extLst>
-            <a:ext uri="{909E8E84-426E-40dd-AFC4-6F175D3DCCD1}">
-              <a14:hiddenFill xmlns:a14="http://schemas.microsoft.com/office/drawing/2010/main" xmlns="">
-                <a:solidFill>
-                  <a:srgbClr val="FFFFFF"/>
-                </a:solidFill>
-              </a14:hiddenFill>
-            </a:ext>
-            <a:ext uri="{91240B29-F687-4f45-9708-019B960494DF}">
-              <a14:hiddenLine xmlns:a14="http://schemas.microsoft.com/office/drawing/2010/main" xmlns="" w="9525">
-                <a:solidFill>
-                  <a:srgbClr val="000000"/>
-                </a:solidFill>
-                <a:miter lim="800000"/>
-                <a:headEnd/>
-                <a:tailEnd/>
-              </a14:hiddenLine>
-            </a:ext>
-          </a:extLst>
         </p:spPr>
         <p:txBody>
           <a:bodyPr/>
@@ -14762,7 +13647,7 @@
                 <a:ea typeface="宋体" panose="02010600030101010101" pitchFamily="2" charset="-122"/>
               </a:defRPr>
             </a:lvl1pPr>
-            <a:lvl2pPr marL="742920" indent="-285738">
+            <a:lvl2pPr marL="742950" indent="-285750">
               <a:spcBef>
                 <a:spcPct val="20000"/>
               </a:spcBef>
@@ -14776,7 +13661,7 @@
                 <a:ea typeface="宋体" panose="02010600030101010101" pitchFamily="2" charset="-122"/>
               </a:defRPr>
             </a:lvl2pPr>
-            <a:lvl3pPr marL="1142953" indent="-228591">
+            <a:lvl3pPr marL="1143000" indent="-228600">
               <a:spcBef>
                 <a:spcPct val="20000"/>
               </a:spcBef>
@@ -14790,7 +13675,7 @@
                 <a:ea typeface="宋体" panose="02010600030101010101" pitchFamily="2" charset="-122"/>
               </a:defRPr>
             </a:lvl3pPr>
-            <a:lvl4pPr marL="1600135" indent="-228591">
+            <a:lvl4pPr marL="1600200" indent="-228600">
               <a:spcBef>
                 <a:spcPct val="20000"/>
               </a:spcBef>
@@ -14804,7 +13689,7 @@
                 <a:ea typeface="宋体" panose="02010600030101010101" pitchFamily="2" charset="-122"/>
               </a:defRPr>
             </a:lvl4pPr>
-            <a:lvl5pPr marL="2057315" indent="-228591">
+            <a:lvl5pPr marL="2057400" indent="-228600">
               <a:spcBef>
                 <a:spcPct val="20000"/>
               </a:spcBef>
@@ -14818,7 +13703,7 @@
                 <a:ea typeface="宋体" panose="02010600030101010101" pitchFamily="2" charset="-122"/>
               </a:defRPr>
             </a:lvl5pPr>
-            <a:lvl6pPr marL="2514497" indent="-228591" eaLnBrk="0" fontAlgn="base" hangingPunct="0">
+            <a:lvl6pPr marL="2514600" indent="-228600" eaLnBrk="0" fontAlgn="base" hangingPunct="0">
               <a:spcBef>
                 <a:spcPct val="20000"/>
               </a:spcBef>
@@ -14835,7 +13720,7 @@
                 <a:ea typeface="宋体" panose="02010600030101010101" pitchFamily="2" charset="-122"/>
               </a:defRPr>
             </a:lvl6pPr>
-            <a:lvl7pPr marL="2971678" indent="-228591" eaLnBrk="0" fontAlgn="base" hangingPunct="0">
+            <a:lvl7pPr marL="2971800" indent="-228600" eaLnBrk="0" fontAlgn="base" hangingPunct="0">
               <a:spcBef>
                 <a:spcPct val="20000"/>
               </a:spcBef>
@@ -14852,7 +13737,7 @@
                 <a:ea typeface="宋体" panose="02010600030101010101" pitchFamily="2" charset="-122"/>
               </a:defRPr>
             </a:lvl7pPr>
-            <a:lvl8pPr marL="3428859" indent="-228591" eaLnBrk="0" fontAlgn="base" hangingPunct="0">
+            <a:lvl8pPr marL="3429000" indent="-228600" eaLnBrk="0" fontAlgn="base" hangingPunct="0">
               <a:spcBef>
                 <a:spcPct val="20000"/>
               </a:spcBef>
@@ -14869,7 +13754,7 @@
                 <a:ea typeface="宋体" panose="02010600030101010101" pitchFamily="2" charset="-122"/>
               </a:defRPr>
             </a:lvl8pPr>
-            <a:lvl9pPr marL="3886041" indent="-228591" eaLnBrk="0" fontAlgn="base" hangingPunct="0">
+            <a:lvl9pPr marL="3886200" indent="-228600" eaLnBrk="0" fontAlgn="base" hangingPunct="0">
               <a:spcBef>
                 <a:spcPct val="20000"/>
               </a:spcBef>
@@ -14901,14 +13786,6 @@
                   <a:srgbClr val="898989"/>
                 </a:solidFill>
               </a:rPr>
-              <a:pPr>
-                <a:spcBef>
-                  <a:spcPct val="0"/>
-                </a:spcBef>
-                <a:buFontTx/>
-                <a:buNone/>
-              </a:pPr>
-              <a:t>3</a:t>
             </a:fld>
             <a:endParaRPr lang="zh-CN" altLang="en-US" sz="1200" dirty="0">
               <a:solidFill>
@@ -14927,7 +13804,7 @@
           <p:nvPr/>
         </p:nvPicPr>
         <p:blipFill>
-          <a:blip r:embed="rId3" cstate="print">
+          <a:blip r:embed="rId1" cstate="print">
             <a:extLst>
               <a:ext uri="{28A0092B-C50C-407E-A947-70E740481C1C}">
                 <a14:useLocalDpi xmlns:a14="http://schemas.microsoft.com/office/drawing/2010/main" val="0"/>
@@ -14951,39 +13828,12 @@
           <a:ln>
             <a:noFill/>
           </a:ln>
-          <a:extLst>
-            <a:ext uri="{909E8E84-426E-40dd-AFC4-6F175D3DCCD1}">
-              <a14:hiddenFill xmlns:a14="http://schemas.microsoft.com/office/drawing/2010/main" xmlns="">
-                <a:solidFill>
-                  <a:srgbClr val="FFFFFF"/>
-                </a:solidFill>
-              </a14:hiddenFill>
-            </a:ext>
-            <a:ext uri="{91240B29-F687-4f45-9708-019B960494DF}">
-              <a14:hiddenLine xmlns:a14="http://schemas.microsoft.com/office/drawing/2010/main" xmlns="" w="9525">
-                <a:solidFill>
-                  <a:srgbClr val="000000"/>
-                </a:solidFill>
-                <a:miter lim="800000"/>
-                <a:headEnd/>
-                <a:tailEnd/>
-              </a14:hiddenLine>
-            </a:ext>
-          </a:extLst>
         </p:spPr>
       </p:pic>
       <p:sp>
         <p:nvSpPr>
-          <p:cNvPr id="6" name="Subtitle 2">
-            <a:extLst>
-              <a:ext uri="{FF2B5EF4-FFF2-40B4-BE49-F238E27FC236}">
-                <a16:creationId xmlns:a16="http://schemas.microsoft.com/office/drawing/2014/main" id="{5B72932F-F3D6-46BF-9A61-0930A2E33BD6}"/>
-              </a:ext>
-            </a:extLst>
-          </p:cNvPr>
-          <p:cNvSpPr txBox="1">
-            <a:spLocks/>
-          </p:cNvSpPr>
+          <p:cNvPr id="6" name="Subtitle 2"/>
+          <p:cNvSpPr txBox="1"/>
           <p:nvPr/>
         </p:nvSpPr>
         <p:spPr bwMode="auto">
@@ -15019,11 +13869,7 @@
           </a:extLst>
         </p:spPr>
         <p:txBody>
-          <a:bodyPr vert="horz" wrap="square" lIns="91440" tIns="45720" rIns="91440" bIns="45720" numCol="1" anchor="t" anchorCtr="0" compatLnSpc="1">
-            <a:prstTxWarp prst="textNoShape">
-              <a:avLst/>
-            </a:prstTxWarp>
-          </a:bodyPr>
+          <a:bodyPr vert="horz" wrap="square" lIns="91440" tIns="45720" rIns="91440" bIns="45720" numCol="1" anchor="t" anchorCtr="0" compatLnSpc="1"/>
           <a:lstStyle>
             <a:lvl1pPr marL="342900" indent="-342900" algn="l" rtl="0" eaLnBrk="0" fontAlgn="base" hangingPunct="0">
               <a:spcBef>
@@ -15142,7 +13988,7 @@
                 <a:schemeClr val="tx2"/>
               </a:buClr>
               <a:buSzPct val="70000"/>
-              <a:buFont typeface="Wingdings" pitchFamily="2" charset="2"/>
+              <a:buFont typeface="Wingdings" panose="05000000000000000000" pitchFamily="2" charset="2"/>
               <a:buChar char="¡"/>
               <a:defRPr sz="1600">
                 <a:solidFill>
@@ -15163,7 +14009,7 @@
                 <a:schemeClr val="tx2"/>
               </a:buClr>
               <a:buSzPct val="70000"/>
-              <a:buFont typeface="Wingdings" pitchFamily="2" charset="2"/>
+              <a:buFont typeface="Wingdings" panose="05000000000000000000" pitchFamily="2" charset="2"/>
               <a:buChar char="¡"/>
               <a:defRPr sz="1600">
                 <a:solidFill>
@@ -15184,7 +14030,7 @@
                 <a:schemeClr val="tx2"/>
               </a:buClr>
               <a:buSzPct val="70000"/>
-              <a:buFont typeface="Wingdings" pitchFamily="2" charset="2"/>
+              <a:buFont typeface="Wingdings" panose="05000000000000000000" pitchFamily="2" charset="2"/>
               <a:buChar char="¡"/>
               <a:defRPr sz="1600">
                 <a:solidFill>
@@ -15205,7 +14051,7 @@
                 <a:schemeClr val="tx2"/>
               </a:buClr>
               <a:buSzPct val="70000"/>
-              <a:buFont typeface="Wingdings" pitchFamily="2" charset="2"/>
+              <a:buFont typeface="Wingdings" panose="05000000000000000000" pitchFamily="2" charset="2"/>
               <a:buChar char="¡"/>
               <a:defRPr sz="1600">
                 <a:solidFill>
@@ -15233,7 +14079,6 @@
               <a:buSzPct val="70000"/>
               <a:buFont typeface="Wingdings" panose="05000000000000000000" pitchFamily="2" charset="2"/>
               <a:buChar char="n"/>
-              <a:tabLst/>
               <a:defRPr/>
             </a:pPr>
             <a:r>
@@ -15241,8 +14086,8 @@
                 <a:solidFill>
                   <a:srgbClr val="003366"/>
                 </a:solidFill>
-                <a:latin typeface="Arial"/>
-                <a:ea typeface="宋体"/>
+                <a:latin typeface="Arial" panose="020B0604020202020204"/>
+                <a:ea typeface="宋体" panose="02010600030101010101" pitchFamily="2" charset="-122"/>
               </a:rPr>
               <a:t>环境初始化，对于每个节点：</a:t>
             </a:r>
@@ -15250,8 +14095,8 @@
               <a:solidFill>
                 <a:srgbClr val="003366"/>
               </a:solidFill>
-              <a:latin typeface="Arial"/>
-              <a:ea typeface="宋体"/>
+              <a:latin typeface="Arial" panose="020B0604020202020204"/>
+              <a:ea typeface="宋体" panose="02010600030101010101" pitchFamily="2" charset="-122"/>
             </a:endParaRPr>
           </a:p>
           <a:p>
@@ -15275,20 +14120,14 @@
       </p:sp>
       <p:pic>
         <p:nvPicPr>
-          <p:cNvPr id="3" name="图片 2">
-            <a:extLst>
-              <a:ext uri="{FF2B5EF4-FFF2-40B4-BE49-F238E27FC236}">
-                <a16:creationId xmlns:a16="http://schemas.microsoft.com/office/drawing/2014/main" id="{D639B4FE-B50F-4848-921E-9C390487EF35}"/>
-              </a:ext>
-            </a:extLst>
-          </p:cNvPr>
+          <p:cNvPr id="3" name="图片 2"/>
           <p:cNvPicPr>
             <a:picLocks noChangeAspect="1"/>
           </p:cNvPicPr>
           <p:nvPr/>
         </p:nvPicPr>
         <p:blipFill>
-          <a:blip r:embed="rId4"/>
+          <a:blip r:embed="rId2"/>
           <a:stretch>
             <a:fillRect/>
           </a:stretch>
@@ -15305,20 +14144,14 @@
       </p:pic>
       <p:pic>
         <p:nvPicPr>
-          <p:cNvPr id="4" name="图片 3">
-            <a:extLst>
-              <a:ext uri="{FF2B5EF4-FFF2-40B4-BE49-F238E27FC236}">
-                <a16:creationId xmlns:a16="http://schemas.microsoft.com/office/drawing/2014/main" id="{5457A57B-1AAA-42F3-BFB3-96ED0552BA07}"/>
-              </a:ext>
-            </a:extLst>
-          </p:cNvPr>
+          <p:cNvPr id="4" name="图片 3"/>
           <p:cNvPicPr>
             <a:picLocks noChangeAspect="1"/>
           </p:cNvPicPr>
           <p:nvPr/>
         </p:nvPicPr>
         <p:blipFill>
-          <a:blip r:embed="rId5"/>
+          <a:blip r:embed="rId3"/>
           <a:stretch>
             <a:fillRect/>
           </a:stretch>
@@ -15335,16 +14168,8 @@
       </p:pic>
       <p:sp>
         <p:nvSpPr>
-          <p:cNvPr id="9" name="Subtitle 2">
-            <a:extLst>
-              <a:ext uri="{FF2B5EF4-FFF2-40B4-BE49-F238E27FC236}">
-                <a16:creationId xmlns:a16="http://schemas.microsoft.com/office/drawing/2014/main" id="{BDB20F82-7DD8-4777-A731-041C506CE0D0}"/>
-              </a:ext>
-            </a:extLst>
-          </p:cNvPr>
-          <p:cNvSpPr txBox="1">
-            <a:spLocks/>
-          </p:cNvSpPr>
+          <p:cNvPr id="9" name="Subtitle 2"/>
+          <p:cNvSpPr txBox="1"/>
           <p:nvPr/>
         </p:nvSpPr>
         <p:spPr bwMode="auto">
@@ -15380,11 +14205,7 @@
           </a:extLst>
         </p:spPr>
         <p:txBody>
-          <a:bodyPr vert="horz" wrap="square" lIns="91440" tIns="45720" rIns="91440" bIns="45720" numCol="1" anchor="t" anchorCtr="0" compatLnSpc="1">
-            <a:prstTxWarp prst="textNoShape">
-              <a:avLst/>
-            </a:prstTxWarp>
-          </a:bodyPr>
+          <a:bodyPr vert="horz" wrap="square" lIns="91440" tIns="45720" rIns="91440" bIns="45720" numCol="1" anchor="t" anchorCtr="0" compatLnSpc="1"/>
           <a:lstStyle>
             <a:lvl1pPr marL="342900" indent="-342900" algn="l" rtl="0" eaLnBrk="0" fontAlgn="base" hangingPunct="0">
               <a:spcBef>
@@ -15503,7 +14324,7 @@
                 <a:schemeClr val="tx2"/>
               </a:buClr>
               <a:buSzPct val="70000"/>
-              <a:buFont typeface="Wingdings" pitchFamily="2" charset="2"/>
+              <a:buFont typeface="Wingdings" panose="05000000000000000000" pitchFamily="2" charset="2"/>
               <a:buChar char="¡"/>
               <a:defRPr sz="1600">
                 <a:solidFill>
@@ -15524,7 +14345,7 @@
                 <a:schemeClr val="tx2"/>
               </a:buClr>
               <a:buSzPct val="70000"/>
-              <a:buFont typeface="Wingdings" pitchFamily="2" charset="2"/>
+              <a:buFont typeface="Wingdings" panose="05000000000000000000" pitchFamily="2" charset="2"/>
               <a:buChar char="¡"/>
               <a:defRPr sz="1600">
                 <a:solidFill>
@@ -15545,7 +14366,7 @@
                 <a:schemeClr val="tx2"/>
               </a:buClr>
               <a:buSzPct val="70000"/>
-              <a:buFont typeface="Wingdings" pitchFamily="2" charset="2"/>
+              <a:buFont typeface="Wingdings" panose="05000000000000000000" pitchFamily="2" charset="2"/>
               <a:buChar char="¡"/>
               <a:defRPr sz="1600">
                 <a:solidFill>
@@ -15566,7 +14387,7 @@
                 <a:schemeClr val="tx2"/>
               </a:buClr>
               <a:buSzPct val="70000"/>
-              <a:buFont typeface="Wingdings" pitchFamily="2" charset="2"/>
+              <a:buFont typeface="Wingdings" panose="05000000000000000000" pitchFamily="2" charset="2"/>
               <a:buChar char="¡"/>
               <a:defRPr sz="1600">
                 <a:solidFill>
@@ -15594,7 +14415,6 @@
               <a:buSzPct val="70000"/>
               <a:buFont typeface="Wingdings" panose="05000000000000000000" pitchFamily="2" charset="2"/>
               <a:buChar char="n"/>
-              <a:tabLst/>
               <a:defRPr/>
             </a:pPr>
             <a:r>
@@ -15602,8 +14422,8 @@
                 <a:solidFill>
                   <a:srgbClr val="003366"/>
                 </a:solidFill>
-                <a:latin typeface="Arial"/>
-                <a:ea typeface="宋体"/>
+                <a:latin typeface="Arial" panose="020B0604020202020204"/>
+                <a:ea typeface="宋体" panose="02010600030101010101" pitchFamily="2" charset="-122"/>
               </a:rPr>
               <a:t>根节点启动消息发送：</a:t>
             </a:r>
@@ -15611,8 +14431,8 @@
               <a:solidFill>
                 <a:srgbClr val="003366"/>
               </a:solidFill>
-              <a:latin typeface="Arial"/>
-              <a:ea typeface="宋体"/>
+              <a:latin typeface="Arial" panose="020B0604020202020204"/>
+              <a:ea typeface="宋体" panose="02010600030101010101" pitchFamily="2" charset="-122"/>
             </a:endParaRPr>
           </a:p>
           <a:p>
@@ -15635,11 +14455,6 @@
         </p:txBody>
       </p:sp>
     </p:spTree>
-    <p:extLst>
-      <p:ext uri="{BB962C8B-B14F-4D97-AF65-F5344CB8AC3E}">
-        <p14:creationId xmlns:p14="http://schemas.microsoft.com/office/powerpoint/2010/main" val="1237521656"/>
-      </p:ext>
-    </p:extLst>
   </p:cSld>
   <p:clrMapOvr>
     <a:masterClrMapping/>
@@ -15666,20 +14481,14 @@
       </p:grpSpPr>
       <p:pic>
         <p:nvPicPr>
-          <p:cNvPr id="2" name="图片 1">
-            <a:extLst>
-              <a:ext uri="{FF2B5EF4-FFF2-40B4-BE49-F238E27FC236}">
-                <a16:creationId xmlns:a16="http://schemas.microsoft.com/office/drawing/2014/main" id="{771DDAEF-81E1-4696-AEEE-111D26DF3F94}"/>
-              </a:ext>
-            </a:extLst>
-          </p:cNvPr>
+          <p:cNvPr id="2" name="图片 1"/>
           <p:cNvPicPr>
             <a:picLocks noChangeAspect="1"/>
           </p:cNvPicPr>
           <p:nvPr/>
         </p:nvPicPr>
         <p:blipFill>
-          <a:blip r:embed="rId3"/>
+          <a:blip r:embed="rId1"/>
           <a:stretch>
             <a:fillRect/>
           </a:stretch>
@@ -15714,25 +14523,6 @@
           <a:ln>
             <a:noFill/>
           </a:ln>
-          <a:extLst>
-            <a:ext uri="{909E8E84-426E-40dd-AFC4-6F175D3DCCD1}">
-              <a14:hiddenFill xmlns:a14="http://schemas.microsoft.com/office/drawing/2010/main" xmlns="">
-                <a:solidFill>
-                  <a:srgbClr val="FFFFFF"/>
-                </a:solidFill>
-              </a14:hiddenFill>
-            </a:ext>
-            <a:ext uri="{91240B29-F687-4f45-9708-019B960494DF}">
-              <a14:hiddenLine xmlns:a14="http://schemas.microsoft.com/office/drawing/2010/main" xmlns="" w="9525">
-                <a:solidFill>
-                  <a:srgbClr val="000000"/>
-                </a:solidFill>
-                <a:miter lim="800000"/>
-                <a:headEnd/>
-                <a:tailEnd/>
-              </a14:hiddenLine>
-            </a:ext>
-          </a:extLst>
         </p:spPr>
         <p:txBody>
           <a:bodyPr wrap="square" lIns="91436" tIns="45718" rIns="91436" bIns="45718">
@@ -15896,6 +14686,13 @@
               </a:rPr>
               <a:t>异步并发启动者深度优先搜索生成树</a:t>
             </a:r>
+            <a:endParaRPr lang="zh-CN" altLang="en-US" b="1" dirty="0">
+              <a:solidFill>
+                <a:srgbClr val="002060"/>
+              </a:solidFill>
+              <a:latin typeface="微软雅黑" panose="020B0503020204020204" pitchFamily="34" charset="-122"/>
+              <a:ea typeface="微软雅黑" panose="020B0503020204020204" pitchFamily="34" charset="-122"/>
+            </a:endParaRPr>
           </a:p>
         </p:txBody>
       </p:sp>
@@ -15915,25 +14712,6 @@
             <a:ext cx="2133600" cy="365125"/>
           </a:xfrm>
           <a:noFill/>
-          <a:extLst>
-            <a:ext uri="{909E8E84-426E-40dd-AFC4-6F175D3DCCD1}">
-              <a14:hiddenFill xmlns:a14="http://schemas.microsoft.com/office/drawing/2010/main" xmlns="">
-                <a:solidFill>
-                  <a:srgbClr val="FFFFFF"/>
-                </a:solidFill>
-              </a14:hiddenFill>
-            </a:ext>
-            <a:ext uri="{91240B29-F687-4f45-9708-019B960494DF}">
-              <a14:hiddenLine xmlns:a14="http://schemas.microsoft.com/office/drawing/2010/main" xmlns="" w="9525">
-                <a:solidFill>
-                  <a:srgbClr val="000000"/>
-                </a:solidFill>
-                <a:miter lim="800000"/>
-                <a:headEnd/>
-                <a:tailEnd/>
-              </a14:hiddenLine>
-            </a:ext>
-          </a:extLst>
         </p:spPr>
         <p:txBody>
           <a:bodyPr/>
@@ -15952,7 +14730,7 @@
                 <a:ea typeface="宋体" panose="02010600030101010101" pitchFamily="2" charset="-122"/>
               </a:defRPr>
             </a:lvl1pPr>
-            <a:lvl2pPr marL="742920" indent="-285738">
+            <a:lvl2pPr marL="742950" indent="-285750">
               <a:spcBef>
                 <a:spcPct val="20000"/>
               </a:spcBef>
@@ -15966,7 +14744,7 @@
                 <a:ea typeface="宋体" panose="02010600030101010101" pitchFamily="2" charset="-122"/>
               </a:defRPr>
             </a:lvl2pPr>
-            <a:lvl3pPr marL="1142953" indent="-228591">
+            <a:lvl3pPr marL="1143000" indent="-228600">
               <a:spcBef>
                 <a:spcPct val="20000"/>
               </a:spcBef>
@@ -15980,7 +14758,7 @@
                 <a:ea typeface="宋体" panose="02010600030101010101" pitchFamily="2" charset="-122"/>
               </a:defRPr>
             </a:lvl3pPr>
-            <a:lvl4pPr marL="1600135" indent="-228591">
+            <a:lvl4pPr marL="1600200" indent="-228600">
               <a:spcBef>
                 <a:spcPct val="20000"/>
               </a:spcBef>
@@ -15994,7 +14772,7 @@
                 <a:ea typeface="宋体" panose="02010600030101010101" pitchFamily="2" charset="-122"/>
               </a:defRPr>
             </a:lvl4pPr>
-            <a:lvl5pPr marL="2057315" indent="-228591">
+            <a:lvl5pPr marL="2057400" indent="-228600">
               <a:spcBef>
                 <a:spcPct val="20000"/>
               </a:spcBef>
@@ -16008,7 +14786,7 @@
                 <a:ea typeface="宋体" panose="02010600030101010101" pitchFamily="2" charset="-122"/>
               </a:defRPr>
             </a:lvl5pPr>
-            <a:lvl6pPr marL="2514497" indent="-228591" eaLnBrk="0" fontAlgn="base" hangingPunct="0">
+            <a:lvl6pPr marL="2514600" indent="-228600" eaLnBrk="0" fontAlgn="base" hangingPunct="0">
               <a:spcBef>
                 <a:spcPct val="20000"/>
               </a:spcBef>
@@ -16025,7 +14803,7 @@
                 <a:ea typeface="宋体" panose="02010600030101010101" pitchFamily="2" charset="-122"/>
               </a:defRPr>
             </a:lvl6pPr>
-            <a:lvl7pPr marL="2971678" indent="-228591" eaLnBrk="0" fontAlgn="base" hangingPunct="0">
+            <a:lvl7pPr marL="2971800" indent="-228600" eaLnBrk="0" fontAlgn="base" hangingPunct="0">
               <a:spcBef>
                 <a:spcPct val="20000"/>
               </a:spcBef>
@@ -16042,7 +14820,7 @@
                 <a:ea typeface="宋体" panose="02010600030101010101" pitchFamily="2" charset="-122"/>
               </a:defRPr>
             </a:lvl7pPr>
-            <a:lvl8pPr marL="3428859" indent="-228591" eaLnBrk="0" fontAlgn="base" hangingPunct="0">
+            <a:lvl8pPr marL="3429000" indent="-228600" eaLnBrk="0" fontAlgn="base" hangingPunct="0">
               <a:spcBef>
                 <a:spcPct val="20000"/>
               </a:spcBef>
@@ -16059,7 +14837,7 @@
                 <a:ea typeface="宋体" panose="02010600030101010101" pitchFamily="2" charset="-122"/>
               </a:defRPr>
             </a:lvl8pPr>
-            <a:lvl9pPr marL="3886041" indent="-228591" eaLnBrk="0" fontAlgn="base" hangingPunct="0">
+            <a:lvl9pPr marL="3886200" indent="-228600" eaLnBrk="0" fontAlgn="base" hangingPunct="0">
               <a:spcBef>
                 <a:spcPct val="20000"/>
               </a:spcBef>
@@ -16091,14 +14869,6 @@
                   <a:srgbClr val="898989"/>
                 </a:solidFill>
               </a:rPr>
-              <a:pPr>
-                <a:spcBef>
-                  <a:spcPct val="0"/>
-                </a:spcBef>
-                <a:buFontTx/>
-                <a:buNone/>
-              </a:pPr>
-              <a:t>4</a:t>
             </a:fld>
             <a:endParaRPr lang="zh-CN" altLang="en-US" sz="1200" dirty="0">
               <a:solidFill>
@@ -16117,7 +14887,7 @@
           <p:nvPr/>
         </p:nvPicPr>
         <p:blipFill>
-          <a:blip r:embed="rId4" cstate="print">
+          <a:blip r:embed="rId2" cstate="print">
             <a:extLst>
               <a:ext uri="{28A0092B-C50C-407E-A947-70E740481C1C}">
                 <a14:useLocalDpi xmlns:a14="http://schemas.microsoft.com/office/drawing/2010/main" val="0"/>
@@ -16141,39 +14911,12 @@
           <a:ln>
             <a:noFill/>
           </a:ln>
-          <a:extLst>
-            <a:ext uri="{909E8E84-426E-40dd-AFC4-6F175D3DCCD1}">
-              <a14:hiddenFill xmlns:a14="http://schemas.microsoft.com/office/drawing/2010/main" xmlns="">
-                <a:solidFill>
-                  <a:srgbClr val="FFFFFF"/>
-                </a:solidFill>
-              </a14:hiddenFill>
-            </a:ext>
-            <a:ext uri="{91240B29-F687-4f45-9708-019B960494DF}">
-              <a14:hiddenLine xmlns:a14="http://schemas.microsoft.com/office/drawing/2010/main" xmlns="" w="9525">
-                <a:solidFill>
-                  <a:srgbClr val="000000"/>
-                </a:solidFill>
-                <a:miter lim="800000"/>
-                <a:headEnd/>
-                <a:tailEnd/>
-              </a14:hiddenLine>
-            </a:ext>
-          </a:extLst>
         </p:spPr>
       </p:pic>
       <p:sp>
         <p:nvSpPr>
-          <p:cNvPr id="6" name="Subtitle 2">
-            <a:extLst>
-              <a:ext uri="{FF2B5EF4-FFF2-40B4-BE49-F238E27FC236}">
-                <a16:creationId xmlns:a16="http://schemas.microsoft.com/office/drawing/2014/main" id="{5B72932F-F3D6-46BF-9A61-0930A2E33BD6}"/>
-              </a:ext>
-            </a:extLst>
-          </p:cNvPr>
-          <p:cNvSpPr txBox="1">
-            <a:spLocks/>
-          </p:cNvSpPr>
+          <p:cNvPr id="6" name="Subtitle 2"/>
+          <p:cNvSpPr txBox="1"/>
           <p:nvPr/>
         </p:nvSpPr>
         <p:spPr bwMode="auto">
@@ -16209,11 +14952,7 @@
           </a:extLst>
         </p:spPr>
         <p:txBody>
-          <a:bodyPr vert="horz" wrap="square" lIns="91440" tIns="45720" rIns="91440" bIns="45720" numCol="1" anchor="t" anchorCtr="0" compatLnSpc="1">
-            <a:prstTxWarp prst="textNoShape">
-              <a:avLst/>
-            </a:prstTxWarp>
-          </a:bodyPr>
+          <a:bodyPr vert="horz" wrap="square" lIns="91440" tIns="45720" rIns="91440" bIns="45720" numCol="1" anchor="t" anchorCtr="0" compatLnSpc="1"/>
           <a:lstStyle>
             <a:lvl1pPr marL="342900" indent="-342900" algn="l" rtl="0" eaLnBrk="0" fontAlgn="base" hangingPunct="0">
               <a:spcBef>
@@ -16332,7 +15071,7 @@
                 <a:schemeClr val="tx2"/>
               </a:buClr>
               <a:buSzPct val="70000"/>
-              <a:buFont typeface="Wingdings" pitchFamily="2" charset="2"/>
+              <a:buFont typeface="Wingdings" panose="05000000000000000000" pitchFamily="2" charset="2"/>
               <a:buChar char="¡"/>
               <a:defRPr sz="1600">
                 <a:solidFill>
@@ -16353,7 +15092,7 @@
                 <a:schemeClr val="tx2"/>
               </a:buClr>
               <a:buSzPct val="70000"/>
-              <a:buFont typeface="Wingdings" pitchFamily="2" charset="2"/>
+              <a:buFont typeface="Wingdings" panose="05000000000000000000" pitchFamily="2" charset="2"/>
               <a:buChar char="¡"/>
               <a:defRPr sz="1600">
                 <a:solidFill>
@@ -16374,7 +15113,7 @@
                 <a:schemeClr val="tx2"/>
               </a:buClr>
               <a:buSzPct val="70000"/>
-              <a:buFont typeface="Wingdings" pitchFamily="2" charset="2"/>
+              <a:buFont typeface="Wingdings" panose="05000000000000000000" pitchFamily="2" charset="2"/>
               <a:buChar char="¡"/>
               <a:defRPr sz="1600">
                 <a:solidFill>
@@ -16395,7 +15134,7 @@
                 <a:schemeClr val="tx2"/>
               </a:buClr>
               <a:buSzPct val="70000"/>
-              <a:buFont typeface="Wingdings" pitchFamily="2" charset="2"/>
+              <a:buFont typeface="Wingdings" panose="05000000000000000000" pitchFamily="2" charset="2"/>
               <a:buChar char="¡"/>
               <a:defRPr sz="1600">
                 <a:solidFill>
@@ -16423,7 +15162,6 @@
               <a:buSzPct val="70000"/>
               <a:buFont typeface="Wingdings" panose="05000000000000000000" pitchFamily="2" charset="2"/>
               <a:buChar char="n"/>
-              <a:tabLst/>
               <a:defRPr/>
             </a:pPr>
             <a:r>
@@ -16431,8 +15169,8 @@
                 <a:solidFill>
                   <a:srgbClr val="003366"/>
                 </a:solidFill>
-                <a:latin typeface="Arial"/>
-                <a:ea typeface="宋体"/>
+                <a:latin typeface="Arial" panose="020B0604020202020204"/>
+                <a:ea typeface="宋体" panose="02010600030101010101" pitchFamily="2" charset="-122"/>
               </a:rPr>
               <a:t>算法执行，对于每个节点：</a:t>
             </a:r>
@@ -16440,8 +15178,8 @@
               <a:solidFill>
                 <a:srgbClr val="003366"/>
               </a:solidFill>
-              <a:latin typeface="Arial"/>
-              <a:ea typeface="宋体"/>
+              <a:latin typeface="Arial" panose="020B0604020202020204"/>
+              <a:ea typeface="宋体" panose="02010600030101010101" pitchFamily="2" charset="-122"/>
             </a:endParaRPr>
           </a:p>
           <a:p>
@@ -16465,13 +15203,7 @@
       </p:sp>
       <p:sp>
         <p:nvSpPr>
-          <p:cNvPr id="4" name="对话气泡: 矩形 3">
-            <a:extLst>
-              <a:ext uri="{FF2B5EF4-FFF2-40B4-BE49-F238E27FC236}">
-                <a16:creationId xmlns:a16="http://schemas.microsoft.com/office/drawing/2014/main" id="{953D93FE-A00F-46A1-AF48-8D3598DB55F3}"/>
-              </a:ext>
-            </a:extLst>
-          </p:cNvPr>
+          <p:cNvPr id="4" name="对话气泡: 矩形 3"/>
           <p:cNvSpPr/>
           <p:nvPr/>
         </p:nvSpPr>
@@ -16525,18 +15257,21 @@
               </a:rPr>
               <a:t>放弃已经参与的生成树，一切从头开始</a:t>
             </a:r>
+            <a:endParaRPr lang="zh-CN" altLang="en-US" dirty="0">
+              <a:solidFill>
+                <a:schemeClr val="accent5">
+                  <a:lumMod val="50000"/>
+                </a:schemeClr>
+              </a:solidFill>
+              <a:latin typeface="仿宋" panose="02010609060101010101" pitchFamily="49" charset="-122"/>
+              <a:ea typeface="仿宋" panose="02010609060101010101" pitchFamily="49" charset="-122"/>
+            </a:endParaRPr>
           </a:p>
         </p:txBody>
       </p:sp>
       <p:sp>
         <p:nvSpPr>
-          <p:cNvPr id="12" name="对话气泡: 矩形 11">
-            <a:extLst>
-              <a:ext uri="{FF2B5EF4-FFF2-40B4-BE49-F238E27FC236}">
-                <a16:creationId xmlns:a16="http://schemas.microsoft.com/office/drawing/2014/main" id="{88F95D65-AD79-490E-99C1-3B10A41B93BB}"/>
-              </a:ext>
-            </a:extLst>
-          </p:cNvPr>
+          <p:cNvPr id="12" name="对话气泡: 矩形 11"/>
           <p:cNvSpPr/>
           <p:nvPr/>
         </p:nvSpPr>
@@ -16590,18 +15325,21 @@
               </a:rPr>
               <a:t>注意：没有向所有邻居节点发送消息，体现先深搜索策略</a:t>
             </a:r>
+            <a:endParaRPr lang="zh-CN" altLang="en-US" dirty="0">
+              <a:solidFill>
+                <a:schemeClr val="accent5">
+                  <a:lumMod val="50000"/>
+                </a:schemeClr>
+              </a:solidFill>
+              <a:latin typeface="仿宋" panose="02010609060101010101" pitchFamily="49" charset="-122"/>
+              <a:ea typeface="仿宋" panose="02010609060101010101" pitchFamily="49" charset="-122"/>
+            </a:endParaRPr>
           </a:p>
         </p:txBody>
       </p:sp>
       <p:sp>
         <p:nvSpPr>
-          <p:cNvPr id="13" name="对话气泡: 矩形 12">
-            <a:extLst>
-              <a:ext uri="{FF2B5EF4-FFF2-40B4-BE49-F238E27FC236}">
-                <a16:creationId xmlns:a16="http://schemas.microsoft.com/office/drawing/2014/main" id="{92577F23-1FA6-4B9C-BB3D-AD946AB63B37}"/>
-              </a:ext>
-            </a:extLst>
-          </p:cNvPr>
+          <p:cNvPr id="13" name="对话气泡: 矩形 12"/>
           <p:cNvSpPr/>
           <p:nvPr/>
         </p:nvSpPr>
@@ -16655,15 +15393,19 @@
               </a:rPr>
               <a:t>此分支搜索到达底部</a:t>
             </a:r>
+            <a:endParaRPr lang="zh-CN" altLang="en-US" dirty="0">
+              <a:solidFill>
+                <a:schemeClr val="accent5">
+                  <a:lumMod val="50000"/>
+                </a:schemeClr>
+              </a:solidFill>
+              <a:latin typeface="仿宋" panose="02010609060101010101" pitchFamily="49" charset="-122"/>
+              <a:ea typeface="仿宋" panose="02010609060101010101" pitchFamily="49" charset="-122"/>
+            </a:endParaRPr>
           </a:p>
         </p:txBody>
       </p:sp>
     </p:spTree>
-    <p:extLst>
-      <p:ext uri="{BB962C8B-B14F-4D97-AF65-F5344CB8AC3E}">
-        <p14:creationId xmlns:p14="http://schemas.microsoft.com/office/powerpoint/2010/main" val="2907731515"/>
-      </p:ext>
-    </p:extLst>
   </p:cSld>
   <p:clrMapOvr>
     <a:masterClrMapping/>
@@ -16860,20 +15602,14 @@
       </p:grpSpPr>
       <p:pic>
         <p:nvPicPr>
-          <p:cNvPr id="3" name="图片 2">
-            <a:extLst>
-              <a:ext uri="{FF2B5EF4-FFF2-40B4-BE49-F238E27FC236}">
-                <a16:creationId xmlns:a16="http://schemas.microsoft.com/office/drawing/2014/main" id="{8FDE38AE-852C-4256-BD9A-2D80097ABB9A}"/>
-              </a:ext>
-            </a:extLst>
-          </p:cNvPr>
+          <p:cNvPr id="3" name="图片 2"/>
           <p:cNvPicPr>
             <a:picLocks noChangeAspect="1"/>
           </p:cNvPicPr>
           <p:nvPr/>
         </p:nvPicPr>
         <p:blipFill>
-          <a:blip r:embed="rId3"/>
+          <a:blip r:embed="rId1"/>
           <a:stretch>
             <a:fillRect/>
           </a:stretch>
@@ -16908,25 +15644,6 @@
           <a:ln>
             <a:noFill/>
           </a:ln>
-          <a:extLst>
-            <a:ext uri="{909E8E84-426E-40dd-AFC4-6F175D3DCCD1}">
-              <a14:hiddenFill xmlns:a14="http://schemas.microsoft.com/office/drawing/2010/main" xmlns="">
-                <a:solidFill>
-                  <a:srgbClr val="FFFFFF"/>
-                </a:solidFill>
-              </a14:hiddenFill>
-            </a:ext>
-            <a:ext uri="{91240B29-F687-4f45-9708-019B960494DF}">
-              <a14:hiddenLine xmlns:a14="http://schemas.microsoft.com/office/drawing/2010/main" xmlns="" w="9525">
-                <a:solidFill>
-                  <a:srgbClr val="000000"/>
-                </a:solidFill>
-                <a:miter lim="800000"/>
-                <a:headEnd/>
-                <a:tailEnd/>
-              </a14:hiddenLine>
-            </a:ext>
-          </a:extLst>
         </p:spPr>
         <p:txBody>
           <a:bodyPr wrap="square" lIns="91436" tIns="45718" rIns="91436" bIns="45718">
@@ -17090,6 +15807,13 @@
               </a:rPr>
               <a:t>异步并发启动者深度优先搜索生成树</a:t>
             </a:r>
+            <a:endParaRPr lang="zh-CN" altLang="en-US" b="1" dirty="0">
+              <a:solidFill>
+                <a:srgbClr val="002060"/>
+              </a:solidFill>
+              <a:latin typeface="微软雅黑" panose="020B0503020204020204" pitchFamily="34" charset="-122"/>
+              <a:ea typeface="微软雅黑" panose="020B0503020204020204" pitchFamily="34" charset="-122"/>
+            </a:endParaRPr>
           </a:p>
         </p:txBody>
       </p:sp>
@@ -17109,25 +15833,6 @@
             <a:ext cx="2133600" cy="365125"/>
           </a:xfrm>
           <a:noFill/>
-          <a:extLst>
-            <a:ext uri="{909E8E84-426E-40dd-AFC4-6F175D3DCCD1}">
-              <a14:hiddenFill xmlns:a14="http://schemas.microsoft.com/office/drawing/2010/main" xmlns="">
-                <a:solidFill>
-                  <a:srgbClr val="FFFFFF"/>
-                </a:solidFill>
-              </a14:hiddenFill>
-            </a:ext>
-            <a:ext uri="{91240B29-F687-4f45-9708-019B960494DF}">
-              <a14:hiddenLine xmlns:a14="http://schemas.microsoft.com/office/drawing/2010/main" xmlns="" w="9525">
-                <a:solidFill>
-                  <a:srgbClr val="000000"/>
-                </a:solidFill>
-                <a:miter lim="800000"/>
-                <a:headEnd/>
-                <a:tailEnd/>
-              </a14:hiddenLine>
-            </a:ext>
-          </a:extLst>
         </p:spPr>
         <p:txBody>
           <a:bodyPr/>
@@ -17146,7 +15851,7 @@
                 <a:ea typeface="宋体" panose="02010600030101010101" pitchFamily="2" charset="-122"/>
               </a:defRPr>
             </a:lvl1pPr>
-            <a:lvl2pPr marL="742920" indent="-285738">
+            <a:lvl2pPr marL="742950" indent="-285750">
               <a:spcBef>
                 <a:spcPct val="20000"/>
               </a:spcBef>
@@ -17160,7 +15865,7 @@
                 <a:ea typeface="宋体" panose="02010600030101010101" pitchFamily="2" charset="-122"/>
               </a:defRPr>
             </a:lvl2pPr>
-            <a:lvl3pPr marL="1142953" indent="-228591">
+            <a:lvl3pPr marL="1143000" indent="-228600">
               <a:spcBef>
                 <a:spcPct val="20000"/>
               </a:spcBef>
@@ -17174,7 +15879,7 @@
                 <a:ea typeface="宋体" panose="02010600030101010101" pitchFamily="2" charset="-122"/>
               </a:defRPr>
             </a:lvl3pPr>
-            <a:lvl4pPr marL="1600135" indent="-228591">
+            <a:lvl4pPr marL="1600200" indent="-228600">
               <a:spcBef>
                 <a:spcPct val="20000"/>
               </a:spcBef>
@@ -17188,7 +15893,7 @@
                 <a:ea typeface="宋体" panose="02010600030101010101" pitchFamily="2" charset="-122"/>
               </a:defRPr>
             </a:lvl4pPr>
-            <a:lvl5pPr marL="2057315" indent="-228591">
+            <a:lvl5pPr marL="2057400" indent="-228600">
               <a:spcBef>
                 <a:spcPct val="20000"/>
               </a:spcBef>
@@ -17202,7 +15907,7 @@
                 <a:ea typeface="宋体" panose="02010600030101010101" pitchFamily="2" charset="-122"/>
               </a:defRPr>
             </a:lvl5pPr>
-            <a:lvl6pPr marL="2514497" indent="-228591" eaLnBrk="0" fontAlgn="base" hangingPunct="0">
+            <a:lvl6pPr marL="2514600" indent="-228600" eaLnBrk="0" fontAlgn="base" hangingPunct="0">
               <a:spcBef>
                 <a:spcPct val="20000"/>
               </a:spcBef>
@@ -17219,7 +15924,7 @@
                 <a:ea typeface="宋体" panose="02010600030101010101" pitchFamily="2" charset="-122"/>
               </a:defRPr>
             </a:lvl6pPr>
-            <a:lvl7pPr marL="2971678" indent="-228591" eaLnBrk="0" fontAlgn="base" hangingPunct="0">
+            <a:lvl7pPr marL="2971800" indent="-228600" eaLnBrk="0" fontAlgn="base" hangingPunct="0">
               <a:spcBef>
                 <a:spcPct val="20000"/>
               </a:spcBef>
@@ -17236,7 +15941,7 @@
                 <a:ea typeface="宋体" panose="02010600030101010101" pitchFamily="2" charset="-122"/>
               </a:defRPr>
             </a:lvl7pPr>
-            <a:lvl8pPr marL="3428859" indent="-228591" eaLnBrk="0" fontAlgn="base" hangingPunct="0">
+            <a:lvl8pPr marL="3429000" indent="-228600" eaLnBrk="0" fontAlgn="base" hangingPunct="0">
               <a:spcBef>
                 <a:spcPct val="20000"/>
               </a:spcBef>
@@ -17253,7 +15958,7 @@
                 <a:ea typeface="宋体" panose="02010600030101010101" pitchFamily="2" charset="-122"/>
               </a:defRPr>
             </a:lvl8pPr>
-            <a:lvl9pPr marL="3886041" indent="-228591" eaLnBrk="0" fontAlgn="base" hangingPunct="0">
+            <a:lvl9pPr marL="3886200" indent="-228600" eaLnBrk="0" fontAlgn="base" hangingPunct="0">
               <a:spcBef>
                 <a:spcPct val="20000"/>
               </a:spcBef>
@@ -17285,14 +15990,6 @@
                   <a:srgbClr val="898989"/>
                 </a:solidFill>
               </a:rPr>
-              <a:pPr>
-                <a:spcBef>
-                  <a:spcPct val="0"/>
-                </a:spcBef>
-                <a:buFontTx/>
-                <a:buNone/>
-              </a:pPr>
-              <a:t>5</a:t>
             </a:fld>
             <a:endParaRPr lang="zh-CN" altLang="en-US" sz="1200" dirty="0">
               <a:solidFill>
@@ -17311,7 +16008,7 @@
           <p:nvPr/>
         </p:nvPicPr>
         <p:blipFill>
-          <a:blip r:embed="rId4" cstate="print">
+          <a:blip r:embed="rId2" cstate="print">
             <a:extLst>
               <a:ext uri="{28A0092B-C50C-407E-A947-70E740481C1C}">
                 <a14:useLocalDpi xmlns:a14="http://schemas.microsoft.com/office/drawing/2010/main" val="0"/>
@@ -17335,36 +16032,11 @@
           <a:ln>
             <a:noFill/>
           </a:ln>
-          <a:extLst>
-            <a:ext uri="{909E8E84-426E-40dd-AFC4-6F175D3DCCD1}">
-              <a14:hiddenFill xmlns:a14="http://schemas.microsoft.com/office/drawing/2010/main" xmlns="">
-                <a:solidFill>
-                  <a:srgbClr val="FFFFFF"/>
-                </a:solidFill>
-              </a14:hiddenFill>
-            </a:ext>
-            <a:ext uri="{91240B29-F687-4f45-9708-019B960494DF}">
-              <a14:hiddenLine xmlns:a14="http://schemas.microsoft.com/office/drawing/2010/main" xmlns="" w="9525">
-                <a:solidFill>
-                  <a:srgbClr val="000000"/>
-                </a:solidFill>
-                <a:miter lim="800000"/>
-                <a:headEnd/>
-                <a:tailEnd/>
-              </a14:hiddenLine>
-            </a:ext>
-          </a:extLst>
         </p:spPr>
       </p:pic>
       <p:sp>
         <p:nvSpPr>
-          <p:cNvPr id="4" name="对话气泡: 矩形 3">
-            <a:extLst>
-              <a:ext uri="{FF2B5EF4-FFF2-40B4-BE49-F238E27FC236}">
-                <a16:creationId xmlns:a16="http://schemas.microsoft.com/office/drawing/2014/main" id="{953D93FE-A00F-46A1-AF48-8D3598DB55F3}"/>
-              </a:ext>
-            </a:extLst>
-          </p:cNvPr>
+          <p:cNvPr id="4" name="对话气泡: 矩形 3"/>
           <p:cNvSpPr/>
           <p:nvPr/>
         </p:nvSpPr>
@@ -17418,18 +16090,21 @@
               </a:rPr>
               <a:t>成功发展一个孩子节点</a:t>
             </a:r>
+            <a:endParaRPr lang="zh-CN" altLang="en-US" dirty="0">
+              <a:solidFill>
+                <a:schemeClr val="accent5">
+                  <a:lumMod val="50000"/>
+                </a:schemeClr>
+              </a:solidFill>
+              <a:latin typeface="仿宋" panose="02010609060101010101" pitchFamily="49" charset="-122"/>
+              <a:ea typeface="仿宋" panose="02010609060101010101" pitchFamily="49" charset="-122"/>
+            </a:endParaRPr>
           </a:p>
         </p:txBody>
       </p:sp>
       <p:sp>
         <p:nvSpPr>
-          <p:cNvPr id="11" name="对话气泡: 矩形 10">
-            <a:extLst>
-              <a:ext uri="{FF2B5EF4-FFF2-40B4-BE49-F238E27FC236}">
-                <a16:creationId xmlns:a16="http://schemas.microsoft.com/office/drawing/2014/main" id="{3AA29855-7E19-4116-9204-9D8B98E1663D}"/>
-              </a:ext>
-            </a:extLst>
-          </p:cNvPr>
+          <p:cNvPr id="11" name="对话气泡: 矩形 10"/>
           <p:cNvSpPr/>
           <p:nvPr/>
         </p:nvSpPr>
@@ -17483,18 +16158,21 @@
               </a:rPr>
               <a:t>本分支上的先深搜索完毕</a:t>
             </a:r>
+            <a:endParaRPr lang="zh-CN" altLang="en-US" dirty="0">
+              <a:solidFill>
+                <a:schemeClr val="accent5">
+                  <a:lumMod val="50000"/>
+                </a:schemeClr>
+              </a:solidFill>
+              <a:latin typeface="仿宋" panose="02010609060101010101" pitchFamily="49" charset="-122"/>
+              <a:ea typeface="仿宋" panose="02010609060101010101" pitchFamily="49" charset="-122"/>
+            </a:endParaRPr>
           </a:p>
         </p:txBody>
       </p:sp>
       <p:sp>
         <p:nvSpPr>
-          <p:cNvPr id="14" name="对话气泡: 矩形 13">
-            <a:extLst>
-              <a:ext uri="{FF2B5EF4-FFF2-40B4-BE49-F238E27FC236}">
-                <a16:creationId xmlns:a16="http://schemas.microsoft.com/office/drawing/2014/main" id="{0BC43523-454C-40C6-AC2A-7B62502A0FDA}"/>
-              </a:ext>
-            </a:extLst>
-          </p:cNvPr>
+          <p:cNvPr id="14" name="对话气泡: 矩形 13"/>
           <p:cNvSpPr/>
           <p:nvPr/>
         </p:nvSpPr>
@@ -17548,15 +16226,19 @@
               </a:rPr>
               <a:t>体现先深搜索策略</a:t>
             </a:r>
+            <a:endParaRPr lang="zh-CN" altLang="en-US" dirty="0">
+              <a:solidFill>
+                <a:schemeClr val="accent5">
+                  <a:lumMod val="50000"/>
+                </a:schemeClr>
+              </a:solidFill>
+              <a:latin typeface="仿宋" panose="02010609060101010101" pitchFamily="49" charset="-122"/>
+              <a:ea typeface="仿宋" panose="02010609060101010101" pitchFamily="49" charset="-122"/>
+            </a:endParaRPr>
           </a:p>
         </p:txBody>
       </p:sp>
     </p:spTree>
-    <p:extLst>
-      <p:ext uri="{BB962C8B-B14F-4D97-AF65-F5344CB8AC3E}">
-        <p14:creationId xmlns:p14="http://schemas.microsoft.com/office/powerpoint/2010/main" val="587272599"/>
-      </p:ext>
-    </p:extLst>
   </p:cSld>
   <p:clrMapOvr>
     <a:masterClrMapping/>
@@ -17771,25 +16453,6 @@
           <a:ln>
             <a:noFill/>
           </a:ln>
-          <a:extLst>
-            <a:ext uri="{909E8E84-426E-40dd-AFC4-6F175D3DCCD1}">
-              <a14:hiddenFill xmlns:a14="http://schemas.microsoft.com/office/drawing/2010/main" xmlns="">
-                <a:solidFill>
-                  <a:srgbClr val="FFFFFF"/>
-                </a:solidFill>
-              </a14:hiddenFill>
-            </a:ext>
-            <a:ext uri="{91240B29-F687-4f45-9708-019B960494DF}">
-              <a14:hiddenLine xmlns:a14="http://schemas.microsoft.com/office/drawing/2010/main" xmlns="" w="9525">
-                <a:solidFill>
-                  <a:srgbClr val="000000"/>
-                </a:solidFill>
-                <a:miter lim="800000"/>
-                <a:headEnd/>
-                <a:tailEnd/>
-              </a14:hiddenLine>
-            </a:ext>
-          </a:extLst>
         </p:spPr>
         <p:txBody>
           <a:bodyPr wrap="square" lIns="91436" tIns="45718" rIns="91436" bIns="45718">
@@ -17963,6 +16626,13 @@
               </a:rPr>
               <a:t>Bellman-Ford</a:t>
             </a:r>
+            <a:endParaRPr lang="en-US" altLang="zh-CN" b="1" dirty="0">
+              <a:solidFill>
+                <a:srgbClr val="002060"/>
+              </a:solidFill>
+              <a:latin typeface="微软雅黑" panose="020B0503020204020204" pitchFamily="34" charset="-122"/>
+              <a:ea typeface="微软雅黑" panose="020B0503020204020204" pitchFamily="34" charset="-122"/>
+            </a:endParaRPr>
           </a:p>
         </p:txBody>
       </p:sp>
@@ -17982,25 +16652,6 @@
             <a:ext cx="2133600" cy="365125"/>
           </a:xfrm>
           <a:noFill/>
-          <a:extLst>
-            <a:ext uri="{909E8E84-426E-40dd-AFC4-6F175D3DCCD1}">
-              <a14:hiddenFill xmlns:a14="http://schemas.microsoft.com/office/drawing/2010/main" xmlns="">
-                <a:solidFill>
-                  <a:srgbClr val="FFFFFF"/>
-                </a:solidFill>
-              </a14:hiddenFill>
-            </a:ext>
-            <a:ext uri="{91240B29-F687-4f45-9708-019B960494DF}">
-              <a14:hiddenLine xmlns:a14="http://schemas.microsoft.com/office/drawing/2010/main" xmlns="" w="9525">
-                <a:solidFill>
-                  <a:srgbClr val="000000"/>
-                </a:solidFill>
-                <a:miter lim="800000"/>
-                <a:headEnd/>
-                <a:tailEnd/>
-              </a14:hiddenLine>
-            </a:ext>
-          </a:extLst>
         </p:spPr>
         <p:txBody>
           <a:bodyPr/>
@@ -18019,7 +16670,7 @@
                 <a:ea typeface="宋体" panose="02010600030101010101" pitchFamily="2" charset="-122"/>
               </a:defRPr>
             </a:lvl1pPr>
-            <a:lvl2pPr marL="742920" indent="-285738">
+            <a:lvl2pPr marL="742950" indent="-285750">
               <a:spcBef>
                 <a:spcPct val="20000"/>
               </a:spcBef>
@@ -18033,7 +16684,7 @@
                 <a:ea typeface="宋体" panose="02010600030101010101" pitchFamily="2" charset="-122"/>
               </a:defRPr>
             </a:lvl2pPr>
-            <a:lvl3pPr marL="1142953" indent="-228591">
+            <a:lvl3pPr marL="1143000" indent="-228600">
               <a:spcBef>
                 <a:spcPct val="20000"/>
               </a:spcBef>
@@ -18047,7 +16698,7 @@
                 <a:ea typeface="宋体" panose="02010600030101010101" pitchFamily="2" charset="-122"/>
               </a:defRPr>
             </a:lvl3pPr>
-            <a:lvl4pPr marL="1600135" indent="-228591">
+            <a:lvl4pPr marL="1600200" indent="-228600">
               <a:spcBef>
                 <a:spcPct val="20000"/>
               </a:spcBef>
@@ -18061,7 +16712,7 @@
                 <a:ea typeface="宋体" panose="02010600030101010101" pitchFamily="2" charset="-122"/>
               </a:defRPr>
             </a:lvl4pPr>
-            <a:lvl5pPr marL="2057315" indent="-228591">
+            <a:lvl5pPr marL="2057400" indent="-228600">
               <a:spcBef>
                 <a:spcPct val="20000"/>
               </a:spcBef>
@@ -18075,7 +16726,7 @@
                 <a:ea typeface="宋体" panose="02010600030101010101" pitchFamily="2" charset="-122"/>
               </a:defRPr>
             </a:lvl5pPr>
-            <a:lvl6pPr marL="2514497" indent="-228591" eaLnBrk="0" fontAlgn="base" hangingPunct="0">
+            <a:lvl6pPr marL="2514600" indent="-228600" eaLnBrk="0" fontAlgn="base" hangingPunct="0">
               <a:spcBef>
                 <a:spcPct val="20000"/>
               </a:spcBef>
@@ -18092,7 +16743,7 @@
                 <a:ea typeface="宋体" panose="02010600030101010101" pitchFamily="2" charset="-122"/>
               </a:defRPr>
             </a:lvl6pPr>
-            <a:lvl7pPr marL="2971678" indent="-228591" eaLnBrk="0" fontAlgn="base" hangingPunct="0">
+            <a:lvl7pPr marL="2971800" indent="-228600" eaLnBrk="0" fontAlgn="base" hangingPunct="0">
               <a:spcBef>
                 <a:spcPct val="20000"/>
               </a:spcBef>
@@ -18109,7 +16760,7 @@
                 <a:ea typeface="宋体" panose="02010600030101010101" pitchFamily="2" charset="-122"/>
               </a:defRPr>
             </a:lvl7pPr>
-            <a:lvl8pPr marL="3428859" indent="-228591" eaLnBrk="0" fontAlgn="base" hangingPunct="0">
+            <a:lvl8pPr marL="3429000" indent="-228600" eaLnBrk="0" fontAlgn="base" hangingPunct="0">
               <a:spcBef>
                 <a:spcPct val="20000"/>
               </a:spcBef>
@@ -18126,7 +16777,7 @@
                 <a:ea typeface="宋体" panose="02010600030101010101" pitchFamily="2" charset="-122"/>
               </a:defRPr>
             </a:lvl8pPr>
-            <a:lvl9pPr marL="3886041" indent="-228591" eaLnBrk="0" fontAlgn="base" hangingPunct="0">
+            <a:lvl9pPr marL="3886200" indent="-228600" eaLnBrk="0" fontAlgn="base" hangingPunct="0">
               <a:spcBef>
                 <a:spcPct val="20000"/>
               </a:spcBef>
@@ -18158,14 +16809,6 @@
                   <a:srgbClr val="898989"/>
                 </a:solidFill>
               </a:rPr>
-              <a:pPr>
-                <a:spcBef>
-                  <a:spcPct val="0"/>
-                </a:spcBef>
-                <a:buFontTx/>
-                <a:buNone/>
-              </a:pPr>
-              <a:t>6</a:t>
             </a:fld>
             <a:endParaRPr lang="zh-CN" altLang="en-US" sz="1200" dirty="0">
               <a:solidFill>
@@ -18184,7 +16827,7 @@
           <p:nvPr/>
         </p:nvPicPr>
         <p:blipFill>
-          <a:blip r:embed="rId3" cstate="print">
+          <a:blip r:embed="rId1" cstate="print">
             <a:extLst>
               <a:ext uri="{28A0092B-C50C-407E-A947-70E740481C1C}">
                 <a14:useLocalDpi xmlns:a14="http://schemas.microsoft.com/office/drawing/2010/main" val="0"/>
@@ -18208,43 +16851,18 @@
           <a:ln>
             <a:noFill/>
           </a:ln>
-          <a:extLst>
-            <a:ext uri="{909E8E84-426E-40dd-AFC4-6F175D3DCCD1}">
-              <a14:hiddenFill xmlns:a14="http://schemas.microsoft.com/office/drawing/2010/main" xmlns="">
-                <a:solidFill>
-                  <a:srgbClr val="FFFFFF"/>
-                </a:solidFill>
-              </a14:hiddenFill>
-            </a:ext>
-            <a:ext uri="{91240B29-F687-4f45-9708-019B960494DF}">
-              <a14:hiddenLine xmlns:a14="http://schemas.microsoft.com/office/drawing/2010/main" xmlns="" w="9525">
-                <a:solidFill>
-                  <a:srgbClr val="000000"/>
-                </a:solidFill>
-                <a:miter lim="800000"/>
-                <a:headEnd/>
-                <a:tailEnd/>
-              </a14:hiddenLine>
-            </a:ext>
-          </a:extLst>
         </p:spPr>
       </p:pic>
       <p:pic>
         <p:nvPicPr>
-          <p:cNvPr id="2" name="图片 1">
-            <a:extLst>
-              <a:ext uri="{FF2B5EF4-FFF2-40B4-BE49-F238E27FC236}">
-                <a16:creationId xmlns:a16="http://schemas.microsoft.com/office/drawing/2014/main" id="{60834139-DDC0-4FBD-8592-C0DAC80DE857}"/>
-              </a:ext>
-            </a:extLst>
-          </p:cNvPr>
+          <p:cNvPr id="2" name="图片 1"/>
           <p:cNvPicPr>
             <a:picLocks noChangeAspect="1"/>
           </p:cNvPicPr>
           <p:nvPr/>
         </p:nvPicPr>
         <p:blipFill>
-          <a:blip r:embed="rId4"/>
+          <a:blip r:embed="rId2"/>
           <a:stretch>
             <a:fillRect/>
           </a:stretch>
@@ -18259,14 +16877,14 @@
           </a:prstGeom>
         </p:spPr>
       </p:pic>
-      <mc:AlternateContent xmlns:mc="http://schemas.openxmlformats.org/markup-compatibility/2006" xmlns:a14="http://schemas.microsoft.com/office/drawing/2010/main">
-        <mc:Choice Requires="a14">
+      <mc:AlternateContent xmlns:mc="http://schemas.openxmlformats.org/markup-compatibility/2006">
+        <mc:Choice xmlns:a14="http://schemas.microsoft.com/office/drawing/2010/main" Requires="a14">
           <p:sp>
             <p:nvSpPr>
               <p:cNvPr id="10" name="对话气泡: 矩形 9">
                 <a:extLst>
                   <a:ext uri="{FF2B5EF4-FFF2-40B4-BE49-F238E27FC236}">
-                    <a16:creationId xmlns:a16="http://schemas.microsoft.com/office/drawing/2014/main" id="{F6C706F2-BE01-4233-B247-CF3F0C5410C9}"/>
+                    <ele attr="{F6C706F2-BE01-4233-B247-CF3F0C5410C9}"/>
                   </a:ext>
                 </a:extLst>
               </p:cNvPr>
@@ -18414,16 +17032,10 @@
             </p:txBody>
           </p:sp>
         </mc:Choice>
-        <mc:Fallback xmlns="">
+        <mc:Fallback>
           <p:sp>
             <p:nvSpPr>
-              <p:cNvPr id="10" name="对话气泡: 矩形 9">
-                <a:extLst>
-                  <a:ext uri="{FF2B5EF4-FFF2-40B4-BE49-F238E27FC236}">
-                    <a16:creationId xmlns:a16="http://schemas.microsoft.com/office/drawing/2014/main" id="{F6C706F2-BE01-4233-B247-CF3F0C5410C9}"/>
-                  </a:ext>
-                </a:extLst>
-              </p:cNvPr>
+              <p:cNvPr id="10" name="对话气泡: 矩形 9"/>
               <p:cNvSpPr>
                 <a:spLocks noRot="1" noChangeAspect="1" noMove="1" noResize="1" noEditPoints="1" noAdjustHandles="1" noChangeArrowheads="1" noChangeShapeType="1" noTextEdit="1"/>
               </p:cNvSpPr>
@@ -18440,8 +17052,8 @@
                   <a:gd name="adj2" fmla="val 20494"/>
                 </a:avLst>
               </a:prstGeom>
-              <a:blipFill>
-                <a:blip r:embed="rId5"/>
+              <a:blipFill rotWithShape="1">
+                <a:blip r:embed="rId3"/>
                 <a:stretch>
                   <a:fillRect t="-9375" b="-18750"/>
                 </a:stretch>
@@ -18462,6 +17074,9 @@
                   </a:rPr>
                   <a:t> </a:t>
                 </a:r>
+                <a:endParaRPr lang="zh-CN" altLang="en-US">
+                  <a:noFill/>
+                </a:endParaRPr>
               </a:p>
             </p:txBody>
           </p:sp>
@@ -18469,13 +17084,7 @@
       </mc:AlternateContent>
       <p:sp>
         <p:nvSpPr>
-          <p:cNvPr id="11" name="对话气泡: 矩形 10">
-            <a:extLst>
-              <a:ext uri="{FF2B5EF4-FFF2-40B4-BE49-F238E27FC236}">
-                <a16:creationId xmlns:a16="http://schemas.microsoft.com/office/drawing/2014/main" id="{A9F67E13-D393-4920-96A9-22F30C569020}"/>
-              </a:ext>
-            </a:extLst>
-          </p:cNvPr>
+          <p:cNvPr id="11" name="对话气泡: 矩形 10"/>
           <p:cNvSpPr/>
           <p:nvPr/>
         </p:nvSpPr>
@@ -18529,15 +17138,19 @@
               </a:rPr>
               <a:t>单源最短路最终体现为一棵生成树，因此可记录父节点</a:t>
             </a:r>
+            <a:endParaRPr lang="zh-CN" altLang="en-US" dirty="0">
+              <a:solidFill>
+                <a:schemeClr val="accent5">
+                  <a:lumMod val="50000"/>
+                </a:schemeClr>
+              </a:solidFill>
+              <a:latin typeface="仿宋" panose="02010609060101010101" pitchFamily="49" charset="-122"/>
+              <a:ea typeface="仿宋" panose="02010609060101010101" pitchFamily="49" charset="-122"/>
+            </a:endParaRPr>
           </a:p>
         </p:txBody>
       </p:sp>
     </p:spTree>
-    <p:extLst>
-      <p:ext uri="{BB962C8B-B14F-4D97-AF65-F5344CB8AC3E}">
-        <p14:creationId xmlns:p14="http://schemas.microsoft.com/office/powerpoint/2010/main" val="3586068593"/>
-      </p:ext>
-    </p:extLst>
   </p:cSld>
   <p:clrMapOvr>
     <a:masterClrMapping/>
@@ -18706,25 +17319,6 @@
           <a:ln>
             <a:noFill/>
           </a:ln>
-          <a:extLst>
-            <a:ext uri="{909E8E84-426E-40dd-AFC4-6F175D3DCCD1}">
-              <a14:hiddenFill xmlns:a14="http://schemas.microsoft.com/office/drawing/2010/main" xmlns="">
-                <a:solidFill>
-                  <a:srgbClr val="FFFFFF"/>
-                </a:solidFill>
-              </a14:hiddenFill>
-            </a:ext>
-            <a:ext uri="{91240B29-F687-4f45-9708-019B960494DF}">
-              <a14:hiddenLine xmlns:a14="http://schemas.microsoft.com/office/drawing/2010/main" xmlns="" w="9525">
-                <a:solidFill>
-                  <a:srgbClr val="000000"/>
-                </a:solidFill>
-                <a:miter lim="800000"/>
-                <a:headEnd/>
-                <a:tailEnd/>
-              </a14:hiddenLine>
-            </a:ext>
-          </a:extLst>
         </p:spPr>
         <p:txBody>
           <a:bodyPr wrap="square" lIns="91436" tIns="45718" rIns="91436" bIns="45718">
@@ -18898,6 +17492,13 @@
               </a:rPr>
               <a:t>Bellman-Ford</a:t>
             </a:r>
+            <a:endParaRPr lang="en-US" altLang="zh-CN" b="1" dirty="0">
+              <a:solidFill>
+                <a:srgbClr val="002060"/>
+              </a:solidFill>
+              <a:latin typeface="微软雅黑" panose="020B0503020204020204" pitchFamily="34" charset="-122"/>
+              <a:ea typeface="微软雅黑" panose="020B0503020204020204" pitchFamily="34" charset="-122"/>
+            </a:endParaRPr>
           </a:p>
         </p:txBody>
       </p:sp>
@@ -18917,25 +17518,6 @@
             <a:ext cx="2133600" cy="365125"/>
           </a:xfrm>
           <a:noFill/>
-          <a:extLst>
-            <a:ext uri="{909E8E84-426E-40dd-AFC4-6F175D3DCCD1}">
-              <a14:hiddenFill xmlns:a14="http://schemas.microsoft.com/office/drawing/2010/main" xmlns="">
-                <a:solidFill>
-                  <a:srgbClr val="FFFFFF"/>
-                </a:solidFill>
-              </a14:hiddenFill>
-            </a:ext>
-            <a:ext uri="{91240B29-F687-4f45-9708-019B960494DF}">
-              <a14:hiddenLine xmlns:a14="http://schemas.microsoft.com/office/drawing/2010/main" xmlns="" w="9525">
-                <a:solidFill>
-                  <a:srgbClr val="000000"/>
-                </a:solidFill>
-                <a:miter lim="800000"/>
-                <a:headEnd/>
-                <a:tailEnd/>
-              </a14:hiddenLine>
-            </a:ext>
-          </a:extLst>
         </p:spPr>
         <p:txBody>
           <a:bodyPr/>
@@ -18954,7 +17536,7 @@
                 <a:ea typeface="宋体" panose="02010600030101010101" pitchFamily="2" charset="-122"/>
               </a:defRPr>
             </a:lvl1pPr>
-            <a:lvl2pPr marL="742920" indent="-285738">
+            <a:lvl2pPr marL="742950" indent="-285750">
               <a:spcBef>
                 <a:spcPct val="20000"/>
               </a:spcBef>
@@ -18968,7 +17550,7 @@
                 <a:ea typeface="宋体" panose="02010600030101010101" pitchFamily="2" charset="-122"/>
               </a:defRPr>
             </a:lvl2pPr>
-            <a:lvl3pPr marL="1142953" indent="-228591">
+            <a:lvl3pPr marL="1143000" indent="-228600">
               <a:spcBef>
                 <a:spcPct val="20000"/>
               </a:spcBef>
@@ -18982,7 +17564,7 @@
                 <a:ea typeface="宋体" panose="02010600030101010101" pitchFamily="2" charset="-122"/>
               </a:defRPr>
             </a:lvl3pPr>
-            <a:lvl4pPr marL="1600135" indent="-228591">
+            <a:lvl4pPr marL="1600200" indent="-228600">
               <a:spcBef>
                 <a:spcPct val="20000"/>
               </a:spcBef>
@@ -18996,7 +17578,7 @@
                 <a:ea typeface="宋体" panose="02010600030101010101" pitchFamily="2" charset="-122"/>
               </a:defRPr>
             </a:lvl4pPr>
-            <a:lvl5pPr marL="2057315" indent="-228591">
+            <a:lvl5pPr marL="2057400" indent="-228600">
               <a:spcBef>
                 <a:spcPct val="20000"/>
               </a:spcBef>
@@ -19010,7 +17592,7 @@
                 <a:ea typeface="宋体" panose="02010600030101010101" pitchFamily="2" charset="-122"/>
               </a:defRPr>
             </a:lvl5pPr>
-            <a:lvl6pPr marL="2514497" indent="-228591" eaLnBrk="0" fontAlgn="base" hangingPunct="0">
+            <a:lvl6pPr marL="2514600" indent="-228600" eaLnBrk="0" fontAlgn="base" hangingPunct="0">
               <a:spcBef>
                 <a:spcPct val="20000"/>
               </a:spcBef>
@@ -19027,7 +17609,7 @@
                 <a:ea typeface="宋体" panose="02010600030101010101" pitchFamily="2" charset="-122"/>
               </a:defRPr>
             </a:lvl6pPr>
-            <a:lvl7pPr marL="2971678" indent="-228591" eaLnBrk="0" fontAlgn="base" hangingPunct="0">
+            <a:lvl7pPr marL="2971800" indent="-228600" eaLnBrk="0" fontAlgn="base" hangingPunct="0">
               <a:spcBef>
                 <a:spcPct val="20000"/>
               </a:spcBef>
@@ -19044,7 +17626,7 @@
                 <a:ea typeface="宋体" panose="02010600030101010101" pitchFamily="2" charset="-122"/>
               </a:defRPr>
             </a:lvl7pPr>
-            <a:lvl8pPr marL="3428859" indent="-228591" eaLnBrk="0" fontAlgn="base" hangingPunct="0">
+            <a:lvl8pPr marL="3429000" indent="-228600" eaLnBrk="0" fontAlgn="base" hangingPunct="0">
               <a:spcBef>
                 <a:spcPct val="20000"/>
               </a:spcBef>
@@ -19061,7 +17643,7 @@
                 <a:ea typeface="宋体" panose="02010600030101010101" pitchFamily="2" charset="-122"/>
               </a:defRPr>
             </a:lvl8pPr>
-            <a:lvl9pPr marL="3886041" indent="-228591" eaLnBrk="0" fontAlgn="base" hangingPunct="0">
+            <a:lvl9pPr marL="3886200" indent="-228600" eaLnBrk="0" fontAlgn="base" hangingPunct="0">
               <a:spcBef>
                 <a:spcPct val="20000"/>
               </a:spcBef>
@@ -19093,14 +17675,6 @@
                   <a:srgbClr val="898989"/>
                 </a:solidFill>
               </a:rPr>
-              <a:pPr>
-                <a:spcBef>
-                  <a:spcPct val="0"/>
-                </a:spcBef>
-                <a:buFontTx/>
-                <a:buNone/>
-              </a:pPr>
-              <a:t>7</a:t>
             </a:fld>
             <a:endParaRPr lang="zh-CN" altLang="en-US" sz="1200" dirty="0">
               <a:solidFill>
@@ -19119,7 +17693,7 @@
           <p:nvPr/>
         </p:nvPicPr>
         <p:blipFill>
-          <a:blip r:embed="rId3" cstate="print">
+          <a:blip r:embed="rId1" cstate="print">
             <a:extLst>
               <a:ext uri="{28A0092B-C50C-407E-A947-70E740481C1C}">
                 <a14:useLocalDpi xmlns:a14="http://schemas.microsoft.com/office/drawing/2010/main" val="0"/>
@@ -19143,35 +17717,16 @@
           <a:ln>
             <a:noFill/>
           </a:ln>
-          <a:extLst>
-            <a:ext uri="{909E8E84-426E-40dd-AFC4-6F175D3DCCD1}">
-              <a14:hiddenFill xmlns:a14="http://schemas.microsoft.com/office/drawing/2010/main" xmlns="">
-                <a:solidFill>
-                  <a:srgbClr val="FFFFFF"/>
-                </a:solidFill>
-              </a14:hiddenFill>
-            </a:ext>
-            <a:ext uri="{91240B29-F687-4f45-9708-019B960494DF}">
-              <a14:hiddenLine xmlns:a14="http://schemas.microsoft.com/office/drawing/2010/main" xmlns="" w="9525">
-                <a:solidFill>
-                  <a:srgbClr val="000000"/>
-                </a:solidFill>
-                <a:miter lim="800000"/>
-                <a:headEnd/>
-                <a:tailEnd/>
-              </a14:hiddenLine>
-            </a:ext>
-          </a:extLst>
         </p:spPr>
       </p:pic>
-      <mc:AlternateContent xmlns:mc="http://schemas.openxmlformats.org/markup-compatibility/2006" xmlns:a14="http://schemas.microsoft.com/office/drawing/2010/main">
-        <mc:Choice Requires="a14">
+      <mc:AlternateContent xmlns:mc="http://schemas.openxmlformats.org/markup-compatibility/2006">
+        <mc:Choice xmlns:a14="http://schemas.microsoft.com/office/drawing/2010/main" Requires="a14">
           <p:sp>
             <p:nvSpPr>
               <p:cNvPr id="6" name="Subtitle 2">
                 <a:extLst>
                   <a:ext uri="{FF2B5EF4-FFF2-40B4-BE49-F238E27FC236}">
-                    <a16:creationId xmlns:a16="http://schemas.microsoft.com/office/drawing/2014/main" id="{5B72932F-F3D6-46BF-9A61-0930A2E33BD6}"/>
+                    <ele attr="{5B72932F-F3D6-46BF-9A61-0930A2E33BD6}"/>
                   </a:ext>
                 </a:extLst>
               </p:cNvPr>
@@ -19984,16 +18539,10 @@
             </p:txBody>
           </p:sp>
         </mc:Choice>
-        <mc:Fallback xmlns="">
+        <mc:Fallback>
           <p:sp>
             <p:nvSpPr>
-              <p:cNvPr id="6" name="Subtitle 2">
-                <a:extLst>
-                  <a:ext uri="{FF2B5EF4-FFF2-40B4-BE49-F238E27FC236}">
-                    <a16:creationId xmlns:a16="http://schemas.microsoft.com/office/drawing/2014/main" id="{5B72932F-F3D6-46BF-9A61-0930A2E33BD6}"/>
-                  </a:ext>
-                </a:extLst>
-              </p:cNvPr>
+              <p:cNvPr id="6" name="Subtitle 2"/>
               <p:cNvSpPr txBox="1">
                 <a:spLocks noRot="1" noChangeAspect="1" noMove="1" noResize="1" noEditPoints="1" noAdjustHandles="1" noChangeArrowheads="1" noChangeShapeType="1" noTextEdit="1"/>
               </p:cNvSpPr>
@@ -20007,8 +18556,8 @@
               <a:prstGeom prst="rect">
                 <a:avLst/>
               </a:prstGeom>
-              <a:blipFill>
-                <a:blip r:embed="rId4"/>
+              <a:blipFill rotWithShape="1">
+                <a:blip r:embed="rId2"/>
                 <a:stretch>
                   <a:fillRect l="-608" t="-1141" r="-135"/>
                 </a:stretch>
@@ -20046,17 +18595,15 @@
                   </a:rPr>
                   <a:t> </a:t>
                 </a:r>
+                <a:endParaRPr lang="zh-CN" altLang="en-US">
+                  <a:noFill/>
+                </a:endParaRPr>
               </a:p>
             </p:txBody>
           </p:sp>
         </mc:Fallback>
       </mc:AlternateContent>
     </p:spTree>
-    <p:extLst>
-      <p:ext uri="{BB962C8B-B14F-4D97-AF65-F5344CB8AC3E}">
-        <p14:creationId xmlns:p14="http://schemas.microsoft.com/office/powerpoint/2010/main" val="236987776"/>
-      </p:ext>
-    </p:extLst>
   </p:cSld>
   <p:clrMapOvr>
     <a:masterClrMapping/>
@@ -20101,25 +18648,6 @@
           <a:ln>
             <a:noFill/>
           </a:ln>
-          <a:extLst>
-            <a:ext uri="{909E8E84-426E-40dd-AFC4-6F175D3DCCD1}">
-              <a14:hiddenFill xmlns:a14="http://schemas.microsoft.com/office/drawing/2010/main" xmlns="">
-                <a:solidFill>
-                  <a:srgbClr val="FFFFFF"/>
-                </a:solidFill>
-              </a14:hiddenFill>
-            </a:ext>
-            <a:ext uri="{91240B29-F687-4f45-9708-019B960494DF}">
-              <a14:hiddenLine xmlns:a14="http://schemas.microsoft.com/office/drawing/2010/main" xmlns="" w="9525">
-                <a:solidFill>
-                  <a:srgbClr val="000000"/>
-                </a:solidFill>
-                <a:miter lim="800000"/>
-                <a:headEnd/>
-                <a:tailEnd/>
-              </a14:hiddenLine>
-            </a:ext>
-          </a:extLst>
         </p:spPr>
         <p:txBody>
           <a:bodyPr wrap="square" lIns="91436" tIns="45718" rIns="91436" bIns="45718">
@@ -20293,6 +18821,13 @@
               </a:rPr>
               <a:t>Bellman-Ford</a:t>
             </a:r>
+            <a:endParaRPr lang="en-US" altLang="zh-CN" b="1" dirty="0">
+              <a:solidFill>
+                <a:srgbClr val="002060"/>
+              </a:solidFill>
+              <a:latin typeface="微软雅黑" panose="020B0503020204020204" pitchFamily="34" charset="-122"/>
+              <a:ea typeface="微软雅黑" panose="020B0503020204020204" pitchFamily="34" charset="-122"/>
+            </a:endParaRPr>
           </a:p>
         </p:txBody>
       </p:sp>
@@ -20312,25 +18847,6 @@
             <a:ext cx="2133600" cy="365125"/>
           </a:xfrm>
           <a:noFill/>
-          <a:extLst>
-            <a:ext uri="{909E8E84-426E-40dd-AFC4-6F175D3DCCD1}">
-              <a14:hiddenFill xmlns:a14="http://schemas.microsoft.com/office/drawing/2010/main" xmlns="">
-                <a:solidFill>
-                  <a:srgbClr val="FFFFFF"/>
-                </a:solidFill>
-              </a14:hiddenFill>
-            </a:ext>
-            <a:ext uri="{91240B29-F687-4f45-9708-019B960494DF}">
-              <a14:hiddenLine xmlns:a14="http://schemas.microsoft.com/office/drawing/2010/main" xmlns="" w="9525">
-                <a:solidFill>
-                  <a:srgbClr val="000000"/>
-                </a:solidFill>
-                <a:miter lim="800000"/>
-                <a:headEnd/>
-                <a:tailEnd/>
-              </a14:hiddenLine>
-            </a:ext>
-          </a:extLst>
         </p:spPr>
         <p:txBody>
           <a:bodyPr/>
@@ -20349,7 +18865,7 @@
                 <a:ea typeface="宋体" panose="02010600030101010101" pitchFamily="2" charset="-122"/>
               </a:defRPr>
             </a:lvl1pPr>
-            <a:lvl2pPr marL="742920" indent="-285738">
+            <a:lvl2pPr marL="742950" indent="-285750">
               <a:spcBef>
                 <a:spcPct val="20000"/>
               </a:spcBef>
@@ -20363,7 +18879,7 @@
                 <a:ea typeface="宋体" panose="02010600030101010101" pitchFamily="2" charset="-122"/>
               </a:defRPr>
             </a:lvl2pPr>
-            <a:lvl3pPr marL="1142953" indent="-228591">
+            <a:lvl3pPr marL="1143000" indent="-228600">
               <a:spcBef>
                 <a:spcPct val="20000"/>
               </a:spcBef>
@@ -20377,7 +18893,7 @@
                 <a:ea typeface="宋体" panose="02010600030101010101" pitchFamily="2" charset="-122"/>
               </a:defRPr>
             </a:lvl3pPr>
-            <a:lvl4pPr marL="1600135" indent="-228591">
+            <a:lvl4pPr marL="1600200" indent="-228600">
               <a:spcBef>
                 <a:spcPct val="20000"/>
               </a:spcBef>
@@ -20391,7 +18907,7 @@
                 <a:ea typeface="宋体" panose="02010600030101010101" pitchFamily="2" charset="-122"/>
               </a:defRPr>
             </a:lvl4pPr>
-            <a:lvl5pPr marL="2057315" indent="-228591">
+            <a:lvl5pPr marL="2057400" indent="-228600">
               <a:spcBef>
                 <a:spcPct val="20000"/>
               </a:spcBef>
@@ -20405,7 +18921,7 @@
                 <a:ea typeface="宋体" panose="02010600030101010101" pitchFamily="2" charset="-122"/>
               </a:defRPr>
             </a:lvl5pPr>
-            <a:lvl6pPr marL="2514497" indent="-228591" eaLnBrk="0" fontAlgn="base" hangingPunct="0">
+            <a:lvl6pPr marL="2514600" indent="-228600" eaLnBrk="0" fontAlgn="base" hangingPunct="0">
               <a:spcBef>
                 <a:spcPct val="20000"/>
               </a:spcBef>
@@ -20422,7 +18938,7 @@
                 <a:ea typeface="宋体" panose="02010600030101010101" pitchFamily="2" charset="-122"/>
               </a:defRPr>
             </a:lvl6pPr>
-            <a:lvl7pPr marL="2971678" indent="-228591" eaLnBrk="0" fontAlgn="base" hangingPunct="0">
+            <a:lvl7pPr marL="2971800" indent="-228600" eaLnBrk="0" fontAlgn="base" hangingPunct="0">
               <a:spcBef>
                 <a:spcPct val="20000"/>
               </a:spcBef>
@@ -20439,7 +18955,7 @@
                 <a:ea typeface="宋体" panose="02010600030101010101" pitchFamily="2" charset="-122"/>
               </a:defRPr>
             </a:lvl7pPr>
-            <a:lvl8pPr marL="3428859" indent="-228591" eaLnBrk="0" fontAlgn="base" hangingPunct="0">
+            <a:lvl8pPr marL="3429000" indent="-228600" eaLnBrk="0" fontAlgn="base" hangingPunct="0">
               <a:spcBef>
                 <a:spcPct val="20000"/>
               </a:spcBef>
@@ -20456,7 +18972,7 @@
                 <a:ea typeface="宋体" panose="02010600030101010101" pitchFamily="2" charset="-122"/>
               </a:defRPr>
             </a:lvl8pPr>
-            <a:lvl9pPr marL="3886041" indent="-228591" eaLnBrk="0" fontAlgn="base" hangingPunct="0">
+            <a:lvl9pPr marL="3886200" indent="-228600" eaLnBrk="0" fontAlgn="base" hangingPunct="0">
               <a:spcBef>
                 <a:spcPct val="20000"/>
               </a:spcBef>
@@ -20488,14 +19004,6 @@
                   <a:srgbClr val="898989"/>
                 </a:solidFill>
               </a:rPr>
-              <a:pPr>
-                <a:spcBef>
-                  <a:spcPct val="0"/>
-                </a:spcBef>
-                <a:buFontTx/>
-                <a:buNone/>
-              </a:pPr>
-              <a:t>8</a:t>
             </a:fld>
             <a:endParaRPr lang="zh-CN" altLang="en-US" sz="1200" dirty="0">
               <a:solidFill>
@@ -20514,7 +19022,7 @@
           <p:nvPr/>
         </p:nvPicPr>
         <p:blipFill>
-          <a:blip r:embed="rId3" cstate="print">
+          <a:blip r:embed="rId1" cstate="print">
             <a:extLst>
               <a:ext uri="{28A0092B-C50C-407E-A947-70E740481C1C}">
                 <a14:useLocalDpi xmlns:a14="http://schemas.microsoft.com/office/drawing/2010/main" val="0"/>
@@ -20538,43 +19046,18 @@
           <a:ln>
             <a:noFill/>
           </a:ln>
-          <a:extLst>
-            <a:ext uri="{909E8E84-426E-40dd-AFC4-6F175D3DCCD1}">
-              <a14:hiddenFill xmlns:a14="http://schemas.microsoft.com/office/drawing/2010/main" xmlns="">
-                <a:solidFill>
-                  <a:srgbClr val="FFFFFF"/>
-                </a:solidFill>
-              </a14:hiddenFill>
-            </a:ext>
-            <a:ext uri="{91240B29-F687-4f45-9708-019B960494DF}">
-              <a14:hiddenLine xmlns:a14="http://schemas.microsoft.com/office/drawing/2010/main" xmlns="" w="9525">
-                <a:solidFill>
-                  <a:srgbClr val="000000"/>
-                </a:solidFill>
-                <a:miter lim="800000"/>
-                <a:headEnd/>
-                <a:tailEnd/>
-              </a14:hiddenLine>
-            </a:ext>
-          </a:extLst>
         </p:spPr>
       </p:pic>
       <p:pic>
         <p:nvPicPr>
-          <p:cNvPr id="3" name="图片 2">
-            <a:extLst>
-              <a:ext uri="{FF2B5EF4-FFF2-40B4-BE49-F238E27FC236}">
-                <a16:creationId xmlns:a16="http://schemas.microsoft.com/office/drawing/2014/main" id="{01CA92EC-B18B-4DD5-9959-B0F180FA103B}"/>
-              </a:ext>
-            </a:extLst>
-          </p:cNvPr>
+          <p:cNvPr id="3" name="图片 2"/>
           <p:cNvPicPr>
             <a:picLocks noChangeAspect="1"/>
           </p:cNvPicPr>
           <p:nvPr/>
         </p:nvPicPr>
         <p:blipFill>
-          <a:blip r:embed="rId4"/>
+          <a:blip r:embed="rId2"/>
           <a:stretch>
             <a:fillRect/>
           </a:stretch>
@@ -20591,13 +19074,7 @@
       </p:pic>
       <p:sp>
         <p:nvSpPr>
-          <p:cNvPr id="10" name="对话气泡: 矩形 9">
-            <a:extLst>
-              <a:ext uri="{FF2B5EF4-FFF2-40B4-BE49-F238E27FC236}">
-                <a16:creationId xmlns:a16="http://schemas.microsoft.com/office/drawing/2014/main" id="{F6C706F2-BE01-4233-B247-CF3F0C5410C9}"/>
-              </a:ext>
-            </a:extLst>
-          </p:cNvPr>
+          <p:cNvPr id="10" name="对话气泡: 矩形 9"/>
           <p:cNvSpPr/>
           <p:nvPr/>
         </p:nvSpPr>
@@ -20651,15 +19128,19 @@
               </a:rPr>
               <a:t>一旦找到一条更优路径则通知邻居节点，可能引发“惊群效应”，使得消息爆炸</a:t>
             </a:r>
+            <a:endParaRPr lang="zh-CN" altLang="en-US" dirty="0">
+              <a:solidFill>
+                <a:schemeClr val="accent5">
+                  <a:lumMod val="50000"/>
+                </a:schemeClr>
+              </a:solidFill>
+              <a:latin typeface="仿宋" panose="02010609060101010101" pitchFamily="49" charset="-122"/>
+              <a:ea typeface="仿宋" panose="02010609060101010101" pitchFamily="49" charset="-122"/>
+            </a:endParaRPr>
           </a:p>
         </p:txBody>
       </p:sp>
     </p:spTree>
-    <p:extLst>
-      <p:ext uri="{BB962C8B-B14F-4D97-AF65-F5344CB8AC3E}">
-        <p14:creationId xmlns:p14="http://schemas.microsoft.com/office/powerpoint/2010/main" val="4184792298"/>
-      </p:ext>
-    </p:extLst>
   </p:cSld>
   <p:clrMapOvr>
     <a:masterClrMapping/>
@@ -20782,25 +19263,6 @@
           <a:ln>
             <a:noFill/>
           </a:ln>
-          <a:extLst>
-            <a:ext uri="{909E8E84-426E-40dd-AFC4-6F175D3DCCD1}">
-              <a14:hiddenFill xmlns:a14="http://schemas.microsoft.com/office/drawing/2010/main" xmlns="">
-                <a:solidFill>
-                  <a:srgbClr val="FFFFFF"/>
-                </a:solidFill>
-              </a14:hiddenFill>
-            </a:ext>
-            <a:ext uri="{91240B29-F687-4f45-9708-019B960494DF}">
-              <a14:hiddenLine xmlns:a14="http://schemas.microsoft.com/office/drawing/2010/main" xmlns="" w="9525">
-                <a:solidFill>
-                  <a:srgbClr val="000000"/>
-                </a:solidFill>
-                <a:miter lim="800000"/>
-                <a:headEnd/>
-                <a:tailEnd/>
-              </a14:hiddenLine>
-            </a:ext>
-          </a:extLst>
         </p:spPr>
         <p:txBody>
           <a:bodyPr wrap="square" lIns="91436" tIns="45718" rIns="91436" bIns="45718">
@@ -21010,25 +19472,6 @@
             <a:ext cx="2133600" cy="365125"/>
           </a:xfrm>
           <a:noFill/>
-          <a:extLst>
-            <a:ext uri="{909E8E84-426E-40dd-AFC4-6F175D3DCCD1}">
-              <a14:hiddenFill xmlns:a14="http://schemas.microsoft.com/office/drawing/2010/main" xmlns="">
-                <a:solidFill>
-                  <a:srgbClr val="FFFFFF"/>
-                </a:solidFill>
-              </a14:hiddenFill>
-            </a:ext>
-            <a:ext uri="{91240B29-F687-4f45-9708-019B960494DF}">
-              <a14:hiddenLine xmlns:a14="http://schemas.microsoft.com/office/drawing/2010/main" xmlns="" w="9525">
-                <a:solidFill>
-                  <a:srgbClr val="000000"/>
-                </a:solidFill>
-                <a:miter lim="800000"/>
-                <a:headEnd/>
-                <a:tailEnd/>
-              </a14:hiddenLine>
-            </a:ext>
-          </a:extLst>
         </p:spPr>
         <p:txBody>
           <a:bodyPr/>
@@ -21047,7 +19490,7 @@
                 <a:ea typeface="宋体" panose="02010600030101010101" pitchFamily="2" charset="-122"/>
               </a:defRPr>
             </a:lvl1pPr>
-            <a:lvl2pPr marL="742920" indent="-285738">
+            <a:lvl2pPr marL="742950" indent="-285750">
               <a:spcBef>
                 <a:spcPct val="20000"/>
               </a:spcBef>
@@ -21061,7 +19504,7 @@
                 <a:ea typeface="宋体" panose="02010600030101010101" pitchFamily="2" charset="-122"/>
               </a:defRPr>
             </a:lvl2pPr>
-            <a:lvl3pPr marL="1142953" indent="-228591">
+            <a:lvl3pPr marL="1143000" indent="-228600">
               <a:spcBef>
                 <a:spcPct val="20000"/>
               </a:spcBef>
@@ -21075,7 +19518,7 @@
                 <a:ea typeface="宋体" panose="02010600030101010101" pitchFamily="2" charset="-122"/>
               </a:defRPr>
             </a:lvl3pPr>
-            <a:lvl4pPr marL="1600135" indent="-228591">
+            <a:lvl4pPr marL="1600200" indent="-228600">
               <a:spcBef>
                 <a:spcPct val="20000"/>
               </a:spcBef>
@@ -21089,7 +19532,7 @@
                 <a:ea typeface="宋体" panose="02010600030101010101" pitchFamily="2" charset="-122"/>
               </a:defRPr>
             </a:lvl4pPr>
-            <a:lvl5pPr marL="2057315" indent="-228591">
+            <a:lvl5pPr marL="2057400" indent="-228600">
               <a:spcBef>
                 <a:spcPct val="20000"/>
               </a:spcBef>
@@ -21103,7 +19546,7 @@
                 <a:ea typeface="宋体" panose="02010600030101010101" pitchFamily="2" charset="-122"/>
               </a:defRPr>
             </a:lvl5pPr>
-            <a:lvl6pPr marL="2514497" indent="-228591" eaLnBrk="0" fontAlgn="base" hangingPunct="0">
+            <a:lvl6pPr marL="2514600" indent="-228600" eaLnBrk="0" fontAlgn="base" hangingPunct="0">
               <a:spcBef>
                 <a:spcPct val="20000"/>
               </a:spcBef>
@@ -21120,7 +19563,7 @@
                 <a:ea typeface="宋体" panose="02010600030101010101" pitchFamily="2" charset="-122"/>
               </a:defRPr>
             </a:lvl6pPr>
-            <a:lvl7pPr marL="2971678" indent="-228591" eaLnBrk="0" fontAlgn="base" hangingPunct="0">
+            <a:lvl7pPr marL="2971800" indent="-228600" eaLnBrk="0" fontAlgn="base" hangingPunct="0">
               <a:spcBef>
                 <a:spcPct val="20000"/>
               </a:spcBef>
@@ -21137,7 +19580,7 @@
                 <a:ea typeface="宋体" panose="02010600030101010101" pitchFamily="2" charset="-122"/>
               </a:defRPr>
             </a:lvl7pPr>
-            <a:lvl8pPr marL="3428859" indent="-228591" eaLnBrk="0" fontAlgn="base" hangingPunct="0">
+            <a:lvl8pPr marL="3429000" indent="-228600" eaLnBrk="0" fontAlgn="base" hangingPunct="0">
               <a:spcBef>
                 <a:spcPct val="20000"/>
               </a:spcBef>
@@ -21154,7 +19597,7 @@
                 <a:ea typeface="宋体" panose="02010600030101010101" pitchFamily="2" charset="-122"/>
               </a:defRPr>
             </a:lvl8pPr>
-            <a:lvl9pPr marL="3886041" indent="-228591" eaLnBrk="0" fontAlgn="base" hangingPunct="0">
+            <a:lvl9pPr marL="3886200" indent="-228600" eaLnBrk="0" fontAlgn="base" hangingPunct="0">
               <a:spcBef>
                 <a:spcPct val="20000"/>
               </a:spcBef>
@@ -21186,14 +19629,6 @@
                   <a:srgbClr val="898989"/>
                 </a:solidFill>
               </a:rPr>
-              <a:pPr>
-                <a:spcBef>
-                  <a:spcPct val="0"/>
-                </a:spcBef>
-                <a:buFontTx/>
-                <a:buNone/>
-              </a:pPr>
-              <a:t>9</a:t>
             </a:fld>
             <a:endParaRPr lang="zh-CN" altLang="en-US" sz="1200" dirty="0">
               <a:solidFill>
@@ -21212,7 +19647,7 @@
           <p:nvPr/>
         </p:nvPicPr>
         <p:blipFill>
-          <a:blip r:embed="rId3" cstate="print">
+          <a:blip r:embed="rId1" cstate="print">
             <a:extLst>
               <a:ext uri="{28A0092B-C50C-407E-A947-70E740481C1C}">
                 <a14:useLocalDpi xmlns:a14="http://schemas.microsoft.com/office/drawing/2010/main" val="0"/>
@@ -21236,35 +19671,16 @@
           <a:ln>
             <a:noFill/>
           </a:ln>
-          <a:extLst>
-            <a:ext uri="{909E8E84-426E-40dd-AFC4-6F175D3DCCD1}">
-              <a14:hiddenFill xmlns:a14="http://schemas.microsoft.com/office/drawing/2010/main" xmlns="">
-                <a:solidFill>
-                  <a:srgbClr val="FFFFFF"/>
-                </a:solidFill>
-              </a14:hiddenFill>
-            </a:ext>
-            <a:ext uri="{91240B29-F687-4f45-9708-019B960494DF}">
-              <a14:hiddenLine xmlns:a14="http://schemas.microsoft.com/office/drawing/2010/main" xmlns="" w="9525">
-                <a:solidFill>
-                  <a:srgbClr val="000000"/>
-                </a:solidFill>
-                <a:miter lim="800000"/>
-                <a:headEnd/>
-                <a:tailEnd/>
-              </a14:hiddenLine>
-            </a:ext>
-          </a:extLst>
         </p:spPr>
       </p:pic>
-      <mc:AlternateContent xmlns:mc="http://schemas.openxmlformats.org/markup-compatibility/2006" xmlns:a14="http://schemas.microsoft.com/office/drawing/2010/main">
-        <mc:Choice Requires="a14">
+      <mc:AlternateContent xmlns:mc="http://schemas.openxmlformats.org/markup-compatibility/2006">
+        <mc:Choice xmlns:a14="http://schemas.microsoft.com/office/drawing/2010/main" Requires="a14">
           <p:sp>
             <p:nvSpPr>
               <p:cNvPr id="7" name="Subtitle 2">
                 <a:extLst>
                   <a:ext uri="{FF2B5EF4-FFF2-40B4-BE49-F238E27FC236}">
-                    <a16:creationId xmlns:a16="http://schemas.microsoft.com/office/drawing/2014/main" id="{4C6C24A2-9E9E-43C5-9D80-542F2B06B357}"/>
+                    <ele attr="{4C6C24A2-9E9E-43C5-9D80-542F2B06B357}"/>
                   </a:ext>
                 </a:extLst>
               </p:cNvPr>
@@ -21964,16 +20380,10 @@
             </p:txBody>
           </p:sp>
         </mc:Choice>
-        <mc:Fallback xmlns="">
+        <mc:Fallback>
           <p:sp>
             <p:nvSpPr>
-              <p:cNvPr id="7" name="Subtitle 2">
-                <a:extLst>
-                  <a:ext uri="{FF2B5EF4-FFF2-40B4-BE49-F238E27FC236}">
-                    <a16:creationId xmlns:a16="http://schemas.microsoft.com/office/drawing/2014/main" id="{4C6C24A2-9E9E-43C5-9D80-542F2B06B357}"/>
-                  </a:ext>
-                </a:extLst>
-              </p:cNvPr>
+              <p:cNvPr id="7" name="Subtitle 2"/>
               <p:cNvSpPr txBox="1">
                 <a:spLocks noRot="1" noChangeAspect="1" noMove="1" noResize="1" noEditPoints="1" noAdjustHandles="1" noChangeArrowheads="1" noChangeShapeType="1" noTextEdit="1"/>
               </p:cNvSpPr>
@@ -21987,8 +20397,8 @@
               <a:prstGeom prst="rect">
                 <a:avLst/>
               </a:prstGeom>
-              <a:blipFill>
-                <a:blip r:embed="rId4"/>
+              <a:blipFill rotWithShape="1">
+                <a:blip r:embed="rId2"/>
                 <a:stretch>
                   <a:fillRect l="-608" t="-1141" r="-3511"/>
                 </a:stretch>
@@ -22026,6 +20436,9 @@
                   </a:rPr>
                   <a:t> </a:t>
                 </a:r>
+                <a:endParaRPr lang="zh-CN" altLang="en-US">
+                  <a:noFill/>
+                </a:endParaRPr>
               </a:p>
             </p:txBody>
           </p:sp>
@@ -22033,20 +20446,14 @@
       </mc:AlternateContent>
       <p:pic>
         <p:nvPicPr>
-          <p:cNvPr id="2" name="图片 1">
-            <a:extLst>
-              <a:ext uri="{FF2B5EF4-FFF2-40B4-BE49-F238E27FC236}">
-                <a16:creationId xmlns:a16="http://schemas.microsoft.com/office/drawing/2014/main" id="{24BD492F-C131-4C91-803A-C5F21F868EF1}"/>
-              </a:ext>
-            </a:extLst>
-          </p:cNvPr>
+          <p:cNvPr id="2" name="图片 1"/>
           <p:cNvPicPr>
             <a:picLocks noChangeAspect="1"/>
           </p:cNvPicPr>
           <p:nvPr/>
         </p:nvPicPr>
         <p:blipFill>
-          <a:blip r:embed="rId5"/>
+          <a:blip r:embed="rId3"/>
           <a:stretch>
             <a:fillRect/>
           </a:stretch>
@@ -22062,11 +20469,6 @@
         </p:spPr>
       </p:pic>
     </p:spTree>
-    <p:extLst>
-      <p:ext uri="{BB962C8B-B14F-4D97-AF65-F5344CB8AC3E}">
-        <p14:creationId xmlns:p14="http://schemas.microsoft.com/office/powerpoint/2010/main" val="3510094314"/>
-      </p:ext>
-    </p:extLst>
   </p:cSld>
   <p:clrMapOvr>
     <a:masterClrMapping/>
@@ -22354,8 +20756,11 @@
       </a:bgFillStyleLst>
     </a:fmtScheme>
   </a:themeElements>
-  <a:objectDefaults/>
-  <a:extraClrSchemeLst/>
+  <a:extLst>
+    <a:ext uri="{05A4C25C-085E-4340-85A3-A5531E510DB2}">
+      <thm15:themeFamily xmlns:thm15="http://schemas.microsoft.com/office/thememl/2012/main" name="Office Theme" id="{62F939B6-93AF-4DB8-9C6B-D6C7DFDC589F}" vid="{4A3C46E8-61CC-4603-A589-7422A47A8E4A}"/>
+    </a:ext>
+  </a:extLst>
 </a:theme>
 </file>
 
@@ -22639,8 +21044,11 @@
       </a:bgFillStyleLst>
     </a:fmtScheme>
   </a:themeElements>
-  <a:objectDefaults/>
-  <a:extraClrSchemeLst/>
+  <a:extLst>
+    <a:ext uri="{05A4C25C-085E-4340-85A3-A5531E510DB2}">
+      <thm15:themeFamily xmlns:thm15="http://schemas.microsoft.com/office/thememl/2012/main" name="Office Theme" id="{62F939B6-93AF-4DB8-9C6B-D6C7DFDC589F}" vid="{4A3C46E8-61CC-4603-A589-7422A47A8E4A}"/>
+    </a:ext>
+  </a:extLst>
 </a:theme>
 </file>
 
@@ -22924,7 +21332,10 @@
       </a:bgFillStyleLst>
     </a:fmtScheme>
   </a:themeElements>
-  <a:objectDefaults/>
-  <a:extraClrSchemeLst/>
+  <a:extLst>
+    <a:ext uri="{05A4C25C-085E-4340-85A3-A5531E510DB2}">
+      <thm15:themeFamily xmlns:thm15="http://schemas.microsoft.com/office/thememl/2012/main" name="Office Theme" id="{62F939B6-93AF-4DB8-9C6B-D6C7DFDC589F}" vid="{4A3C46E8-61CC-4603-A589-7422A47A8E4A}"/>
+    </a:ext>
+  </a:extLst>
 </a:theme>
 </file>